--- a/2014_2015/DS_10_ConcoursBlanc_Robot/Figures.pptx
+++ b/2014_2015/DS_10_ConcoursBlanc_Robot/Figures.pptx
@@ -288,7 +288,7 @@
           <a:p>
             <a:fld id="{AA309A6D-C09C-4548-B29A-6CF363A7E532}" type="datetimeFigureOut">
               <a:rPr lang="fr-FR" smtClean="0"/>
-              <a:t>14/02/2015</a:t>
+              <a:t>15/02/2015</a:t>
             </a:fld>
             <a:endParaRPr lang="fr-BE"/>
           </a:p>
@@ -453,7 +453,7 @@
           <a:p>
             <a:fld id="{AA309A6D-C09C-4548-B29A-6CF363A7E532}" type="datetimeFigureOut">
               <a:rPr lang="fr-FR" smtClean="0"/>
-              <a:t>14/02/2015</a:t>
+              <a:t>15/02/2015</a:t>
             </a:fld>
             <a:endParaRPr lang="fr-BE"/>
           </a:p>
@@ -628,7 +628,7 @@
           <a:p>
             <a:fld id="{AA309A6D-C09C-4548-B29A-6CF363A7E532}" type="datetimeFigureOut">
               <a:rPr lang="fr-FR" smtClean="0"/>
-              <a:t>14/02/2015</a:t>
+              <a:t>15/02/2015</a:t>
             </a:fld>
             <a:endParaRPr lang="fr-BE"/>
           </a:p>
@@ -793,7 +793,7 @@
           <a:p>
             <a:fld id="{AA309A6D-C09C-4548-B29A-6CF363A7E532}" type="datetimeFigureOut">
               <a:rPr lang="fr-FR" smtClean="0"/>
-              <a:t>14/02/2015</a:t>
+              <a:t>15/02/2015</a:t>
             </a:fld>
             <a:endParaRPr lang="fr-BE"/>
           </a:p>
@@ -1034,7 +1034,7 @@
           <a:p>
             <a:fld id="{AA309A6D-C09C-4548-B29A-6CF363A7E532}" type="datetimeFigureOut">
               <a:rPr lang="fr-FR" smtClean="0"/>
-              <a:t>14/02/2015</a:t>
+              <a:t>15/02/2015</a:t>
             </a:fld>
             <a:endParaRPr lang="fr-BE"/>
           </a:p>
@@ -1317,7 +1317,7 @@
           <a:p>
             <a:fld id="{AA309A6D-C09C-4548-B29A-6CF363A7E532}" type="datetimeFigureOut">
               <a:rPr lang="fr-FR" smtClean="0"/>
-              <a:t>14/02/2015</a:t>
+              <a:t>15/02/2015</a:t>
             </a:fld>
             <a:endParaRPr lang="fr-BE"/>
           </a:p>
@@ -1734,7 +1734,7 @@
           <a:p>
             <a:fld id="{AA309A6D-C09C-4548-B29A-6CF363A7E532}" type="datetimeFigureOut">
               <a:rPr lang="fr-FR" smtClean="0"/>
-              <a:t>14/02/2015</a:t>
+              <a:t>15/02/2015</a:t>
             </a:fld>
             <a:endParaRPr lang="fr-BE"/>
           </a:p>
@@ -1847,7 +1847,7 @@
           <a:p>
             <a:fld id="{AA309A6D-C09C-4548-B29A-6CF363A7E532}" type="datetimeFigureOut">
               <a:rPr lang="fr-FR" smtClean="0"/>
-              <a:t>14/02/2015</a:t>
+              <a:t>15/02/2015</a:t>
             </a:fld>
             <a:endParaRPr lang="fr-BE"/>
           </a:p>
@@ -1937,7 +1937,7 @@
           <a:p>
             <a:fld id="{AA309A6D-C09C-4548-B29A-6CF363A7E532}" type="datetimeFigureOut">
               <a:rPr lang="fr-FR" smtClean="0"/>
-              <a:t>14/02/2015</a:t>
+              <a:t>15/02/2015</a:t>
             </a:fld>
             <a:endParaRPr lang="fr-BE"/>
           </a:p>
@@ -2209,7 +2209,7 @@
           <a:p>
             <a:fld id="{AA309A6D-C09C-4548-B29A-6CF363A7E532}" type="datetimeFigureOut">
               <a:rPr lang="fr-FR" smtClean="0"/>
-              <a:t>14/02/2015</a:t>
+              <a:t>15/02/2015</a:t>
             </a:fld>
             <a:endParaRPr lang="fr-BE"/>
           </a:p>
@@ -2457,7 +2457,7 @@
           <a:p>
             <a:fld id="{AA309A6D-C09C-4548-B29A-6CF363A7E532}" type="datetimeFigureOut">
               <a:rPr lang="fr-FR" smtClean="0"/>
-              <a:t>14/02/2015</a:t>
+              <a:t>15/02/2015</a:t>
             </a:fld>
             <a:endParaRPr lang="fr-BE"/>
           </a:p>
@@ -2665,7 +2665,7 @@
           <a:p>
             <a:fld id="{AA309A6D-C09C-4548-B29A-6CF363A7E532}" type="datetimeFigureOut">
               <a:rPr lang="fr-FR" smtClean="0"/>
-              <a:t>14/02/2015</a:t>
+              <a:t>15/02/2015</a:t>
             </a:fld>
             <a:endParaRPr lang="fr-BE"/>
           </a:p>
@@ -3050,7 +3050,7 @@
         </p:blipFill>
         <p:spPr bwMode="auto">
           <a:xfrm>
-            <a:off x="-1908720" y="476672"/>
+            <a:off x="-1690376" y="1590607"/>
             <a:ext cx="4392488" cy="5693009"/>
           </a:xfrm>
           <a:prstGeom prst="rect">
@@ -4072,7 +4072,7 @@
             </p:nvSpPr>
             <p:spPr>
               <a:xfrm>
-                <a:off x="4496931" y="3323176"/>
+                <a:off x="4496931" y="3340849"/>
                 <a:ext cx="519886" cy="369332"/>
               </a:xfrm>
               <a:prstGeom prst="rect">
@@ -4086,6 +4086,7 @@
               </a:bodyPr>
               <a:lstStyle/>
               <a:p>
+                <a:pPr/>
                 <a14:m>
                   <m:oMathPara xmlns:m="http://schemas.openxmlformats.org/officeDocument/2006/math">
                     <m:oMathParaPr>
@@ -4139,7 +4140,7 @@
             </p:nvSpPr>
             <p:spPr>
               <a:xfrm>
-                <a:off x="4496931" y="3323176"/>
+                <a:off x="4496931" y="3340849"/>
                 <a:ext cx="519886" cy="369332"/>
               </a:xfrm>
               <a:prstGeom prst="rect">
@@ -4167,8 +4168,8 @@
           </p:sp>
         </mc:Fallback>
       </mc:AlternateContent>
-      <mc:AlternateContent xmlns:mc="http://schemas.openxmlformats.org/markup-compatibility/2006">
-        <mc:Choice xmlns:a14="http://schemas.microsoft.com/office/drawing/2010/main" Requires="a14">
+      <mc:AlternateContent xmlns:mc="http://schemas.openxmlformats.org/markup-compatibility/2006" xmlns:a14="http://schemas.microsoft.com/office/drawing/2010/main">
+        <mc:Choice Requires="a14">
           <p:sp>
             <p:nvSpPr>
               <p:cNvPr id="59" name="ZoneTexte 58"/>
@@ -4191,6 +4192,7 @@
               </a:bodyPr>
               <a:lstStyle/>
               <a:p>
+                <a:pPr/>
                 <a14:m>
                   <m:oMathPara xmlns:m="http://schemas.openxmlformats.org/officeDocument/2006/math">
                     <m:oMathParaPr>
@@ -4233,7 +4235,7 @@
             </p:txBody>
           </p:sp>
         </mc:Choice>
-        <mc:Fallback>
+        <mc:Fallback xmlns="">
           <p:sp>
             <p:nvSpPr>
               <p:cNvPr id="59" name="ZoneTexte 58"/>
@@ -4282,7 +4284,7 @@
             </p:nvSpPr>
             <p:spPr>
               <a:xfrm>
-                <a:off x="7715979" y="621957"/>
+                <a:off x="7715979" y="658760"/>
                 <a:ext cx="513089" cy="369332"/>
               </a:xfrm>
               <a:prstGeom prst="rect">
@@ -4296,6 +4298,7 @@
               </a:bodyPr>
               <a:lstStyle/>
               <a:p>
+                <a:pPr/>
                 <a14:m>
                   <m:oMathPara xmlns:m="http://schemas.openxmlformats.org/officeDocument/2006/math">
                     <m:oMathParaPr>
@@ -4349,7 +4352,7 @@
             </p:nvSpPr>
             <p:spPr>
               <a:xfrm>
-                <a:off x="7715979" y="621957"/>
+                <a:off x="7715979" y="658760"/>
                 <a:ext cx="513089" cy="369332"/>
               </a:xfrm>
               <a:prstGeom prst="rect">
@@ -4387,7 +4390,7 @@
             </p:nvSpPr>
             <p:spPr>
               <a:xfrm>
-                <a:off x="6140880" y="695564"/>
+                <a:off x="6140880" y="658760"/>
                 <a:ext cx="498726" cy="369332"/>
               </a:xfrm>
               <a:prstGeom prst="rect">
@@ -4401,6 +4404,7 @@
               </a:bodyPr>
               <a:lstStyle/>
               <a:p>
+                <a:pPr/>
                 <a14:m>
                   <m:oMathPara xmlns:m="http://schemas.openxmlformats.org/officeDocument/2006/math">
                     <m:oMathParaPr>
@@ -4454,7 +4458,7 @@
             </p:nvSpPr>
             <p:spPr>
               <a:xfrm>
-                <a:off x="6140880" y="695564"/>
+                <a:off x="6140880" y="658760"/>
                 <a:ext cx="498726" cy="369332"/>
               </a:xfrm>
               <a:prstGeom prst="rect">
@@ -4482,8 +4486,8 @@
           </p:sp>
         </mc:Fallback>
       </mc:AlternateContent>
-      <mc:AlternateContent xmlns:mc="http://schemas.openxmlformats.org/markup-compatibility/2006">
-        <mc:Choice xmlns:a14="http://schemas.microsoft.com/office/drawing/2010/main" Requires="a14">
+      <mc:AlternateContent xmlns:mc="http://schemas.openxmlformats.org/markup-compatibility/2006" xmlns:a14="http://schemas.microsoft.com/office/drawing/2010/main">
+        <mc:Choice Requires="a14">
           <p:sp>
             <p:nvSpPr>
               <p:cNvPr id="62" name="ZoneTexte 61"/>
@@ -4506,6 +4510,7 @@
               </a:bodyPr>
               <a:lstStyle/>
               <a:p>
+                <a:pPr/>
                 <a14:m>
                   <m:oMathPara xmlns:m="http://schemas.openxmlformats.org/officeDocument/2006/math">
                     <m:oMathParaPr>
@@ -4548,7 +4553,7 @@
             </p:txBody>
           </p:sp>
         </mc:Choice>
-        <mc:Fallback>
+        <mc:Fallback xmlns="">
           <p:sp>
             <p:nvSpPr>
               <p:cNvPr id="62" name="ZoneTexte 61"/>
@@ -4587,8 +4592,8 @@
           </p:sp>
         </mc:Fallback>
       </mc:AlternateContent>
-      <mc:AlternateContent xmlns:mc="http://schemas.openxmlformats.org/markup-compatibility/2006">
-        <mc:Choice xmlns:a14="http://schemas.microsoft.com/office/drawing/2010/main" Requires="a14">
+      <mc:AlternateContent xmlns:mc="http://schemas.openxmlformats.org/markup-compatibility/2006" xmlns:a14="http://schemas.microsoft.com/office/drawing/2010/main">
+        <mc:Choice Requires="a14">
           <p:sp>
             <p:nvSpPr>
               <p:cNvPr id="63" name="ZoneTexte 62"/>
@@ -4611,6 +4616,7 @@
               </a:bodyPr>
               <a:lstStyle/>
               <a:p>
+                <a:pPr/>
                 <a14:m>
                   <m:oMathPara xmlns:m="http://schemas.openxmlformats.org/officeDocument/2006/math">
                     <m:oMathParaPr>
@@ -4653,7 +4659,7 @@
             </p:txBody>
           </p:sp>
         </mc:Choice>
-        <mc:Fallback>
+        <mc:Fallback xmlns="">
           <p:sp>
             <p:nvSpPr>
               <p:cNvPr id="63" name="ZoneTexte 62"/>
@@ -4702,7 +4708,7 @@
             </p:nvSpPr>
             <p:spPr>
               <a:xfrm>
-                <a:off x="7267747" y="1988840"/>
+                <a:off x="7257556" y="2062379"/>
                 <a:ext cx="500330" cy="369332"/>
               </a:xfrm>
               <a:prstGeom prst="rect">
@@ -4716,6 +4722,7 @@
               </a:bodyPr>
               <a:lstStyle/>
               <a:p>
+                <a:pPr/>
                 <a14:m>
                   <m:oMathPara xmlns:m="http://schemas.openxmlformats.org/officeDocument/2006/math">
                     <m:oMathParaPr>
@@ -4769,7 +4776,7 @@
             </p:nvSpPr>
             <p:spPr>
               <a:xfrm>
-                <a:off x="7267747" y="1988840"/>
+                <a:off x="7257556" y="2062379"/>
                 <a:ext cx="500330" cy="369332"/>
               </a:xfrm>
               <a:prstGeom prst="rect">
@@ -4807,7 +4814,7 @@
             </p:nvSpPr>
             <p:spPr>
               <a:xfrm>
-                <a:off x="5043696" y="695564"/>
+                <a:off x="5001789" y="658760"/>
                 <a:ext cx="491160" cy="369332"/>
               </a:xfrm>
               <a:prstGeom prst="rect">
@@ -4821,6 +4828,7 @@
               </a:bodyPr>
               <a:lstStyle/>
               <a:p>
+                <a:pPr/>
                 <a14:m>
                   <m:oMathPara xmlns:m="http://schemas.openxmlformats.org/officeDocument/2006/math">
                     <m:oMathParaPr>
@@ -4874,7 +4882,7 @@
             </p:nvSpPr>
             <p:spPr>
               <a:xfrm>
-                <a:off x="5043696" y="695564"/>
+                <a:off x="5001789" y="658760"/>
                 <a:ext cx="491160" cy="369332"/>
               </a:xfrm>
               <a:prstGeom prst="rect">
@@ -4912,7 +4920,7 @@
             </p:nvSpPr>
             <p:spPr>
               <a:xfrm>
-                <a:off x="5653894" y="1988840"/>
+                <a:off x="5621946" y="2062379"/>
                 <a:ext cx="459806" cy="369332"/>
               </a:xfrm>
               <a:prstGeom prst="rect">
@@ -4926,6 +4934,7 @@
               </a:bodyPr>
               <a:lstStyle/>
               <a:p>
+                <a:pPr/>
                 <a14:m>
                   <m:oMathPara xmlns:m="http://schemas.openxmlformats.org/officeDocument/2006/math">
                     <m:oMathParaPr>
@@ -4979,7 +4988,7 @@
             </p:nvSpPr>
             <p:spPr>
               <a:xfrm>
-                <a:off x="5653894" y="1988840"/>
+                <a:off x="5621946" y="2062379"/>
                 <a:ext cx="459806" cy="369332"/>
               </a:xfrm>
               <a:prstGeom prst="rect">
@@ -5031,6 +5040,7 @@
               </a:bodyPr>
               <a:lstStyle/>
               <a:p>
+                <a:pPr/>
                 <a14:m>
                   <m:oMathPara xmlns:m="http://schemas.openxmlformats.org/officeDocument/2006/math">
                     <m:oMathParaPr>
@@ -5122,7 +5132,7 @@
             </p:nvSpPr>
             <p:spPr>
               <a:xfrm>
-                <a:off x="6141668" y="3358523"/>
+                <a:off x="6141668" y="3340849"/>
                 <a:ext cx="506742" cy="369332"/>
               </a:xfrm>
               <a:prstGeom prst="rect">
@@ -5136,6 +5146,7 @@
               </a:bodyPr>
               <a:lstStyle/>
               <a:p>
+                <a:pPr/>
                 <a14:m>
                   <m:oMathPara xmlns:m="http://schemas.openxmlformats.org/officeDocument/2006/math">
                     <m:oMathParaPr>
@@ -5189,7 +5200,7 @@
             </p:nvSpPr>
             <p:spPr>
               <a:xfrm>
-                <a:off x="6141668" y="3358523"/>
+                <a:off x="6141668" y="3340849"/>
                 <a:ext cx="506742" cy="369332"/>
               </a:xfrm>
               <a:prstGeom prst="rect">
@@ -5217,8 +5228,8 @@
           </p:sp>
         </mc:Fallback>
       </mc:AlternateContent>
-      <mc:AlternateContent xmlns:mc="http://schemas.openxmlformats.org/markup-compatibility/2006">
-        <mc:Choice xmlns:a14="http://schemas.microsoft.com/office/drawing/2010/main" Requires="a14">
+      <mc:AlternateContent xmlns:mc="http://schemas.openxmlformats.org/markup-compatibility/2006" xmlns:a14="http://schemas.microsoft.com/office/drawing/2010/main">
+        <mc:Choice Requires="a14">
           <p:sp>
             <p:nvSpPr>
               <p:cNvPr id="69" name="ZoneTexte 68"/>
@@ -5241,6 +5252,7 @@
               </a:bodyPr>
               <a:lstStyle/>
               <a:p>
+                <a:pPr/>
                 <a14:m>
                   <m:oMathPara xmlns:m="http://schemas.openxmlformats.org/officeDocument/2006/math">
                     <m:oMathParaPr>
@@ -5283,7 +5295,7 @@
             </p:txBody>
           </p:sp>
         </mc:Choice>
-        <mc:Fallback>
+        <mc:Fallback xmlns="">
           <p:sp>
             <p:nvSpPr>
               <p:cNvPr id="69" name="ZoneTexte 68"/>
@@ -5304,6 +5316,421 @@
                 <a:blip r:embed="rId14"/>
                 <a:stretch>
                   <a:fillRect b="-6250"/>
+                </a:stretch>
+              </a:blipFill>
+            </p:spPr>
+            <p:txBody>
+              <a:bodyPr/>
+              <a:lstStyle/>
+              <a:p>
+                <a:r>
+                  <a:rPr lang="fr-FR">
+                    <a:noFill/>
+                  </a:rPr>
+                  <a:t> </a:t>
+                </a:r>
+              </a:p>
+            </p:txBody>
+          </p:sp>
+        </mc:Fallback>
+      </mc:AlternateContent>
+      <mc:AlternateContent xmlns:mc="http://schemas.openxmlformats.org/markup-compatibility/2006">
+        <mc:Choice xmlns:a14="http://schemas.microsoft.com/office/drawing/2010/main" Requires="a14">
+          <p:sp>
+            <p:nvSpPr>
+              <p:cNvPr id="2" name="ZoneTexte 1"/>
+              <p:cNvSpPr txBox="1"/>
+              <p:nvPr/>
+            </p:nvSpPr>
+            <p:spPr>
+              <a:xfrm>
+                <a:off x="5730867" y="658760"/>
+                <a:ext cx="333040" cy="369332"/>
+              </a:xfrm>
+              <a:prstGeom prst="rect">
+                <a:avLst/>
+              </a:prstGeom>
+              <a:noFill/>
+            </p:spPr>
+            <p:txBody>
+              <a:bodyPr wrap="none" rtlCol="0">
+                <a:spAutoFit/>
+              </a:bodyPr>
+              <a:lstStyle/>
+              <a:p>
+                <a14:m>
+                  <m:oMathPara xmlns:m="http://schemas.openxmlformats.org/officeDocument/2006/math">
+                    <m:oMathParaPr>
+                      <m:jc m:val="centerGroup"/>
+                    </m:oMathParaPr>
+                    <m:oMath xmlns:m="http://schemas.openxmlformats.org/officeDocument/2006/math">
+                      <m:r>
+                        <a:rPr lang="fr-FR" b="0" i="1" smtClean="0">
+                          <a:latin typeface="Cambria Math"/>
+                        </a:rPr>
+                        <m:t>𝐼</m:t>
+                      </m:r>
+                    </m:oMath>
+                  </m:oMathPara>
+                </a14:m>
+                <a:endParaRPr lang="fr-FR" dirty="0"/>
+              </a:p>
+            </p:txBody>
+          </p:sp>
+        </mc:Choice>
+        <mc:Fallback>
+          <p:sp>
+            <p:nvSpPr>
+              <p:cNvPr id="2" name="ZoneTexte 1"/>
+              <p:cNvSpPr txBox="1">
+                <a:spLocks noRot="1" noChangeAspect="1" noMove="1" noResize="1" noEditPoints="1" noAdjustHandles="1" noChangeArrowheads="1" noChangeShapeType="1" noTextEdit="1"/>
+              </p:cNvSpPr>
+              <p:nvPr/>
+            </p:nvSpPr>
+            <p:spPr>
+              <a:xfrm>
+                <a:off x="5730867" y="658760"/>
+                <a:ext cx="333040" cy="369332"/>
+              </a:xfrm>
+              <a:prstGeom prst="rect">
+                <a:avLst/>
+              </a:prstGeom>
+              <a:blipFill rotWithShape="1">
+                <a:blip r:embed="rId15"/>
+                <a:stretch>
+                  <a:fillRect/>
+                </a:stretch>
+              </a:blipFill>
+            </p:spPr>
+            <p:txBody>
+              <a:bodyPr/>
+              <a:lstStyle/>
+              <a:p>
+                <a:r>
+                  <a:rPr lang="fr-FR">
+                    <a:noFill/>
+                  </a:rPr>
+                  <a:t> </a:t>
+                </a:r>
+              </a:p>
+            </p:txBody>
+          </p:sp>
+        </mc:Fallback>
+      </mc:AlternateContent>
+      <mc:AlternateContent xmlns:mc="http://schemas.openxmlformats.org/markup-compatibility/2006">
+        <mc:Choice xmlns:a14="http://schemas.microsoft.com/office/drawing/2010/main" Requires="a14">
+          <p:sp>
+            <p:nvSpPr>
+              <p:cNvPr id="37" name="ZoneTexte 36"/>
+              <p:cNvSpPr txBox="1"/>
+              <p:nvPr/>
+            </p:nvSpPr>
+            <p:spPr>
+              <a:xfrm>
+                <a:off x="7091036" y="695564"/>
+                <a:ext cx="421206" cy="369332"/>
+              </a:xfrm>
+              <a:prstGeom prst="rect">
+                <a:avLst/>
+              </a:prstGeom>
+              <a:noFill/>
+            </p:spPr>
+            <p:txBody>
+              <a:bodyPr wrap="none" rtlCol="0">
+                <a:spAutoFit/>
+              </a:bodyPr>
+              <a:lstStyle/>
+              <a:p>
+                <a14:m>
+                  <m:oMathPara xmlns:m="http://schemas.openxmlformats.org/officeDocument/2006/math">
+                    <m:oMathParaPr>
+                      <m:jc m:val="centerGroup"/>
+                    </m:oMathParaPr>
+                    <m:oMath xmlns:m="http://schemas.openxmlformats.org/officeDocument/2006/math">
+                      <m:r>
+                        <a:rPr lang="fr-FR" b="0" i="1" smtClean="0">
+                          <a:latin typeface="Cambria Math"/>
+                        </a:rPr>
+                        <m:t>𝐼𝐼</m:t>
+                      </m:r>
+                    </m:oMath>
+                  </m:oMathPara>
+                </a14:m>
+                <a:endParaRPr lang="fr-FR" dirty="0"/>
+              </a:p>
+            </p:txBody>
+          </p:sp>
+        </mc:Choice>
+        <mc:Fallback>
+          <p:sp>
+            <p:nvSpPr>
+              <p:cNvPr id="37" name="ZoneTexte 36"/>
+              <p:cNvSpPr txBox="1">
+                <a:spLocks noRot="1" noChangeAspect="1" noMove="1" noResize="1" noEditPoints="1" noAdjustHandles="1" noChangeArrowheads="1" noChangeShapeType="1" noTextEdit="1"/>
+              </p:cNvSpPr>
+              <p:nvPr/>
+            </p:nvSpPr>
+            <p:spPr>
+              <a:xfrm>
+                <a:off x="7091036" y="695564"/>
+                <a:ext cx="421206" cy="369332"/>
+              </a:xfrm>
+              <a:prstGeom prst="rect">
+                <a:avLst/>
+              </a:prstGeom>
+              <a:blipFill rotWithShape="1">
+                <a:blip r:embed="rId16"/>
+                <a:stretch>
+                  <a:fillRect/>
+                </a:stretch>
+              </a:blipFill>
+            </p:spPr>
+            <p:txBody>
+              <a:bodyPr/>
+              <a:lstStyle/>
+              <a:p>
+                <a:r>
+                  <a:rPr lang="fr-FR">
+                    <a:noFill/>
+                  </a:rPr>
+                  <a:t> </a:t>
+                </a:r>
+              </a:p>
+            </p:txBody>
+          </p:sp>
+        </mc:Fallback>
+      </mc:AlternateContent>
+      <mc:AlternateContent xmlns:mc="http://schemas.openxmlformats.org/markup-compatibility/2006">
+        <mc:Choice xmlns:a14="http://schemas.microsoft.com/office/drawing/2010/main" Requires="a14">
+          <p:sp>
+            <p:nvSpPr>
+              <p:cNvPr id="42" name="ZoneTexte 41"/>
+              <p:cNvSpPr txBox="1"/>
+              <p:nvPr/>
+            </p:nvSpPr>
+            <p:spPr>
+              <a:xfrm>
+                <a:off x="6648410" y="1880322"/>
+                <a:ext cx="509370" cy="369332"/>
+              </a:xfrm>
+              <a:prstGeom prst="rect">
+                <a:avLst/>
+              </a:prstGeom>
+              <a:noFill/>
+            </p:spPr>
+            <p:txBody>
+              <a:bodyPr wrap="none" rtlCol="0">
+                <a:spAutoFit/>
+              </a:bodyPr>
+              <a:lstStyle/>
+              <a:p>
+                <a14:m>
+                  <m:oMathPara xmlns:m="http://schemas.openxmlformats.org/officeDocument/2006/math">
+                    <m:oMathParaPr>
+                      <m:jc m:val="centerGroup"/>
+                    </m:oMathParaPr>
+                    <m:oMath xmlns:m="http://schemas.openxmlformats.org/officeDocument/2006/math">
+                      <m:r>
+                        <a:rPr lang="fr-FR" b="0" i="1" smtClean="0">
+                          <a:latin typeface="Cambria Math"/>
+                        </a:rPr>
+                        <m:t>𝐼𝐼𝐼</m:t>
+                      </m:r>
+                    </m:oMath>
+                  </m:oMathPara>
+                </a14:m>
+                <a:endParaRPr lang="fr-FR" dirty="0"/>
+              </a:p>
+            </p:txBody>
+          </p:sp>
+        </mc:Choice>
+        <mc:Fallback>
+          <p:sp>
+            <p:nvSpPr>
+              <p:cNvPr id="42" name="ZoneTexte 41"/>
+              <p:cNvSpPr txBox="1">
+                <a:spLocks noRot="1" noChangeAspect="1" noMove="1" noResize="1" noEditPoints="1" noAdjustHandles="1" noChangeArrowheads="1" noChangeShapeType="1" noTextEdit="1"/>
+              </p:cNvSpPr>
+              <p:nvPr/>
+            </p:nvSpPr>
+            <p:spPr>
+              <a:xfrm>
+                <a:off x="6648410" y="1880322"/>
+                <a:ext cx="509370" cy="369332"/>
+              </a:xfrm>
+              <a:prstGeom prst="rect">
+                <a:avLst/>
+              </a:prstGeom>
+              <a:blipFill rotWithShape="1">
+                <a:blip r:embed="rId17"/>
+                <a:stretch>
+                  <a:fillRect/>
+                </a:stretch>
+              </a:blipFill>
+            </p:spPr>
+            <p:txBody>
+              <a:bodyPr/>
+              <a:lstStyle/>
+              <a:p>
+                <a:r>
+                  <a:rPr lang="fr-FR">
+                    <a:noFill/>
+                  </a:rPr>
+                  <a:t> </a:t>
+                </a:r>
+              </a:p>
+            </p:txBody>
+          </p:sp>
+        </mc:Fallback>
+      </mc:AlternateContent>
+      <mc:AlternateContent xmlns:mc="http://schemas.openxmlformats.org/markup-compatibility/2006">
+        <mc:Choice xmlns:a14="http://schemas.microsoft.com/office/drawing/2010/main" Requires="a14">
+          <p:sp>
+            <p:nvSpPr>
+              <p:cNvPr id="44" name="ZoneTexte 43"/>
+              <p:cNvSpPr txBox="1"/>
+              <p:nvPr/>
+            </p:nvSpPr>
+            <p:spPr>
+              <a:xfrm>
+                <a:off x="4427101" y="1880322"/>
+                <a:ext cx="389145" cy="369332"/>
+              </a:xfrm>
+              <a:prstGeom prst="rect">
+                <a:avLst/>
+              </a:prstGeom>
+              <a:noFill/>
+            </p:spPr>
+            <p:txBody>
+              <a:bodyPr wrap="none" rtlCol="0">
+                <a:spAutoFit/>
+              </a:bodyPr>
+              <a:lstStyle/>
+              <a:p>
+                <a14:m>
+                  <m:oMathPara xmlns:m="http://schemas.openxmlformats.org/officeDocument/2006/math">
+                    <m:oMathParaPr>
+                      <m:jc m:val="centerGroup"/>
+                    </m:oMathParaPr>
+                    <m:oMath xmlns:m="http://schemas.openxmlformats.org/officeDocument/2006/math">
+                      <m:r>
+                        <a:rPr lang="fr-FR" b="0" i="1" smtClean="0">
+                          <a:latin typeface="Cambria Math"/>
+                        </a:rPr>
+                        <m:t>𝑉</m:t>
+                      </m:r>
+                    </m:oMath>
+                  </m:oMathPara>
+                </a14:m>
+                <a:endParaRPr lang="fr-FR" dirty="0"/>
+              </a:p>
+            </p:txBody>
+          </p:sp>
+        </mc:Choice>
+        <mc:Fallback>
+          <p:sp>
+            <p:nvSpPr>
+              <p:cNvPr id="44" name="ZoneTexte 43"/>
+              <p:cNvSpPr txBox="1">
+                <a:spLocks noRot="1" noChangeAspect="1" noMove="1" noResize="1" noEditPoints="1" noAdjustHandles="1" noChangeArrowheads="1" noChangeShapeType="1" noTextEdit="1"/>
+              </p:cNvSpPr>
+              <p:nvPr/>
+            </p:nvSpPr>
+            <p:spPr>
+              <a:xfrm>
+                <a:off x="4427101" y="1880322"/>
+                <a:ext cx="389145" cy="369332"/>
+              </a:xfrm>
+              <a:prstGeom prst="rect">
+                <a:avLst/>
+              </a:prstGeom>
+              <a:blipFill rotWithShape="1">
+                <a:blip r:embed="rId18"/>
+                <a:stretch>
+                  <a:fillRect/>
+                </a:stretch>
+              </a:blipFill>
+            </p:spPr>
+            <p:txBody>
+              <a:bodyPr/>
+              <a:lstStyle/>
+              <a:p>
+                <a:r>
+                  <a:rPr lang="fr-FR">
+                    <a:noFill/>
+                  </a:rPr>
+                  <a:t> </a:t>
+                </a:r>
+              </a:p>
+            </p:txBody>
+          </p:sp>
+        </mc:Fallback>
+      </mc:AlternateContent>
+      <mc:AlternateContent xmlns:mc="http://schemas.openxmlformats.org/markup-compatibility/2006">
+        <mc:Choice xmlns:a14="http://schemas.microsoft.com/office/drawing/2010/main" Requires="a14">
+          <p:sp>
+            <p:nvSpPr>
+              <p:cNvPr id="45" name="ZoneTexte 44"/>
+              <p:cNvSpPr txBox="1"/>
+              <p:nvPr/>
+            </p:nvSpPr>
+            <p:spPr>
+              <a:xfrm>
+                <a:off x="5665428" y="3340849"/>
+                <a:ext cx="477310" cy="369332"/>
+              </a:xfrm>
+              <a:prstGeom prst="rect">
+                <a:avLst/>
+              </a:prstGeom>
+              <a:noFill/>
+            </p:spPr>
+            <p:txBody>
+              <a:bodyPr wrap="none" rtlCol="0">
+                <a:spAutoFit/>
+              </a:bodyPr>
+              <a:lstStyle/>
+              <a:p>
+                <a14:m>
+                  <m:oMathPara xmlns:m="http://schemas.openxmlformats.org/officeDocument/2006/math">
+                    <m:oMathParaPr>
+                      <m:jc m:val="centerGroup"/>
+                    </m:oMathParaPr>
+                    <m:oMath xmlns:m="http://schemas.openxmlformats.org/officeDocument/2006/math">
+                      <m:r>
+                        <a:rPr lang="fr-FR" b="0" i="1" smtClean="0">
+                          <a:latin typeface="Cambria Math"/>
+                        </a:rPr>
+                        <m:t>𝐼𝑉</m:t>
+                      </m:r>
+                    </m:oMath>
+                  </m:oMathPara>
+                </a14:m>
+                <a:endParaRPr lang="fr-FR" dirty="0"/>
+              </a:p>
+            </p:txBody>
+          </p:sp>
+        </mc:Choice>
+        <mc:Fallback>
+          <p:sp>
+            <p:nvSpPr>
+              <p:cNvPr id="45" name="ZoneTexte 44"/>
+              <p:cNvSpPr txBox="1">
+                <a:spLocks noRot="1" noChangeAspect="1" noMove="1" noResize="1" noEditPoints="1" noAdjustHandles="1" noChangeArrowheads="1" noChangeShapeType="1" noTextEdit="1"/>
+              </p:cNvSpPr>
+              <p:nvPr/>
+            </p:nvSpPr>
+            <p:spPr>
+              <a:xfrm>
+                <a:off x="5665428" y="3340849"/>
+                <a:ext cx="477310" cy="369332"/>
+              </a:xfrm>
+              <a:prstGeom prst="rect">
+                <a:avLst/>
+              </a:prstGeom>
+              <a:blipFill rotWithShape="1">
+                <a:blip r:embed="rId19"/>
+                <a:stretch>
+                  <a:fillRect/>
                 </a:stretch>
               </a:blipFill>
             </p:spPr>

--- a/2014_2015/DS_10_ConcoursBlanc_Robot/Figures.pptx
+++ b/2014_2015/DS_10_ConcoursBlanc_Robot/Figures.pptx
@@ -6,6 +6,8 @@
   </p:sldMasterIdLst>
   <p:sldIdLst>
     <p:sldId id="256" r:id="rId2"/>
+    <p:sldId id="257" r:id="rId3"/>
+    <p:sldId id="258" r:id="rId4"/>
   </p:sldIdLst>
   <p:sldSz cx="9144000" cy="6858000" type="screen4x3"/>
   <p:notesSz cx="6858000" cy="9144000"/>
@@ -345,6 +347,254 @@
 </file>
 
 <file path=ppt/slideLayouts/slideLayout10.xml><?xml version="1.0" encoding="utf-8"?>
+<p:sldLayout xmlns:a="http://schemas.openxmlformats.org/drawingml/2006/main" xmlns:r="http://schemas.openxmlformats.org/officeDocument/2006/relationships" xmlns:p="http://schemas.openxmlformats.org/presentationml/2006/main" type="picTx" preserve="1">
+  <p:cSld name="Image avec légende">
+    <p:spTree>
+      <p:nvGrpSpPr>
+        <p:cNvPr id="1" name=""/>
+        <p:cNvGrpSpPr/>
+        <p:nvPr/>
+      </p:nvGrpSpPr>
+      <p:grpSpPr>
+        <a:xfrm>
+          <a:off x="0" y="0"/>
+          <a:ext cx="0" cy="0"/>
+          <a:chOff x="0" y="0"/>
+          <a:chExt cx="0" cy="0"/>
+        </a:xfrm>
+      </p:grpSpPr>
+      <p:sp>
+        <p:nvSpPr>
+          <p:cNvPr id="2" name="Titre 1"/>
+          <p:cNvSpPr>
+            <a:spLocks noGrp="1"/>
+          </p:cNvSpPr>
+          <p:nvPr>
+            <p:ph type="title"/>
+          </p:nvPr>
+        </p:nvSpPr>
+        <p:spPr>
+          <a:xfrm>
+            <a:off x="1792288" y="4800600"/>
+            <a:ext cx="5486400" cy="566738"/>
+          </a:xfrm>
+        </p:spPr>
+        <p:txBody>
+          <a:bodyPr anchor="b"/>
+          <a:lstStyle>
+            <a:lvl1pPr algn="l">
+              <a:defRPr sz="2000" b="1"/>
+            </a:lvl1pPr>
+          </a:lstStyle>
+          <a:p>
+            <a:r>
+              <a:rPr lang="fr-FR" smtClean="0"/>
+              <a:t>Cliquez pour modifier le style du titre</a:t>
+            </a:r>
+            <a:endParaRPr lang="fr-BE"/>
+          </a:p>
+        </p:txBody>
+      </p:sp>
+      <p:sp>
+        <p:nvSpPr>
+          <p:cNvPr id="3" name="Espace réservé pour une image  2"/>
+          <p:cNvSpPr>
+            <a:spLocks noGrp="1"/>
+          </p:cNvSpPr>
+          <p:nvPr>
+            <p:ph type="pic" idx="1"/>
+          </p:nvPr>
+        </p:nvSpPr>
+        <p:spPr>
+          <a:xfrm>
+            <a:off x="1792288" y="612775"/>
+            <a:ext cx="5486400" cy="4114800"/>
+          </a:xfrm>
+        </p:spPr>
+        <p:txBody>
+          <a:bodyPr/>
+          <a:lstStyle>
+            <a:lvl1pPr marL="0" indent="0">
+              <a:buNone/>
+              <a:defRPr sz="3200"/>
+            </a:lvl1pPr>
+            <a:lvl2pPr marL="457200" indent="0">
+              <a:buNone/>
+              <a:defRPr sz="2800"/>
+            </a:lvl2pPr>
+            <a:lvl3pPr marL="914400" indent="0">
+              <a:buNone/>
+              <a:defRPr sz="2400"/>
+            </a:lvl3pPr>
+            <a:lvl4pPr marL="1371600" indent="0">
+              <a:buNone/>
+              <a:defRPr sz="2000"/>
+            </a:lvl4pPr>
+            <a:lvl5pPr marL="1828800" indent="0">
+              <a:buNone/>
+              <a:defRPr sz="2000"/>
+            </a:lvl5pPr>
+            <a:lvl6pPr marL="2286000" indent="0">
+              <a:buNone/>
+              <a:defRPr sz="2000"/>
+            </a:lvl6pPr>
+            <a:lvl7pPr marL="2743200" indent="0">
+              <a:buNone/>
+              <a:defRPr sz="2000"/>
+            </a:lvl7pPr>
+            <a:lvl8pPr marL="3200400" indent="0">
+              <a:buNone/>
+              <a:defRPr sz="2000"/>
+            </a:lvl8pPr>
+            <a:lvl9pPr marL="3657600" indent="0">
+              <a:buNone/>
+              <a:defRPr sz="2000"/>
+            </a:lvl9pPr>
+          </a:lstStyle>
+          <a:p>
+            <a:endParaRPr lang="fr-BE"/>
+          </a:p>
+        </p:txBody>
+      </p:sp>
+      <p:sp>
+        <p:nvSpPr>
+          <p:cNvPr id="4" name="Espace réservé du texte 3"/>
+          <p:cNvSpPr>
+            <a:spLocks noGrp="1"/>
+          </p:cNvSpPr>
+          <p:nvPr>
+            <p:ph type="body" sz="half" idx="2"/>
+          </p:nvPr>
+        </p:nvSpPr>
+        <p:spPr>
+          <a:xfrm>
+            <a:off x="1792288" y="5367338"/>
+            <a:ext cx="5486400" cy="804862"/>
+          </a:xfrm>
+        </p:spPr>
+        <p:txBody>
+          <a:bodyPr/>
+          <a:lstStyle>
+            <a:lvl1pPr marL="0" indent="0">
+              <a:buNone/>
+              <a:defRPr sz="1400"/>
+            </a:lvl1pPr>
+            <a:lvl2pPr marL="457200" indent="0">
+              <a:buNone/>
+              <a:defRPr sz="1200"/>
+            </a:lvl2pPr>
+            <a:lvl3pPr marL="914400" indent="0">
+              <a:buNone/>
+              <a:defRPr sz="1000"/>
+            </a:lvl3pPr>
+            <a:lvl4pPr marL="1371600" indent="0">
+              <a:buNone/>
+              <a:defRPr sz="900"/>
+            </a:lvl4pPr>
+            <a:lvl5pPr marL="1828800" indent="0">
+              <a:buNone/>
+              <a:defRPr sz="900"/>
+            </a:lvl5pPr>
+            <a:lvl6pPr marL="2286000" indent="0">
+              <a:buNone/>
+              <a:defRPr sz="900"/>
+            </a:lvl6pPr>
+            <a:lvl7pPr marL="2743200" indent="0">
+              <a:buNone/>
+              <a:defRPr sz="900"/>
+            </a:lvl7pPr>
+            <a:lvl8pPr marL="3200400" indent="0">
+              <a:buNone/>
+              <a:defRPr sz="900"/>
+            </a:lvl8pPr>
+            <a:lvl9pPr marL="3657600" indent="0">
+              <a:buNone/>
+              <a:defRPr sz="900"/>
+            </a:lvl9pPr>
+          </a:lstStyle>
+          <a:p>
+            <a:pPr lvl="0"/>
+            <a:r>
+              <a:rPr lang="fr-FR" smtClean="0"/>
+              <a:t>Cliquez pour modifier les styles du texte du masque</a:t>
+            </a:r>
+          </a:p>
+        </p:txBody>
+      </p:sp>
+      <p:sp>
+        <p:nvSpPr>
+          <p:cNvPr id="5" name="Espace réservé de la date 4"/>
+          <p:cNvSpPr>
+            <a:spLocks noGrp="1"/>
+          </p:cNvSpPr>
+          <p:nvPr>
+            <p:ph type="dt" sz="half" idx="10"/>
+          </p:nvPr>
+        </p:nvSpPr>
+        <p:spPr/>
+        <p:txBody>
+          <a:bodyPr/>
+          <a:lstStyle/>
+          <a:p>
+            <a:fld id="{AA309A6D-C09C-4548-B29A-6CF363A7E532}" type="datetimeFigureOut">
+              <a:rPr lang="fr-FR" smtClean="0"/>
+              <a:t>15/02/2015</a:t>
+            </a:fld>
+            <a:endParaRPr lang="fr-BE"/>
+          </a:p>
+        </p:txBody>
+      </p:sp>
+      <p:sp>
+        <p:nvSpPr>
+          <p:cNvPr id="6" name="Espace réservé du pied de page 5"/>
+          <p:cNvSpPr>
+            <a:spLocks noGrp="1"/>
+          </p:cNvSpPr>
+          <p:nvPr>
+            <p:ph type="ftr" sz="quarter" idx="11"/>
+          </p:nvPr>
+        </p:nvSpPr>
+        <p:spPr/>
+        <p:txBody>
+          <a:bodyPr/>
+          <a:lstStyle/>
+          <a:p>
+            <a:endParaRPr lang="fr-BE"/>
+          </a:p>
+        </p:txBody>
+      </p:sp>
+      <p:sp>
+        <p:nvSpPr>
+          <p:cNvPr id="7" name="Espace réservé du numéro de diapositive 6"/>
+          <p:cNvSpPr>
+            <a:spLocks noGrp="1"/>
+          </p:cNvSpPr>
+          <p:nvPr>
+            <p:ph type="sldNum" sz="quarter" idx="12"/>
+          </p:nvPr>
+        </p:nvSpPr>
+        <p:spPr/>
+        <p:txBody>
+          <a:bodyPr/>
+          <a:lstStyle/>
+          <a:p>
+            <a:fld id="{CF4668DC-857F-487D-BFFA-8C0CA5037977}" type="slidenum">
+              <a:rPr lang="fr-BE" smtClean="0"/>
+              <a:t>‹N°›</a:t>
+            </a:fld>
+            <a:endParaRPr lang="fr-BE"/>
+          </a:p>
+        </p:txBody>
+      </p:sp>
+    </p:spTree>
+  </p:cSld>
+  <p:clrMapOvr>
+    <a:masterClrMapping/>
+  </p:clrMapOvr>
+</p:sldLayout>
+</file>
+
+<file path=ppt/slideLayouts/slideLayout11.xml><?xml version="1.0" encoding="utf-8"?>
 <p:sldLayout xmlns:a="http://schemas.openxmlformats.org/drawingml/2006/main" xmlns:r="http://schemas.openxmlformats.org/officeDocument/2006/relationships" xmlns:p="http://schemas.openxmlformats.org/presentationml/2006/main" type="vertTx" preserve="1">
   <p:cSld name="Titre et texte vertical">
     <p:spTree>
@@ -509,7 +759,7 @@
 </p:sldLayout>
 </file>
 
-<file path=ppt/slideLayouts/slideLayout11.xml><?xml version="1.0" encoding="utf-8"?>
+<file path=ppt/slideLayouts/slideLayout12.xml><?xml version="1.0" encoding="utf-8"?>
 <p:sldLayout xmlns:a="http://schemas.openxmlformats.org/drawingml/2006/main" xmlns:r="http://schemas.openxmlformats.org/officeDocument/2006/relationships" xmlns:p="http://schemas.openxmlformats.org/presentationml/2006/main" type="vertTitleAndTx" preserve="1">
   <p:cSld name="Titre vertical et texte">
     <p:spTree>
@@ -685,8 +935,122 @@
 </file>
 
 <file path=ppt/slideLayouts/slideLayout2.xml><?xml version="1.0" encoding="utf-8"?>
+<p:sldLayout xmlns:a="http://schemas.openxmlformats.org/drawingml/2006/main" xmlns:r="http://schemas.openxmlformats.org/officeDocument/2006/relationships" xmlns:p="http://schemas.openxmlformats.org/presentationml/2006/main" preserve="1" userDrawn="1">
+  <p:cSld name="Titre et contenu">
+    <p:spTree>
+      <p:nvGrpSpPr>
+        <p:cNvPr id="1" name=""/>
+        <p:cNvGrpSpPr/>
+        <p:nvPr/>
+      </p:nvGrpSpPr>
+      <p:grpSpPr>
+        <a:xfrm>
+          <a:off x="0" y="0"/>
+          <a:ext cx="0" cy="0"/>
+          <a:chOff x="0" y="0"/>
+          <a:chExt cx="0" cy="0"/>
+        </a:xfrm>
+      </p:grpSpPr>
+      <p:pic>
+        <p:nvPicPr>
+          <p:cNvPr id="7" name="Picture 2" descr="C:\Enseignements\GitHub\DM_DS\2014_2015\DS_10_ConcoursBlanc_Robot\RobotIndustriel_Col.png"/>
+          <p:cNvPicPr>
+            <a:picLocks noChangeAspect="1" noChangeArrowheads="1"/>
+          </p:cNvPicPr>
+          <p:nvPr userDrawn="1"/>
+        </p:nvPicPr>
+        <p:blipFill>
+          <a:blip r:embed="rId2" cstate="print">
+            <a:extLst>
+              <a:ext uri="{28A0092B-C50C-407E-A947-70E740481C1C}">
+                <a14:useLocalDpi xmlns:a14="http://schemas.microsoft.com/office/drawing/2010/main" val="0"/>
+              </a:ext>
+            </a:extLst>
+          </a:blip>
+          <a:srcRect/>
+          <a:stretch>
+            <a:fillRect/>
+          </a:stretch>
+        </p:blipFill>
+        <p:spPr bwMode="auto">
+          <a:xfrm>
+            <a:off x="1" y="481104"/>
+            <a:ext cx="9134672" cy="5741990"/>
+          </a:xfrm>
+          <a:prstGeom prst="rect">
+            <a:avLst/>
+          </a:prstGeom>
+          <a:noFill/>
+          <a:extLst>
+            <a:ext uri="{909E8E84-426E-40DD-AFC4-6F175D3DCCD1}">
+              <a14:hiddenFill xmlns:a14="http://schemas.microsoft.com/office/drawing/2010/main">
+                <a:solidFill>
+                  <a:srgbClr val="FFFFFF"/>
+                </a:solidFill>
+              </a14:hiddenFill>
+            </a:ext>
+          </a:extLst>
+        </p:spPr>
+      </p:pic>
+      <p:sp>
+        <p:nvSpPr>
+          <p:cNvPr id="8" name="Rectangle 7"/>
+          <p:cNvSpPr/>
+          <p:nvPr userDrawn="1"/>
+        </p:nvSpPr>
+        <p:spPr>
+          <a:xfrm>
+            <a:off x="0" y="0"/>
+            <a:ext cx="9144000" cy="6858000"/>
+          </a:xfrm>
+          <a:prstGeom prst="rect">
+            <a:avLst/>
+          </a:prstGeom>
+          <a:solidFill>
+            <a:schemeClr val="bg1">
+              <a:alpha val="60000"/>
+            </a:schemeClr>
+          </a:solidFill>
+          <a:ln>
+            <a:noFill/>
+          </a:ln>
+        </p:spPr>
+        <p:style>
+          <a:lnRef idx="2">
+            <a:schemeClr val="accent1">
+              <a:shade val="50000"/>
+            </a:schemeClr>
+          </a:lnRef>
+          <a:fillRef idx="1">
+            <a:schemeClr val="accent1"/>
+          </a:fillRef>
+          <a:effectRef idx="0">
+            <a:schemeClr val="accent1"/>
+          </a:effectRef>
+          <a:fontRef idx="minor">
+            <a:schemeClr val="lt1"/>
+          </a:fontRef>
+        </p:style>
+        <p:txBody>
+          <a:bodyPr rtlCol="0" anchor="ctr"/>
+          <a:lstStyle/>
+          <a:p>
+            <a:pPr algn="ctr"/>
+            <a:endParaRPr lang="fr-FR"/>
+          </a:p>
+        </p:txBody>
+      </p:sp>
+    </p:spTree>
+  </p:cSld>
+  <p:clrMapOvr>
+    <a:masterClrMapping/>
+  </p:clrMapOvr>
+</p:sldLayout>
+</file>
+
+<file path=ppt/slideLayouts/slideLayout3.xml><?xml version="1.0" encoding="utf-8"?>
 <p:sldLayout xmlns:a="http://schemas.openxmlformats.org/drawingml/2006/main" xmlns:r="http://schemas.openxmlformats.org/officeDocument/2006/relationships" xmlns:p="http://schemas.openxmlformats.org/presentationml/2006/main" type="obj" preserve="1">
-  <p:cSld name="Titre et contenu">
+  <p:cSld name="1_Titre et contenu">
     <p:spTree>
       <p:nvGrpSpPr>
         <p:cNvPr id="1" name=""/>
@@ -842,6 +1206,11 @@
         </p:txBody>
       </p:sp>
     </p:spTree>
+    <p:extLst>
+      <p:ext uri="{BB962C8B-B14F-4D97-AF65-F5344CB8AC3E}">
+        <p14:creationId xmlns:p14="http://schemas.microsoft.com/office/powerpoint/2010/main" val="2691796060"/>
+      </p:ext>
+    </p:extLst>
   </p:cSld>
   <p:clrMapOvr>
     <a:masterClrMapping/>
@@ -849,7 +1218,7 @@
 </p:sldLayout>
 </file>
 
-<file path=ppt/slideLayouts/slideLayout3.xml><?xml version="1.0" encoding="utf-8"?>
+<file path=ppt/slideLayouts/slideLayout4.xml><?xml version="1.0" encoding="utf-8"?>
 <p:sldLayout xmlns:a="http://schemas.openxmlformats.org/drawingml/2006/main" xmlns:r="http://schemas.openxmlformats.org/officeDocument/2006/relationships" xmlns:p="http://schemas.openxmlformats.org/presentationml/2006/main" type="secHead" preserve="1">
   <p:cSld name="Titre de section">
     <p:spTree>
@@ -1090,7 +1459,7 @@
 </p:sldLayout>
 </file>
 
-<file path=ppt/slideLayouts/slideLayout4.xml><?xml version="1.0" encoding="utf-8"?>
+<file path=ppt/slideLayouts/slideLayout5.xml><?xml version="1.0" encoding="utf-8"?>
 <p:sldLayout xmlns:a="http://schemas.openxmlformats.org/drawingml/2006/main" xmlns:r="http://schemas.openxmlformats.org/officeDocument/2006/relationships" xmlns:p="http://schemas.openxmlformats.org/presentationml/2006/main" type="twoObj" preserve="1">
   <p:cSld name="Deux contenus">
     <p:spTree>
@@ -1373,7 +1742,7 @@
 </p:sldLayout>
 </file>
 
-<file path=ppt/slideLayouts/slideLayout5.xml><?xml version="1.0" encoding="utf-8"?>
+<file path=ppt/slideLayouts/slideLayout6.xml><?xml version="1.0" encoding="utf-8"?>
 <p:sldLayout xmlns:a="http://schemas.openxmlformats.org/drawingml/2006/main" xmlns:r="http://schemas.openxmlformats.org/officeDocument/2006/relationships" xmlns:p="http://schemas.openxmlformats.org/presentationml/2006/main" type="twoTxTwoObj" preserve="1">
   <p:cSld name="Comparaison">
     <p:spTree>
@@ -1790,7 +2159,7 @@
 </p:sldLayout>
 </file>
 
-<file path=ppt/slideLayouts/slideLayout6.xml><?xml version="1.0" encoding="utf-8"?>
+<file path=ppt/slideLayouts/slideLayout7.xml><?xml version="1.0" encoding="utf-8"?>
 <p:sldLayout xmlns:a="http://schemas.openxmlformats.org/drawingml/2006/main" xmlns:r="http://schemas.openxmlformats.org/officeDocument/2006/relationships" xmlns:p="http://schemas.openxmlformats.org/presentationml/2006/main" type="titleOnly" preserve="1">
   <p:cSld name="Titre seul">
     <p:spTree>
@@ -1903,7 +2272,7 @@
 </p:sldLayout>
 </file>
 
-<file path=ppt/slideLayouts/slideLayout7.xml><?xml version="1.0" encoding="utf-8"?>
+<file path=ppt/slideLayouts/slideLayout8.xml><?xml version="1.0" encoding="utf-8"?>
 <p:sldLayout xmlns:a="http://schemas.openxmlformats.org/drawingml/2006/main" xmlns:r="http://schemas.openxmlformats.org/officeDocument/2006/relationships" xmlns:p="http://schemas.openxmlformats.org/presentationml/2006/main" type="blank" preserve="1">
   <p:cSld name="Vide">
     <p:spTree>
@@ -1993,7 +2362,7 @@
 </p:sldLayout>
 </file>
 
-<file path=ppt/slideLayouts/slideLayout8.xml><?xml version="1.0" encoding="utf-8"?>
+<file path=ppt/slideLayouts/slideLayout9.xml><?xml version="1.0" encoding="utf-8"?>
 <p:sldLayout xmlns:a="http://schemas.openxmlformats.org/drawingml/2006/main" xmlns:r="http://schemas.openxmlformats.org/officeDocument/2006/relationships" xmlns:p="http://schemas.openxmlformats.org/presentationml/2006/main" type="objTx" preserve="1">
   <p:cSld name="Contenu avec légende">
     <p:spTree>
@@ -2141,254 +2510,6 @@
           <a:xfrm>
             <a:off x="457200" y="1435100"/>
             <a:ext cx="3008313" cy="4691063"/>
-          </a:xfrm>
-        </p:spPr>
-        <p:txBody>
-          <a:bodyPr/>
-          <a:lstStyle>
-            <a:lvl1pPr marL="0" indent="0">
-              <a:buNone/>
-              <a:defRPr sz="1400"/>
-            </a:lvl1pPr>
-            <a:lvl2pPr marL="457200" indent="0">
-              <a:buNone/>
-              <a:defRPr sz="1200"/>
-            </a:lvl2pPr>
-            <a:lvl3pPr marL="914400" indent="0">
-              <a:buNone/>
-              <a:defRPr sz="1000"/>
-            </a:lvl3pPr>
-            <a:lvl4pPr marL="1371600" indent="0">
-              <a:buNone/>
-              <a:defRPr sz="900"/>
-            </a:lvl4pPr>
-            <a:lvl5pPr marL="1828800" indent="0">
-              <a:buNone/>
-              <a:defRPr sz="900"/>
-            </a:lvl5pPr>
-            <a:lvl6pPr marL="2286000" indent="0">
-              <a:buNone/>
-              <a:defRPr sz="900"/>
-            </a:lvl6pPr>
-            <a:lvl7pPr marL="2743200" indent="0">
-              <a:buNone/>
-              <a:defRPr sz="900"/>
-            </a:lvl7pPr>
-            <a:lvl8pPr marL="3200400" indent="0">
-              <a:buNone/>
-              <a:defRPr sz="900"/>
-            </a:lvl8pPr>
-            <a:lvl9pPr marL="3657600" indent="0">
-              <a:buNone/>
-              <a:defRPr sz="900"/>
-            </a:lvl9pPr>
-          </a:lstStyle>
-          <a:p>
-            <a:pPr lvl="0"/>
-            <a:r>
-              <a:rPr lang="fr-FR" smtClean="0"/>
-              <a:t>Cliquez pour modifier les styles du texte du masque</a:t>
-            </a:r>
-          </a:p>
-        </p:txBody>
-      </p:sp>
-      <p:sp>
-        <p:nvSpPr>
-          <p:cNvPr id="5" name="Espace réservé de la date 4"/>
-          <p:cNvSpPr>
-            <a:spLocks noGrp="1"/>
-          </p:cNvSpPr>
-          <p:nvPr>
-            <p:ph type="dt" sz="half" idx="10"/>
-          </p:nvPr>
-        </p:nvSpPr>
-        <p:spPr/>
-        <p:txBody>
-          <a:bodyPr/>
-          <a:lstStyle/>
-          <a:p>
-            <a:fld id="{AA309A6D-C09C-4548-B29A-6CF363A7E532}" type="datetimeFigureOut">
-              <a:rPr lang="fr-FR" smtClean="0"/>
-              <a:t>15/02/2015</a:t>
-            </a:fld>
-            <a:endParaRPr lang="fr-BE"/>
-          </a:p>
-        </p:txBody>
-      </p:sp>
-      <p:sp>
-        <p:nvSpPr>
-          <p:cNvPr id="6" name="Espace réservé du pied de page 5"/>
-          <p:cNvSpPr>
-            <a:spLocks noGrp="1"/>
-          </p:cNvSpPr>
-          <p:nvPr>
-            <p:ph type="ftr" sz="quarter" idx="11"/>
-          </p:nvPr>
-        </p:nvSpPr>
-        <p:spPr/>
-        <p:txBody>
-          <a:bodyPr/>
-          <a:lstStyle/>
-          <a:p>
-            <a:endParaRPr lang="fr-BE"/>
-          </a:p>
-        </p:txBody>
-      </p:sp>
-      <p:sp>
-        <p:nvSpPr>
-          <p:cNvPr id="7" name="Espace réservé du numéro de diapositive 6"/>
-          <p:cNvSpPr>
-            <a:spLocks noGrp="1"/>
-          </p:cNvSpPr>
-          <p:nvPr>
-            <p:ph type="sldNum" sz="quarter" idx="12"/>
-          </p:nvPr>
-        </p:nvSpPr>
-        <p:spPr/>
-        <p:txBody>
-          <a:bodyPr/>
-          <a:lstStyle/>
-          <a:p>
-            <a:fld id="{CF4668DC-857F-487D-BFFA-8C0CA5037977}" type="slidenum">
-              <a:rPr lang="fr-BE" smtClean="0"/>
-              <a:t>‹N°›</a:t>
-            </a:fld>
-            <a:endParaRPr lang="fr-BE"/>
-          </a:p>
-        </p:txBody>
-      </p:sp>
-    </p:spTree>
-  </p:cSld>
-  <p:clrMapOvr>
-    <a:masterClrMapping/>
-  </p:clrMapOvr>
-</p:sldLayout>
-</file>
-
-<file path=ppt/slideLayouts/slideLayout9.xml><?xml version="1.0" encoding="utf-8"?>
-<p:sldLayout xmlns:a="http://schemas.openxmlformats.org/drawingml/2006/main" xmlns:r="http://schemas.openxmlformats.org/officeDocument/2006/relationships" xmlns:p="http://schemas.openxmlformats.org/presentationml/2006/main" type="picTx" preserve="1">
-  <p:cSld name="Image avec légende">
-    <p:spTree>
-      <p:nvGrpSpPr>
-        <p:cNvPr id="1" name=""/>
-        <p:cNvGrpSpPr/>
-        <p:nvPr/>
-      </p:nvGrpSpPr>
-      <p:grpSpPr>
-        <a:xfrm>
-          <a:off x="0" y="0"/>
-          <a:ext cx="0" cy="0"/>
-          <a:chOff x="0" y="0"/>
-          <a:chExt cx="0" cy="0"/>
-        </a:xfrm>
-      </p:grpSpPr>
-      <p:sp>
-        <p:nvSpPr>
-          <p:cNvPr id="2" name="Titre 1"/>
-          <p:cNvSpPr>
-            <a:spLocks noGrp="1"/>
-          </p:cNvSpPr>
-          <p:nvPr>
-            <p:ph type="title"/>
-          </p:nvPr>
-        </p:nvSpPr>
-        <p:spPr>
-          <a:xfrm>
-            <a:off x="1792288" y="4800600"/>
-            <a:ext cx="5486400" cy="566738"/>
-          </a:xfrm>
-        </p:spPr>
-        <p:txBody>
-          <a:bodyPr anchor="b"/>
-          <a:lstStyle>
-            <a:lvl1pPr algn="l">
-              <a:defRPr sz="2000" b="1"/>
-            </a:lvl1pPr>
-          </a:lstStyle>
-          <a:p>
-            <a:r>
-              <a:rPr lang="fr-FR" smtClean="0"/>
-              <a:t>Cliquez pour modifier le style du titre</a:t>
-            </a:r>
-            <a:endParaRPr lang="fr-BE"/>
-          </a:p>
-        </p:txBody>
-      </p:sp>
-      <p:sp>
-        <p:nvSpPr>
-          <p:cNvPr id="3" name="Espace réservé pour une image  2"/>
-          <p:cNvSpPr>
-            <a:spLocks noGrp="1"/>
-          </p:cNvSpPr>
-          <p:nvPr>
-            <p:ph type="pic" idx="1"/>
-          </p:nvPr>
-        </p:nvSpPr>
-        <p:spPr>
-          <a:xfrm>
-            <a:off x="1792288" y="612775"/>
-            <a:ext cx="5486400" cy="4114800"/>
-          </a:xfrm>
-        </p:spPr>
-        <p:txBody>
-          <a:bodyPr/>
-          <a:lstStyle>
-            <a:lvl1pPr marL="0" indent="0">
-              <a:buNone/>
-              <a:defRPr sz="3200"/>
-            </a:lvl1pPr>
-            <a:lvl2pPr marL="457200" indent="0">
-              <a:buNone/>
-              <a:defRPr sz="2800"/>
-            </a:lvl2pPr>
-            <a:lvl3pPr marL="914400" indent="0">
-              <a:buNone/>
-              <a:defRPr sz="2400"/>
-            </a:lvl3pPr>
-            <a:lvl4pPr marL="1371600" indent="0">
-              <a:buNone/>
-              <a:defRPr sz="2000"/>
-            </a:lvl4pPr>
-            <a:lvl5pPr marL="1828800" indent="0">
-              <a:buNone/>
-              <a:defRPr sz="2000"/>
-            </a:lvl5pPr>
-            <a:lvl6pPr marL="2286000" indent="0">
-              <a:buNone/>
-              <a:defRPr sz="2000"/>
-            </a:lvl6pPr>
-            <a:lvl7pPr marL="2743200" indent="0">
-              <a:buNone/>
-              <a:defRPr sz="2000"/>
-            </a:lvl7pPr>
-            <a:lvl8pPr marL="3200400" indent="0">
-              <a:buNone/>
-              <a:defRPr sz="2000"/>
-            </a:lvl8pPr>
-            <a:lvl9pPr marL="3657600" indent="0">
-              <a:buNone/>
-              <a:defRPr sz="2000"/>
-            </a:lvl9pPr>
-          </a:lstStyle>
-          <a:p>
-            <a:endParaRPr lang="fr-BE"/>
-          </a:p>
-        </p:txBody>
-      </p:sp>
-      <p:sp>
-        <p:nvSpPr>
-          <p:cNvPr id="4" name="Espace réservé du texte 3"/>
-          <p:cNvSpPr>
-            <a:spLocks noGrp="1"/>
-          </p:cNvSpPr>
-          <p:nvPr>
-            <p:ph type="body" sz="half" idx="2"/>
-          </p:nvPr>
-        </p:nvSpPr>
-        <p:spPr>
-          <a:xfrm>
-            <a:off x="1792288" y="5367338"/>
-            <a:ext cx="5486400" cy="804862"/>
           </a:xfrm>
         </p:spPr>
         <p:txBody>
@@ -2755,15 +2876,16 @@
   <p:sldLayoutIdLst>
     <p:sldLayoutId id="2147483649" r:id="rId1"/>
     <p:sldLayoutId id="2147483650" r:id="rId2"/>
-    <p:sldLayoutId id="2147483651" r:id="rId3"/>
-    <p:sldLayoutId id="2147483652" r:id="rId4"/>
-    <p:sldLayoutId id="2147483653" r:id="rId5"/>
-    <p:sldLayoutId id="2147483654" r:id="rId6"/>
-    <p:sldLayoutId id="2147483655" r:id="rId7"/>
-    <p:sldLayoutId id="2147483656" r:id="rId8"/>
-    <p:sldLayoutId id="2147483657" r:id="rId9"/>
-    <p:sldLayoutId id="2147483658" r:id="rId10"/>
-    <p:sldLayoutId id="2147483659" r:id="rId11"/>
+    <p:sldLayoutId id="2147483660" r:id="rId3"/>
+    <p:sldLayoutId id="2147483651" r:id="rId4"/>
+    <p:sldLayoutId id="2147483652" r:id="rId5"/>
+    <p:sldLayoutId id="2147483653" r:id="rId6"/>
+    <p:sldLayoutId id="2147483654" r:id="rId7"/>
+    <p:sldLayoutId id="2147483655" r:id="rId8"/>
+    <p:sldLayoutId id="2147483656" r:id="rId9"/>
+    <p:sldLayoutId id="2147483657" r:id="rId10"/>
+    <p:sldLayoutId id="2147483658" r:id="rId11"/>
+    <p:sldLayoutId id="2147483659" r:id="rId12"/>
   </p:sldLayoutIdLst>
   <p:txStyles>
     <p:titleStyle>
@@ -5762,6 +5884,8032 @@
 </p:sld>
 </file>
 
+<file path=ppt/slides/slide2.xml><?xml version="1.0" encoding="utf-8"?>
+<p:sld xmlns:a="http://schemas.openxmlformats.org/drawingml/2006/main" xmlns:r="http://schemas.openxmlformats.org/officeDocument/2006/relationships" xmlns:p="http://schemas.openxmlformats.org/presentationml/2006/main">
+  <p:cSld>
+    <p:spTree>
+      <p:nvGrpSpPr>
+        <p:cNvPr id="1" name=""/>
+        <p:cNvGrpSpPr/>
+        <p:nvPr/>
+      </p:nvGrpSpPr>
+      <p:grpSpPr>
+        <a:xfrm>
+          <a:off x="0" y="0"/>
+          <a:ext cx="0" cy="0"/>
+          <a:chOff x="0" y="0"/>
+          <a:chExt cx="0" cy="0"/>
+        </a:xfrm>
+      </p:grpSpPr>
+      <p:sp>
+        <p:nvSpPr>
+          <p:cNvPr id="5" name="Ellipse 4"/>
+          <p:cNvSpPr/>
+          <p:nvPr/>
+        </p:nvSpPr>
+        <p:spPr>
+          <a:xfrm>
+            <a:off x="5210517" y="1268760"/>
+            <a:ext cx="1332148" cy="576064"/>
+          </a:xfrm>
+          <a:prstGeom prst="ellipse">
+            <a:avLst/>
+          </a:prstGeom>
+          <a:solidFill>
+            <a:schemeClr val="bg1"/>
+          </a:solidFill>
+          <a:ln w="28575">
+            <a:solidFill>
+              <a:srgbClr val="FFFF00"/>
+            </a:solidFill>
+          </a:ln>
+        </p:spPr>
+        <p:style>
+          <a:lnRef idx="2">
+            <a:schemeClr val="accent1">
+              <a:shade val="50000"/>
+            </a:schemeClr>
+          </a:lnRef>
+          <a:fillRef idx="1">
+            <a:schemeClr val="accent1"/>
+          </a:fillRef>
+          <a:effectRef idx="0">
+            <a:schemeClr val="accent1"/>
+          </a:effectRef>
+          <a:fontRef idx="minor">
+            <a:schemeClr val="lt1"/>
+          </a:fontRef>
+        </p:style>
+        <p:txBody>
+          <a:bodyPr rtlCol="0" anchor="ctr"/>
+          <a:lstStyle/>
+          <a:p>
+            <a:pPr algn="ctr"/>
+            <a:r>
+              <a:rPr lang="fr-FR" sz="1400" dirty="0" smtClean="0">
+                <a:solidFill>
+                  <a:schemeClr val="tx1"/>
+                </a:solidFill>
+              </a:rPr>
+              <a:t>Bâti</a:t>
+            </a:r>
+          </a:p>
+          <a:p>
+            <a:pPr algn="ctr"/>
+            <a:r>
+              <a:rPr lang="fr-FR" sz="1400" dirty="0" smtClean="0">
+                <a:solidFill>
+                  <a:schemeClr val="tx1"/>
+                </a:solidFill>
+              </a:rPr>
+              <a:t>2, 5, 7, 32</a:t>
+            </a:r>
+            <a:endParaRPr lang="fr-FR" sz="1400" dirty="0">
+              <a:solidFill>
+                <a:schemeClr val="tx1"/>
+              </a:solidFill>
+            </a:endParaRPr>
+          </a:p>
+        </p:txBody>
+      </p:sp>
+      <p:sp>
+        <p:nvSpPr>
+          <p:cNvPr id="6" name="Ellipse 5"/>
+          <p:cNvSpPr/>
+          <p:nvPr/>
+        </p:nvSpPr>
+        <p:spPr>
+          <a:xfrm>
+            <a:off x="6259410" y="0"/>
+            <a:ext cx="1332148" cy="576064"/>
+          </a:xfrm>
+          <a:prstGeom prst="ellipse">
+            <a:avLst/>
+          </a:prstGeom>
+          <a:noFill/>
+          <a:ln w="28575">
+            <a:solidFill>
+              <a:srgbClr val="7030A0"/>
+            </a:solidFill>
+          </a:ln>
+        </p:spPr>
+        <p:style>
+          <a:lnRef idx="2">
+            <a:schemeClr val="accent1">
+              <a:shade val="50000"/>
+            </a:schemeClr>
+          </a:lnRef>
+          <a:fillRef idx="1">
+            <a:schemeClr val="accent1"/>
+          </a:fillRef>
+          <a:effectRef idx="0">
+            <a:schemeClr val="accent1"/>
+          </a:effectRef>
+          <a:fontRef idx="minor">
+            <a:schemeClr val="lt1"/>
+          </a:fontRef>
+        </p:style>
+        <p:txBody>
+          <a:bodyPr rtlCol="0" anchor="ctr"/>
+          <a:lstStyle/>
+          <a:p>
+            <a:pPr algn="ctr"/>
+            <a:r>
+              <a:rPr lang="fr-FR" sz="1400" dirty="0" smtClean="0">
+                <a:solidFill>
+                  <a:schemeClr val="tx1"/>
+                </a:solidFill>
+              </a:rPr>
+              <a:t>Roue double </a:t>
+            </a:r>
+            <a:r>
+              <a:rPr lang="fr-FR" sz="1400" dirty="0" smtClean="0">
+                <a:solidFill>
+                  <a:schemeClr val="tx1"/>
+                </a:solidFill>
+              </a:rPr>
+              <a:t>4</a:t>
+            </a:r>
+            <a:endParaRPr lang="fr-FR" sz="1400" dirty="0">
+              <a:solidFill>
+                <a:schemeClr val="tx1"/>
+              </a:solidFill>
+            </a:endParaRPr>
+          </a:p>
+        </p:txBody>
+      </p:sp>
+      <p:sp>
+        <p:nvSpPr>
+          <p:cNvPr id="7" name="Ellipse 6"/>
+          <p:cNvSpPr/>
+          <p:nvPr/>
+        </p:nvSpPr>
+        <p:spPr>
+          <a:xfrm>
+            <a:off x="3869801" y="0"/>
+            <a:ext cx="1623971" cy="576064"/>
+          </a:xfrm>
+          <a:prstGeom prst="ellipse">
+            <a:avLst/>
+          </a:prstGeom>
+          <a:noFill/>
+          <a:ln w="28575">
+            <a:solidFill>
+              <a:srgbClr val="FFC000"/>
+            </a:solidFill>
+          </a:ln>
+        </p:spPr>
+        <p:style>
+          <a:lnRef idx="2">
+            <a:schemeClr val="accent1">
+              <a:shade val="50000"/>
+            </a:schemeClr>
+          </a:lnRef>
+          <a:fillRef idx="1">
+            <a:schemeClr val="accent1"/>
+          </a:fillRef>
+          <a:effectRef idx="0">
+            <a:schemeClr val="accent1"/>
+          </a:effectRef>
+          <a:fontRef idx="minor">
+            <a:schemeClr val="lt1"/>
+          </a:fontRef>
+        </p:style>
+        <p:txBody>
+          <a:bodyPr rtlCol="0" anchor="ctr"/>
+          <a:lstStyle/>
+          <a:p>
+            <a:pPr algn="ctr"/>
+            <a:r>
+              <a:rPr lang="fr-FR" sz="1400" dirty="0" smtClean="0">
+                <a:solidFill>
+                  <a:schemeClr val="tx1"/>
+                </a:solidFill>
+              </a:rPr>
+              <a:t>Arbre gauche</a:t>
+            </a:r>
+          </a:p>
+          <a:p>
+            <a:pPr algn="ctr"/>
+            <a:r>
+              <a:rPr lang="fr-FR" sz="1400" dirty="0" smtClean="0">
+                <a:solidFill>
+                  <a:schemeClr val="tx1"/>
+                </a:solidFill>
+              </a:rPr>
+              <a:t>1,3, …</a:t>
+            </a:r>
+            <a:endParaRPr lang="fr-FR" sz="1400" dirty="0">
+              <a:solidFill>
+                <a:schemeClr val="tx1"/>
+              </a:solidFill>
+            </a:endParaRPr>
+          </a:p>
+        </p:txBody>
+      </p:sp>
+      <p:sp>
+        <p:nvSpPr>
+          <p:cNvPr id="9" name="Ellipse 8"/>
+          <p:cNvSpPr/>
+          <p:nvPr/>
+        </p:nvSpPr>
+        <p:spPr>
+          <a:xfrm>
+            <a:off x="2529085" y="1268760"/>
+            <a:ext cx="1623971" cy="576064"/>
+          </a:xfrm>
+          <a:prstGeom prst="ellipse">
+            <a:avLst/>
+          </a:prstGeom>
+          <a:noFill/>
+          <a:ln w="28575">
+            <a:solidFill>
+              <a:srgbClr val="FF33CC"/>
+            </a:solidFill>
+          </a:ln>
+        </p:spPr>
+        <p:style>
+          <a:lnRef idx="2">
+            <a:schemeClr val="accent1">
+              <a:shade val="50000"/>
+            </a:schemeClr>
+          </a:lnRef>
+          <a:fillRef idx="1">
+            <a:schemeClr val="accent1"/>
+          </a:fillRef>
+          <a:effectRef idx="0">
+            <a:schemeClr val="accent1"/>
+          </a:effectRef>
+          <a:fontRef idx="minor">
+            <a:schemeClr val="lt1"/>
+          </a:fontRef>
+        </p:style>
+        <p:txBody>
+          <a:bodyPr rtlCol="0" anchor="ctr"/>
+          <a:lstStyle/>
+          <a:p>
+            <a:pPr algn="ctr"/>
+            <a:r>
+              <a:rPr lang="fr-FR" sz="1400" dirty="0" smtClean="0">
+                <a:solidFill>
+                  <a:schemeClr val="tx1"/>
+                </a:solidFill>
+              </a:rPr>
+              <a:t>Arbre droit</a:t>
+            </a:r>
+          </a:p>
+          <a:p>
+            <a:pPr algn="ctr"/>
+            <a:r>
+              <a:rPr lang="fr-FR" sz="1400" dirty="0" smtClean="0">
+                <a:solidFill>
+                  <a:schemeClr val="tx1"/>
+                </a:solidFill>
+              </a:rPr>
+              <a:t>30,31, …</a:t>
+            </a:r>
+            <a:endParaRPr lang="fr-FR" sz="1400" dirty="0">
+              <a:solidFill>
+                <a:schemeClr val="tx1"/>
+              </a:solidFill>
+            </a:endParaRPr>
+          </a:p>
+        </p:txBody>
+      </p:sp>
+      <p:sp>
+        <p:nvSpPr>
+          <p:cNvPr id="10" name="Ellipse 9"/>
+          <p:cNvSpPr/>
+          <p:nvPr/>
+        </p:nvSpPr>
+        <p:spPr>
+          <a:xfrm>
+            <a:off x="7308304" y="1268760"/>
+            <a:ext cx="1454371" cy="576064"/>
+          </a:xfrm>
+          <a:prstGeom prst="ellipse">
+            <a:avLst/>
+          </a:prstGeom>
+          <a:noFill/>
+          <a:ln w="28575">
+            <a:solidFill>
+              <a:schemeClr val="tx2"/>
+            </a:solidFill>
+          </a:ln>
+        </p:spPr>
+        <p:style>
+          <a:lnRef idx="2">
+            <a:schemeClr val="accent1">
+              <a:shade val="50000"/>
+            </a:schemeClr>
+          </a:lnRef>
+          <a:fillRef idx="1">
+            <a:schemeClr val="accent1"/>
+          </a:fillRef>
+          <a:effectRef idx="0">
+            <a:schemeClr val="accent1"/>
+          </a:effectRef>
+          <a:fontRef idx="minor">
+            <a:schemeClr val="lt1"/>
+          </a:fontRef>
+        </p:style>
+        <p:txBody>
+          <a:bodyPr rtlCol="0" anchor="ctr"/>
+          <a:lstStyle/>
+          <a:p>
+            <a:pPr algn="ctr"/>
+            <a:r>
+              <a:rPr lang="fr-FR" sz="1400" dirty="0" smtClean="0">
+                <a:solidFill>
+                  <a:schemeClr val="tx1"/>
+                </a:solidFill>
+              </a:rPr>
+              <a:t>Crémaillère</a:t>
+            </a:r>
+          </a:p>
+          <a:p>
+            <a:pPr algn="ctr"/>
+            <a:r>
+              <a:rPr lang="fr-FR" sz="1400" dirty="0" smtClean="0">
+                <a:solidFill>
+                  <a:schemeClr val="tx1"/>
+                </a:solidFill>
+              </a:rPr>
+              <a:t>10</a:t>
+            </a:r>
+            <a:endParaRPr lang="fr-FR" sz="1400" dirty="0">
+              <a:solidFill>
+                <a:schemeClr val="tx1"/>
+              </a:solidFill>
+            </a:endParaRPr>
+          </a:p>
+        </p:txBody>
+      </p:sp>
+      <p:sp>
+        <p:nvSpPr>
+          <p:cNvPr id="11" name="Ellipse 10"/>
+          <p:cNvSpPr/>
+          <p:nvPr/>
+        </p:nvSpPr>
+        <p:spPr>
+          <a:xfrm>
+            <a:off x="3709678" y="2564904"/>
+            <a:ext cx="1944216" cy="576064"/>
+          </a:xfrm>
+          <a:prstGeom prst="ellipse">
+            <a:avLst/>
+          </a:prstGeom>
+          <a:noFill/>
+          <a:ln w="28575">
+            <a:solidFill>
+              <a:srgbClr val="FF0000"/>
+            </a:solidFill>
+          </a:ln>
+        </p:spPr>
+        <p:style>
+          <a:lnRef idx="2">
+            <a:schemeClr val="accent1">
+              <a:shade val="50000"/>
+            </a:schemeClr>
+          </a:lnRef>
+          <a:fillRef idx="1">
+            <a:schemeClr val="accent1"/>
+          </a:fillRef>
+          <a:effectRef idx="0">
+            <a:schemeClr val="accent1"/>
+          </a:effectRef>
+          <a:fontRef idx="minor">
+            <a:schemeClr val="lt1"/>
+          </a:fontRef>
+        </p:style>
+        <p:txBody>
+          <a:bodyPr rtlCol="0" anchor="ctr"/>
+          <a:lstStyle/>
+          <a:p>
+            <a:pPr algn="ctr"/>
+            <a:r>
+              <a:rPr lang="fr-FR" sz="1400" dirty="0" smtClean="0">
+                <a:solidFill>
+                  <a:schemeClr val="tx1"/>
+                </a:solidFill>
+              </a:rPr>
+              <a:t>Boîtier</a:t>
+            </a:r>
+          </a:p>
+          <a:p>
+            <a:pPr algn="ctr"/>
+            <a:r>
+              <a:rPr lang="fr-FR" sz="1400" dirty="0" smtClean="0">
+                <a:solidFill>
+                  <a:schemeClr val="tx1"/>
+                </a:solidFill>
+              </a:rPr>
+              <a:t>11, 13, 16, 17, …</a:t>
+            </a:r>
+            <a:endParaRPr lang="fr-FR" sz="1400" dirty="0">
+              <a:solidFill>
+                <a:schemeClr val="tx1"/>
+              </a:solidFill>
+            </a:endParaRPr>
+          </a:p>
+        </p:txBody>
+      </p:sp>
+      <p:sp>
+        <p:nvSpPr>
+          <p:cNvPr id="12" name="Ellipse 11"/>
+          <p:cNvSpPr/>
+          <p:nvPr/>
+        </p:nvSpPr>
+        <p:spPr>
+          <a:xfrm>
+            <a:off x="6140880" y="2564904"/>
+            <a:ext cx="1569207" cy="576064"/>
+          </a:xfrm>
+          <a:prstGeom prst="ellipse">
+            <a:avLst/>
+          </a:prstGeom>
+          <a:noFill/>
+          <a:ln w="28575">
+            <a:solidFill>
+              <a:srgbClr val="00B050"/>
+            </a:solidFill>
+          </a:ln>
+        </p:spPr>
+        <p:style>
+          <a:lnRef idx="2">
+            <a:schemeClr val="accent1">
+              <a:shade val="50000"/>
+            </a:schemeClr>
+          </a:lnRef>
+          <a:fillRef idx="1">
+            <a:schemeClr val="accent1"/>
+          </a:fillRef>
+          <a:effectRef idx="0">
+            <a:schemeClr val="accent1"/>
+          </a:effectRef>
+          <a:fontRef idx="minor">
+            <a:schemeClr val="lt1"/>
+          </a:fontRef>
+        </p:style>
+        <p:txBody>
+          <a:bodyPr rtlCol="0" anchor="ctr"/>
+          <a:lstStyle/>
+          <a:p>
+            <a:pPr algn="ctr"/>
+            <a:r>
+              <a:rPr lang="fr-FR" sz="1400" dirty="0" smtClean="0">
+                <a:solidFill>
+                  <a:schemeClr val="tx1"/>
+                </a:solidFill>
+              </a:rPr>
+              <a:t>Roue triple</a:t>
+            </a:r>
+          </a:p>
+          <a:p>
+            <a:pPr algn="ctr"/>
+            <a:r>
+              <a:rPr lang="fr-FR" sz="1400" dirty="0" smtClean="0">
+                <a:solidFill>
+                  <a:schemeClr val="tx1"/>
+                </a:solidFill>
+              </a:rPr>
+              <a:t>26</a:t>
+            </a:r>
+            <a:endParaRPr lang="fr-FR" sz="1400" dirty="0">
+              <a:solidFill>
+                <a:schemeClr val="tx1"/>
+              </a:solidFill>
+            </a:endParaRPr>
+          </a:p>
+        </p:txBody>
+      </p:sp>
+      <p:sp>
+        <p:nvSpPr>
+          <p:cNvPr id="13" name="Ellipse 12"/>
+          <p:cNvSpPr/>
+          <p:nvPr/>
+        </p:nvSpPr>
+        <p:spPr>
+          <a:xfrm>
+            <a:off x="5091987" y="3861048"/>
+            <a:ext cx="1569207" cy="576064"/>
+          </a:xfrm>
+          <a:prstGeom prst="ellipse">
+            <a:avLst/>
+          </a:prstGeom>
+          <a:noFill/>
+          <a:ln w="12700">
+            <a:solidFill>
+              <a:schemeClr val="tx1"/>
+            </a:solidFill>
+          </a:ln>
+        </p:spPr>
+        <p:style>
+          <a:lnRef idx="2">
+            <a:schemeClr val="accent1">
+              <a:shade val="50000"/>
+            </a:schemeClr>
+          </a:lnRef>
+          <a:fillRef idx="1">
+            <a:schemeClr val="accent1"/>
+          </a:fillRef>
+          <a:effectRef idx="0">
+            <a:schemeClr val="accent1"/>
+          </a:effectRef>
+          <a:fontRef idx="minor">
+            <a:schemeClr val="lt1"/>
+          </a:fontRef>
+        </p:style>
+        <p:txBody>
+          <a:bodyPr rtlCol="0" anchor="ctr"/>
+          <a:lstStyle/>
+          <a:p>
+            <a:pPr algn="ctr"/>
+            <a:r>
+              <a:rPr lang="fr-FR" sz="1400" dirty="0" smtClean="0">
+                <a:solidFill>
+                  <a:schemeClr val="tx1"/>
+                </a:solidFill>
+              </a:rPr>
+              <a:t>Porte pince</a:t>
+            </a:r>
+          </a:p>
+          <a:p>
+            <a:pPr algn="ctr"/>
+            <a:r>
+              <a:rPr lang="fr-FR" sz="1400" dirty="0" smtClean="0">
+                <a:solidFill>
+                  <a:schemeClr val="tx1"/>
+                </a:solidFill>
+              </a:rPr>
+              <a:t>15, 25</a:t>
+            </a:r>
+            <a:endParaRPr lang="fr-FR" sz="1400" dirty="0">
+              <a:solidFill>
+                <a:schemeClr val="tx1"/>
+              </a:solidFill>
+            </a:endParaRPr>
+          </a:p>
+        </p:txBody>
+      </p:sp>
+      <p:cxnSp>
+        <p:nvCxnSpPr>
+          <p:cNvPr id="15" name="Connecteur droit 14"/>
+          <p:cNvCxnSpPr>
+            <a:stCxn id="9" idx="6"/>
+            <a:endCxn id="5" idx="2"/>
+          </p:cNvCxnSpPr>
+          <p:nvPr/>
+        </p:nvCxnSpPr>
+        <p:spPr>
+          <a:xfrm>
+            <a:off x="4153056" y="1556792"/>
+            <a:ext cx="1057461" cy="0"/>
+          </a:xfrm>
+          <a:prstGeom prst="line">
+            <a:avLst/>
+          </a:prstGeom>
+          <a:ln w="19050">
+            <a:solidFill>
+              <a:schemeClr val="tx1"/>
+            </a:solidFill>
+          </a:ln>
+        </p:spPr>
+        <p:style>
+          <a:lnRef idx="1">
+            <a:schemeClr val="accent1"/>
+          </a:lnRef>
+          <a:fillRef idx="0">
+            <a:schemeClr val="accent1"/>
+          </a:fillRef>
+          <a:effectRef idx="0">
+            <a:schemeClr val="accent1"/>
+          </a:effectRef>
+          <a:fontRef idx="minor">
+            <a:schemeClr val="tx1"/>
+          </a:fontRef>
+        </p:style>
+      </p:cxnSp>
+      <p:cxnSp>
+        <p:nvCxnSpPr>
+          <p:cNvPr id="19" name="Connecteur droit 18"/>
+          <p:cNvCxnSpPr>
+            <a:stCxn id="10" idx="2"/>
+            <a:endCxn id="5" idx="6"/>
+          </p:cNvCxnSpPr>
+          <p:nvPr/>
+        </p:nvCxnSpPr>
+        <p:spPr>
+          <a:xfrm flipH="1">
+            <a:off x="6542665" y="1556792"/>
+            <a:ext cx="765639" cy="0"/>
+          </a:xfrm>
+          <a:prstGeom prst="line">
+            <a:avLst/>
+          </a:prstGeom>
+          <a:ln w="19050">
+            <a:solidFill>
+              <a:schemeClr val="tx1"/>
+            </a:solidFill>
+          </a:ln>
+        </p:spPr>
+        <p:style>
+          <a:lnRef idx="1">
+            <a:schemeClr val="accent1"/>
+          </a:lnRef>
+          <a:fillRef idx="0">
+            <a:schemeClr val="accent1"/>
+          </a:fillRef>
+          <a:effectRef idx="0">
+            <a:schemeClr val="accent1"/>
+          </a:effectRef>
+          <a:fontRef idx="minor">
+            <a:schemeClr val="tx1"/>
+          </a:fontRef>
+        </p:style>
+      </p:cxnSp>
+      <p:cxnSp>
+        <p:nvCxnSpPr>
+          <p:cNvPr id="22" name="Connecteur droit 21"/>
+          <p:cNvCxnSpPr>
+            <a:stCxn id="10" idx="0"/>
+            <a:endCxn id="6" idx="5"/>
+          </p:cNvCxnSpPr>
+          <p:nvPr/>
+        </p:nvCxnSpPr>
+        <p:spPr>
+          <a:xfrm flipH="1" flipV="1">
+            <a:off x="7396469" y="491701"/>
+            <a:ext cx="639021" cy="777059"/>
+          </a:xfrm>
+          <a:prstGeom prst="line">
+            <a:avLst/>
+          </a:prstGeom>
+          <a:ln w="19050">
+            <a:solidFill>
+              <a:schemeClr val="tx1"/>
+            </a:solidFill>
+          </a:ln>
+        </p:spPr>
+        <p:style>
+          <a:lnRef idx="1">
+            <a:schemeClr val="accent1"/>
+          </a:lnRef>
+          <a:fillRef idx="0">
+            <a:schemeClr val="accent1"/>
+          </a:fillRef>
+          <a:effectRef idx="0">
+            <a:schemeClr val="accent1"/>
+          </a:effectRef>
+          <a:fontRef idx="minor">
+            <a:schemeClr val="tx1"/>
+          </a:fontRef>
+        </p:style>
+      </p:cxnSp>
+      <p:cxnSp>
+        <p:nvCxnSpPr>
+          <p:cNvPr id="26" name="Connecteur droit 25"/>
+          <p:cNvCxnSpPr>
+            <a:stCxn id="5" idx="7"/>
+            <a:endCxn id="6" idx="4"/>
+          </p:cNvCxnSpPr>
+          <p:nvPr/>
+        </p:nvCxnSpPr>
+        <p:spPr>
+          <a:xfrm flipV="1">
+            <a:off x="6347576" y="576064"/>
+            <a:ext cx="577908" cy="777059"/>
+          </a:xfrm>
+          <a:prstGeom prst="line">
+            <a:avLst/>
+          </a:prstGeom>
+          <a:ln w="19050">
+            <a:solidFill>
+              <a:schemeClr val="tx1"/>
+            </a:solidFill>
+          </a:ln>
+        </p:spPr>
+        <p:style>
+          <a:lnRef idx="1">
+            <a:schemeClr val="accent1"/>
+          </a:lnRef>
+          <a:fillRef idx="0">
+            <a:schemeClr val="accent1"/>
+          </a:fillRef>
+          <a:effectRef idx="0">
+            <a:schemeClr val="accent1"/>
+          </a:effectRef>
+          <a:fontRef idx="minor">
+            <a:schemeClr val="tx1"/>
+          </a:fontRef>
+        </p:style>
+      </p:cxnSp>
+      <p:cxnSp>
+        <p:nvCxnSpPr>
+          <p:cNvPr id="29" name="Connecteur droit 28"/>
+          <p:cNvCxnSpPr>
+            <a:stCxn id="7" idx="6"/>
+            <a:endCxn id="6" idx="2"/>
+          </p:cNvCxnSpPr>
+          <p:nvPr/>
+        </p:nvCxnSpPr>
+        <p:spPr>
+          <a:xfrm>
+            <a:off x="5493772" y="288032"/>
+            <a:ext cx="765638" cy="0"/>
+          </a:xfrm>
+          <a:prstGeom prst="line">
+            <a:avLst/>
+          </a:prstGeom>
+          <a:ln w="19050">
+            <a:solidFill>
+              <a:schemeClr val="tx1"/>
+            </a:solidFill>
+          </a:ln>
+        </p:spPr>
+        <p:style>
+          <a:lnRef idx="1">
+            <a:schemeClr val="accent1"/>
+          </a:lnRef>
+          <a:fillRef idx="0">
+            <a:schemeClr val="accent1"/>
+          </a:fillRef>
+          <a:effectRef idx="0">
+            <a:schemeClr val="accent1"/>
+          </a:effectRef>
+          <a:fontRef idx="minor">
+            <a:schemeClr val="tx1"/>
+          </a:fontRef>
+        </p:style>
+      </p:cxnSp>
+      <p:cxnSp>
+        <p:nvCxnSpPr>
+          <p:cNvPr id="32" name="Connecteur droit 31"/>
+          <p:cNvCxnSpPr>
+            <a:stCxn id="7" idx="4"/>
+            <a:endCxn id="5" idx="1"/>
+          </p:cNvCxnSpPr>
+          <p:nvPr/>
+        </p:nvCxnSpPr>
+        <p:spPr>
+          <a:xfrm>
+            <a:off x="4681787" y="576064"/>
+            <a:ext cx="723819" cy="777059"/>
+          </a:xfrm>
+          <a:prstGeom prst="line">
+            <a:avLst/>
+          </a:prstGeom>
+          <a:ln w="19050">
+            <a:solidFill>
+              <a:schemeClr val="tx1"/>
+            </a:solidFill>
+          </a:ln>
+        </p:spPr>
+        <p:style>
+          <a:lnRef idx="1">
+            <a:schemeClr val="accent1"/>
+          </a:lnRef>
+          <a:fillRef idx="0">
+            <a:schemeClr val="accent1"/>
+          </a:fillRef>
+          <a:effectRef idx="0">
+            <a:schemeClr val="accent1"/>
+          </a:effectRef>
+          <a:fontRef idx="minor">
+            <a:schemeClr val="tx1"/>
+          </a:fontRef>
+        </p:style>
+      </p:cxnSp>
+      <p:cxnSp>
+        <p:nvCxnSpPr>
+          <p:cNvPr id="36" name="Connecteur droit 35"/>
+          <p:cNvCxnSpPr>
+            <a:stCxn id="9" idx="4"/>
+            <a:endCxn id="11" idx="1"/>
+          </p:cNvCxnSpPr>
+          <p:nvPr/>
+        </p:nvCxnSpPr>
+        <p:spPr>
+          <a:xfrm>
+            <a:off x="3341071" y="1844824"/>
+            <a:ext cx="653331" cy="804443"/>
+          </a:xfrm>
+          <a:prstGeom prst="line">
+            <a:avLst/>
+          </a:prstGeom>
+          <a:ln w="19050">
+            <a:solidFill>
+              <a:schemeClr val="tx1"/>
+            </a:solidFill>
+          </a:ln>
+        </p:spPr>
+        <p:style>
+          <a:lnRef idx="1">
+            <a:schemeClr val="accent1"/>
+          </a:lnRef>
+          <a:fillRef idx="0">
+            <a:schemeClr val="accent1"/>
+          </a:fillRef>
+          <a:effectRef idx="0">
+            <a:schemeClr val="accent1"/>
+          </a:effectRef>
+          <a:fontRef idx="minor">
+            <a:schemeClr val="tx1"/>
+          </a:fontRef>
+        </p:style>
+      </p:cxnSp>
+      <p:cxnSp>
+        <p:nvCxnSpPr>
+          <p:cNvPr id="40" name="Connecteur droit 39"/>
+          <p:cNvCxnSpPr>
+            <a:stCxn id="11" idx="7"/>
+            <a:endCxn id="5" idx="4"/>
+          </p:cNvCxnSpPr>
+          <p:nvPr/>
+        </p:nvCxnSpPr>
+        <p:spPr>
+          <a:xfrm flipV="1">
+            <a:off x="5369170" y="1844824"/>
+            <a:ext cx="507421" cy="804443"/>
+          </a:xfrm>
+          <a:prstGeom prst="line">
+            <a:avLst/>
+          </a:prstGeom>
+          <a:ln w="19050">
+            <a:solidFill>
+              <a:schemeClr val="tx1"/>
+            </a:solidFill>
+          </a:ln>
+        </p:spPr>
+        <p:style>
+          <a:lnRef idx="1">
+            <a:schemeClr val="accent1"/>
+          </a:lnRef>
+          <a:fillRef idx="0">
+            <a:schemeClr val="accent1"/>
+          </a:fillRef>
+          <a:effectRef idx="0">
+            <a:schemeClr val="accent1"/>
+          </a:effectRef>
+          <a:fontRef idx="minor">
+            <a:schemeClr val="tx1"/>
+          </a:fontRef>
+        </p:style>
+      </p:cxnSp>
+      <p:cxnSp>
+        <p:nvCxnSpPr>
+          <p:cNvPr id="43" name="Connecteur droit 42"/>
+          <p:cNvCxnSpPr>
+            <a:stCxn id="12" idx="7"/>
+            <a:endCxn id="10" idx="4"/>
+          </p:cNvCxnSpPr>
+          <p:nvPr/>
+        </p:nvCxnSpPr>
+        <p:spPr>
+          <a:xfrm flipV="1">
+            <a:off x="7480282" y="1844824"/>
+            <a:ext cx="555208" cy="804443"/>
+          </a:xfrm>
+          <a:prstGeom prst="line">
+            <a:avLst/>
+          </a:prstGeom>
+          <a:ln w="19050">
+            <a:solidFill>
+              <a:schemeClr val="tx1"/>
+            </a:solidFill>
+          </a:ln>
+        </p:spPr>
+        <p:style>
+          <a:lnRef idx="1">
+            <a:schemeClr val="accent1"/>
+          </a:lnRef>
+          <a:fillRef idx="0">
+            <a:schemeClr val="accent1"/>
+          </a:fillRef>
+          <a:effectRef idx="0">
+            <a:schemeClr val="accent1"/>
+          </a:effectRef>
+          <a:fontRef idx="minor">
+            <a:schemeClr val="tx1"/>
+          </a:fontRef>
+        </p:style>
+      </p:cxnSp>
+      <p:cxnSp>
+        <p:nvCxnSpPr>
+          <p:cNvPr id="46" name="Connecteur droit 45"/>
+          <p:cNvCxnSpPr>
+            <a:stCxn id="11" idx="6"/>
+            <a:endCxn id="12" idx="2"/>
+          </p:cNvCxnSpPr>
+          <p:nvPr/>
+        </p:nvCxnSpPr>
+        <p:spPr>
+          <a:xfrm>
+            <a:off x="5653894" y="2852936"/>
+            <a:ext cx="486986" cy="0"/>
+          </a:xfrm>
+          <a:prstGeom prst="line">
+            <a:avLst/>
+          </a:prstGeom>
+          <a:ln w="19050">
+            <a:solidFill>
+              <a:schemeClr val="tx1"/>
+            </a:solidFill>
+          </a:ln>
+        </p:spPr>
+        <p:style>
+          <a:lnRef idx="1">
+            <a:schemeClr val="accent1"/>
+          </a:lnRef>
+          <a:fillRef idx="0">
+            <a:schemeClr val="accent1"/>
+          </a:fillRef>
+          <a:effectRef idx="0">
+            <a:schemeClr val="accent1"/>
+          </a:effectRef>
+          <a:fontRef idx="minor">
+            <a:schemeClr val="tx1"/>
+          </a:fontRef>
+        </p:style>
+      </p:cxnSp>
+      <p:cxnSp>
+        <p:nvCxnSpPr>
+          <p:cNvPr id="49" name="Connecteur droit 48"/>
+          <p:cNvCxnSpPr>
+            <a:stCxn id="13" idx="1"/>
+            <a:endCxn id="11" idx="4"/>
+          </p:cNvCxnSpPr>
+          <p:nvPr/>
+        </p:nvCxnSpPr>
+        <p:spPr>
+          <a:xfrm flipH="1" flipV="1">
+            <a:off x="4681786" y="3140968"/>
+            <a:ext cx="640006" cy="804443"/>
+          </a:xfrm>
+          <a:prstGeom prst="line">
+            <a:avLst/>
+          </a:prstGeom>
+          <a:ln w="19050">
+            <a:solidFill>
+              <a:schemeClr val="tx1"/>
+            </a:solidFill>
+          </a:ln>
+        </p:spPr>
+        <p:style>
+          <a:lnRef idx="1">
+            <a:schemeClr val="accent1"/>
+          </a:lnRef>
+          <a:fillRef idx="0">
+            <a:schemeClr val="accent1"/>
+          </a:fillRef>
+          <a:effectRef idx="0">
+            <a:schemeClr val="accent1"/>
+          </a:effectRef>
+          <a:fontRef idx="minor">
+            <a:schemeClr val="tx1"/>
+          </a:fontRef>
+        </p:style>
+      </p:cxnSp>
+      <p:cxnSp>
+        <p:nvCxnSpPr>
+          <p:cNvPr id="52" name="Connecteur droit 51"/>
+          <p:cNvCxnSpPr>
+            <a:stCxn id="13" idx="7"/>
+            <a:endCxn id="12" idx="4"/>
+          </p:cNvCxnSpPr>
+          <p:nvPr/>
+        </p:nvCxnSpPr>
+        <p:spPr>
+          <a:xfrm flipV="1">
+            <a:off x="6431389" y="3140968"/>
+            <a:ext cx="494095" cy="804443"/>
+          </a:xfrm>
+          <a:prstGeom prst="line">
+            <a:avLst/>
+          </a:prstGeom>
+          <a:ln w="19050">
+            <a:solidFill>
+              <a:schemeClr val="tx1"/>
+            </a:solidFill>
+          </a:ln>
+        </p:spPr>
+        <p:style>
+          <a:lnRef idx="1">
+            <a:schemeClr val="accent1"/>
+          </a:lnRef>
+          <a:fillRef idx="0">
+            <a:schemeClr val="accent1"/>
+          </a:fillRef>
+          <a:effectRef idx="0">
+            <a:schemeClr val="accent1"/>
+          </a:effectRef>
+          <a:fontRef idx="minor">
+            <a:schemeClr val="tx1"/>
+          </a:fontRef>
+        </p:style>
+      </p:cxnSp>
+      <mc:AlternateContent xmlns:mc="http://schemas.openxmlformats.org/markup-compatibility/2006">
+        <mc:Choice xmlns:a14="http://schemas.microsoft.com/office/drawing/2010/main" Requires="a14">
+          <p:sp>
+            <p:nvSpPr>
+              <p:cNvPr id="58" name="ZoneTexte 57"/>
+              <p:cNvSpPr txBox="1"/>
+              <p:nvPr/>
+            </p:nvSpPr>
+            <p:spPr>
+              <a:xfrm>
+                <a:off x="4496931" y="3340849"/>
+                <a:ext cx="519886" cy="369332"/>
+              </a:xfrm>
+              <a:prstGeom prst="rect">
+                <a:avLst/>
+              </a:prstGeom>
+              <a:noFill/>
+            </p:spPr>
+            <p:txBody>
+              <a:bodyPr wrap="none" rtlCol="0">
+                <a:spAutoFit/>
+              </a:bodyPr>
+              <a:lstStyle/>
+              <a:p>
+                <a:pPr/>
+                <a14:m>
+                  <m:oMathPara xmlns:m="http://schemas.openxmlformats.org/officeDocument/2006/math">
+                    <m:oMathParaPr>
+                      <m:jc m:val="centerGroup"/>
+                    </m:oMathParaPr>
+                    <m:oMath xmlns:m="http://schemas.openxmlformats.org/officeDocument/2006/math">
+                      <m:sSub>
+                        <m:sSubPr>
+                          <m:ctrlPr>
+                            <a:rPr lang="fr-FR" b="0" i="1" smtClean="0">
+                              <a:latin typeface="Cambria Math"/>
+                              <a:ea typeface="Cambria Math"/>
+                            </a:rPr>
+                          </m:ctrlPr>
+                        </m:sSubPr>
+                        <m:e>
+                          <m:r>
+                            <a:rPr lang="fr-FR" i="1" smtClean="0">
+                              <a:latin typeface="Cambria Math"/>
+                              <a:ea typeface="Cambria Math"/>
+                            </a:rPr>
+                            <m:t>ℒ</m:t>
+                          </m:r>
+                        </m:e>
+                        <m:sub>
+                          <m:r>
+                            <a:rPr lang="fr-FR" b="0" i="1" smtClean="0">
+                              <a:latin typeface="Cambria Math"/>
+                              <a:ea typeface="Cambria Math"/>
+                            </a:rPr>
+                            <m:t>𝐻</m:t>
+                          </m:r>
+                        </m:sub>
+                      </m:sSub>
+                    </m:oMath>
+                  </m:oMathPara>
+                </a14:m>
+                <a:endParaRPr lang="fr-FR" dirty="0"/>
+              </a:p>
+            </p:txBody>
+          </p:sp>
+        </mc:Choice>
+        <mc:Fallback>
+          <p:sp>
+            <p:nvSpPr>
+              <p:cNvPr id="58" name="ZoneTexte 57"/>
+              <p:cNvSpPr txBox="1">
+                <a:spLocks noRot="1" noChangeAspect="1" noMove="1" noResize="1" noEditPoints="1" noAdjustHandles="1" noChangeArrowheads="1" noChangeShapeType="1" noTextEdit="1"/>
+              </p:cNvSpPr>
+              <p:nvPr/>
+            </p:nvSpPr>
+            <p:spPr>
+              <a:xfrm>
+                <a:off x="4496931" y="3340849"/>
+                <a:ext cx="519886" cy="369332"/>
+              </a:xfrm>
+              <a:prstGeom prst="rect">
+                <a:avLst/>
+              </a:prstGeom>
+              <a:blipFill rotWithShape="1">
+                <a:blip r:embed="rId2"/>
+                <a:stretch>
+                  <a:fillRect/>
+                </a:stretch>
+              </a:blipFill>
+            </p:spPr>
+            <p:txBody>
+              <a:bodyPr/>
+              <a:lstStyle/>
+              <a:p>
+                <a:r>
+                  <a:rPr lang="fr-FR">
+                    <a:noFill/>
+                  </a:rPr>
+                  <a:t> </a:t>
+                </a:r>
+              </a:p>
+            </p:txBody>
+          </p:sp>
+        </mc:Fallback>
+      </mc:AlternateContent>
+      <mc:AlternateContent xmlns:mc="http://schemas.openxmlformats.org/markup-compatibility/2006" xmlns:a14="http://schemas.microsoft.com/office/drawing/2010/main">
+        <mc:Choice Requires="a14">
+          <p:sp>
+            <p:nvSpPr>
+              <p:cNvPr id="59" name="ZoneTexte 58"/>
+              <p:cNvSpPr txBox="1"/>
+              <p:nvPr/>
+            </p:nvSpPr>
+            <p:spPr>
+              <a:xfrm>
+                <a:off x="4391504" y="1187460"/>
+                <a:ext cx="484620" cy="369332"/>
+              </a:xfrm>
+              <a:prstGeom prst="rect">
+                <a:avLst/>
+              </a:prstGeom>
+              <a:noFill/>
+            </p:spPr>
+            <p:txBody>
+              <a:bodyPr wrap="none" rtlCol="0">
+                <a:spAutoFit/>
+              </a:bodyPr>
+              <a:lstStyle/>
+              <a:p>
+                <a:pPr/>
+                <a14:m>
+                  <m:oMathPara xmlns:m="http://schemas.openxmlformats.org/officeDocument/2006/math">
+                    <m:oMathParaPr>
+                      <m:jc m:val="centerGroup"/>
+                    </m:oMathParaPr>
+                    <m:oMath xmlns:m="http://schemas.openxmlformats.org/officeDocument/2006/math">
+                      <m:sSub>
+                        <m:sSubPr>
+                          <m:ctrlPr>
+                            <a:rPr lang="fr-FR" b="0" i="1" smtClean="0">
+                              <a:latin typeface="Cambria Math"/>
+                              <a:ea typeface="Cambria Math"/>
+                            </a:rPr>
+                          </m:ctrlPr>
+                        </m:sSubPr>
+                        <m:e>
+                          <m:r>
+                            <a:rPr lang="fr-FR" i="1" smtClean="0">
+                              <a:latin typeface="Cambria Math"/>
+                              <a:ea typeface="Cambria Math"/>
+                            </a:rPr>
+                            <m:t>ℒ</m:t>
+                          </m:r>
+                        </m:e>
+                        <m:sub>
+                          <m:r>
+                            <a:rPr lang="fr-FR" b="0" i="1" smtClean="0">
+                              <a:latin typeface="Cambria Math"/>
+                              <a:ea typeface="Cambria Math"/>
+                            </a:rPr>
+                            <m:t>𝐿</m:t>
+                          </m:r>
+                        </m:sub>
+                      </m:sSub>
+                    </m:oMath>
+                  </m:oMathPara>
+                </a14:m>
+                <a:endParaRPr lang="fr-FR" dirty="0"/>
+              </a:p>
+            </p:txBody>
+          </p:sp>
+        </mc:Choice>
+        <mc:Fallback xmlns="">
+          <p:sp>
+            <p:nvSpPr>
+              <p:cNvPr id="59" name="ZoneTexte 58"/>
+              <p:cNvSpPr txBox="1">
+                <a:spLocks noRot="1" noChangeAspect="1" noMove="1" noResize="1" noEditPoints="1" noAdjustHandles="1" noChangeArrowheads="1" noChangeShapeType="1" noTextEdit="1"/>
+              </p:cNvSpPr>
+              <p:nvPr/>
+            </p:nvSpPr>
+            <p:spPr>
+              <a:xfrm>
+                <a:off x="4391504" y="1187460"/>
+                <a:ext cx="484620" cy="369332"/>
+              </a:xfrm>
+              <a:prstGeom prst="rect">
+                <a:avLst/>
+              </a:prstGeom>
+              <a:blipFill rotWithShape="1">
+                <a:blip r:embed="rId4"/>
+                <a:stretch>
+                  <a:fillRect/>
+                </a:stretch>
+              </a:blipFill>
+            </p:spPr>
+            <p:txBody>
+              <a:bodyPr/>
+              <a:lstStyle/>
+              <a:p>
+                <a:r>
+                  <a:rPr lang="fr-FR">
+                    <a:noFill/>
+                  </a:rPr>
+                  <a:t> </a:t>
+                </a:r>
+              </a:p>
+            </p:txBody>
+          </p:sp>
+        </mc:Fallback>
+      </mc:AlternateContent>
+      <mc:AlternateContent xmlns:mc="http://schemas.openxmlformats.org/markup-compatibility/2006">
+        <mc:Choice xmlns:a14="http://schemas.microsoft.com/office/drawing/2010/main" Requires="a14">
+          <p:sp>
+            <p:nvSpPr>
+              <p:cNvPr id="60" name="ZoneTexte 59"/>
+              <p:cNvSpPr txBox="1"/>
+              <p:nvPr/>
+            </p:nvSpPr>
+            <p:spPr>
+              <a:xfrm>
+                <a:off x="7715979" y="658760"/>
+                <a:ext cx="513089" cy="369332"/>
+              </a:xfrm>
+              <a:prstGeom prst="rect">
+                <a:avLst/>
+              </a:prstGeom>
+              <a:noFill/>
+            </p:spPr>
+            <p:txBody>
+              <a:bodyPr wrap="none" rtlCol="0">
+                <a:spAutoFit/>
+              </a:bodyPr>
+              <a:lstStyle/>
+              <a:p>
+                <a:pPr/>
+                <a14:m>
+                  <m:oMathPara xmlns:m="http://schemas.openxmlformats.org/officeDocument/2006/math">
+                    <m:oMathParaPr>
+                      <m:jc m:val="centerGroup"/>
+                    </m:oMathParaPr>
+                    <m:oMath xmlns:m="http://schemas.openxmlformats.org/officeDocument/2006/math">
+                      <m:sSub>
+                        <m:sSubPr>
+                          <m:ctrlPr>
+                            <a:rPr lang="fr-FR" b="0" i="1" smtClean="0">
+                              <a:latin typeface="Cambria Math"/>
+                              <a:ea typeface="Cambria Math"/>
+                            </a:rPr>
+                          </m:ctrlPr>
+                        </m:sSubPr>
+                        <m:e>
+                          <m:r>
+                            <a:rPr lang="fr-FR" i="1" smtClean="0">
+                              <a:latin typeface="Cambria Math"/>
+                              <a:ea typeface="Cambria Math"/>
+                            </a:rPr>
+                            <m:t>ℒ</m:t>
+                          </m:r>
+                        </m:e>
+                        <m:sub>
+                          <m:r>
+                            <a:rPr lang="fr-FR" b="0" i="1" smtClean="0">
+                              <a:latin typeface="Cambria Math"/>
+                              <a:ea typeface="Cambria Math"/>
+                            </a:rPr>
+                            <m:t>𝐷</m:t>
+                          </m:r>
+                        </m:sub>
+                      </m:sSub>
+                    </m:oMath>
+                  </m:oMathPara>
+                </a14:m>
+                <a:endParaRPr lang="fr-FR" dirty="0"/>
+              </a:p>
+            </p:txBody>
+          </p:sp>
+        </mc:Choice>
+        <mc:Fallback>
+          <p:sp>
+            <p:nvSpPr>
+              <p:cNvPr id="60" name="ZoneTexte 59"/>
+              <p:cNvSpPr txBox="1">
+                <a:spLocks noRot="1" noChangeAspect="1" noMove="1" noResize="1" noEditPoints="1" noAdjustHandles="1" noChangeArrowheads="1" noChangeShapeType="1" noTextEdit="1"/>
+              </p:cNvSpPr>
+              <p:nvPr/>
+            </p:nvSpPr>
+            <p:spPr>
+              <a:xfrm>
+                <a:off x="7715979" y="658760"/>
+                <a:ext cx="513089" cy="369332"/>
+              </a:xfrm>
+              <a:prstGeom prst="rect">
+                <a:avLst/>
+              </a:prstGeom>
+              <a:blipFill rotWithShape="1">
+                <a:blip r:embed="rId5"/>
+                <a:stretch>
+                  <a:fillRect/>
+                </a:stretch>
+              </a:blipFill>
+            </p:spPr>
+            <p:txBody>
+              <a:bodyPr/>
+              <a:lstStyle/>
+              <a:p>
+                <a:r>
+                  <a:rPr lang="fr-FR">
+                    <a:noFill/>
+                  </a:rPr>
+                  <a:t> </a:t>
+                </a:r>
+              </a:p>
+            </p:txBody>
+          </p:sp>
+        </mc:Fallback>
+      </mc:AlternateContent>
+      <mc:AlternateContent xmlns:mc="http://schemas.openxmlformats.org/markup-compatibility/2006">
+        <mc:Choice xmlns:a14="http://schemas.microsoft.com/office/drawing/2010/main" Requires="a14">
+          <p:sp>
+            <p:nvSpPr>
+              <p:cNvPr id="61" name="ZoneTexte 60"/>
+              <p:cNvSpPr txBox="1"/>
+              <p:nvPr/>
+            </p:nvSpPr>
+            <p:spPr>
+              <a:xfrm>
+                <a:off x="6140880" y="658760"/>
+                <a:ext cx="498726" cy="369332"/>
+              </a:xfrm>
+              <a:prstGeom prst="rect">
+                <a:avLst/>
+              </a:prstGeom>
+              <a:noFill/>
+            </p:spPr>
+            <p:txBody>
+              <a:bodyPr wrap="none" rtlCol="0">
+                <a:spAutoFit/>
+              </a:bodyPr>
+              <a:lstStyle/>
+              <a:p>
+                <a:pPr/>
+                <a14:m>
+                  <m:oMathPara xmlns:m="http://schemas.openxmlformats.org/officeDocument/2006/math">
+                    <m:oMathParaPr>
+                      <m:jc m:val="centerGroup"/>
+                    </m:oMathParaPr>
+                    <m:oMath xmlns:m="http://schemas.openxmlformats.org/officeDocument/2006/math">
+                      <m:sSub>
+                        <m:sSubPr>
+                          <m:ctrlPr>
+                            <a:rPr lang="fr-FR" b="0" i="1" smtClean="0">
+                              <a:latin typeface="Cambria Math"/>
+                              <a:ea typeface="Cambria Math"/>
+                            </a:rPr>
+                          </m:ctrlPr>
+                        </m:sSubPr>
+                        <m:e>
+                          <m:r>
+                            <a:rPr lang="fr-FR" i="1" smtClean="0">
+                              <a:latin typeface="Cambria Math"/>
+                              <a:ea typeface="Cambria Math"/>
+                            </a:rPr>
+                            <m:t>ℒ</m:t>
+                          </m:r>
+                        </m:e>
+                        <m:sub>
+                          <m:r>
+                            <a:rPr lang="fr-FR" b="0" i="1" smtClean="0">
+                              <a:latin typeface="Cambria Math"/>
+                              <a:ea typeface="Cambria Math"/>
+                            </a:rPr>
+                            <m:t>𝐶</m:t>
+                          </m:r>
+                        </m:sub>
+                      </m:sSub>
+                    </m:oMath>
+                  </m:oMathPara>
+                </a14:m>
+                <a:endParaRPr lang="fr-FR" dirty="0"/>
+              </a:p>
+            </p:txBody>
+          </p:sp>
+        </mc:Choice>
+        <mc:Fallback>
+          <p:sp>
+            <p:nvSpPr>
+              <p:cNvPr id="61" name="ZoneTexte 60"/>
+              <p:cNvSpPr txBox="1">
+                <a:spLocks noRot="1" noChangeAspect="1" noMove="1" noResize="1" noEditPoints="1" noAdjustHandles="1" noChangeArrowheads="1" noChangeShapeType="1" noTextEdit="1"/>
+              </p:cNvSpPr>
+              <p:nvPr/>
+            </p:nvSpPr>
+            <p:spPr>
+              <a:xfrm>
+                <a:off x="6140880" y="658760"/>
+                <a:ext cx="498726" cy="369332"/>
+              </a:xfrm>
+              <a:prstGeom prst="rect">
+                <a:avLst/>
+              </a:prstGeom>
+              <a:blipFill rotWithShape="1">
+                <a:blip r:embed="rId6"/>
+                <a:stretch>
+                  <a:fillRect/>
+                </a:stretch>
+              </a:blipFill>
+            </p:spPr>
+            <p:txBody>
+              <a:bodyPr/>
+              <a:lstStyle/>
+              <a:p>
+                <a:r>
+                  <a:rPr lang="fr-FR">
+                    <a:noFill/>
+                  </a:rPr>
+                  <a:t> </a:t>
+                </a:r>
+              </a:p>
+            </p:txBody>
+          </p:sp>
+        </mc:Fallback>
+      </mc:AlternateContent>
+      <mc:AlternateContent xmlns:mc="http://schemas.openxmlformats.org/markup-compatibility/2006" xmlns:a14="http://schemas.microsoft.com/office/drawing/2010/main">
+        <mc:Choice Requires="a14">
+          <p:sp>
+            <p:nvSpPr>
+              <p:cNvPr id="62" name="ZoneTexte 61"/>
+              <p:cNvSpPr txBox="1"/>
+              <p:nvPr/>
+            </p:nvSpPr>
+            <p:spPr>
+              <a:xfrm>
+                <a:off x="5627227" y="-69338"/>
+                <a:ext cx="507062" cy="369332"/>
+              </a:xfrm>
+              <a:prstGeom prst="rect">
+                <a:avLst/>
+              </a:prstGeom>
+              <a:noFill/>
+            </p:spPr>
+            <p:txBody>
+              <a:bodyPr wrap="none" rtlCol="0">
+                <a:spAutoFit/>
+              </a:bodyPr>
+              <a:lstStyle/>
+              <a:p>
+                <a:pPr/>
+                <a14:m>
+                  <m:oMathPara xmlns:m="http://schemas.openxmlformats.org/officeDocument/2006/math">
+                    <m:oMathParaPr>
+                      <m:jc m:val="centerGroup"/>
+                    </m:oMathParaPr>
+                    <m:oMath xmlns:m="http://schemas.openxmlformats.org/officeDocument/2006/math">
+                      <m:sSub>
+                        <m:sSubPr>
+                          <m:ctrlPr>
+                            <a:rPr lang="fr-FR" b="0" i="1" smtClean="0">
+                              <a:latin typeface="Cambria Math"/>
+                              <a:ea typeface="Cambria Math"/>
+                            </a:rPr>
+                          </m:ctrlPr>
+                        </m:sSubPr>
+                        <m:e>
+                          <m:r>
+                            <a:rPr lang="fr-FR" i="1" smtClean="0">
+                              <a:latin typeface="Cambria Math"/>
+                              <a:ea typeface="Cambria Math"/>
+                            </a:rPr>
+                            <m:t>ℒ</m:t>
+                          </m:r>
+                        </m:e>
+                        <m:sub>
+                          <m:r>
+                            <a:rPr lang="fr-FR" b="0" i="1" smtClean="0">
+                              <a:latin typeface="Cambria Math"/>
+                              <a:ea typeface="Cambria Math"/>
+                            </a:rPr>
+                            <m:t>𝐵</m:t>
+                          </m:r>
+                        </m:sub>
+                      </m:sSub>
+                    </m:oMath>
+                  </m:oMathPara>
+                </a14:m>
+                <a:endParaRPr lang="fr-FR" dirty="0"/>
+              </a:p>
+            </p:txBody>
+          </p:sp>
+        </mc:Choice>
+        <mc:Fallback xmlns="">
+          <p:sp>
+            <p:nvSpPr>
+              <p:cNvPr id="62" name="ZoneTexte 61"/>
+              <p:cNvSpPr txBox="1">
+                <a:spLocks noRot="1" noChangeAspect="1" noMove="1" noResize="1" noEditPoints="1" noAdjustHandles="1" noChangeArrowheads="1" noChangeShapeType="1" noTextEdit="1"/>
+              </p:cNvSpPr>
+              <p:nvPr/>
+            </p:nvSpPr>
+            <p:spPr>
+              <a:xfrm>
+                <a:off x="5627227" y="-69338"/>
+                <a:ext cx="507062" cy="369332"/>
+              </a:xfrm>
+              <a:prstGeom prst="rect">
+                <a:avLst/>
+              </a:prstGeom>
+              <a:blipFill rotWithShape="1">
+                <a:blip r:embed="rId7"/>
+                <a:stretch>
+                  <a:fillRect/>
+                </a:stretch>
+              </a:blipFill>
+            </p:spPr>
+            <p:txBody>
+              <a:bodyPr/>
+              <a:lstStyle/>
+              <a:p>
+                <a:r>
+                  <a:rPr lang="fr-FR">
+                    <a:noFill/>
+                  </a:rPr>
+                  <a:t> </a:t>
+                </a:r>
+              </a:p>
+            </p:txBody>
+          </p:sp>
+        </mc:Fallback>
+      </mc:AlternateContent>
+      <mc:AlternateContent xmlns:mc="http://schemas.openxmlformats.org/markup-compatibility/2006" xmlns:a14="http://schemas.microsoft.com/office/drawing/2010/main">
+        <mc:Choice Requires="a14">
+          <p:sp>
+            <p:nvSpPr>
+              <p:cNvPr id="63" name="ZoneTexte 62"/>
+              <p:cNvSpPr txBox="1"/>
+              <p:nvPr/>
+            </p:nvSpPr>
+            <p:spPr>
+              <a:xfrm>
+                <a:off x="6679976" y="1195959"/>
+                <a:ext cx="502702" cy="369332"/>
+              </a:xfrm>
+              <a:prstGeom prst="rect">
+                <a:avLst/>
+              </a:prstGeom>
+              <a:noFill/>
+            </p:spPr>
+            <p:txBody>
+              <a:bodyPr wrap="none" rtlCol="0">
+                <a:spAutoFit/>
+              </a:bodyPr>
+              <a:lstStyle/>
+              <a:p>
+                <a:pPr/>
+                <a14:m>
+                  <m:oMathPara xmlns:m="http://schemas.openxmlformats.org/officeDocument/2006/math">
+                    <m:oMathParaPr>
+                      <m:jc m:val="centerGroup"/>
+                    </m:oMathParaPr>
+                    <m:oMath xmlns:m="http://schemas.openxmlformats.org/officeDocument/2006/math">
+                      <m:sSub>
+                        <m:sSubPr>
+                          <m:ctrlPr>
+                            <a:rPr lang="fr-FR" b="0" i="1" smtClean="0">
+                              <a:latin typeface="Cambria Math"/>
+                              <a:ea typeface="Cambria Math"/>
+                            </a:rPr>
+                          </m:ctrlPr>
+                        </m:sSubPr>
+                        <m:e>
+                          <m:r>
+                            <a:rPr lang="fr-FR" i="1" smtClean="0">
+                              <a:latin typeface="Cambria Math"/>
+                              <a:ea typeface="Cambria Math"/>
+                            </a:rPr>
+                            <m:t>ℒ</m:t>
+                          </m:r>
+                        </m:e>
+                        <m:sub>
+                          <m:r>
+                            <a:rPr lang="fr-FR" b="0" i="1" smtClean="0">
+                              <a:latin typeface="Cambria Math"/>
+                              <a:ea typeface="Cambria Math"/>
+                            </a:rPr>
+                            <m:t>𝐸</m:t>
+                          </m:r>
+                        </m:sub>
+                      </m:sSub>
+                    </m:oMath>
+                  </m:oMathPara>
+                </a14:m>
+                <a:endParaRPr lang="fr-FR" dirty="0"/>
+              </a:p>
+            </p:txBody>
+          </p:sp>
+        </mc:Choice>
+        <mc:Fallback xmlns="">
+          <p:sp>
+            <p:nvSpPr>
+              <p:cNvPr id="63" name="ZoneTexte 62"/>
+              <p:cNvSpPr txBox="1">
+                <a:spLocks noRot="1" noChangeAspect="1" noMove="1" noResize="1" noEditPoints="1" noAdjustHandles="1" noChangeArrowheads="1" noChangeShapeType="1" noTextEdit="1"/>
+              </p:cNvSpPr>
+              <p:nvPr/>
+            </p:nvSpPr>
+            <p:spPr>
+              <a:xfrm>
+                <a:off x="6679976" y="1195959"/>
+                <a:ext cx="502702" cy="369332"/>
+              </a:xfrm>
+              <a:prstGeom prst="rect">
+                <a:avLst/>
+              </a:prstGeom>
+              <a:blipFill rotWithShape="1">
+                <a:blip r:embed="rId8"/>
+                <a:stretch>
+                  <a:fillRect/>
+                </a:stretch>
+              </a:blipFill>
+            </p:spPr>
+            <p:txBody>
+              <a:bodyPr/>
+              <a:lstStyle/>
+              <a:p>
+                <a:r>
+                  <a:rPr lang="fr-FR">
+                    <a:noFill/>
+                  </a:rPr>
+                  <a:t> </a:t>
+                </a:r>
+              </a:p>
+            </p:txBody>
+          </p:sp>
+        </mc:Fallback>
+      </mc:AlternateContent>
+      <mc:AlternateContent xmlns:mc="http://schemas.openxmlformats.org/markup-compatibility/2006">
+        <mc:Choice xmlns:a14="http://schemas.microsoft.com/office/drawing/2010/main" Requires="a14">
+          <p:sp>
+            <p:nvSpPr>
+              <p:cNvPr id="64" name="ZoneTexte 63"/>
+              <p:cNvSpPr txBox="1"/>
+              <p:nvPr/>
+            </p:nvSpPr>
+            <p:spPr>
+              <a:xfrm>
+                <a:off x="7257556" y="2062379"/>
+                <a:ext cx="500330" cy="369332"/>
+              </a:xfrm>
+              <a:prstGeom prst="rect">
+                <a:avLst/>
+              </a:prstGeom>
+              <a:noFill/>
+            </p:spPr>
+            <p:txBody>
+              <a:bodyPr wrap="none" rtlCol="0">
+                <a:spAutoFit/>
+              </a:bodyPr>
+              <a:lstStyle/>
+              <a:p>
+                <a:pPr/>
+                <a14:m>
+                  <m:oMathPara xmlns:m="http://schemas.openxmlformats.org/officeDocument/2006/math">
+                    <m:oMathParaPr>
+                      <m:jc m:val="centerGroup"/>
+                    </m:oMathParaPr>
+                    <m:oMath xmlns:m="http://schemas.openxmlformats.org/officeDocument/2006/math">
+                      <m:sSub>
+                        <m:sSubPr>
+                          <m:ctrlPr>
+                            <a:rPr lang="fr-FR" b="0" i="1" smtClean="0">
+                              <a:latin typeface="Cambria Math"/>
+                              <a:ea typeface="Cambria Math"/>
+                            </a:rPr>
+                          </m:ctrlPr>
+                        </m:sSubPr>
+                        <m:e>
+                          <m:r>
+                            <a:rPr lang="fr-FR" i="1" smtClean="0">
+                              <a:latin typeface="Cambria Math"/>
+                              <a:ea typeface="Cambria Math"/>
+                            </a:rPr>
+                            <m:t>ℒ</m:t>
+                          </m:r>
+                        </m:e>
+                        <m:sub>
+                          <m:r>
+                            <a:rPr lang="fr-FR" b="0" i="1" smtClean="0">
+                              <a:latin typeface="Cambria Math"/>
+                              <a:ea typeface="Cambria Math"/>
+                            </a:rPr>
+                            <m:t>𝐹</m:t>
+                          </m:r>
+                        </m:sub>
+                      </m:sSub>
+                    </m:oMath>
+                  </m:oMathPara>
+                </a14:m>
+                <a:endParaRPr lang="fr-FR" dirty="0"/>
+              </a:p>
+            </p:txBody>
+          </p:sp>
+        </mc:Choice>
+        <mc:Fallback>
+          <p:sp>
+            <p:nvSpPr>
+              <p:cNvPr id="64" name="ZoneTexte 63"/>
+              <p:cNvSpPr txBox="1">
+                <a:spLocks noRot="1" noChangeAspect="1" noMove="1" noResize="1" noEditPoints="1" noAdjustHandles="1" noChangeArrowheads="1" noChangeShapeType="1" noTextEdit="1"/>
+              </p:cNvSpPr>
+              <p:nvPr/>
+            </p:nvSpPr>
+            <p:spPr>
+              <a:xfrm>
+                <a:off x="7257556" y="2062379"/>
+                <a:ext cx="500330" cy="369332"/>
+              </a:xfrm>
+              <a:prstGeom prst="rect">
+                <a:avLst/>
+              </a:prstGeom>
+              <a:blipFill rotWithShape="1">
+                <a:blip r:embed="rId9"/>
+                <a:stretch>
+                  <a:fillRect/>
+                </a:stretch>
+              </a:blipFill>
+            </p:spPr>
+            <p:txBody>
+              <a:bodyPr/>
+              <a:lstStyle/>
+              <a:p>
+                <a:r>
+                  <a:rPr lang="fr-FR">
+                    <a:noFill/>
+                  </a:rPr>
+                  <a:t> </a:t>
+                </a:r>
+              </a:p>
+            </p:txBody>
+          </p:sp>
+        </mc:Fallback>
+      </mc:AlternateContent>
+      <mc:AlternateContent xmlns:mc="http://schemas.openxmlformats.org/markup-compatibility/2006">
+        <mc:Choice xmlns:a14="http://schemas.microsoft.com/office/drawing/2010/main" Requires="a14">
+          <p:sp>
+            <p:nvSpPr>
+              <p:cNvPr id="65" name="ZoneTexte 64"/>
+              <p:cNvSpPr txBox="1"/>
+              <p:nvPr/>
+            </p:nvSpPr>
+            <p:spPr>
+              <a:xfrm>
+                <a:off x="5001789" y="658760"/>
+                <a:ext cx="491160" cy="369332"/>
+              </a:xfrm>
+              <a:prstGeom prst="rect">
+                <a:avLst/>
+              </a:prstGeom>
+              <a:noFill/>
+            </p:spPr>
+            <p:txBody>
+              <a:bodyPr wrap="none" rtlCol="0">
+                <a:spAutoFit/>
+              </a:bodyPr>
+              <a:lstStyle/>
+              <a:p>
+                <a:pPr/>
+                <a14:m>
+                  <m:oMathPara xmlns:m="http://schemas.openxmlformats.org/officeDocument/2006/math">
+                    <m:oMathParaPr>
+                      <m:jc m:val="centerGroup"/>
+                    </m:oMathParaPr>
+                    <m:oMath xmlns:m="http://schemas.openxmlformats.org/officeDocument/2006/math">
+                      <m:sSub>
+                        <m:sSubPr>
+                          <m:ctrlPr>
+                            <a:rPr lang="fr-FR" b="0" i="1" smtClean="0">
+                              <a:latin typeface="Cambria Math"/>
+                              <a:ea typeface="Cambria Math"/>
+                            </a:rPr>
+                          </m:ctrlPr>
+                        </m:sSubPr>
+                        <m:e>
+                          <m:r>
+                            <a:rPr lang="fr-FR" i="1" smtClean="0">
+                              <a:latin typeface="Cambria Math"/>
+                              <a:ea typeface="Cambria Math"/>
+                            </a:rPr>
+                            <m:t>ℒ</m:t>
+                          </m:r>
+                        </m:e>
+                        <m:sub>
+                          <m:r>
+                            <a:rPr lang="fr-FR" b="0" i="1" smtClean="0">
+                              <a:latin typeface="Cambria Math"/>
+                              <a:ea typeface="Cambria Math"/>
+                            </a:rPr>
+                            <m:t>𝐴</m:t>
+                          </m:r>
+                        </m:sub>
+                      </m:sSub>
+                    </m:oMath>
+                  </m:oMathPara>
+                </a14:m>
+                <a:endParaRPr lang="fr-FR" dirty="0"/>
+              </a:p>
+            </p:txBody>
+          </p:sp>
+        </mc:Choice>
+        <mc:Fallback>
+          <p:sp>
+            <p:nvSpPr>
+              <p:cNvPr id="65" name="ZoneTexte 64"/>
+              <p:cNvSpPr txBox="1">
+                <a:spLocks noRot="1" noChangeAspect="1" noMove="1" noResize="1" noEditPoints="1" noAdjustHandles="1" noChangeArrowheads="1" noChangeShapeType="1" noTextEdit="1"/>
+              </p:cNvSpPr>
+              <p:nvPr/>
+            </p:nvSpPr>
+            <p:spPr>
+              <a:xfrm>
+                <a:off x="5001789" y="658760"/>
+                <a:ext cx="491160" cy="369332"/>
+              </a:xfrm>
+              <a:prstGeom prst="rect">
+                <a:avLst/>
+              </a:prstGeom>
+              <a:blipFill rotWithShape="1">
+                <a:blip r:embed="rId10"/>
+                <a:stretch>
+                  <a:fillRect/>
+                </a:stretch>
+              </a:blipFill>
+            </p:spPr>
+            <p:txBody>
+              <a:bodyPr/>
+              <a:lstStyle/>
+              <a:p>
+                <a:r>
+                  <a:rPr lang="fr-FR">
+                    <a:noFill/>
+                  </a:rPr>
+                  <a:t> </a:t>
+                </a:r>
+              </a:p>
+            </p:txBody>
+          </p:sp>
+        </mc:Fallback>
+      </mc:AlternateContent>
+      <mc:AlternateContent xmlns:mc="http://schemas.openxmlformats.org/markup-compatibility/2006">
+        <mc:Choice xmlns:a14="http://schemas.microsoft.com/office/drawing/2010/main" Requires="a14">
+          <p:sp>
+            <p:nvSpPr>
+              <p:cNvPr id="66" name="ZoneTexte 65"/>
+              <p:cNvSpPr txBox="1"/>
+              <p:nvPr/>
+            </p:nvSpPr>
+            <p:spPr>
+              <a:xfrm>
+                <a:off x="5621946" y="2062379"/>
+                <a:ext cx="459806" cy="369332"/>
+              </a:xfrm>
+              <a:prstGeom prst="rect">
+                <a:avLst/>
+              </a:prstGeom>
+              <a:noFill/>
+            </p:spPr>
+            <p:txBody>
+              <a:bodyPr wrap="none" rtlCol="0">
+                <a:spAutoFit/>
+              </a:bodyPr>
+              <a:lstStyle/>
+              <a:p>
+                <a:pPr/>
+                <a14:m>
+                  <m:oMathPara xmlns:m="http://schemas.openxmlformats.org/officeDocument/2006/math">
+                    <m:oMathParaPr>
+                      <m:jc m:val="centerGroup"/>
+                    </m:oMathParaPr>
+                    <m:oMath xmlns:m="http://schemas.openxmlformats.org/officeDocument/2006/math">
+                      <m:sSub>
+                        <m:sSubPr>
+                          <m:ctrlPr>
+                            <a:rPr lang="fr-FR" b="0" i="1" smtClean="0">
+                              <a:latin typeface="Cambria Math"/>
+                              <a:ea typeface="Cambria Math"/>
+                            </a:rPr>
+                          </m:ctrlPr>
+                        </m:sSubPr>
+                        <m:e>
+                          <m:r>
+                            <a:rPr lang="fr-FR" i="1" smtClean="0">
+                              <a:latin typeface="Cambria Math"/>
+                              <a:ea typeface="Cambria Math"/>
+                            </a:rPr>
+                            <m:t>ℒ</m:t>
+                          </m:r>
+                        </m:e>
+                        <m:sub>
+                          <m:r>
+                            <a:rPr lang="fr-FR" b="0" i="1" smtClean="0">
+                              <a:latin typeface="Cambria Math"/>
+                              <a:ea typeface="Cambria Math"/>
+                            </a:rPr>
+                            <m:t>𝐼</m:t>
+                          </m:r>
+                        </m:sub>
+                      </m:sSub>
+                    </m:oMath>
+                  </m:oMathPara>
+                </a14:m>
+                <a:endParaRPr lang="fr-FR" dirty="0"/>
+              </a:p>
+            </p:txBody>
+          </p:sp>
+        </mc:Choice>
+        <mc:Fallback>
+          <p:sp>
+            <p:nvSpPr>
+              <p:cNvPr id="66" name="ZoneTexte 65"/>
+              <p:cNvSpPr txBox="1">
+                <a:spLocks noRot="1" noChangeAspect="1" noMove="1" noResize="1" noEditPoints="1" noAdjustHandles="1" noChangeArrowheads="1" noChangeShapeType="1" noTextEdit="1"/>
+              </p:cNvSpPr>
+              <p:nvPr/>
+            </p:nvSpPr>
+            <p:spPr>
+              <a:xfrm>
+                <a:off x="5621946" y="2062379"/>
+                <a:ext cx="459806" cy="369332"/>
+              </a:xfrm>
+              <a:prstGeom prst="rect">
+                <a:avLst/>
+              </a:prstGeom>
+              <a:blipFill rotWithShape="1">
+                <a:blip r:embed="rId11"/>
+                <a:stretch>
+                  <a:fillRect/>
+                </a:stretch>
+              </a:blipFill>
+            </p:spPr>
+            <p:txBody>
+              <a:bodyPr/>
+              <a:lstStyle/>
+              <a:p>
+                <a:r>
+                  <a:rPr lang="fr-FR">
+                    <a:noFill/>
+                  </a:rPr>
+                  <a:t> </a:t>
+                </a:r>
+              </a:p>
+            </p:txBody>
+          </p:sp>
+        </mc:Fallback>
+      </mc:AlternateContent>
+      <mc:AlternateContent xmlns:mc="http://schemas.openxmlformats.org/markup-compatibility/2006">
+        <mc:Choice xmlns:a14="http://schemas.microsoft.com/office/drawing/2010/main" Requires="a14">
+          <p:sp>
+            <p:nvSpPr>
+              <p:cNvPr id="67" name="ZoneTexte 66"/>
+              <p:cNvSpPr txBox="1"/>
+              <p:nvPr/>
+            </p:nvSpPr>
+            <p:spPr>
+              <a:xfrm>
+                <a:off x="3639898" y="2062379"/>
+                <a:ext cx="515654" cy="369332"/>
+              </a:xfrm>
+              <a:prstGeom prst="rect">
+                <a:avLst/>
+              </a:prstGeom>
+              <a:noFill/>
+            </p:spPr>
+            <p:txBody>
+              <a:bodyPr wrap="none" rtlCol="0">
+                <a:spAutoFit/>
+              </a:bodyPr>
+              <a:lstStyle/>
+              <a:p>
+                <a:pPr/>
+                <a14:m>
+                  <m:oMathPara xmlns:m="http://schemas.openxmlformats.org/officeDocument/2006/math">
+                    <m:oMathParaPr>
+                      <m:jc m:val="centerGroup"/>
+                    </m:oMathParaPr>
+                    <m:oMath xmlns:m="http://schemas.openxmlformats.org/officeDocument/2006/math">
+                      <m:sSub>
+                        <m:sSubPr>
+                          <m:ctrlPr>
+                            <a:rPr lang="fr-FR" b="0" i="1" smtClean="0">
+                              <a:latin typeface="Cambria Math"/>
+                              <a:ea typeface="Cambria Math"/>
+                            </a:rPr>
+                          </m:ctrlPr>
+                        </m:sSubPr>
+                        <m:e>
+                          <m:r>
+                            <a:rPr lang="fr-FR" i="1" smtClean="0">
+                              <a:latin typeface="Cambria Math"/>
+                              <a:ea typeface="Cambria Math"/>
+                            </a:rPr>
+                            <m:t>ℒ</m:t>
+                          </m:r>
+                        </m:e>
+                        <m:sub>
+                          <m:r>
+                            <a:rPr lang="fr-FR" b="0" i="1" smtClean="0">
+                              <a:latin typeface="Cambria Math"/>
+                              <a:ea typeface="Cambria Math"/>
+                            </a:rPr>
+                            <m:t>𝐾</m:t>
+                          </m:r>
+                        </m:sub>
+                      </m:sSub>
+                    </m:oMath>
+                  </m:oMathPara>
+                </a14:m>
+                <a:endParaRPr lang="fr-FR" dirty="0"/>
+              </a:p>
+            </p:txBody>
+          </p:sp>
+        </mc:Choice>
+        <mc:Fallback>
+          <p:sp>
+            <p:nvSpPr>
+              <p:cNvPr id="67" name="ZoneTexte 66"/>
+              <p:cNvSpPr txBox="1">
+                <a:spLocks noRot="1" noChangeAspect="1" noMove="1" noResize="1" noEditPoints="1" noAdjustHandles="1" noChangeArrowheads="1" noChangeShapeType="1" noTextEdit="1"/>
+              </p:cNvSpPr>
+              <p:nvPr/>
+            </p:nvSpPr>
+            <p:spPr>
+              <a:xfrm>
+                <a:off x="3639898" y="2062379"/>
+                <a:ext cx="515654" cy="369332"/>
+              </a:xfrm>
+              <a:prstGeom prst="rect">
+                <a:avLst/>
+              </a:prstGeom>
+              <a:blipFill rotWithShape="1">
+                <a:blip r:embed="rId12"/>
+                <a:stretch>
+                  <a:fillRect/>
+                </a:stretch>
+              </a:blipFill>
+            </p:spPr>
+            <p:txBody>
+              <a:bodyPr/>
+              <a:lstStyle/>
+              <a:p>
+                <a:r>
+                  <a:rPr lang="fr-FR">
+                    <a:noFill/>
+                  </a:rPr>
+                  <a:t> </a:t>
+                </a:r>
+              </a:p>
+            </p:txBody>
+          </p:sp>
+        </mc:Fallback>
+      </mc:AlternateContent>
+      <mc:AlternateContent xmlns:mc="http://schemas.openxmlformats.org/markup-compatibility/2006">
+        <mc:Choice xmlns:a14="http://schemas.microsoft.com/office/drawing/2010/main" Requires="a14">
+          <p:sp>
+            <p:nvSpPr>
+              <p:cNvPr id="68" name="ZoneTexte 67"/>
+              <p:cNvSpPr txBox="1"/>
+              <p:nvPr/>
+            </p:nvSpPr>
+            <p:spPr>
+              <a:xfrm>
+                <a:off x="6141668" y="3340849"/>
+                <a:ext cx="506742" cy="369332"/>
+              </a:xfrm>
+              <a:prstGeom prst="rect">
+                <a:avLst/>
+              </a:prstGeom>
+              <a:noFill/>
+            </p:spPr>
+            <p:txBody>
+              <a:bodyPr wrap="none" rtlCol="0">
+                <a:spAutoFit/>
+              </a:bodyPr>
+              <a:lstStyle/>
+              <a:p>
+                <a:pPr/>
+                <a14:m>
+                  <m:oMathPara xmlns:m="http://schemas.openxmlformats.org/officeDocument/2006/math">
+                    <m:oMathParaPr>
+                      <m:jc m:val="centerGroup"/>
+                    </m:oMathParaPr>
+                    <m:oMath xmlns:m="http://schemas.openxmlformats.org/officeDocument/2006/math">
+                      <m:sSub>
+                        <m:sSubPr>
+                          <m:ctrlPr>
+                            <a:rPr lang="fr-FR" b="0" i="1" smtClean="0">
+                              <a:latin typeface="Cambria Math"/>
+                              <a:ea typeface="Cambria Math"/>
+                            </a:rPr>
+                          </m:ctrlPr>
+                        </m:sSubPr>
+                        <m:e>
+                          <m:r>
+                            <a:rPr lang="fr-FR" i="1" smtClean="0">
+                              <a:latin typeface="Cambria Math"/>
+                              <a:ea typeface="Cambria Math"/>
+                            </a:rPr>
+                            <m:t>ℒ</m:t>
+                          </m:r>
+                        </m:e>
+                        <m:sub>
+                          <m:r>
+                            <a:rPr lang="fr-FR" b="0" i="1" smtClean="0">
+                              <a:latin typeface="Cambria Math"/>
+                              <a:ea typeface="Cambria Math"/>
+                            </a:rPr>
+                            <m:t>𝐺</m:t>
+                          </m:r>
+                        </m:sub>
+                      </m:sSub>
+                    </m:oMath>
+                  </m:oMathPara>
+                </a14:m>
+                <a:endParaRPr lang="fr-FR" dirty="0"/>
+              </a:p>
+            </p:txBody>
+          </p:sp>
+        </mc:Choice>
+        <mc:Fallback>
+          <p:sp>
+            <p:nvSpPr>
+              <p:cNvPr id="68" name="ZoneTexte 67"/>
+              <p:cNvSpPr txBox="1">
+                <a:spLocks noRot="1" noChangeAspect="1" noMove="1" noResize="1" noEditPoints="1" noAdjustHandles="1" noChangeArrowheads="1" noChangeShapeType="1" noTextEdit="1"/>
+              </p:cNvSpPr>
+              <p:nvPr/>
+            </p:nvSpPr>
+            <p:spPr>
+              <a:xfrm>
+                <a:off x="6141668" y="3340849"/>
+                <a:ext cx="506742" cy="369332"/>
+              </a:xfrm>
+              <a:prstGeom prst="rect">
+                <a:avLst/>
+              </a:prstGeom>
+              <a:blipFill rotWithShape="1">
+                <a:blip r:embed="rId13"/>
+                <a:stretch>
+                  <a:fillRect/>
+                </a:stretch>
+              </a:blipFill>
+            </p:spPr>
+            <p:txBody>
+              <a:bodyPr/>
+              <a:lstStyle/>
+              <a:p>
+                <a:r>
+                  <a:rPr lang="fr-FR">
+                    <a:noFill/>
+                  </a:rPr>
+                  <a:t> </a:t>
+                </a:r>
+              </a:p>
+            </p:txBody>
+          </p:sp>
+        </mc:Fallback>
+      </mc:AlternateContent>
+      <mc:AlternateContent xmlns:mc="http://schemas.openxmlformats.org/markup-compatibility/2006" xmlns:a14="http://schemas.microsoft.com/office/drawing/2010/main">
+        <mc:Choice Requires="a14">
+          <p:sp>
+            <p:nvSpPr>
+              <p:cNvPr id="69" name="ZoneTexte 68"/>
+              <p:cNvSpPr txBox="1"/>
+              <p:nvPr/>
+            </p:nvSpPr>
+            <p:spPr>
+              <a:xfrm>
+                <a:off x="5644016" y="2492896"/>
+                <a:ext cx="462754" cy="388761"/>
+              </a:xfrm>
+              <a:prstGeom prst="rect">
+                <a:avLst/>
+              </a:prstGeom>
+              <a:noFill/>
+            </p:spPr>
+            <p:txBody>
+              <a:bodyPr wrap="none" rtlCol="0">
+                <a:spAutoFit/>
+              </a:bodyPr>
+              <a:lstStyle/>
+              <a:p>
+                <a:pPr/>
+                <a14:m>
+                  <m:oMathPara xmlns:m="http://schemas.openxmlformats.org/officeDocument/2006/math">
+                    <m:oMathParaPr>
+                      <m:jc m:val="centerGroup"/>
+                    </m:oMathParaPr>
+                    <m:oMath xmlns:m="http://schemas.openxmlformats.org/officeDocument/2006/math">
+                      <m:sSub>
+                        <m:sSubPr>
+                          <m:ctrlPr>
+                            <a:rPr lang="fr-FR" b="0" i="1" smtClean="0">
+                              <a:latin typeface="Cambria Math"/>
+                              <a:ea typeface="Cambria Math"/>
+                            </a:rPr>
+                          </m:ctrlPr>
+                        </m:sSubPr>
+                        <m:e>
+                          <m:r>
+                            <a:rPr lang="fr-FR" i="1" smtClean="0">
+                              <a:latin typeface="Cambria Math"/>
+                              <a:ea typeface="Cambria Math"/>
+                            </a:rPr>
+                            <m:t>ℒ</m:t>
+                          </m:r>
+                        </m:e>
+                        <m:sub>
+                          <m:r>
+                            <a:rPr lang="fr-FR" b="0" i="1" smtClean="0">
+                              <a:latin typeface="Cambria Math"/>
+                              <a:ea typeface="Cambria Math"/>
+                            </a:rPr>
+                            <m:t>𝐽</m:t>
+                          </m:r>
+                        </m:sub>
+                      </m:sSub>
+                    </m:oMath>
+                  </m:oMathPara>
+                </a14:m>
+                <a:endParaRPr lang="fr-FR" dirty="0"/>
+              </a:p>
+            </p:txBody>
+          </p:sp>
+        </mc:Choice>
+        <mc:Fallback xmlns="">
+          <p:sp>
+            <p:nvSpPr>
+              <p:cNvPr id="69" name="ZoneTexte 68"/>
+              <p:cNvSpPr txBox="1">
+                <a:spLocks noRot="1" noChangeAspect="1" noMove="1" noResize="1" noEditPoints="1" noAdjustHandles="1" noChangeArrowheads="1" noChangeShapeType="1" noTextEdit="1"/>
+              </p:cNvSpPr>
+              <p:nvPr/>
+            </p:nvSpPr>
+            <p:spPr>
+              <a:xfrm>
+                <a:off x="5644016" y="2492896"/>
+                <a:ext cx="462754" cy="388761"/>
+              </a:xfrm>
+              <a:prstGeom prst="rect">
+                <a:avLst/>
+              </a:prstGeom>
+              <a:blipFill rotWithShape="1">
+                <a:blip r:embed="rId14"/>
+                <a:stretch>
+                  <a:fillRect b="-6250"/>
+                </a:stretch>
+              </a:blipFill>
+            </p:spPr>
+            <p:txBody>
+              <a:bodyPr/>
+              <a:lstStyle/>
+              <a:p>
+                <a:r>
+                  <a:rPr lang="fr-FR">
+                    <a:noFill/>
+                  </a:rPr>
+                  <a:t> </a:t>
+                </a:r>
+              </a:p>
+            </p:txBody>
+          </p:sp>
+        </mc:Fallback>
+      </mc:AlternateContent>
+      <mc:AlternateContent xmlns:mc="http://schemas.openxmlformats.org/markup-compatibility/2006">
+        <mc:Choice xmlns:a14="http://schemas.microsoft.com/office/drawing/2010/main" Requires="a14">
+          <p:sp>
+            <p:nvSpPr>
+              <p:cNvPr id="2" name="ZoneTexte 1"/>
+              <p:cNvSpPr txBox="1"/>
+              <p:nvPr/>
+            </p:nvSpPr>
+            <p:spPr>
+              <a:xfrm>
+                <a:off x="5730867" y="658760"/>
+                <a:ext cx="338554" cy="369332"/>
+              </a:xfrm>
+              <a:prstGeom prst="rect">
+                <a:avLst/>
+              </a:prstGeom>
+              <a:noFill/>
+            </p:spPr>
+            <p:txBody>
+              <a:bodyPr wrap="none" rtlCol="0">
+                <a:spAutoFit/>
+              </a:bodyPr>
+              <a:lstStyle/>
+              <a:p>
+                <a14:m>
+                  <m:oMathPara xmlns:m="http://schemas.openxmlformats.org/officeDocument/2006/math">
+                    <m:oMathParaPr>
+                      <m:jc m:val="centerGroup"/>
+                    </m:oMathParaPr>
+                    <m:oMath xmlns:m="http://schemas.openxmlformats.org/officeDocument/2006/math">
+                      <m:r>
+                        <a:rPr lang="fr-FR" b="1" i="1" smtClean="0">
+                          <a:latin typeface="Cambria Math"/>
+                        </a:rPr>
+                        <m:t>𝑰</m:t>
+                      </m:r>
+                    </m:oMath>
+                  </m:oMathPara>
+                </a14:m>
+                <a:endParaRPr lang="fr-FR" b="1" dirty="0"/>
+              </a:p>
+            </p:txBody>
+          </p:sp>
+        </mc:Choice>
+        <mc:Fallback>
+          <p:sp>
+            <p:nvSpPr>
+              <p:cNvPr id="2" name="ZoneTexte 1"/>
+              <p:cNvSpPr txBox="1">
+                <a:spLocks noRot="1" noChangeAspect="1" noMove="1" noResize="1" noEditPoints="1" noAdjustHandles="1" noChangeArrowheads="1" noChangeShapeType="1" noTextEdit="1"/>
+              </p:cNvSpPr>
+              <p:nvPr/>
+            </p:nvSpPr>
+            <p:spPr>
+              <a:xfrm>
+                <a:off x="5730867" y="658760"/>
+                <a:ext cx="338554" cy="369332"/>
+              </a:xfrm>
+              <a:prstGeom prst="rect">
+                <a:avLst/>
+              </a:prstGeom>
+              <a:blipFill rotWithShape="1">
+                <a:blip r:embed="rId15"/>
+                <a:stretch>
+                  <a:fillRect/>
+                </a:stretch>
+              </a:blipFill>
+            </p:spPr>
+            <p:txBody>
+              <a:bodyPr/>
+              <a:lstStyle/>
+              <a:p>
+                <a:r>
+                  <a:rPr lang="fr-FR">
+                    <a:noFill/>
+                  </a:rPr>
+                  <a:t> </a:t>
+                </a:r>
+              </a:p>
+            </p:txBody>
+          </p:sp>
+        </mc:Fallback>
+      </mc:AlternateContent>
+      <mc:AlternateContent xmlns:mc="http://schemas.openxmlformats.org/markup-compatibility/2006">
+        <mc:Choice xmlns:a14="http://schemas.microsoft.com/office/drawing/2010/main" Requires="a14">
+          <p:sp>
+            <p:nvSpPr>
+              <p:cNvPr id="37" name="ZoneTexte 36"/>
+              <p:cNvSpPr txBox="1"/>
+              <p:nvPr/>
+            </p:nvSpPr>
+            <p:spPr>
+              <a:xfrm>
+                <a:off x="7091036" y="695564"/>
+                <a:ext cx="439544" cy="369332"/>
+              </a:xfrm>
+              <a:prstGeom prst="rect">
+                <a:avLst/>
+              </a:prstGeom>
+              <a:noFill/>
+            </p:spPr>
+            <p:txBody>
+              <a:bodyPr wrap="none" rtlCol="0">
+                <a:spAutoFit/>
+              </a:bodyPr>
+              <a:lstStyle/>
+              <a:p>
+                <a14:m>
+                  <m:oMathPara xmlns:m="http://schemas.openxmlformats.org/officeDocument/2006/math">
+                    <m:oMathParaPr>
+                      <m:jc m:val="centerGroup"/>
+                    </m:oMathParaPr>
+                    <m:oMath xmlns:m="http://schemas.openxmlformats.org/officeDocument/2006/math">
+                      <m:r>
+                        <a:rPr lang="fr-FR" b="1" i="1" smtClean="0">
+                          <a:latin typeface="Cambria Math"/>
+                        </a:rPr>
+                        <m:t>𝑰𝑰</m:t>
+                      </m:r>
+                    </m:oMath>
+                  </m:oMathPara>
+                </a14:m>
+                <a:endParaRPr lang="fr-FR" b="1" dirty="0"/>
+              </a:p>
+            </p:txBody>
+          </p:sp>
+        </mc:Choice>
+        <mc:Fallback>
+          <p:sp>
+            <p:nvSpPr>
+              <p:cNvPr id="37" name="ZoneTexte 36"/>
+              <p:cNvSpPr txBox="1">
+                <a:spLocks noRot="1" noChangeAspect="1" noMove="1" noResize="1" noEditPoints="1" noAdjustHandles="1" noChangeArrowheads="1" noChangeShapeType="1" noTextEdit="1"/>
+              </p:cNvSpPr>
+              <p:nvPr/>
+            </p:nvSpPr>
+            <p:spPr>
+              <a:xfrm>
+                <a:off x="7091036" y="695564"/>
+                <a:ext cx="439544" cy="369332"/>
+              </a:xfrm>
+              <a:prstGeom prst="rect">
+                <a:avLst/>
+              </a:prstGeom>
+              <a:blipFill rotWithShape="1">
+                <a:blip r:embed="rId16"/>
+                <a:stretch>
+                  <a:fillRect/>
+                </a:stretch>
+              </a:blipFill>
+            </p:spPr>
+            <p:txBody>
+              <a:bodyPr/>
+              <a:lstStyle/>
+              <a:p>
+                <a:r>
+                  <a:rPr lang="fr-FR">
+                    <a:noFill/>
+                  </a:rPr>
+                  <a:t> </a:t>
+                </a:r>
+              </a:p>
+            </p:txBody>
+          </p:sp>
+        </mc:Fallback>
+      </mc:AlternateContent>
+      <mc:AlternateContent xmlns:mc="http://schemas.openxmlformats.org/markup-compatibility/2006">
+        <mc:Choice xmlns:a14="http://schemas.microsoft.com/office/drawing/2010/main" Requires="a14">
+          <p:sp>
+            <p:nvSpPr>
+              <p:cNvPr id="42" name="ZoneTexte 41"/>
+              <p:cNvSpPr txBox="1"/>
+              <p:nvPr/>
+            </p:nvSpPr>
+            <p:spPr>
+              <a:xfrm>
+                <a:off x="6648410" y="1880322"/>
+                <a:ext cx="540533" cy="369332"/>
+              </a:xfrm>
+              <a:prstGeom prst="rect">
+                <a:avLst/>
+              </a:prstGeom>
+              <a:noFill/>
+            </p:spPr>
+            <p:txBody>
+              <a:bodyPr wrap="none" rtlCol="0">
+                <a:spAutoFit/>
+              </a:bodyPr>
+              <a:lstStyle/>
+              <a:p>
+                <a14:m>
+                  <m:oMathPara xmlns:m="http://schemas.openxmlformats.org/officeDocument/2006/math">
+                    <m:oMathParaPr>
+                      <m:jc m:val="centerGroup"/>
+                    </m:oMathParaPr>
+                    <m:oMath xmlns:m="http://schemas.openxmlformats.org/officeDocument/2006/math">
+                      <m:r>
+                        <a:rPr lang="fr-FR" b="1" i="1" smtClean="0">
+                          <a:latin typeface="Cambria Math"/>
+                        </a:rPr>
+                        <m:t>𝑰𝑰𝑰</m:t>
+                      </m:r>
+                    </m:oMath>
+                  </m:oMathPara>
+                </a14:m>
+                <a:endParaRPr lang="fr-FR" b="1" dirty="0"/>
+              </a:p>
+            </p:txBody>
+          </p:sp>
+        </mc:Choice>
+        <mc:Fallback>
+          <p:sp>
+            <p:nvSpPr>
+              <p:cNvPr id="42" name="ZoneTexte 41"/>
+              <p:cNvSpPr txBox="1">
+                <a:spLocks noRot="1" noChangeAspect="1" noMove="1" noResize="1" noEditPoints="1" noAdjustHandles="1" noChangeArrowheads="1" noChangeShapeType="1" noTextEdit="1"/>
+              </p:cNvSpPr>
+              <p:nvPr/>
+            </p:nvSpPr>
+            <p:spPr>
+              <a:xfrm>
+                <a:off x="6648410" y="1880322"/>
+                <a:ext cx="540533" cy="369332"/>
+              </a:xfrm>
+              <a:prstGeom prst="rect">
+                <a:avLst/>
+              </a:prstGeom>
+              <a:blipFill rotWithShape="1">
+                <a:blip r:embed="rId17"/>
+                <a:stretch>
+                  <a:fillRect/>
+                </a:stretch>
+              </a:blipFill>
+            </p:spPr>
+            <p:txBody>
+              <a:bodyPr/>
+              <a:lstStyle/>
+              <a:p>
+                <a:r>
+                  <a:rPr lang="fr-FR">
+                    <a:noFill/>
+                  </a:rPr>
+                  <a:t> </a:t>
+                </a:r>
+              </a:p>
+            </p:txBody>
+          </p:sp>
+        </mc:Fallback>
+      </mc:AlternateContent>
+      <mc:AlternateContent xmlns:mc="http://schemas.openxmlformats.org/markup-compatibility/2006">
+        <mc:Choice xmlns:a14="http://schemas.microsoft.com/office/drawing/2010/main" Requires="a14">
+          <p:sp>
+            <p:nvSpPr>
+              <p:cNvPr id="44" name="ZoneTexte 43"/>
+              <p:cNvSpPr txBox="1"/>
+              <p:nvPr/>
+            </p:nvSpPr>
+            <p:spPr>
+              <a:xfrm>
+                <a:off x="4427101" y="1880322"/>
+                <a:ext cx="389145" cy="369332"/>
+              </a:xfrm>
+              <a:prstGeom prst="rect">
+                <a:avLst/>
+              </a:prstGeom>
+              <a:noFill/>
+            </p:spPr>
+            <p:txBody>
+              <a:bodyPr wrap="none" rtlCol="0">
+                <a:spAutoFit/>
+              </a:bodyPr>
+              <a:lstStyle/>
+              <a:p>
+                <a14:m>
+                  <m:oMathPara xmlns:m="http://schemas.openxmlformats.org/officeDocument/2006/math">
+                    <m:oMathParaPr>
+                      <m:jc m:val="centerGroup"/>
+                    </m:oMathParaPr>
+                    <m:oMath xmlns:m="http://schemas.openxmlformats.org/officeDocument/2006/math">
+                      <m:r>
+                        <a:rPr lang="fr-FR" b="1" i="1" smtClean="0">
+                          <a:latin typeface="Cambria Math"/>
+                        </a:rPr>
+                        <m:t>𝑽</m:t>
+                      </m:r>
+                    </m:oMath>
+                  </m:oMathPara>
+                </a14:m>
+                <a:endParaRPr lang="fr-FR" b="1" dirty="0"/>
+              </a:p>
+            </p:txBody>
+          </p:sp>
+        </mc:Choice>
+        <mc:Fallback>
+          <p:sp>
+            <p:nvSpPr>
+              <p:cNvPr id="44" name="ZoneTexte 43"/>
+              <p:cNvSpPr txBox="1">
+                <a:spLocks noRot="1" noChangeAspect="1" noMove="1" noResize="1" noEditPoints="1" noAdjustHandles="1" noChangeArrowheads="1" noChangeShapeType="1" noTextEdit="1"/>
+              </p:cNvSpPr>
+              <p:nvPr/>
+            </p:nvSpPr>
+            <p:spPr>
+              <a:xfrm>
+                <a:off x="4427101" y="1880322"/>
+                <a:ext cx="389145" cy="369332"/>
+              </a:xfrm>
+              <a:prstGeom prst="rect">
+                <a:avLst/>
+              </a:prstGeom>
+              <a:blipFill rotWithShape="1">
+                <a:blip r:embed="rId18"/>
+                <a:stretch>
+                  <a:fillRect/>
+                </a:stretch>
+              </a:blipFill>
+            </p:spPr>
+            <p:txBody>
+              <a:bodyPr/>
+              <a:lstStyle/>
+              <a:p>
+                <a:r>
+                  <a:rPr lang="fr-FR">
+                    <a:noFill/>
+                  </a:rPr>
+                  <a:t> </a:t>
+                </a:r>
+              </a:p>
+            </p:txBody>
+          </p:sp>
+        </mc:Fallback>
+      </mc:AlternateContent>
+      <mc:AlternateContent xmlns:mc="http://schemas.openxmlformats.org/markup-compatibility/2006">
+        <mc:Choice xmlns:a14="http://schemas.microsoft.com/office/drawing/2010/main" Requires="a14">
+          <p:sp>
+            <p:nvSpPr>
+              <p:cNvPr id="45" name="ZoneTexte 44"/>
+              <p:cNvSpPr txBox="1"/>
+              <p:nvPr/>
+            </p:nvSpPr>
+            <p:spPr>
+              <a:xfrm>
+                <a:off x="5581787" y="3173857"/>
+                <a:ext cx="487634" cy="369332"/>
+              </a:xfrm>
+              <a:prstGeom prst="rect">
+                <a:avLst/>
+              </a:prstGeom>
+              <a:noFill/>
+            </p:spPr>
+            <p:txBody>
+              <a:bodyPr wrap="none" rtlCol="0">
+                <a:spAutoFit/>
+              </a:bodyPr>
+              <a:lstStyle/>
+              <a:p>
+                <a14:m>
+                  <m:oMathPara xmlns:m="http://schemas.openxmlformats.org/officeDocument/2006/math">
+                    <m:oMathParaPr>
+                      <m:jc m:val="centerGroup"/>
+                    </m:oMathParaPr>
+                    <m:oMath xmlns:m="http://schemas.openxmlformats.org/officeDocument/2006/math">
+                      <m:r>
+                        <a:rPr lang="fr-FR" b="1" i="1" smtClean="0">
+                          <a:latin typeface="Cambria Math"/>
+                        </a:rPr>
+                        <m:t>𝑰𝑽</m:t>
+                      </m:r>
+                    </m:oMath>
+                  </m:oMathPara>
+                </a14:m>
+                <a:endParaRPr lang="fr-FR" b="1" dirty="0"/>
+              </a:p>
+            </p:txBody>
+          </p:sp>
+        </mc:Choice>
+        <mc:Fallback>
+          <p:sp>
+            <p:nvSpPr>
+              <p:cNvPr id="45" name="ZoneTexte 44"/>
+              <p:cNvSpPr txBox="1">
+                <a:spLocks noRot="1" noChangeAspect="1" noMove="1" noResize="1" noEditPoints="1" noAdjustHandles="1" noChangeArrowheads="1" noChangeShapeType="1" noTextEdit="1"/>
+              </p:cNvSpPr>
+              <p:nvPr/>
+            </p:nvSpPr>
+            <p:spPr>
+              <a:xfrm>
+                <a:off x="5581787" y="3173857"/>
+                <a:ext cx="487634" cy="369332"/>
+              </a:xfrm>
+              <a:prstGeom prst="rect">
+                <a:avLst/>
+              </a:prstGeom>
+              <a:blipFill rotWithShape="1">
+                <a:blip r:embed="rId19"/>
+                <a:stretch>
+                  <a:fillRect/>
+                </a:stretch>
+              </a:blipFill>
+            </p:spPr>
+            <p:txBody>
+              <a:bodyPr/>
+              <a:lstStyle/>
+              <a:p>
+                <a:r>
+                  <a:rPr lang="fr-FR">
+                    <a:noFill/>
+                  </a:rPr>
+                  <a:t> </a:t>
+                </a:r>
+              </a:p>
+            </p:txBody>
+          </p:sp>
+        </mc:Fallback>
+      </mc:AlternateContent>
+    </p:spTree>
+    <p:extLst>
+      <p:ext uri="{BB962C8B-B14F-4D97-AF65-F5344CB8AC3E}">
+        <p14:creationId xmlns:p14="http://schemas.microsoft.com/office/powerpoint/2010/main" val="2180323028"/>
+      </p:ext>
+    </p:extLst>
+  </p:cSld>
+  <p:clrMapOvr>
+    <a:masterClrMapping/>
+  </p:clrMapOvr>
+</p:sld>
+</file>
+
+<file path=ppt/slides/slide3.xml><?xml version="1.0" encoding="utf-8"?>
+<p:sld xmlns:a="http://schemas.openxmlformats.org/drawingml/2006/main" xmlns:r="http://schemas.openxmlformats.org/officeDocument/2006/relationships" xmlns:p="http://schemas.openxmlformats.org/presentationml/2006/main">
+  <p:cSld>
+    <p:spTree>
+      <p:nvGrpSpPr>
+        <p:cNvPr id="1" name=""/>
+        <p:cNvGrpSpPr/>
+        <p:nvPr/>
+      </p:nvGrpSpPr>
+      <p:grpSpPr>
+        <a:xfrm>
+          <a:off x="0" y="0"/>
+          <a:ext cx="0" cy="0"/>
+          <a:chOff x="0" y="0"/>
+          <a:chExt cx="0" cy="0"/>
+        </a:xfrm>
+      </p:grpSpPr>
+      <p:sp>
+        <p:nvSpPr>
+          <p:cNvPr id="158" name="Forme libre 157"/>
+          <p:cNvSpPr/>
+          <p:nvPr/>
+        </p:nvSpPr>
+        <p:spPr>
+          <a:xfrm>
+            <a:off x="3597594" y="4578401"/>
+            <a:ext cx="703452" cy="91126"/>
+          </a:xfrm>
+          <a:custGeom>
+            <a:avLst/>
+            <a:gdLst>
+              <a:gd name="connsiteX0" fmla="*/ 0 w 647114"/>
+              <a:gd name="connsiteY0" fmla="*/ 0 h 141351"/>
+              <a:gd name="connsiteX1" fmla="*/ 168813 w 647114"/>
+              <a:gd name="connsiteY1" fmla="*/ 140677 h 141351"/>
+              <a:gd name="connsiteX2" fmla="*/ 422031 w 647114"/>
+              <a:gd name="connsiteY2" fmla="*/ 56271 h 141351"/>
+              <a:gd name="connsiteX3" fmla="*/ 590843 w 647114"/>
+              <a:gd name="connsiteY3" fmla="*/ 126609 h 141351"/>
+              <a:gd name="connsiteX4" fmla="*/ 647114 w 647114"/>
+              <a:gd name="connsiteY4" fmla="*/ 14068 h 141351"/>
+              <a:gd name="connsiteX0" fmla="*/ 0 w 699118"/>
+              <a:gd name="connsiteY0" fmla="*/ 0 h 221823"/>
+              <a:gd name="connsiteX1" fmla="*/ 220817 w 699118"/>
+              <a:gd name="connsiteY1" fmla="*/ 218682 h 221823"/>
+              <a:gd name="connsiteX2" fmla="*/ 474035 w 699118"/>
+              <a:gd name="connsiteY2" fmla="*/ 134276 h 221823"/>
+              <a:gd name="connsiteX3" fmla="*/ 642847 w 699118"/>
+              <a:gd name="connsiteY3" fmla="*/ 204614 h 221823"/>
+              <a:gd name="connsiteX4" fmla="*/ 699118 w 699118"/>
+              <a:gd name="connsiteY4" fmla="*/ 92073 h 221823"/>
+              <a:gd name="connsiteX0" fmla="*/ 0 w 707785"/>
+              <a:gd name="connsiteY0" fmla="*/ 16269 h 238092"/>
+              <a:gd name="connsiteX1" fmla="*/ 220817 w 707785"/>
+              <a:gd name="connsiteY1" fmla="*/ 234951 h 238092"/>
+              <a:gd name="connsiteX2" fmla="*/ 474035 w 707785"/>
+              <a:gd name="connsiteY2" fmla="*/ 150545 h 238092"/>
+              <a:gd name="connsiteX3" fmla="*/ 642847 w 707785"/>
+              <a:gd name="connsiteY3" fmla="*/ 220883 h 238092"/>
+              <a:gd name="connsiteX4" fmla="*/ 707785 w 707785"/>
+              <a:gd name="connsiteY4" fmla="*/ 0 h 238092"/>
+              <a:gd name="connsiteX0" fmla="*/ 0 w 707785"/>
+              <a:gd name="connsiteY0" fmla="*/ 16269 h 225004"/>
+              <a:gd name="connsiteX1" fmla="*/ 474035 w 707785"/>
+              <a:gd name="connsiteY1" fmla="*/ 150545 h 225004"/>
+              <a:gd name="connsiteX2" fmla="*/ 642847 w 707785"/>
+              <a:gd name="connsiteY2" fmla="*/ 220883 h 225004"/>
+              <a:gd name="connsiteX3" fmla="*/ 707785 w 707785"/>
+              <a:gd name="connsiteY3" fmla="*/ 0 h 225004"/>
+              <a:gd name="connsiteX0" fmla="*/ 0 w 707785"/>
+              <a:gd name="connsiteY0" fmla="*/ 16269 h 150545"/>
+              <a:gd name="connsiteX1" fmla="*/ 474035 w 707785"/>
+              <a:gd name="connsiteY1" fmla="*/ 150545 h 150545"/>
+              <a:gd name="connsiteX2" fmla="*/ 707785 w 707785"/>
+              <a:gd name="connsiteY2" fmla="*/ 0 h 150545"/>
+              <a:gd name="connsiteX0" fmla="*/ 0 w 707785"/>
+              <a:gd name="connsiteY0" fmla="*/ 16269 h 215550"/>
+              <a:gd name="connsiteX1" fmla="*/ 357027 w 707785"/>
+              <a:gd name="connsiteY1" fmla="*/ 215550 h 215550"/>
+              <a:gd name="connsiteX2" fmla="*/ 707785 w 707785"/>
+              <a:gd name="connsiteY2" fmla="*/ 0 h 215550"/>
+              <a:gd name="connsiteX0" fmla="*/ 0 w 707785"/>
+              <a:gd name="connsiteY0" fmla="*/ 16269 h 215650"/>
+              <a:gd name="connsiteX1" fmla="*/ 357027 w 707785"/>
+              <a:gd name="connsiteY1" fmla="*/ 215550 h 215650"/>
+              <a:gd name="connsiteX2" fmla="*/ 707785 w 707785"/>
+              <a:gd name="connsiteY2" fmla="*/ 0 h 215650"/>
+              <a:gd name="connsiteX0" fmla="*/ 0 w 707785"/>
+              <a:gd name="connsiteY0" fmla="*/ 16269 h 215635"/>
+              <a:gd name="connsiteX1" fmla="*/ 357027 w 707785"/>
+              <a:gd name="connsiteY1" fmla="*/ 215550 h 215635"/>
+              <a:gd name="connsiteX2" fmla="*/ 707785 w 707785"/>
+              <a:gd name="connsiteY2" fmla="*/ 0 h 215635"/>
+              <a:gd name="connsiteX0" fmla="*/ 0 w 707785"/>
+              <a:gd name="connsiteY0" fmla="*/ 16269 h 215635"/>
+              <a:gd name="connsiteX1" fmla="*/ 357027 w 707785"/>
+              <a:gd name="connsiteY1" fmla="*/ 215550 h 215635"/>
+              <a:gd name="connsiteX2" fmla="*/ 707785 w 707785"/>
+              <a:gd name="connsiteY2" fmla="*/ 0 h 215635"/>
+              <a:gd name="connsiteX0" fmla="*/ 0 w 707785"/>
+              <a:gd name="connsiteY0" fmla="*/ 16269 h 215829"/>
+              <a:gd name="connsiteX1" fmla="*/ 357027 w 707785"/>
+              <a:gd name="connsiteY1" fmla="*/ 215550 h 215829"/>
+              <a:gd name="connsiteX2" fmla="*/ 707785 w 707785"/>
+              <a:gd name="connsiteY2" fmla="*/ 0 h 215829"/>
+              <a:gd name="connsiteX0" fmla="*/ 0 w 707785"/>
+              <a:gd name="connsiteY0" fmla="*/ 16269 h 102991"/>
+              <a:gd name="connsiteX1" fmla="*/ 357027 w 707785"/>
+              <a:gd name="connsiteY1" fmla="*/ 76873 h 102991"/>
+              <a:gd name="connsiteX2" fmla="*/ 707785 w 707785"/>
+              <a:gd name="connsiteY2" fmla="*/ 0 h 102991"/>
+              <a:gd name="connsiteX0" fmla="*/ 0 w 703452"/>
+              <a:gd name="connsiteY0" fmla="*/ 0 h 92362"/>
+              <a:gd name="connsiteX1" fmla="*/ 357027 w 703452"/>
+              <a:gd name="connsiteY1" fmla="*/ 60604 h 92362"/>
+              <a:gd name="connsiteX2" fmla="*/ 703452 w 703452"/>
+              <a:gd name="connsiteY2" fmla="*/ 1066 h 92362"/>
+              <a:gd name="connsiteX0" fmla="*/ 0 w 703452"/>
+              <a:gd name="connsiteY0" fmla="*/ 0 h 99581"/>
+              <a:gd name="connsiteX1" fmla="*/ 357027 w 703452"/>
+              <a:gd name="connsiteY1" fmla="*/ 60604 h 99581"/>
+              <a:gd name="connsiteX2" fmla="*/ 703452 w 703452"/>
+              <a:gd name="connsiteY2" fmla="*/ 1066 h 99581"/>
+              <a:gd name="connsiteX0" fmla="*/ 0 w 703452"/>
+              <a:gd name="connsiteY0" fmla="*/ 0 h 103111"/>
+              <a:gd name="connsiteX1" fmla="*/ 339692 w 703452"/>
+              <a:gd name="connsiteY1" fmla="*/ 69271 h 103111"/>
+              <a:gd name="connsiteX2" fmla="*/ 703452 w 703452"/>
+              <a:gd name="connsiteY2" fmla="*/ 1066 h 103111"/>
+              <a:gd name="connsiteX0" fmla="*/ 0 w 703452"/>
+              <a:gd name="connsiteY0" fmla="*/ 0 h 101685"/>
+              <a:gd name="connsiteX1" fmla="*/ 339692 w 703452"/>
+              <a:gd name="connsiteY1" fmla="*/ 69271 h 101685"/>
+              <a:gd name="connsiteX2" fmla="*/ 703452 w 703452"/>
+              <a:gd name="connsiteY2" fmla="*/ 1066 h 101685"/>
+              <a:gd name="connsiteX0" fmla="*/ 0 w 703452"/>
+              <a:gd name="connsiteY0" fmla="*/ 0 h 91126"/>
+              <a:gd name="connsiteX1" fmla="*/ 339692 w 703452"/>
+              <a:gd name="connsiteY1" fmla="*/ 69271 h 91126"/>
+              <a:gd name="connsiteX2" fmla="*/ 703452 w 703452"/>
+              <a:gd name="connsiteY2" fmla="*/ 1066 h 91126"/>
+            </a:gdLst>
+            <a:ahLst/>
+            <a:cxnLst>
+              <a:cxn ang="0">
+                <a:pos x="connsiteX0" y="connsiteY0"/>
+              </a:cxn>
+              <a:cxn ang="0">
+                <a:pos x="connsiteX1" y="connsiteY1"/>
+              </a:cxn>
+              <a:cxn ang="0">
+                <a:pos x="connsiteX2" y="connsiteY2"/>
+              </a:cxn>
+            </a:cxnLst>
+            <a:rect l="l" t="t" r="r" b="b"/>
+            <a:pathLst>
+              <a:path w="703452" h="91126">
+                <a:moveTo>
+                  <a:pt x="0" y="0"/>
+                </a:moveTo>
+                <a:cubicBezTo>
+                  <a:pt x="7750" y="144982"/>
+                  <a:pt x="209449" y="73427"/>
+                  <a:pt x="339692" y="69271"/>
+                </a:cubicBezTo>
+                <a:cubicBezTo>
+                  <a:pt x="469935" y="65115"/>
+                  <a:pt x="698091" y="153772"/>
+                  <a:pt x="703452" y="1066"/>
+                </a:cubicBezTo>
+              </a:path>
+            </a:pathLst>
+          </a:custGeom>
+          <a:solidFill>
+            <a:schemeClr val="bg1">
+              <a:lumMod val="65000"/>
+            </a:schemeClr>
+          </a:solidFill>
+          <a:ln w="12700">
+            <a:solidFill>
+              <a:schemeClr val="tx1"/>
+            </a:solidFill>
+          </a:ln>
+        </p:spPr>
+        <p:style>
+          <a:lnRef idx="2">
+            <a:schemeClr val="accent1">
+              <a:shade val="50000"/>
+            </a:schemeClr>
+          </a:lnRef>
+          <a:fillRef idx="1">
+            <a:schemeClr val="accent1"/>
+          </a:fillRef>
+          <a:effectRef idx="0">
+            <a:schemeClr val="accent1"/>
+          </a:effectRef>
+          <a:fontRef idx="minor">
+            <a:schemeClr val="lt1"/>
+          </a:fontRef>
+        </p:style>
+        <p:txBody>
+          <a:bodyPr rtlCol="0" anchor="ctr"/>
+          <a:lstStyle/>
+          <a:p>
+            <a:pPr algn="ctr"/>
+            <a:endParaRPr lang="fr-FR"/>
+          </a:p>
+        </p:txBody>
+      </p:sp>
+      <p:cxnSp>
+        <p:nvCxnSpPr>
+          <p:cNvPr id="113" name="Connecteur droit 112"/>
+          <p:cNvCxnSpPr/>
+          <p:nvPr/>
+        </p:nvCxnSpPr>
+        <p:spPr>
+          <a:xfrm>
+            <a:off x="6228184" y="3941232"/>
+            <a:ext cx="576064" cy="0"/>
+          </a:xfrm>
+          <a:prstGeom prst="line">
+            <a:avLst/>
+          </a:prstGeom>
+          <a:noFill/>
+          <a:ln>
+            <a:solidFill>
+              <a:srgbClr val="FF33CC"/>
+            </a:solidFill>
+          </a:ln>
+        </p:spPr>
+        <p:style>
+          <a:lnRef idx="2">
+            <a:schemeClr val="accent1">
+              <a:shade val="50000"/>
+            </a:schemeClr>
+          </a:lnRef>
+          <a:fillRef idx="1">
+            <a:schemeClr val="accent1"/>
+          </a:fillRef>
+          <a:effectRef idx="0">
+            <a:schemeClr val="accent1"/>
+          </a:effectRef>
+          <a:fontRef idx="minor">
+            <a:schemeClr val="lt1"/>
+          </a:fontRef>
+        </p:style>
+      </p:cxnSp>
+      <p:sp>
+        <p:nvSpPr>
+          <p:cNvPr id="69" name="Forme libre 68"/>
+          <p:cNvSpPr/>
+          <p:nvPr/>
+        </p:nvSpPr>
+        <p:spPr>
+          <a:xfrm>
+            <a:off x="257485" y="4578401"/>
+            <a:ext cx="703452" cy="91126"/>
+          </a:xfrm>
+          <a:custGeom>
+            <a:avLst/>
+            <a:gdLst>
+              <a:gd name="connsiteX0" fmla="*/ 0 w 647114"/>
+              <a:gd name="connsiteY0" fmla="*/ 0 h 141351"/>
+              <a:gd name="connsiteX1" fmla="*/ 168813 w 647114"/>
+              <a:gd name="connsiteY1" fmla="*/ 140677 h 141351"/>
+              <a:gd name="connsiteX2" fmla="*/ 422031 w 647114"/>
+              <a:gd name="connsiteY2" fmla="*/ 56271 h 141351"/>
+              <a:gd name="connsiteX3" fmla="*/ 590843 w 647114"/>
+              <a:gd name="connsiteY3" fmla="*/ 126609 h 141351"/>
+              <a:gd name="connsiteX4" fmla="*/ 647114 w 647114"/>
+              <a:gd name="connsiteY4" fmla="*/ 14068 h 141351"/>
+              <a:gd name="connsiteX0" fmla="*/ 0 w 699118"/>
+              <a:gd name="connsiteY0" fmla="*/ 0 h 221823"/>
+              <a:gd name="connsiteX1" fmla="*/ 220817 w 699118"/>
+              <a:gd name="connsiteY1" fmla="*/ 218682 h 221823"/>
+              <a:gd name="connsiteX2" fmla="*/ 474035 w 699118"/>
+              <a:gd name="connsiteY2" fmla="*/ 134276 h 221823"/>
+              <a:gd name="connsiteX3" fmla="*/ 642847 w 699118"/>
+              <a:gd name="connsiteY3" fmla="*/ 204614 h 221823"/>
+              <a:gd name="connsiteX4" fmla="*/ 699118 w 699118"/>
+              <a:gd name="connsiteY4" fmla="*/ 92073 h 221823"/>
+              <a:gd name="connsiteX0" fmla="*/ 0 w 707785"/>
+              <a:gd name="connsiteY0" fmla="*/ 16269 h 238092"/>
+              <a:gd name="connsiteX1" fmla="*/ 220817 w 707785"/>
+              <a:gd name="connsiteY1" fmla="*/ 234951 h 238092"/>
+              <a:gd name="connsiteX2" fmla="*/ 474035 w 707785"/>
+              <a:gd name="connsiteY2" fmla="*/ 150545 h 238092"/>
+              <a:gd name="connsiteX3" fmla="*/ 642847 w 707785"/>
+              <a:gd name="connsiteY3" fmla="*/ 220883 h 238092"/>
+              <a:gd name="connsiteX4" fmla="*/ 707785 w 707785"/>
+              <a:gd name="connsiteY4" fmla="*/ 0 h 238092"/>
+              <a:gd name="connsiteX0" fmla="*/ 0 w 707785"/>
+              <a:gd name="connsiteY0" fmla="*/ 16269 h 225004"/>
+              <a:gd name="connsiteX1" fmla="*/ 474035 w 707785"/>
+              <a:gd name="connsiteY1" fmla="*/ 150545 h 225004"/>
+              <a:gd name="connsiteX2" fmla="*/ 642847 w 707785"/>
+              <a:gd name="connsiteY2" fmla="*/ 220883 h 225004"/>
+              <a:gd name="connsiteX3" fmla="*/ 707785 w 707785"/>
+              <a:gd name="connsiteY3" fmla="*/ 0 h 225004"/>
+              <a:gd name="connsiteX0" fmla="*/ 0 w 707785"/>
+              <a:gd name="connsiteY0" fmla="*/ 16269 h 150545"/>
+              <a:gd name="connsiteX1" fmla="*/ 474035 w 707785"/>
+              <a:gd name="connsiteY1" fmla="*/ 150545 h 150545"/>
+              <a:gd name="connsiteX2" fmla="*/ 707785 w 707785"/>
+              <a:gd name="connsiteY2" fmla="*/ 0 h 150545"/>
+              <a:gd name="connsiteX0" fmla="*/ 0 w 707785"/>
+              <a:gd name="connsiteY0" fmla="*/ 16269 h 215550"/>
+              <a:gd name="connsiteX1" fmla="*/ 357027 w 707785"/>
+              <a:gd name="connsiteY1" fmla="*/ 215550 h 215550"/>
+              <a:gd name="connsiteX2" fmla="*/ 707785 w 707785"/>
+              <a:gd name="connsiteY2" fmla="*/ 0 h 215550"/>
+              <a:gd name="connsiteX0" fmla="*/ 0 w 707785"/>
+              <a:gd name="connsiteY0" fmla="*/ 16269 h 215650"/>
+              <a:gd name="connsiteX1" fmla="*/ 357027 w 707785"/>
+              <a:gd name="connsiteY1" fmla="*/ 215550 h 215650"/>
+              <a:gd name="connsiteX2" fmla="*/ 707785 w 707785"/>
+              <a:gd name="connsiteY2" fmla="*/ 0 h 215650"/>
+              <a:gd name="connsiteX0" fmla="*/ 0 w 707785"/>
+              <a:gd name="connsiteY0" fmla="*/ 16269 h 215635"/>
+              <a:gd name="connsiteX1" fmla="*/ 357027 w 707785"/>
+              <a:gd name="connsiteY1" fmla="*/ 215550 h 215635"/>
+              <a:gd name="connsiteX2" fmla="*/ 707785 w 707785"/>
+              <a:gd name="connsiteY2" fmla="*/ 0 h 215635"/>
+              <a:gd name="connsiteX0" fmla="*/ 0 w 707785"/>
+              <a:gd name="connsiteY0" fmla="*/ 16269 h 215635"/>
+              <a:gd name="connsiteX1" fmla="*/ 357027 w 707785"/>
+              <a:gd name="connsiteY1" fmla="*/ 215550 h 215635"/>
+              <a:gd name="connsiteX2" fmla="*/ 707785 w 707785"/>
+              <a:gd name="connsiteY2" fmla="*/ 0 h 215635"/>
+              <a:gd name="connsiteX0" fmla="*/ 0 w 707785"/>
+              <a:gd name="connsiteY0" fmla="*/ 16269 h 215829"/>
+              <a:gd name="connsiteX1" fmla="*/ 357027 w 707785"/>
+              <a:gd name="connsiteY1" fmla="*/ 215550 h 215829"/>
+              <a:gd name="connsiteX2" fmla="*/ 707785 w 707785"/>
+              <a:gd name="connsiteY2" fmla="*/ 0 h 215829"/>
+              <a:gd name="connsiteX0" fmla="*/ 0 w 707785"/>
+              <a:gd name="connsiteY0" fmla="*/ 16269 h 102991"/>
+              <a:gd name="connsiteX1" fmla="*/ 357027 w 707785"/>
+              <a:gd name="connsiteY1" fmla="*/ 76873 h 102991"/>
+              <a:gd name="connsiteX2" fmla="*/ 707785 w 707785"/>
+              <a:gd name="connsiteY2" fmla="*/ 0 h 102991"/>
+              <a:gd name="connsiteX0" fmla="*/ 0 w 703452"/>
+              <a:gd name="connsiteY0" fmla="*/ 0 h 92362"/>
+              <a:gd name="connsiteX1" fmla="*/ 357027 w 703452"/>
+              <a:gd name="connsiteY1" fmla="*/ 60604 h 92362"/>
+              <a:gd name="connsiteX2" fmla="*/ 703452 w 703452"/>
+              <a:gd name="connsiteY2" fmla="*/ 1066 h 92362"/>
+              <a:gd name="connsiteX0" fmla="*/ 0 w 703452"/>
+              <a:gd name="connsiteY0" fmla="*/ 0 h 99581"/>
+              <a:gd name="connsiteX1" fmla="*/ 357027 w 703452"/>
+              <a:gd name="connsiteY1" fmla="*/ 60604 h 99581"/>
+              <a:gd name="connsiteX2" fmla="*/ 703452 w 703452"/>
+              <a:gd name="connsiteY2" fmla="*/ 1066 h 99581"/>
+              <a:gd name="connsiteX0" fmla="*/ 0 w 703452"/>
+              <a:gd name="connsiteY0" fmla="*/ 0 h 103111"/>
+              <a:gd name="connsiteX1" fmla="*/ 339692 w 703452"/>
+              <a:gd name="connsiteY1" fmla="*/ 69271 h 103111"/>
+              <a:gd name="connsiteX2" fmla="*/ 703452 w 703452"/>
+              <a:gd name="connsiteY2" fmla="*/ 1066 h 103111"/>
+              <a:gd name="connsiteX0" fmla="*/ 0 w 703452"/>
+              <a:gd name="connsiteY0" fmla="*/ 0 h 101685"/>
+              <a:gd name="connsiteX1" fmla="*/ 339692 w 703452"/>
+              <a:gd name="connsiteY1" fmla="*/ 69271 h 101685"/>
+              <a:gd name="connsiteX2" fmla="*/ 703452 w 703452"/>
+              <a:gd name="connsiteY2" fmla="*/ 1066 h 101685"/>
+              <a:gd name="connsiteX0" fmla="*/ 0 w 703452"/>
+              <a:gd name="connsiteY0" fmla="*/ 0 h 91126"/>
+              <a:gd name="connsiteX1" fmla="*/ 339692 w 703452"/>
+              <a:gd name="connsiteY1" fmla="*/ 69271 h 91126"/>
+              <a:gd name="connsiteX2" fmla="*/ 703452 w 703452"/>
+              <a:gd name="connsiteY2" fmla="*/ 1066 h 91126"/>
+            </a:gdLst>
+            <a:ahLst/>
+            <a:cxnLst>
+              <a:cxn ang="0">
+                <a:pos x="connsiteX0" y="connsiteY0"/>
+              </a:cxn>
+              <a:cxn ang="0">
+                <a:pos x="connsiteX1" y="connsiteY1"/>
+              </a:cxn>
+              <a:cxn ang="0">
+                <a:pos x="connsiteX2" y="connsiteY2"/>
+              </a:cxn>
+            </a:cxnLst>
+            <a:rect l="l" t="t" r="r" b="b"/>
+            <a:pathLst>
+              <a:path w="703452" h="91126">
+                <a:moveTo>
+                  <a:pt x="0" y="0"/>
+                </a:moveTo>
+                <a:cubicBezTo>
+                  <a:pt x="7750" y="144982"/>
+                  <a:pt x="209449" y="73427"/>
+                  <a:pt x="339692" y="69271"/>
+                </a:cubicBezTo>
+                <a:cubicBezTo>
+                  <a:pt x="469935" y="65115"/>
+                  <a:pt x="698091" y="153772"/>
+                  <a:pt x="703452" y="1066"/>
+                </a:cubicBezTo>
+              </a:path>
+            </a:pathLst>
+          </a:custGeom>
+          <a:solidFill>
+            <a:schemeClr val="bg1">
+              <a:lumMod val="65000"/>
+            </a:schemeClr>
+          </a:solidFill>
+          <a:ln w="12700">
+            <a:solidFill>
+              <a:schemeClr val="tx1"/>
+            </a:solidFill>
+          </a:ln>
+        </p:spPr>
+        <p:style>
+          <a:lnRef idx="2">
+            <a:schemeClr val="accent1">
+              <a:shade val="50000"/>
+            </a:schemeClr>
+          </a:lnRef>
+          <a:fillRef idx="1">
+            <a:schemeClr val="accent1"/>
+          </a:fillRef>
+          <a:effectRef idx="0">
+            <a:schemeClr val="accent1"/>
+          </a:effectRef>
+          <a:fontRef idx="minor">
+            <a:schemeClr val="lt1"/>
+          </a:fontRef>
+        </p:style>
+        <p:txBody>
+          <a:bodyPr rtlCol="0" anchor="ctr"/>
+          <a:lstStyle/>
+          <a:p>
+            <a:pPr algn="ctr"/>
+            <a:endParaRPr lang="fr-FR"/>
+          </a:p>
+        </p:txBody>
+      </p:sp>
+      <p:cxnSp>
+        <p:nvCxnSpPr>
+          <p:cNvPr id="10" name="Connecteur droit 9"/>
+          <p:cNvCxnSpPr/>
+          <p:nvPr/>
+        </p:nvCxnSpPr>
+        <p:spPr>
+          <a:xfrm>
+            <a:off x="329565" y="3440582"/>
+            <a:ext cx="642035" cy="0"/>
+          </a:xfrm>
+          <a:prstGeom prst="line">
+            <a:avLst/>
+          </a:prstGeom>
+          <a:ln w="28575">
+            <a:solidFill>
+              <a:srgbClr val="7030A0"/>
+            </a:solidFill>
+          </a:ln>
+        </p:spPr>
+        <p:style>
+          <a:lnRef idx="1">
+            <a:schemeClr val="accent1"/>
+          </a:lnRef>
+          <a:fillRef idx="0">
+            <a:schemeClr val="accent1"/>
+          </a:fillRef>
+          <a:effectRef idx="0">
+            <a:schemeClr val="accent1"/>
+          </a:effectRef>
+          <a:fontRef idx="minor">
+            <a:schemeClr val="tx1"/>
+          </a:fontRef>
+        </p:style>
+      </p:cxnSp>
+      <p:cxnSp>
+        <p:nvCxnSpPr>
+          <p:cNvPr id="11" name="Connecteur droit 10"/>
+          <p:cNvCxnSpPr/>
+          <p:nvPr/>
+        </p:nvCxnSpPr>
+        <p:spPr>
+          <a:xfrm rot="5400000">
+            <a:off x="863588" y="3440582"/>
+            <a:ext cx="216024" cy="0"/>
+          </a:xfrm>
+          <a:prstGeom prst="line">
+            <a:avLst/>
+          </a:prstGeom>
+          <a:ln w="28575">
+            <a:solidFill>
+              <a:srgbClr val="7030A0"/>
+            </a:solidFill>
+          </a:ln>
+        </p:spPr>
+        <p:style>
+          <a:lnRef idx="1">
+            <a:schemeClr val="accent1"/>
+          </a:lnRef>
+          <a:fillRef idx="0">
+            <a:schemeClr val="accent1"/>
+          </a:fillRef>
+          <a:effectRef idx="0">
+            <a:schemeClr val="accent1"/>
+          </a:effectRef>
+          <a:fontRef idx="minor">
+            <a:schemeClr val="tx1"/>
+          </a:fontRef>
+        </p:style>
+      </p:cxnSp>
+      <p:cxnSp>
+        <p:nvCxnSpPr>
+          <p:cNvPr id="12" name="Connecteur droit 11"/>
+          <p:cNvCxnSpPr/>
+          <p:nvPr/>
+        </p:nvCxnSpPr>
+        <p:spPr>
+          <a:xfrm rot="5400000">
+            <a:off x="212975" y="3429000"/>
+            <a:ext cx="216024" cy="0"/>
+          </a:xfrm>
+          <a:prstGeom prst="line">
+            <a:avLst/>
+          </a:prstGeom>
+          <a:ln w="28575">
+            <a:solidFill>
+              <a:srgbClr val="7030A0"/>
+            </a:solidFill>
+          </a:ln>
+        </p:spPr>
+        <p:style>
+          <a:lnRef idx="1">
+            <a:schemeClr val="accent1"/>
+          </a:lnRef>
+          <a:fillRef idx="0">
+            <a:schemeClr val="accent1"/>
+          </a:fillRef>
+          <a:effectRef idx="0">
+            <a:schemeClr val="accent1"/>
+          </a:effectRef>
+          <a:fontRef idx="minor">
+            <a:schemeClr val="tx1"/>
+          </a:fontRef>
+        </p:style>
+      </p:cxnSp>
+      <p:cxnSp>
+        <p:nvCxnSpPr>
+          <p:cNvPr id="13" name="Connecteur droit 12"/>
+          <p:cNvCxnSpPr/>
+          <p:nvPr/>
+        </p:nvCxnSpPr>
+        <p:spPr>
+          <a:xfrm>
+            <a:off x="559982" y="2644227"/>
+            <a:ext cx="180000" cy="0"/>
+          </a:xfrm>
+          <a:prstGeom prst="line">
+            <a:avLst/>
+          </a:prstGeom>
+          <a:ln w="28575">
+            <a:solidFill>
+              <a:srgbClr val="7030A0"/>
+            </a:solidFill>
+          </a:ln>
+        </p:spPr>
+        <p:style>
+          <a:lnRef idx="1">
+            <a:schemeClr val="accent1"/>
+          </a:lnRef>
+          <a:fillRef idx="0">
+            <a:schemeClr val="accent1"/>
+          </a:fillRef>
+          <a:effectRef idx="0">
+            <a:schemeClr val="accent1"/>
+          </a:effectRef>
+          <a:fontRef idx="minor">
+            <a:schemeClr val="tx1"/>
+          </a:fontRef>
+        </p:style>
+      </p:cxnSp>
+      <p:cxnSp>
+        <p:nvCxnSpPr>
+          <p:cNvPr id="17" name="Connecteur droit 16"/>
+          <p:cNvCxnSpPr/>
+          <p:nvPr/>
+        </p:nvCxnSpPr>
+        <p:spPr>
+          <a:xfrm>
+            <a:off x="654459" y="2564904"/>
+            <a:ext cx="1" cy="1296144"/>
+          </a:xfrm>
+          <a:prstGeom prst="line">
+            <a:avLst/>
+          </a:prstGeom>
+          <a:ln w="28575">
+            <a:solidFill>
+              <a:srgbClr val="7030A0"/>
+            </a:solidFill>
+          </a:ln>
+        </p:spPr>
+        <p:style>
+          <a:lnRef idx="1">
+            <a:schemeClr val="accent1"/>
+          </a:lnRef>
+          <a:fillRef idx="0">
+            <a:schemeClr val="accent1"/>
+          </a:fillRef>
+          <a:effectRef idx="0">
+            <a:schemeClr val="accent1"/>
+          </a:effectRef>
+          <a:fontRef idx="minor">
+            <a:schemeClr val="tx1"/>
+          </a:fontRef>
+        </p:style>
+      </p:cxnSp>
+      <p:cxnSp>
+        <p:nvCxnSpPr>
+          <p:cNvPr id="20" name="Connecteur droit 19"/>
+          <p:cNvCxnSpPr/>
+          <p:nvPr/>
+        </p:nvCxnSpPr>
+        <p:spPr>
+          <a:xfrm>
+            <a:off x="487519" y="3861048"/>
+            <a:ext cx="315973" cy="0"/>
+          </a:xfrm>
+          <a:prstGeom prst="line">
+            <a:avLst/>
+          </a:prstGeom>
+          <a:ln w="28575">
+            <a:solidFill>
+              <a:srgbClr val="7030A0"/>
+            </a:solidFill>
+          </a:ln>
+        </p:spPr>
+        <p:style>
+          <a:lnRef idx="1">
+            <a:schemeClr val="accent1"/>
+          </a:lnRef>
+          <a:fillRef idx="0">
+            <a:schemeClr val="accent1"/>
+          </a:fillRef>
+          <a:effectRef idx="0">
+            <a:schemeClr val="accent1"/>
+          </a:effectRef>
+          <a:fontRef idx="minor">
+            <a:schemeClr val="tx1"/>
+          </a:fontRef>
+        </p:style>
+      </p:cxnSp>
+      <p:cxnSp>
+        <p:nvCxnSpPr>
+          <p:cNvPr id="23" name="Connecteur droit 22"/>
+          <p:cNvCxnSpPr/>
+          <p:nvPr/>
+        </p:nvCxnSpPr>
+        <p:spPr>
+          <a:xfrm rot="5400000">
+            <a:off x="379507" y="3865766"/>
+            <a:ext cx="216024" cy="0"/>
+          </a:xfrm>
+          <a:prstGeom prst="line">
+            <a:avLst/>
+          </a:prstGeom>
+          <a:ln w="28575">
+            <a:solidFill>
+              <a:srgbClr val="7030A0"/>
+            </a:solidFill>
+          </a:ln>
+        </p:spPr>
+        <p:style>
+          <a:lnRef idx="1">
+            <a:schemeClr val="accent1"/>
+          </a:lnRef>
+          <a:fillRef idx="0">
+            <a:schemeClr val="accent1"/>
+          </a:fillRef>
+          <a:effectRef idx="0">
+            <a:schemeClr val="accent1"/>
+          </a:effectRef>
+          <a:fontRef idx="minor">
+            <a:schemeClr val="tx1"/>
+          </a:fontRef>
+        </p:style>
+      </p:cxnSp>
+      <p:cxnSp>
+        <p:nvCxnSpPr>
+          <p:cNvPr id="24" name="Connecteur droit 23"/>
+          <p:cNvCxnSpPr/>
+          <p:nvPr/>
+        </p:nvCxnSpPr>
+        <p:spPr>
+          <a:xfrm rot="5400000">
+            <a:off x="1439652" y="3875202"/>
+            <a:ext cx="216024" cy="0"/>
+          </a:xfrm>
+          <a:prstGeom prst="line">
+            <a:avLst/>
+          </a:prstGeom>
+          <a:ln w="28575">
+            <a:solidFill>
+              <a:schemeClr val="accent6">
+                <a:lumMod val="75000"/>
+              </a:schemeClr>
+            </a:solidFill>
+          </a:ln>
+        </p:spPr>
+        <p:style>
+          <a:lnRef idx="1">
+            <a:schemeClr val="accent1"/>
+          </a:lnRef>
+          <a:fillRef idx="0">
+            <a:schemeClr val="accent1"/>
+          </a:fillRef>
+          <a:effectRef idx="0">
+            <a:schemeClr val="accent1"/>
+          </a:effectRef>
+          <a:fontRef idx="minor">
+            <a:schemeClr val="tx1"/>
+          </a:fontRef>
+        </p:style>
+      </p:cxnSp>
+      <p:cxnSp>
+        <p:nvCxnSpPr>
+          <p:cNvPr id="27" name="Connecteur droit 26"/>
+          <p:cNvCxnSpPr/>
+          <p:nvPr/>
+        </p:nvCxnSpPr>
+        <p:spPr>
+          <a:xfrm>
+            <a:off x="803492" y="3861048"/>
+            <a:ext cx="744172" cy="0"/>
+          </a:xfrm>
+          <a:prstGeom prst="line">
+            <a:avLst/>
+          </a:prstGeom>
+          <a:ln w="28575">
+            <a:solidFill>
+              <a:schemeClr val="accent6">
+                <a:lumMod val="75000"/>
+              </a:schemeClr>
+            </a:solidFill>
+          </a:ln>
+        </p:spPr>
+        <p:style>
+          <a:lnRef idx="1">
+            <a:schemeClr val="accent1"/>
+          </a:lnRef>
+          <a:fillRef idx="0">
+            <a:schemeClr val="accent1"/>
+          </a:fillRef>
+          <a:effectRef idx="0">
+            <a:schemeClr val="accent1"/>
+          </a:effectRef>
+          <a:fontRef idx="minor">
+            <a:schemeClr val="tx1"/>
+          </a:fontRef>
+        </p:style>
+      </p:cxnSp>
+      <p:cxnSp>
+        <p:nvCxnSpPr>
+          <p:cNvPr id="22" name="Connecteur droit 21"/>
+          <p:cNvCxnSpPr/>
+          <p:nvPr/>
+        </p:nvCxnSpPr>
+        <p:spPr>
+          <a:xfrm rot="5400000">
+            <a:off x="695480" y="3865766"/>
+            <a:ext cx="216024" cy="0"/>
+          </a:xfrm>
+          <a:prstGeom prst="line">
+            <a:avLst/>
+          </a:prstGeom>
+          <a:ln w="28575">
+            <a:solidFill>
+              <a:srgbClr val="7030A0"/>
+            </a:solidFill>
+          </a:ln>
+        </p:spPr>
+        <p:style>
+          <a:lnRef idx="1">
+            <a:schemeClr val="accent1"/>
+          </a:lnRef>
+          <a:fillRef idx="0">
+            <a:schemeClr val="accent1"/>
+          </a:fillRef>
+          <a:effectRef idx="0">
+            <a:schemeClr val="accent1"/>
+          </a:effectRef>
+          <a:fontRef idx="minor">
+            <a:schemeClr val="tx1"/>
+          </a:fontRef>
+        </p:style>
+      </p:cxnSp>
+      <p:sp>
+        <p:nvSpPr>
+          <p:cNvPr id="6" name="Rectangle 5"/>
+          <p:cNvSpPr/>
+          <p:nvPr/>
+        </p:nvSpPr>
+        <p:spPr>
+          <a:xfrm>
+            <a:off x="559982" y="2682732"/>
+            <a:ext cx="180000" cy="360000"/>
+          </a:xfrm>
+          <a:prstGeom prst="rect">
+            <a:avLst/>
+          </a:prstGeom>
+          <a:noFill/>
+          <a:ln w="28575">
+            <a:solidFill>
+              <a:schemeClr val="tx1"/>
+            </a:solidFill>
+          </a:ln>
+        </p:spPr>
+        <p:style>
+          <a:lnRef idx="2">
+            <a:schemeClr val="accent1">
+              <a:shade val="50000"/>
+            </a:schemeClr>
+          </a:lnRef>
+          <a:fillRef idx="1">
+            <a:schemeClr val="accent1"/>
+          </a:fillRef>
+          <a:effectRef idx="0">
+            <a:schemeClr val="accent1"/>
+          </a:effectRef>
+          <a:fontRef idx="minor">
+            <a:schemeClr val="lt1"/>
+          </a:fontRef>
+        </p:style>
+        <p:txBody>
+          <a:bodyPr rtlCol="0" anchor="ctr"/>
+          <a:lstStyle/>
+          <a:p>
+            <a:pPr algn="ctr"/>
+            <a:endParaRPr lang="fr-FR">
+              <a:ln>
+                <a:solidFill>
+                  <a:sysClr val="windowText" lastClr="000000"/>
+                </a:solidFill>
+              </a:ln>
+            </a:endParaRPr>
+          </a:p>
+        </p:txBody>
+      </p:sp>
+      <p:cxnSp>
+        <p:nvCxnSpPr>
+          <p:cNvPr id="30" name="Connecteur droit 29"/>
+          <p:cNvCxnSpPr/>
+          <p:nvPr/>
+        </p:nvCxnSpPr>
+        <p:spPr>
+          <a:xfrm flipV="1">
+            <a:off x="1175578" y="3875202"/>
+            <a:ext cx="0" cy="993958"/>
+          </a:xfrm>
+          <a:prstGeom prst="line">
+            <a:avLst/>
+          </a:prstGeom>
+          <a:ln w="28575">
+            <a:solidFill>
+              <a:schemeClr val="accent6">
+                <a:lumMod val="75000"/>
+              </a:schemeClr>
+            </a:solidFill>
+          </a:ln>
+        </p:spPr>
+        <p:style>
+          <a:lnRef idx="1">
+            <a:schemeClr val="accent1"/>
+          </a:lnRef>
+          <a:fillRef idx="0">
+            <a:schemeClr val="accent1"/>
+          </a:fillRef>
+          <a:effectRef idx="0">
+            <a:schemeClr val="accent1"/>
+          </a:effectRef>
+          <a:fontRef idx="minor">
+            <a:schemeClr val="tx1"/>
+          </a:fontRef>
+        </p:style>
+      </p:cxnSp>
+      <p:cxnSp>
+        <p:nvCxnSpPr>
+          <p:cNvPr id="34" name="Connecteur droit 33"/>
+          <p:cNvCxnSpPr>
+            <a:endCxn id="37" idx="1"/>
+          </p:cNvCxnSpPr>
+          <p:nvPr/>
+        </p:nvCxnSpPr>
+        <p:spPr>
+          <a:xfrm>
+            <a:off x="107504" y="4573795"/>
+            <a:ext cx="978675" cy="0"/>
+          </a:xfrm>
+          <a:prstGeom prst="line">
+            <a:avLst/>
+          </a:prstGeom>
+          <a:ln w="28575">
+            <a:solidFill>
+              <a:schemeClr val="tx1"/>
+            </a:solidFill>
+          </a:ln>
+        </p:spPr>
+        <p:style>
+          <a:lnRef idx="1">
+            <a:schemeClr val="accent1"/>
+          </a:lnRef>
+          <a:fillRef idx="0">
+            <a:schemeClr val="accent1"/>
+          </a:fillRef>
+          <a:effectRef idx="0">
+            <a:schemeClr val="accent1"/>
+          </a:effectRef>
+          <a:fontRef idx="minor">
+            <a:schemeClr val="tx1"/>
+          </a:fontRef>
+        </p:style>
+      </p:cxnSp>
+      <p:cxnSp>
+        <p:nvCxnSpPr>
+          <p:cNvPr id="35" name="Connecteur droit 34"/>
+          <p:cNvCxnSpPr/>
+          <p:nvPr/>
+        </p:nvCxnSpPr>
+        <p:spPr>
+          <a:xfrm>
+            <a:off x="1086179" y="4342921"/>
+            <a:ext cx="180000" cy="0"/>
+          </a:xfrm>
+          <a:prstGeom prst="line">
+            <a:avLst/>
+          </a:prstGeom>
+          <a:ln w="28575">
+            <a:solidFill>
+              <a:schemeClr val="accent6">
+                <a:lumMod val="75000"/>
+              </a:schemeClr>
+            </a:solidFill>
+          </a:ln>
+        </p:spPr>
+        <p:style>
+          <a:lnRef idx="1">
+            <a:schemeClr val="accent1"/>
+          </a:lnRef>
+          <a:fillRef idx="0">
+            <a:schemeClr val="accent1"/>
+          </a:fillRef>
+          <a:effectRef idx="0">
+            <a:schemeClr val="accent1"/>
+          </a:effectRef>
+          <a:fontRef idx="minor">
+            <a:schemeClr val="tx1"/>
+          </a:fontRef>
+        </p:style>
+      </p:cxnSp>
+      <p:cxnSp>
+        <p:nvCxnSpPr>
+          <p:cNvPr id="36" name="Connecteur droit 35"/>
+          <p:cNvCxnSpPr/>
+          <p:nvPr/>
+        </p:nvCxnSpPr>
+        <p:spPr>
+          <a:xfrm>
+            <a:off x="1086179" y="4804670"/>
+            <a:ext cx="180000" cy="0"/>
+          </a:xfrm>
+          <a:prstGeom prst="line">
+            <a:avLst/>
+          </a:prstGeom>
+          <a:ln w="28575">
+            <a:solidFill>
+              <a:schemeClr val="accent6">
+                <a:lumMod val="75000"/>
+              </a:schemeClr>
+            </a:solidFill>
+          </a:ln>
+        </p:spPr>
+        <p:style>
+          <a:lnRef idx="1">
+            <a:schemeClr val="accent1"/>
+          </a:lnRef>
+          <a:fillRef idx="0">
+            <a:schemeClr val="accent1"/>
+          </a:fillRef>
+          <a:effectRef idx="0">
+            <a:schemeClr val="accent1"/>
+          </a:effectRef>
+          <a:fontRef idx="minor">
+            <a:schemeClr val="tx1"/>
+          </a:fontRef>
+        </p:style>
+      </p:cxnSp>
+      <p:sp>
+        <p:nvSpPr>
+          <p:cNvPr id="37" name="Rectangle 36"/>
+          <p:cNvSpPr/>
+          <p:nvPr/>
+        </p:nvSpPr>
+        <p:spPr>
+          <a:xfrm>
+            <a:off x="1086179" y="4393795"/>
+            <a:ext cx="180000" cy="360000"/>
+          </a:xfrm>
+          <a:prstGeom prst="rect">
+            <a:avLst/>
+          </a:prstGeom>
+          <a:noFill/>
+          <a:ln w="28575">
+            <a:solidFill>
+              <a:schemeClr val="tx1"/>
+            </a:solidFill>
+          </a:ln>
+        </p:spPr>
+        <p:style>
+          <a:lnRef idx="2">
+            <a:schemeClr val="accent1">
+              <a:shade val="50000"/>
+            </a:schemeClr>
+          </a:lnRef>
+          <a:fillRef idx="1">
+            <a:schemeClr val="accent1"/>
+          </a:fillRef>
+          <a:effectRef idx="0">
+            <a:schemeClr val="accent1"/>
+          </a:effectRef>
+          <a:fontRef idx="minor">
+            <a:schemeClr val="lt1"/>
+          </a:fontRef>
+        </p:style>
+        <p:txBody>
+          <a:bodyPr rtlCol="0" anchor="ctr"/>
+          <a:lstStyle/>
+          <a:p>
+            <a:pPr algn="ctr"/>
+            <a:endParaRPr lang="fr-FR"/>
+          </a:p>
+        </p:txBody>
+      </p:sp>
+      <p:cxnSp>
+        <p:nvCxnSpPr>
+          <p:cNvPr id="42" name="Connecteur droit 41"/>
+          <p:cNvCxnSpPr/>
+          <p:nvPr/>
+        </p:nvCxnSpPr>
+        <p:spPr>
+          <a:xfrm>
+            <a:off x="559982" y="3081238"/>
+            <a:ext cx="180000" cy="0"/>
+          </a:xfrm>
+          <a:prstGeom prst="line">
+            <a:avLst/>
+          </a:prstGeom>
+          <a:ln w="28575">
+            <a:solidFill>
+              <a:srgbClr val="7030A0"/>
+            </a:solidFill>
+          </a:ln>
+        </p:spPr>
+        <p:style>
+          <a:lnRef idx="1">
+            <a:schemeClr val="accent1"/>
+          </a:lnRef>
+          <a:fillRef idx="0">
+            <a:schemeClr val="accent1"/>
+          </a:fillRef>
+          <a:effectRef idx="0">
+            <a:schemeClr val="accent1"/>
+          </a:effectRef>
+          <a:fontRef idx="minor">
+            <a:schemeClr val="tx1"/>
+          </a:fontRef>
+        </p:style>
+      </p:cxnSp>
+      <p:cxnSp>
+        <p:nvCxnSpPr>
+          <p:cNvPr id="44" name="Connecteur droit 43"/>
+          <p:cNvCxnSpPr>
+            <a:endCxn id="6" idx="1"/>
+          </p:cNvCxnSpPr>
+          <p:nvPr/>
+        </p:nvCxnSpPr>
+        <p:spPr>
+          <a:xfrm>
+            <a:off x="107504" y="2862732"/>
+            <a:ext cx="452478" cy="0"/>
+          </a:xfrm>
+          <a:prstGeom prst="line">
+            <a:avLst/>
+          </a:prstGeom>
+          <a:ln w="28575">
+            <a:solidFill>
+              <a:schemeClr val="tx1"/>
+            </a:solidFill>
+          </a:ln>
+        </p:spPr>
+        <p:style>
+          <a:lnRef idx="1">
+            <a:schemeClr val="accent1"/>
+          </a:lnRef>
+          <a:fillRef idx="0">
+            <a:schemeClr val="accent1"/>
+          </a:fillRef>
+          <a:effectRef idx="0">
+            <a:schemeClr val="accent1"/>
+          </a:effectRef>
+          <a:fontRef idx="minor">
+            <a:schemeClr val="tx1"/>
+          </a:fontRef>
+        </p:style>
+      </p:cxnSp>
+      <p:cxnSp>
+        <p:nvCxnSpPr>
+          <p:cNvPr id="47" name="Connecteur droit 46"/>
+          <p:cNvCxnSpPr/>
+          <p:nvPr/>
+        </p:nvCxnSpPr>
+        <p:spPr>
+          <a:xfrm flipV="1">
+            <a:off x="107504" y="2862732"/>
+            <a:ext cx="0" cy="1711063"/>
+          </a:xfrm>
+          <a:prstGeom prst="line">
+            <a:avLst/>
+          </a:prstGeom>
+          <a:ln w="28575">
+            <a:solidFill>
+              <a:schemeClr val="tx1"/>
+            </a:solidFill>
+          </a:ln>
+        </p:spPr>
+        <p:style>
+          <a:lnRef idx="1">
+            <a:schemeClr val="accent1"/>
+          </a:lnRef>
+          <a:fillRef idx="0">
+            <a:schemeClr val="accent1"/>
+          </a:fillRef>
+          <a:effectRef idx="0">
+            <a:schemeClr val="accent1"/>
+          </a:effectRef>
+          <a:fontRef idx="minor">
+            <a:schemeClr val="tx1"/>
+          </a:fontRef>
+        </p:style>
+      </p:cxnSp>
+      <p:sp>
+        <p:nvSpPr>
+          <p:cNvPr id="52" name="Ellipse 51"/>
+          <p:cNvSpPr/>
+          <p:nvPr/>
+        </p:nvSpPr>
+        <p:spPr>
+          <a:xfrm>
+            <a:off x="1016606" y="3281610"/>
+            <a:ext cx="317943" cy="317943"/>
+          </a:xfrm>
+          <a:prstGeom prst="ellipse">
+            <a:avLst/>
+          </a:prstGeom>
+          <a:noFill/>
+          <a:ln>
+            <a:solidFill>
+              <a:schemeClr val="tx2"/>
+            </a:solidFill>
+          </a:ln>
+        </p:spPr>
+        <p:style>
+          <a:lnRef idx="2">
+            <a:schemeClr val="accent1">
+              <a:shade val="50000"/>
+            </a:schemeClr>
+          </a:lnRef>
+          <a:fillRef idx="1">
+            <a:schemeClr val="accent1"/>
+          </a:fillRef>
+          <a:effectRef idx="0">
+            <a:schemeClr val="accent1"/>
+          </a:effectRef>
+          <a:fontRef idx="minor">
+            <a:schemeClr val="lt1"/>
+          </a:fontRef>
+        </p:style>
+        <p:txBody>
+          <a:bodyPr rtlCol="0" anchor="ctr"/>
+          <a:lstStyle/>
+          <a:p>
+            <a:pPr algn="ctr"/>
+            <a:endParaRPr lang="fr-FR"/>
+          </a:p>
+        </p:txBody>
+      </p:sp>
+      <p:sp>
+        <p:nvSpPr>
+          <p:cNvPr id="53" name="Ellipse 52"/>
+          <p:cNvSpPr>
+            <a:spLocks noChangeAspect="1"/>
+          </p:cNvSpPr>
+          <p:nvPr/>
+        </p:nvSpPr>
+        <p:spPr>
+          <a:xfrm>
+            <a:off x="1085577" y="3350581"/>
+            <a:ext cx="180000" cy="180000"/>
+          </a:xfrm>
+          <a:prstGeom prst="ellipse">
+            <a:avLst/>
+          </a:prstGeom>
+          <a:noFill/>
+          <a:ln>
+            <a:solidFill>
+              <a:schemeClr val="tx1"/>
+            </a:solidFill>
+          </a:ln>
+        </p:spPr>
+        <p:style>
+          <a:lnRef idx="2">
+            <a:schemeClr val="accent1">
+              <a:shade val="50000"/>
+            </a:schemeClr>
+          </a:lnRef>
+          <a:fillRef idx="1">
+            <a:schemeClr val="accent1"/>
+          </a:fillRef>
+          <a:effectRef idx="0">
+            <a:schemeClr val="accent1"/>
+          </a:effectRef>
+          <a:fontRef idx="minor">
+            <a:schemeClr val="lt1"/>
+          </a:fontRef>
+        </p:style>
+        <p:txBody>
+          <a:bodyPr rtlCol="0" anchor="ctr"/>
+          <a:lstStyle/>
+          <a:p>
+            <a:pPr algn="ctr"/>
+            <a:endParaRPr lang="fr-FR" dirty="0"/>
+          </a:p>
+        </p:txBody>
+      </p:sp>
+      <p:cxnSp>
+        <p:nvCxnSpPr>
+          <p:cNvPr id="54" name="Connecteur droit 53"/>
+          <p:cNvCxnSpPr/>
+          <p:nvPr/>
+        </p:nvCxnSpPr>
+        <p:spPr>
+          <a:xfrm flipV="1">
+            <a:off x="1001889" y="3243976"/>
+            <a:ext cx="0" cy="360000"/>
+          </a:xfrm>
+          <a:prstGeom prst="line">
+            <a:avLst/>
+          </a:prstGeom>
+          <a:ln w="9525">
+            <a:solidFill>
+              <a:schemeClr val="tx1"/>
+            </a:solidFill>
+            <a:prstDash val="lgDashDot"/>
+          </a:ln>
+        </p:spPr>
+        <p:style>
+          <a:lnRef idx="1">
+            <a:schemeClr val="accent1"/>
+          </a:lnRef>
+          <a:fillRef idx="0">
+            <a:schemeClr val="accent1"/>
+          </a:fillRef>
+          <a:effectRef idx="0">
+            <a:schemeClr val="accent1"/>
+          </a:effectRef>
+          <a:fontRef idx="minor">
+            <a:schemeClr val="tx1"/>
+          </a:fontRef>
+        </p:style>
+      </p:cxnSp>
+      <p:cxnSp>
+        <p:nvCxnSpPr>
+          <p:cNvPr id="56" name="Connecteur droit 55"/>
+          <p:cNvCxnSpPr>
+            <a:stCxn id="52" idx="1"/>
+          </p:cNvCxnSpPr>
+          <p:nvPr/>
+        </p:nvCxnSpPr>
+        <p:spPr>
+          <a:xfrm>
+            <a:off x="1063168" y="3328172"/>
+            <a:ext cx="113012" cy="112409"/>
+          </a:xfrm>
+          <a:prstGeom prst="line">
+            <a:avLst/>
+          </a:prstGeom>
+          <a:noFill/>
+          <a:ln>
+            <a:solidFill>
+              <a:schemeClr val="tx2"/>
+            </a:solidFill>
+            <a:tailEnd type="oval"/>
+          </a:ln>
+        </p:spPr>
+        <p:style>
+          <a:lnRef idx="2">
+            <a:schemeClr val="accent1">
+              <a:shade val="50000"/>
+            </a:schemeClr>
+          </a:lnRef>
+          <a:fillRef idx="1">
+            <a:schemeClr val="accent1"/>
+          </a:fillRef>
+          <a:effectRef idx="0">
+            <a:schemeClr val="accent1"/>
+          </a:effectRef>
+          <a:fontRef idx="minor">
+            <a:schemeClr val="lt1"/>
+          </a:fontRef>
+        </p:style>
+      </p:cxnSp>
+      <mc:AlternateContent xmlns:mc="http://schemas.openxmlformats.org/markup-compatibility/2006">
+        <mc:Choice xmlns:a14="http://schemas.microsoft.com/office/drawing/2010/main" Requires="a14">
+          <p:sp>
+            <p:nvSpPr>
+              <p:cNvPr id="59" name="ZoneTexte 58"/>
+              <p:cNvSpPr txBox="1"/>
+              <p:nvPr/>
+            </p:nvSpPr>
+            <p:spPr>
+              <a:xfrm>
+                <a:off x="865544" y="2060848"/>
+                <a:ext cx="338554" cy="369332"/>
+              </a:xfrm>
+              <a:prstGeom prst="rect">
+                <a:avLst/>
+              </a:prstGeom>
+              <a:noFill/>
+            </p:spPr>
+            <p:txBody>
+              <a:bodyPr wrap="none" rtlCol="0">
+                <a:spAutoFit/>
+              </a:bodyPr>
+              <a:lstStyle/>
+              <a:p>
+                <a14:m>
+                  <m:oMathPara xmlns:m="http://schemas.openxmlformats.org/officeDocument/2006/math">
+                    <m:oMathParaPr>
+                      <m:jc m:val="centerGroup"/>
+                    </m:oMathParaPr>
+                    <m:oMath xmlns:m="http://schemas.openxmlformats.org/officeDocument/2006/math">
+                      <m:r>
+                        <a:rPr lang="fr-FR" b="1" i="1" smtClean="0">
+                          <a:latin typeface="Cambria Math"/>
+                        </a:rPr>
+                        <m:t>𝑰</m:t>
+                      </m:r>
+                    </m:oMath>
+                  </m:oMathPara>
+                </a14:m>
+                <a:endParaRPr lang="fr-FR" b="1" dirty="0"/>
+              </a:p>
+            </p:txBody>
+          </p:sp>
+        </mc:Choice>
+        <mc:Fallback>
+          <p:sp>
+            <p:nvSpPr>
+              <p:cNvPr id="59" name="ZoneTexte 58"/>
+              <p:cNvSpPr txBox="1">
+                <a:spLocks noRot="1" noChangeAspect="1" noMove="1" noResize="1" noEditPoints="1" noAdjustHandles="1" noChangeArrowheads="1" noChangeShapeType="1" noTextEdit="1"/>
+              </p:cNvSpPr>
+              <p:nvPr/>
+            </p:nvSpPr>
+            <p:spPr>
+              <a:xfrm>
+                <a:off x="865544" y="2060848"/>
+                <a:ext cx="338554" cy="369332"/>
+              </a:xfrm>
+              <a:prstGeom prst="rect">
+                <a:avLst/>
+              </a:prstGeom>
+              <a:blipFill rotWithShape="1">
+                <a:blip r:embed="rId2"/>
+                <a:stretch>
+                  <a:fillRect/>
+                </a:stretch>
+              </a:blipFill>
+            </p:spPr>
+            <p:txBody>
+              <a:bodyPr/>
+              <a:lstStyle/>
+              <a:p>
+                <a:r>
+                  <a:rPr lang="fr-FR">
+                    <a:noFill/>
+                  </a:rPr>
+                  <a:t> </a:t>
+                </a:r>
+              </a:p>
+            </p:txBody>
+          </p:sp>
+        </mc:Fallback>
+      </mc:AlternateContent>
+      <p:grpSp>
+        <p:nvGrpSpPr>
+          <p:cNvPr id="143" name="Groupe 142"/>
+          <p:cNvGrpSpPr/>
+          <p:nvPr/>
+        </p:nvGrpSpPr>
+        <p:grpSpPr>
+          <a:xfrm>
+            <a:off x="358815" y="4941168"/>
+            <a:ext cx="1140138" cy="802081"/>
+            <a:chOff x="358815" y="4941168"/>
+            <a:chExt cx="1140138" cy="802081"/>
+          </a:xfrm>
+        </p:grpSpPr>
+        <mc:AlternateContent xmlns:mc="http://schemas.openxmlformats.org/markup-compatibility/2006">
+          <mc:Choice xmlns:a14="http://schemas.microsoft.com/office/drawing/2010/main" Requires="a14">
+            <p:sp>
+              <p:nvSpPr>
+                <p:cNvPr id="68" name="ZoneTexte 67"/>
+                <p:cNvSpPr txBox="1"/>
+                <p:nvPr/>
+              </p:nvSpPr>
+              <p:spPr>
+                <a:xfrm>
+                  <a:off x="1170145" y="5427833"/>
+                  <a:ext cx="328808" cy="307777"/>
+                </a:xfrm>
+                <a:prstGeom prst="rect">
+                  <a:avLst/>
+                </a:prstGeom>
+                <a:noFill/>
+              </p:spPr>
+              <p:txBody>
+                <a:bodyPr wrap="none" rtlCol="0">
+                  <a:spAutoFit/>
+                </a:bodyPr>
+                <a:lstStyle/>
+                <a:p>
+                  <a14:m>
+                    <m:oMathPara xmlns:m="http://schemas.openxmlformats.org/officeDocument/2006/math">
+                      <m:oMathParaPr>
+                        <m:jc m:val="centerGroup"/>
+                      </m:oMathParaPr>
+                      <m:oMath xmlns:m="http://schemas.openxmlformats.org/officeDocument/2006/math">
+                        <m:acc>
+                          <m:accPr>
+                            <m:chr m:val="⃗"/>
+                            <m:ctrlPr>
+                              <a:rPr lang="fr-FR" sz="1400" b="0" i="1" smtClean="0">
+                                <a:latin typeface="Cambria Math"/>
+                              </a:rPr>
+                            </m:ctrlPr>
+                          </m:accPr>
+                          <m:e>
+                            <m:r>
+                              <a:rPr lang="fr-FR" sz="1400" b="0" i="1" smtClean="0">
+                                <a:latin typeface="Cambria Math"/>
+                              </a:rPr>
+                              <m:t>𝑦</m:t>
+                            </m:r>
+                          </m:e>
+                        </m:acc>
+                      </m:oMath>
+                    </m:oMathPara>
+                  </a14:m>
+                  <a:endParaRPr lang="fr-FR" sz="1400" dirty="0"/>
+                </a:p>
+              </p:txBody>
+            </p:sp>
+          </mc:Choice>
+          <mc:Fallback>
+            <p:sp>
+              <p:nvSpPr>
+                <p:cNvPr id="68" name="ZoneTexte 67"/>
+                <p:cNvSpPr txBox="1">
+                  <a:spLocks noRot="1" noChangeAspect="1" noMove="1" noResize="1" noEditPoints="1" noAdjustHandles="1" noChangeArrowheads="1" noChangeShapeType="1" noTextEdit="1"/>
+                </p:cNvSpPr>
+                <p:nvPr/>
+              </p:nvSpPr>
+              <p:spPr>
+                <a:xfrm>
+                  <a:off x="1170145" y="5427833"/>
+                  <a:ext cx="328808" cy="307777"/>
+                </a:xfrm>
+                <a:prstGeom prst="rect">
+                  <a:avLst/>
+                </a:prstGeom>
+                <a:blipFill rotWithShape="1">
+                  <a:blip r:embed="rId3"/>
+                  <a:stretch>
+                    <a:fillRect t="-11765" r="-12963"/>
+                  </a:stretch>
+                </a:blipFill>
+              </p:spPr>
+              <p:txBody>
+                <a:bodyPr/>
+                <a:lstStyle/>
+                <a:p>
+                  <a:r>
+                    <a:rPr lang="fr-FR">
+                      <a:noFill/>
+                    </a:rPr>
+                    <a:t> </a:t>
+                  </a:r>
+                </a:p>
+              </p:txBody>
+            </p:sp>
+          </mc:Fallback>
+        </mc:AlternateContent>
+        <p:cxnSp>
+          <p:nvCxnSpPr>
+            <p:cNvPr id="61" name="Connecteur droit avec flèche 60"/>
+            <p:cNvCxnSpPr/>
+            <p:nvPr/>
+          </p:nvCxnSpPr>
+          <p:spPr>
+            <a:xfrm flipV="1">
+              <a:off x="1176180" y="5013176"/>
+              <a:ext cx="0" cy="568546"/>
+            </a:xfrm>
+            <a:prstGeom prst="straightConnector1">
+              <a:avLst/>
+            </a:prstGeom>
+            <a:ln w="19050">
+              <a:solidFill>
+                <a:schemeClr val="tx1"/>
+              </a:solidFill>
+              <a:tailEnd type="stealth" w="med" len="lg"/>
+            </a:ln>
+          </p:spPr>
+          <p:style>
+            <a:lnRef idx="1">
+              <a:schemeClr val="accent1"/>
+            </a:lnRef>
+            <a:fillRef idx="0">
+              <a:schemeClr val="accent1"/>
+            </a:fillRef>
+            <a:effectRef idx="0">
+              <a:schemeClr val="accent1"/>
+            </a:effectRef>
+            <a:fontRef idx="minor">
+              <a:schemeClr val="tx1"/>
+            </a:fontRef>
+          </p:style>
+        </p:cxnSp>
+        <p:cxnSp>
+          <p:nvCxnSpPr>
+            <p:cNvPr id="63" name="Connecteur droit avec flèche 62"/>
+            <p:cNvCxnSpPr/>
+            <p:nvPr/>
+          </p:nvCxnSpPr>
+          <p:spPr>
+            <a:xfrm rot="16200000" flipV="1">
+              <a:off x="891304" y="5297449"/>
+              <a:ext cx="0" cy="568546"/>
+            </a:xfrm>
+            <a:prstGeom prst="straightConnector1">
+              <a:avLst/>
+            </a:prstGeom>
+            <a:ln w="19050">
+              <a:solidFill>
+                <a:schemeClr val="tx1"/>
+              </a:solidFill>
+              <a:tailEnd type="stealth" w="med" len="lg"/>
+            </a:ln>
+          </p:spPr>
+          <p:style>
+            <a:lnRef idx="1">
+              <a:schemeClr val="accent1"/>
+            </a:lnRef>
+            <a:fillRef idx="0">
+              <a:schemeClr val="accent1"/>
+            </a:fillRef>
+            <a:effectRef idx="0">
+              <a:schemeClr val="accent1"/>
+            </a:effectRef>
+            <a:fontRef idx="minor">
+              <a:schemeClr val="tx1"/>
+            </a:fontRef>
+          </p:style>
+        </p:cxnSp>
+        <p:sp>
+          <p:nvSpPr>
+            <p:cNvPr id="64" name="Ellipse 63"/>
+            <p:cNvSpPr>
+              <a:spLocks noChangeAspect="1"/>
+            </p:cNvSpPr>
+            <p:nvPr/>
+          </p:nvSpPr>
+          <p:spPr>
+            <a:xfrm>
+              <a:off x="1109051" y="5517232"/>
+              <a:ext cx="128980" cy="128980"/>
+            </a:xfrm>
+            <a:prstGeom prst="ellipse">
+              <a:avLst/>
+            </a:prstGeom>
+            <a:solidFill>
+              <a:schemeClr val="bg1"/>
+            </a:solidFill>
+            <a:ln w="19050">
+              <a:solidFill>
+                <a:schemeClr val="tx1"/>
+              </a:solidFill>
+              <a:tailEnd type="stealth" w="med" len="lg"/>
+            </a:ln>
+          </p:spPr>
+          <p:style>
+            <a:lnRef idx="1">
+              <a:schemeClr val="accent1"/>
+            </a:lnRef>
+            <a:fillRef idx="0">
+              <a:schemeClr val="accent1"/>
+            </a:fillRef>
+            <a:effectRef idx="0">
+              <a:schemeClr val="accent1"/>
+            </a:effectRef>
+            <a:fontRef idx="minor">
+              <a:schemeClr val="tx1"/>
+            </a:fontRef>
+          </p:style>
+          <p:txBody>
+            <a:bodyPr rtlCol="0" anchor="ctr"/>
+            <a:lstStyle/>
+            <a:p>
+              <a:pPr algn="ctr"/>
+              <a:endParaRPr lang="fr-FR" dirty="0"/>
+            </a:p>
+          </p:txBody>
+        </p:sp>
+        <mc:AlternateContent xmlns:mc="http://schemas.openxmlformats.org/markup-compatibility/2006">
+          <mc:Choice xmlns:a14="http://schemas.microsoft.com/office/drawing/2010/main" Requires="a14">
+            <p:sp>
+              <p:nvSpPr>
+                <p:cNvPr id="66" name="ZoneTexte 65"/>
+                <p:cNvSpPr txBox="1"/>
+                <p:nvPr/>
+              </p:nvSpPr>
+              <p:spPr>
+                <a:xfrm>
+                  <a:off x="1153911" y="4941168"/>
+                  <a:ext cx="326371" cy="307777"/>
+                </a:xfrm>
+                <a:prstGeom prst="rect">
+                  <a:avLst/>
+                </a:prstGeom>
+                <a:noFill/>
+              </p:spPr>
+              <p:txBody>
+                <a:bodyPr wrap="none" rtlCol="0">
+                  <a:spAutoFit/>
+                </a:bodyPr>
+                <a:lstStyle/>
+                <a:p>
+                  <a14:m>
+                    <m:oMathPara xmlns:m="http://schemas.openxmlformats.org/officeDocument/2006/math">
+                      <m:oMathParaPr>
+                        <m:jc m:val="centerGroup"/>
+                      </m:oMathParaPr>
+                      <m:oMath xmlns:m="http://schemas.openxmlformats.org/officeDocument/2006/math">
+                        <m:acc>
+                          <m:accPr>
+                            <m:chr m:val="⃗"/>
+                            <m:ctrlPr>
+                              <a:rPr lang="fr-FR" sz="1400" b="0" i="1" smtClean="0">
+                                <a:latin typeface="Cambria Math"/>
+                              </a:rPr>
+                            </m:ctrlPr>
+                          </m:accPr>
+                          <m:e>
+                            <m:r>
+                              <a:rPr lang="fr-FR" sz="1400" b="0" i="1" smtClean="0">
+                                <a:latin typeface="Cambria Math"/>
+                              </a:rPr>
+                              <m:t>𝑥</m:t>
+                            </m:r>
+                          </m:e>
+                        </m:acc>
+                      </m:oMath>
+                    </m:oMathPara>
+                  </a14:m>
+                  <a:endParaRPr lang="fr-FR" sz="1400" dirty="0"/>
+                </a:p>
+              </p:txBody>
+            </p:sp>
+          </mc:Choice>
+          <mc:Fallback>
+            <p:sp>
+              <p:nvSpPr>
+                <p:cNvPr id="66" name="ZoneTexte 65"/>
+                <p:cNvSpPr txBox="1">
+                  <a:spLocks noRot="1" noChangeAspect="1" noMove="1" noResize="1" noEditPoints="1" noAdjustHandles="1" noChangeArrowheads="1" noChangeShapeType="1" noTextEdit="1"/>
+                </p:cNvSpPr>
+                <p:nvPr/>
+              </p:nvSpPr>
+              <p:spPr>
+                <a:xfrm>
+                  <a:off x="1153911" y="4941168"/>
+                  <a:ext cx="326371" cy="307777"/>
+                </a:xfrm>
+                <a:prstGeom prst="rect">
+                  <a:avLst/>
+                </a:prstGeom>
+                <a:blipFill rotWithShape="1">
+                  <a:blip r:embed="rId4"/>
+                  <a:stretch>
+                    <a:fillRect t="-12000" r="-11111"/>
+                  </a:stretch>
+                </a:blipFill>
+              </p:spPr>
+              <p:txBody>
+                <a:bodyPr/>
+                <a:lstStyle/>
+                <a:p>
+                  <a:r>
+                    <a:rPr lang="fr-FR">
+                      <a:noFill/>
+                    </a:rPr>
+                    <a:t> </a:t>
+                  </a:r>
+                </a:p>
+              </p:txBody>
+            </p:sp>
+          </mc:Fallback>
+        </mc:AlternateContent>
+        <mc:AlternateContent xmlns:mc="http://schemas.openxmlformats.org/markup-compatibility/2006">
+          <mc:Choice xmlns:a14="http://schemas.microsoft.com/office/drawing/2010/main" Requires="a14">
+            <p:sp>
+              <p:nvSpPr>
+                <p:cNvPr id="67" name="ZoneTexte 66"/>
+                <p:cNvSpPr txBox="1"/>
+                <p:nvPr/>
+              </p:nvSpPr>
+              <p:spPr>
+                <a:xfrm>
+                  <a:off x="358815" y="5435472"/>
+                  <a:ext cx="314381" cy="307777"/>
+                </a:xfrm>
+                <a:prstGeom prst="rect">
+                  <a:avLst/>
+                </a:prstGeom>
+                <a:noFill/>
+              </p:spPr>
+              <p:txBody>
+                <a:bodyPr wrap="none" rtlCol="0">
+                  <a:spAutoFit/>
+                </a:bodyPr>
+                <a:lstStyle/>
+                <a:p>
+                  <a14:m>
+                    <m:oMathPara xmlns:m="http://schemas.openxmlformats.org/officeDocument/2006/math">
+                      <m:oMathParaPr>
+                        <m:jc m:val="centerGroup"/>
+                      </m:oMathParaPr>
+                      <m:oMath xmlns:m="http://schemas.openxmlformats.org/officeDocument/2006/math">
+                        <m:acc>
+                          <m:accPr>
+                            <m:chr m:val="⃗"/>
+                            <m:ctrlPr>
+                              <a:rPr lang="fr-FR" sz="1400" b="0" i="1" smtClean="0">
+                                <a:latin typeface="Cambria Math"/>
+                              </a:rPr>
+                            </m:ctrlPr>
+                          </m:accPr>
+                          <m:e>
+                            <m:r>
+                              <a:rPr lang="fr-FR" sz="1400" b="0" i="1" smtClean="0">
+                                <a:latin typeface="Cambria Math"/>
+                              </a:rPr>
+                              <m:t>𝑧</m:t>
+                            </m:r>
+                          </m:e>
+                        </m:acc>
+                      </m:oMath>
+                    </m:oMathPara>
+                  </a14:m>
+                  <a:endParaRPr lang="fr-FR" sz="1400" dirty="0"/>
+                </a:p>
+              </p:txBody>
+            </p:sp>
+          </mc:Choice>
+          <mc:Fallback>
+            <p:sp>
+              <p:nvSpPr>
+                <p:cNvPr id="67" name="ZoneTexte 66"/>
+                <p:cNvSpPr txBox="1">
+                  <a:spLocks noRot="1" noChangeAspect="1" noMove="1" noResize="1" noEditPoints="1" noAdjustHandles="1" noChangeArrowheads="1" noChangeShapeType="1" noTextEdit="1"/>
+                </p:cNvSpPr>
+                <p:nvPr/>
+              </p:nvSpPr>
+              <p:spPr>
+                <a:xfrm>
+                  <a:off x="358815" y="5435472"/>
+                  <a:ext cx="314381" cy="307777"/>
+                </a:xfrm>
+                <a:prstGeom prst="rect">
+                  <a:avLst/>
+                </a:prstGeom>
+                <a:blipFill rotWithShape="1">
+                  <a:blip r:embed="rId5"/>
+                  <a:stretch>
+                    <a:fillRect t="-12000" r="-11765"/>
+                  </a:stretch>
+                </a:blipFill>
+              </p:spPr>
+              <p:txBody>
+                <a:bodyPr/>
+                <a:lstStyle/>
+                <a:p>
+                  <a:r>
+                    <a:rPr lang="fr-FR">
+                      <a:noFill/>
+                    </a:rPr>
+                    <a:t> </a:t>
+                  </a:r>
+                </a:p>
+              </p:txBody>
+            </p:sp>
+          </mc:Fallback>
+        </mc:AlternateContent>
+        <p:cxnSp>
+          <p:nvCxnSpPr>
+            <p:cNvPr id="152" name="Connecteur droit avec flèche 151"/>
+            <p:cNvCxnSpPr>
+              <a:stCxn id="64" idx="5"/>
+              <a:endCxn id="64" idx="1"/>
+            </p:cNvCxnSpPr>
+            <p:nvPr/>
+          </p:nvCxnSpPr>
+          <p:spPr>
+            <a:xfrm flipH="1" flipV="1">
+              <a:off x="1127940" y="5536121"/>
+              <a:ext cx="91202" cy="91202"/>
+            </a:xfrm>
+            <a:prstGeom prst="straightConnector1">
+              <a:avLst/>
+            </a:prstGeom>
+            <a:ln w="19050">
+              <a:solidFill>
+                <a:schemeClr val="tx1"/>
+              </a:solidFill>
+              <a:headEnd type="none" w="med" len="med"/>
+              <a:tailEnd type="none" w="med" len="med"/>
+            </a:ln>
+          </p:spPr>
+          <p:style>
+            <a:lnRef idx="1">
+              <a:schemeClr val="accent1"/>
+            </a:lnRef>
+            <a:fillRef idx="0">
+              <a:schemeClr val="accent1"/>
+            </a:fillRef>
+            <a:effectRef idx="0">
+              <a:schemeClr val="accent1"/>
+            </a:effectRef>
+            <a:fontRef idx="minor">
+              <a:schemeClr val="tx1"/>
+            </a:fontRef>
+          </p:style>
+        </p:cxnSp>
+        <p:cxnSp>
+          <p:nvCxnSpPr>
+            <p:cNvPr id="155" name="Connecteur droit avec flèche 154"/>
+            <p:cNvCxnSpPr>
+              <a:stCxn id="64" idx="7"/>
+              <a:endCxn id="64" idx="3"/>
+            </p:cNvCxnSpPr>
+            <p:nvPr/>
+          </p:nvCxnSpPr>
+          <p:spPr>
+            <a:xfrm flipH="1">
+              <a:off x="1127940" y="5536121"/>
+              <a:ext cx="91202" cy="91202"/>
+            </a:xfrm>
+            <a:prstGeom prst="straightConnector1">
+              <a:avLst/>
+            </a:prstGeom>
+            <a:ln w="19050">
+              <a:solidFill>
+                <a:schemeClr val="tx1"/>
+              </a:solidFill>
+              <a:headEnd type="none" w="med" len="med"/>
+              <a:tailEnd type="none" w="med" len="med"/>
+            </a:ln>
+          </p:spPr>
+          <p:style>
+            <a:lnRef idx="1">
+              <a:schemeClr val="accent1"/>
+            </a:lnRef>
+            <a:fillRef idx="0">
+              <a:schemeClr val="accent1"/>
+            </a:fillRef>
+            <a:effectRef idx="0">
+              <a:schemeClr val="accent1"/>
+            </a:effectRef>
+            <a:fontRef idx="minor">
+              <a:schemeClr val="tx1"/>
+            </a:fontRef>
+          </p:style>
+        </p:cxnSp>
+      </p:grpSp>
+      <mc:AlternateContent xmlns:mc="http://schemas.openxmlformats.org/markup-compatibility/2006">
+        <mc:Choice xmlns:a14="http://schemas.microsoft.com/office/drawing/2010/main" Requires="a14">
+          <p:sp>
+            <p:nvSpPr>
+              <p:cNvPr id="71" name="ZoneTexte 70"/>
+              <p:cNvSpPr txBox="1"/>
+              <p:nvPr/>
+            </p:nvSpPr>
+            <p:spPr>
+              <a:xfrm>
+                <a:off x="1238031" y="4419719"/>
+                <a:ext cx="340285" cy="307777"/>
+              </a:xfrm>
+              <a:prstGeom prst="rect">
+                <a:avLst/>
+              </a:prstGeom>
+              <a:noFill/>
+            </p:spPr>
+            <p:txBody>
+              <a:bodyPr wrap="none" rtlCol="0">
+                <a:spAutoFit/>
+              </a:bodyPr>
+              <a:lstStyle/>
+              <a:p>
+                <a14:m>
+                  <m:oMathPara xmlns:m="http://schemas.openxmlformats.org/officeDocument/2006/math">
+                    <m:oMathParaPr>
+                      <m:jc m:val="centerGroup"/>
+                    </m:oMathParaPr>
+                    <m:oMath xmlns:m="http://schemas.openxmlformats.org/officeDocument/2006/math">
+                      <m:r>
+                        <a:rPr lang="fr-FR" sz="1400" b="0" i="1" smtClean="0">
+                          <a:latin typeface="Cambria Math"/>
+                        </a:rPr>
+                        <m:t>𝐴</m:t>
+                      </m:r>
+                    </m:oMath>
+                  </m:oMathPara>
+                </a14:m>
+                <a:endParaRPr lang="fr-FR" sz="1400" dirty="0"/>
+              </a:p>
+            </p:txBody>
+          </p:sp>
+        </mc:Choice>
+        <mc:Fallback>
+          <p:sp>
+            <p:nvSpPr>
+              <p:cNvPr id="71" name="ZoneTexte 70"/>
+              <p:cNvSpPr txBox="1">
+                <a:spLocks noRot="1" noChangeAspect="1" noMove="1" noResize="1" noEditPoints="1" noAdjustHandles="1" noChangeArrowheads="1" noChangeShapeType="1" noTextEdit="1"/>
+              </p:cNvSpPr>
+              <p:nvPr/>
+            </p:nvSpPr>
+            <p:spPr>
+              <a:xfrm>
+                <a:off x="1238031" y="4419719"/>
+                <a:ext cx="340285" cy="307777"/>
+              </a:xfrm>
+              <a:prstGeom prst="rect">
+                <a:avLst/>
+              </a:prstGeom>
+              <a:blipFill rotWithShape="1">
+                <a:blip r:embed="rId6"/>
+                <a:stretch>
+                  <a:fillRect/>
+                </a:stretch>
+              </a:blipFill>
+            </p:spPr>
+            <p:txBody>
+              <a:bodyPr/>
+              <a:lstStyle/>
+              <a:p>
+                <a:r>
+                  <a:rPr lang="fr-FR">
+                    <a:noFill/>
+                  </a:rPr>
+                  <a:t> </a:t>
+                </a:r>
+              </a:p>
+            </p:txBody>
+          </p:sp>
+        </mc:Fallback>
+      </mc:AlternateContent>
+      <mc:AlternateContent xmlns:mc="http://schemas.openxmlformats.org/markup-compatibility/2006">
+        <mc:Choice xmlns:a14="http://schemas.microsoft.com/office/drawing/2010/main" Requires="a14">
+          <p:sp>
+            <p:nvSpPr>
+              <p:cNvPr id="72" name="ZoneTexte 71"/>
+              <p:cNvSpPr txBox="1"/>
+              <p:nvPr/>
+            </p:nvSpPr>
+            <p:spPr>
+              <a:xfrm>
+                <a:off x="752452" y="3613301"/>
+                <a:ext cx="348172" cy="307777"/>
+              </a:xfrm>
+              <a:prstGeom prst="rect">
+                <a:avLst/>
+              </a:prstGeom>
+              <a:noFill/>
+            </p:spPr>
+            <p:txBody>
+              <a:bodyPr wrap="none" rtlCol="0">
+                <a:spAutoFit/>
+              </a:bodyPr>
+              <a:lstStyle/>
+              <a:p>
+                <a14:m>
+                  <m:oMathPara xmlns:m="http://schemas.openxmlformats.org/officeDocument/2006/math">
+                    <m:oMathParaPr>
+                      <m:jc m:val="centerGroup"/>
+                    </m:oMathParaPr>
+                    <m:oMath xmlns:m="http://schemas.openxmlformats.org/officeDocument/2006/math">
+                      <m:r>
+                        <a:rPr lang="fr-FR" sz="1400" b="0" i="1" smtClean="0">
+                          <a:latin typeface="Cambria Math"/>
+                        </a:rPr>
+                        <m:t>𝐵</m:t>
+                      </m:r>
+                    </m:oMath>
+                  </m:oMathPara>
+                </a14:m>
+                <a:endParaRPr lang="fr-FR" sz="1400" dirty="0"/>
+              </a:p>
+            </p:txBody>
+          </p:sp>
+        </mc:Choice>
+        <mc:Fallback>
+          <p:sp>
+            <p:nvSpPr>
+              <p:cNvPr id="72" name="ZoneTexte 71"/>
+              <p:cNvSpPr txBox="1">
+                <a:spLocks noRot="1" noChangeAspect="1" noMove="1" noResize="1" noEditPoints="1" noAdjustHandles="1" noChangeArrowheads="1" noChangeShapeType="1" noTextEdit="1"/>
+              </p:cNvSpPr>
+              <p:nvPr/>
+            </p:nvSpPr>
+            <p:spPr>
+              <a:xfrm>
+                <a:off x="752452" y="3613301"/>
+                <a:ext cx="348172" cy="307777"/>
+              </a:xfrm>
+              <a:prstGeom prst="rect">
+                <a:avLst/>
+              </a:prstGeom>
+              <a:blipFill rotWithShape="1">
+                <a:blip r:embed="rId7"/>
+                <a:stretch>
+                  <a:fillRect/>
+                </a:stretch>
+              </a:blipFill>
+            </p:spPr>
+            <p:txBody>
+              <a:bodyPr/>
+              <a:lstStyle/>
+              <a:p>
+                <a:r>
+                  <a:rPr lang="fr-FR">
+                    <a:noFill/>
+                  </a:rPr>
+                  <a:t> </a:t>
+                </a:r>
+              </a:p>
+            </p:txBody>
+          </p:sp>
+        </mc:Fallback>
+      </mc:AlternateContent>
+      <mc:AlternateContent xmlns:mc="http://schemas.openxmlformats.org/markup-compatibility/2006">
+        <mc:Choice xmlns:a14="http://schemas.microsoft.com/office/drawing/2010/main" Requires="a14">
+          <p:sp>
+            <p:nvSpPr>
+              <p:cNvPr id="73" name="ZoneTexte 72"/>
+              <p:cNvSpPr txBox="1"/>
+              <p:nvPr/>
+            </p:nvSpPr>
+            <p:spPr>
+              <a:xfrm>
+                <a:off x="669129" y="2709320"/>
+                <a:ext cx="340028" cy="307777"/>
+              </a:xfrm>
+              <a:prstGeom prst="rect">
+                <a:avLst/>
+              </a:prstGeom>
+              <a:noFill/>
+            </p:spPr>
+            <p:txBody>
+              <a:bodyPr wrap="none" rtlCol="0">
+                <a:spAutoFit/>
+              </a:bodyPr>
+              <a:lstStyle/>
+              <a:p>
+                <a14:m>
+                  <m:oMathPara xmlns:m="http://schemas.openxmlformats.org/officeDocument/2006/math">
+                    <m:oMathParaPr>
+                      <m:jc m:val="centerGroup"/>
+                    </m:oMathParaPr>
+                    <m:oMath xmlns:m="http://schemas.openxmlformats.org/officeDocument/2006/math">
+                      <m:r>
+                        <a:rPr lang="fr-FR" sz="1400" b="0" i="1" smtClean="0">
+                          <a:latin typeface="Cambria Math"/>
+                        </a:rPr>
+                        <m:t>𝐶</m:t>
+                      </m:r>
+                    </m:oMath>
+                  </m:oMathPara>
+                </a14:m>
+                <a:endParaRPr lang="fr-FR" sz="1400" dirty="0"/>
+              </a:p>
+            </p:txBody>
+          </p:sp>
+        </mc:Choice>
+        <mc:Fallback>
+          <p:sp>
+            <p:nvSpPr>
+              <p:cNvPr id="73" name="ZoneTexte 72"/>
+              <p:cNvSpPr txBox="1">
+                <a:spLocks noRot="1" noChangeAspect="1" noMove="1" noResize="1" noEditPoints="1" noAdjustHandles="1" noChangeArrowheads="1" noChangeShapeType="1" noTextEdit="1"/>
+              </p:cNvSpPr>
+              <p:nvPr/>
+            </p:nvSpPr>
+            <p:spPr>
+              <a:xfrm>
+                <a:off x="669129" y="2709320"/>
+                <a:ext cx="340028" cy="307777"/>
+              </a:xfrm>
+              <a:prstGeom prst="rect">
+                <a:avLst/>
+              </a:prstGeom>
+              <a:blipFill rotWithShape="1">
+                <a:blip r:embed="rId8"/>
+                <a:stretch>
+                  <a:fillRect/>
+                </a:stretch>
+              </a:blipFill>
+            </p:spPr>
+            <p:txBody>
+              <a:bodyPr/>
+              <a:lstStyle/>
+              <a:p>
+                <a:r>
+                  <a:rPr lang="fr-FR">
+                    <a:noFill/>
+                  </a:rPr>
+                  <a:t> </a:t>
+                </a:r>
+              </a:p>
+            </p:txBody>
+          </p:sp>
+        </mc:Fallback>
+      </mc:AlternateContent>
+      <mc:AlternateContent xmlns:mc="http://schemas.openxmlformats.org/markup-compatibility/2006">
+        <mc:Choice xmlns:a14="http://schemas.microsoft.com/office/drawing/2010/main" Requires="a14">
+          <p:sp>
+            <p:nvSpPr>
+              <p:cNvPr id="74" name="ZoneTexte 73"/>
+              <p:cNvSpPr txBox="1"/>
+              <p:nvPr/>
+            </p:nvSpPr>
+            <p:spPr>
+              <a:xfrm>
+                <a:off x="754017" y="3071467"/>
+                <a:ext cx="355034" cy="307777"/>
+              </a:xfrm>
+              <a:prstGeom prst="rect">
+                <a:avLst/>
+              </a:prstGeom>
+              <a:noFill/>
+            </p:spPr>
+            <p:txBody>
+              <a:bodyPr wrap="none" rtlCol="0">
+                <a:spAutoFit/>
+              </a:bodyPr>
+              <a:lstStyle/>
+              <a:p>
+                <a14:m>
+                  <m:oMathPara xmlns:m="http://schemas.openxmlformats.org/officeDocument/2006/math">
+                    <m:oMathParaPr>
+                      <m:jc m:val="centerGroup"/>
+                    </m:oMathParaPr>
+                    <m:oMath xmlns:m="http://schemas.openxmlformats.org/officeDocument/2006/math">
+                      <m:r>
+                        <a:rPr lang="fr-FR" sz="1400" b="0" i="1" smtClean="0">
+                          <a:latin typeface="Cambria Math"/>
+                        </a:rPr>
+                        <m:t>𝐷</m:t>
+                      </m:r>
+                    </m:oMath>
+                  </m:oMathPara>
+                </a14:m>
+                <a:endParaRPr lang="fr-FR" sz="1400" dirty="0"/>
+              </a:p>
+            </p:txBody>
+          </p:sp>
+        </mc:Choice>
+        <mc:Fallback>
+          <p:sp>
+            <p:nvSpPr>
+              <p:cNvPr id="74" name="ZoneTexte 73"/>
+              <p:cNvSpPr txBox="1">
+                <a:spLocks noRot="1" noChangeAspect="1" noMove="1" noResize="1" noEditPoints="1" noAdjustHandles="1" noChangeArrowheads="1" noChangeShapeType="1" noTextEdit="1"/>
+              </p:cNvSpPr>
+              <p:nvPr/>
+            </p:nvSpPr>
+            <p:spPr>
+              <a:xfrm>
+                <a:off x="754017" y="3071467"/>
+                <a:ext cx="355034" cy="307777"/>
+              </a:xfrm>
+              <a:prstGeom prst="rect">
+                <a:avLst/>
+              </a:prstGeom>
+              <a:blipFill rotWithShape="1">
+                <a:blip r:embed="rId9"/>
+                <a:stretch>
+                  <a:fillRect/>
+                </a:stretch>
+              </a:blipFill>
+            </p:spPr>
+            <p:txBody>
+              <a:bodyPr/>
+              <a:lstStyle/>
+              <a:p>
+                <a:r>
+                  <a:rPr lang="fr-FR">
+                    <a:noFill/>
+                  </a:rPr>
+                  <a:t> </a:t>
+                </a:r>
+              </a:p>
+            </p:txBody>
+          </p:sp>
+        </mc:Fallback>
+      </mc:AlternateContent>
+      <mc:AlternateContent xmlns:mc="http://schemas.openxmlformats.org/markup-compatibility/2006">
+        <mc:Choice xmlns:a14="http://schemas.microsoft.com/office/drawing/2010/main" Requires="a14">
+          <p:sp>
+            <p:nvSpPr>
+              <p:cNvPr id="75" name="ZoneTexte 74"/>
+              <p:cNvSpPr txBox="1"/>
+              <p:nvPr/>
+            </p:nvSpPr>
+            <p:spPr>
+              <a:xfrm>
+                <a:off x="1265577" y="3196692"/>
+                <a:ext cx="343940" cy="307777"/>
+              </a:xfrm>
+              <a:prstGeom prst="rect">
+                <a:avLst/>
+              </a:prstGeom>
+              <a:noFill/>
+            </p:spPr>
+            <p:txBody>
+              <a:bodyPr wrap="none" rtlCol="0">
+                <a:spAutoFit/>
+              </a:bodyPr>
+              <a:lstStyle/>
+              <a:p>
+                <a14:m>
+                  <m:oMathPara xmlns:m="http://schemas.openxmlformats.org/officeDocument/2006/math">
+                    <m:oMathParaPr>
+                      <m:jc m:val="centerGroup"/>
+                    </m:oMathParaPr>
+                    <m:oMath xmlns:m="http://schemas.openxmlformats.org/officeDocument/2006/math">
+                      <m:r>
+                        <a:rPr lang="fr-FR" sz="1400" b="0" i="1" smtClean="0">
+                          <a:latin typeface="Cambria Math"/>
+                        </a:rPr>
+                        <m:t>𝐸</m:t>
+                      </m:r>
+                    </m:oMath>
+                  </m:oMathPara>
+                </a14:m>
+                <a:endParaRPr lang="fr-FR" sz="1400" dirty="0"/>
+              </a:p>
+            </p:txBody>
+          </p:sp>
+        </mc:Choice>
+        <mc:Fallback>
+          <p:sp>
+            <p:nvSpPr>
+              <p:cNvPr id="75" name="ZoneTexte 74"/>
+              <p:cNvSpPr txBox="1">
+                <a:spLocks noRot="1" noChangeAspect="1" noMove="1" noResize="1" noEditPoints="1" noAdjustHandles="1" noChangeArrowheads="1" noChangeShapeType="1" noTextEdit="1"/>
+              </p:cNvSpPr>
+              <p:nvPr/>
+            </p:nvSpPr>
+            <p:spPr>
+              <a:xfrm>
+                <a:off x="1265577" y="3196692"/>
+                <a:ext cx="343940" cy="307777"/>
+              </a:xfrm>
+              <a:prstGeom prst="rect">
+                <a:avLst/>
+              </a:prstGeom>
+              <a:blipFill rotWithShape="1">
+                <a:blip r:embed="rId10"/>
+                <a:stretch>
+                  <a:fillRect/>
+                </a:stretch>
+              </a:blipFill>
+            </p:spPr>
+            <p:txBody>
+              <a:bodyPr/>
+              <a:lstStyle/>
+              <a:p>
+                <a:r>
+                  <a:rPr lang="fr-FR">
+                    <a:noFill/>
+                  </a:rPr>
+                  <a:t> </a:t>
+                </a:r>
+              </a:p>
+            </p:txBody>
+          </p:sp>
+        </mc:Fallback>
+      </mc:AlternateContent>
+      <p:cxnSp>
+        <p:nvCxnSpPr>
+          <p:cNvPr id="76" name="Connecteur droit 75"/>
+          <p:cNvCxnSpPr/>
+          <p:nvPr/>
+        </p:nvCxnSpPr>
+        <p:spPr>
+          <a:xfrm rot="5400000">
+            <a:off x="3467340" y="3875202"/>
+            <a:ext cx="216024" cy="0"/>
+          </a:xfrm>
+          <a:prstGeom prst="line">
+            <a:avLst/>
+          </a:prstGeom>
+          <a:ln w="28575">
+            <a:solidFill>
+              <a:schemeClr val="accent6">
+                <a:lumMod val="75000"/>
+              </a:schemeClr>
+            </a:solidFill>
+          </a:ln>
+        </p:spPr>
+        <p:style>
+          <a:lnRef idx="1">
+            <a:schemeClr val="accent1"/>
+          </a:lnRef>
+          <a:fillRef idx="0">
+            <a:schemeClr val="accent1"/>
+          </a:fillRef>
+          <a:effectRef idx="0">
+            <a:schemeClr val="accent1"/>
+          </a:effectRef>
+          <a:fontRef idx="minor">
+            <a:schemeClr val="tx1"/>
+          </a:fontRef>
+        </p:style>
+      </p:cxnSp>
+      <p:cxnSp>
+        <p:nvCxnSpPr>
+          <p:cNvPr id="77" name="Connecteur droit 76"/>
+          <p:cNvCxnSpPr/>
+          <p:nvPr/>
+        </p:nvCxnSpPr>
+        <p:spPr>
+          <a:xfrm>
+            <a:off x="2831180" y="3861048"/>
+            <a:ext cx="744172" cy="0"/>
+          </a:xfrm>
+          <a:prstGeom prst="line">
+            <a:avLst/>
+          </a:prstGeom>
+          <a:ln w="28575">
+            <a:solidFill>
+              <a:schemeClr val="accent6">
+                <a:lumMod val="75000"/>
+              </a:schemeClr>
+            </a:solidFill>
+          </a:ln>
+        </p:spPr>
+        <p:style>
+          <a:lnRef idx="1">
+            <a:schemeClr val="accent1"/>
+          </a:lnRef>
+          <a:fillRef idx="0">
+            <a:schemeClr val="accent1"/>
+          </a:fillRef>
+          <a:effectRef idx="0">
+            <a:schemeClr val="accent1"/>
+          </a:effectRef>
+          <a:fontRef idx="minor">
+            <a:schemeClr val="tx1"/>
+          </a:fontRef>
+        </p:style>
+      </p:cxnSp>
+      <p:cxnSp>
+        <p:nvCxnSpPr>
+          <p:cNvPr id="78" name="Connecteur droit 77"/>
+          <p:cNvCxnSpPr/>
+          <p:nvPr/>
+        </p:nvCxnSpPr>
+        <p:spPr>
+          <a:xfrm rot="5400000">
+            <a:off x="2723168" y="3865766"/>
+            <a:ext cx="216024" cy="0"/>
+          </a:xfrm>
+          <a:prstGeom prst="line">
+            <a:avLst/>
+          </a:prstGeom>
+          <a:ln w="28575">
+            <a:solidFill>
+              <a:schemeClr val="accent6">
+                <a:lumMod val="75000"/>
+              </a:schemeClr>
+            </a:solidFill>
+          </a:ln>
+        </p:spPr>
+        <p:style>
+          <a:lnRef idx="1">
+            <a:schemeClr val="accent1"/>
+          </a:lnRef>
+          <a:fillRef idx="0">
+            <a:schemeClr val="accent1"/>
+          </a:fillRef>
+          <a:effectRef idx="0">
+            <a:schemeClr val="accent1"/>
+          </a:effectRef>
+          <a:fontRef idx="minor">
+            <a:schemeClr val="tx1"/>
+          </a:fontRef>
+        </p:style>
+      </p:cxnSp>
+      <p:cxnSp>
+        <p:nvCxnSpPr>
+          <p:cNvPr id="79" name="Connecteur droit 78"/>
+          <p:cNvCxnSpPr/>
+          <p:nvPr/>
+        </p:nvCxnSpPr>
+        <p:spPr>
+          <a:xfrm flipV="1">
+            <a:off x="3203266" y="3875202"/>
+            <a:ext cx="0" cy="993958"/>
+          </a:xfrm>
+          <a:prstGeom prst="line">
+            <a:avLst/>
+          </a:prstGeom>
+          <a:ln w="28575">
+            <a:solidFill>
+              <a:schemeClr val="accent6">
+                <a:lumMod val="75000"/>
+              </a:schemeClr>
+            </a:solidFill>
+          </a:ln>
+        </p:spPr>
+        <p:style>
+          <a:lnRef idx="1">
+            <a:schemeClr val="accent1"/>
+          </a:lnRef>
+          <a:fillRef idx="0">
+            <a:schemeClr val="accent1"/>
+          </a:fillRef>
+          <a:effectRef idx="0">
+            <a:schemeClr val="accent1"/>
+          </a:effectRef>
+          <a:fontRef idx="minor">
+            <a:schemeClr val="tx1"/>
+          </a:fontRef>
+        </p:style>
+      </p:cxnSp>
+      <p:cxnSp>
+        <p:nvCxnSpPr>
+          <p:cNvPr id="80" name="Connecteur droit 79"/>
+          <p:cNvCxnSpPr/>
+          <p:nvPr/>
+        </p:nvCxnSpPr>
+        <p:spPr>
+          <a:xfrm>
+            <a:off x="3113867" y="4342921"/>
+            <a:ext cx="180000" cy="0"/>
+          </a:xfrm>
+          <a:prstGeom prst="line">
+            <a:avLst/>
+          </a:prstGeom>
+          <a:ln w="28575">
+            <a:solidFill>
+              <a:schemeClr val="accent6">
+                <a:lumMod val="75000"/>
+              </a:schemeClr>
+            </a:solidFill>
+          </a:ln>
+        </p:spPr>
+        <p:style>
+          <a:lnRef idx="1">
+            <a:schemeClr val="accent1"/>
+          </a:lnRef>
+          <a:fillRef idx="0">
+            <a:schemeClr val="accent1"/>
+          </a:fillRef>
+          <a:effectRef idx="0">
+            <a:schemeClr val="accent1"/>
+          </a:effectRef>
+          <a:fontRef idx="minor">
+            <a:schemeClr val="tx1"/>
+          </a:fontRef>
+        </p:style>
+      </p:cxnSp>
+      <p:cxnSp>
+        <p:nvCxnSpPr>
+          <p:cNvPr id="81" name="Connecteur droit 80"/>
+          <p:cNvCxnSpPr/>
+          <p:nvPr/>
+        </p:nvCxnSpPr>
+        <p:spPr>
+          <a:xfrm>
+            <a:off x="3113867" y="4804670"/>
+            <a:ext cx="180000" cy="0"/>
+          </a:xfrm>
+          <a:prstGeom prst="line">
+            <a:avLst/>
+          </a:prstGeom>
+          <a:ln w="28575">
+            <a:solidFill>
+              <a:schemeClr val="accent6">
+                <a:lumMod val="75000"/>
+              </a:schemeClr>
+            </a:solidFill>
+          </a:ln>
+        </p:spPr>
+        <p:style>
+          <a:lnRef idx="1">
+            <a:schemeClr val="accent1"/>
+          </a:lnRef>
+          <a:fillRef idx="0">
+            <a:schemeClr val="accent1"/>
+          </a:fillRef>
+          <a:effectRef idx="0">
+            <a:schemeClr val="accent1"/>
+          </a:effectRef>
+          <a:fontRef idx="minor">
+            <a:schemeClr val="tx1"/>
+          </a:fontRef>
+        </p:style>
+      </p:cxnSp>
+      <p:sp>
+        <p:nvSpPr>
+          <p:cNvPr id="82" name="Rectangle 81"/>
+          <p:cNvSpPr/>
+          <p:nvPr/>
+        </p:nvSpPr>
+        <p:spPr>
+          <a:xfrm>
+            <a:off x="3113867" y="4393795"/>
+            <a:ext cx="180000" cy="360000"/>
+          </a:xfrm>
+          <a:prstGeom prst="rect">
+            <a:avLst/>
+          </a:prstGeom>
+          <a:noFill/>
+          <a:ln w="28575">
+            <a:solidFill>
+              <a:schemeClr val="tx1"/>
+            </a:solidFill>
+          </a:ln>
+        </p:spPr>
+        <p:style>
+          <a:lnRef idx="2">
+            <a:schemeClr val="accent1">
+              <a:shade val="50000"/>
+            </a:schemeClr>
+          </a:lnRef>
+          <a:fillRef idx="1">
+            <a:schemeClr val="accent1"/>
+          </a:fillRef>
+          <a:effectRef idx="0">
+            <a:schemeClr val="accent1"/>
+          </a:effectRef>
+          <a:fontRef idx="minor">
+            <a:schemeClr val="lt1"/>
+          </a:fontRef>
+        </p:style>
+        <p:txBody>
+          <a:bodyPr rtlCol="0" anchor="ctr"/>
+          <a:lstStyle/>
+          <a:p>
+            <a:pPr algn="ctr"/>
+            <a:endParaRPr lang="fr-FR"/>
+          </a:p>
+        </p:txBody>
+      </p:sp>
+      <mc:AlternateContent xmlns:mc="http://schemas.openxmlformats.org/markup-compatibility/2006">
+        <mc:Choice xmlns:a14="http://schemas.microsoft.com/office/drawing/2010/main" Requires="a14">
+          <p:sp>
+            <p:nvSpPr>
+              <p:cNvPr id="83" name="ZoneTexte 82"/>
+              <p:cNvSpPr txBox="1"/>
+              <p:nvPr/>
+            </p:nvSpPr>
+            <p:spPr>
+              <a:xfrm>
+                <a:off x="3257309" y="4302534"/>
+                <a:ext cx="340285" cy="307777"/>
+              </a:xfrm>
+              <a:prstGeom prst="rect">
+                <a:avLst/>
+              </a:prstGeom>
+              <a:noFill/>
+            </p:spPr>
+            <p:txBody>
+              <a:bodyPr wrap="none" rtlCol="0">
+                <a:spAutoFit/>
+              </a:bodyPr>
+              <a:lstStyle/>
+              <a:p>
+                <a14:m>
+                  <m:oMathPara xmlns:m="http://schemas.openxmlformats.org/officeDocument/2006/math">
+                    <m:oMathParaPr>
+                      <m:jc m:val="centerGroup"/>
+                    </m:oMathParaPr>
+                    <m:oMath xmlns:m="http://schemas.openxmlformats.org/officeDocument/2006/math">
+                      <m:r>
+                        <a:rPr lang="fr-FR" sz="1400" b="0" i="1" smtClean="0">
+                          <a:latin typeface="Cambria Math"/>
+                        </a:rPr>
+                        <m:t>𝐴</m:t>
+                      </m:r>
+                    </m:oMath>
+                  </m:oMathPara>
+                </a14:m>
+                <a:endParaRPr lang="fr-FR" sz="1400" dirty="0"/>
+              </a:p>
+            </p:txBody>
+          </p:sp>
+        </mc:Choice>
+        <mc:Fallback>
+          <p:sp>
+            <p:nvSpPr>
+              <p:cNvPr id="83" name="ZoneTexte 82"/>
+              <p:cNvSpPr txBox="1">
+                <a:spLocks noRot="1" noChangeAspect="1" noMove="1" noResize="1" noEditPoints="1" noAdjustHandles="1" noChangeArrowheads="1" noChangeShapeType="1" noTextEdit="1"/>
+              </p:cNvSpPr>
+              <p:nvPr/>
+            </p:nvSpPr>
+            <p:spPr>
+              <a:xfrm>
+                <a:off x="3257309" y="4302534"/>
+                <a:ext cx="340285" cy="307777"/>
+              </a:xfrm>
+              <a:prstGeom prst="rect">
+                <a:avLst/>
+              </a:prstGeom>
+              <a:blipFill rotWithShape="1">
+                <a:blip r:embed="rId11"/>
+                <a:stretch>
+                  <a:fillRect/>
+                </a:stretch>
+              </a:blipFill>
+            </p:spPr>
+            <p:txBody>
+              <a:bodyPr/>
+              <a:lstStyle/>
+              <a:p>
+                <a:r>
+                  <a:rPr lang="fr-FR">
+                    <a:noFill/>
+                  </a:rPr>
+                  <a:t> </a:t>
+                </a:r>
+              </a:p>
+            </p:txBody>
+          </p:sp>
+        </mc:Fallback>
+      </mc:AlternateContent>
+      <p:cxnSp>
+        <p:nvCxnSpPr>
+          <p:cNvPr id="85" name="Connecteur droit 84"/>
+          <p:cNvCxnSpPr/>
+          <p:nvPr/>
+        </p:nvCxnSpPr>
+        <p:spPr>
+          <a:xfrm>
+            <a:off x="3040111" y="3481014"/>
+            <a:ext cx="811809" cy="0"/>
+          </a:xfrm>
+          <a:prstGeom prst="line">
+            <a:avLst/>
+          </a:prstGeom>
+          <a:noFill/>
+          <a:ln>
+            <a:solidFill>
+              <a:schemeClr val="tx2"/>
+            </a:solidFill>
+          </a:ln>
+        </p:spPr>
+        <p:style>
+          <a:lnRef idx="2">
+            <a:schemeClr val="accent1">
+              <a:shade val="50000"/>
+            </a:schemeClr>
+          </a:lnRef>
+          <a:fillRef idx="1">
+            <a:schemeClr val="accent1"/>
+          </a:fillRef>
+          <a:effectRef idx="0">
+            <a:schemeClr val="accent1"/>
+          </a:effectRef>
+          <a:fontRef idx="minor">
+            <a:schemeClr val="lt1"/>
+          </a:fontRef>
+        </p:style>
+      </p:cxnSp>
+      <mc:AlternateContent xmlns:mc="http://schemas.openxmlformats.org/markup-compatibility/2006">
+        <mc:Choice xmlns:a14="http://schemas.microsoft.com/office/drawing/2010/main" Requires="a14">
+          <p:sp>
+            <p:nvSpPr>
+              <p:cNvPr id="88" name="ZoneTexte 87"/>
+              <p:cNvSpPr txBox="1"/>
+              <p:nvPr/>
+            </p:nvSpPr>
+            <p:spPr>
+              <a:xfrm>
+                <a:off x="3239193" y="3116686"/>
+                <a:ext cx="343940" cy="307777"/>
+              </a:xfrm>
+              <a:prstGeom prst="rect">
+                <a:avLst/>
+              </a:prstGeom>
+              <a:noFill/>
+            </p:spPr>
+            <p:txBody>
+              <a:bodyPr wrap="none" rtlCol="0">
+                <a:spAutoFit/>
+              </a:bodyPr>
+              <a:lstStyle/>
+              <a:p>
+                <a14:m>
+                  <m:oMathPara xmlns:m="http://schemas.openxmlformats.org/officeDocument/2006/math">
+                    <m:oMathParaPr>
+                      <m:jc m:val="centerGroup"/>
+                    </m:oMathParaPr>
+                    <m:oMath xmlns:m="http://schemas.openxmlformats.org/officeDocument/2006/math">
+                      <m:r>
+                        <a:rPr lang="fr-FR" sz="1400" b="0" i="1" smtClean="0">
+                          <a:latin typeface="Cambria Math"/>
+                        </a:rPr>
+                        <m:t>𝐸</m:t>
+                      </m:r>
+                    </m:oMath>
+                  </m:oMathPara>
+                </a14:m>
+                <a:endParaRPr lang="fr-FR" sz="1400" dirty="0"/>
+              </a:p>
+            </p:txBody>
+          </p:sp>
+        </mc:Choice>
+        <mc:Fallback>
+          <p:sp>
+            <p:nvSpPr>
+              <p:cNvPr id="88" name="ZoneTexte 87"/>
+              <p:cNvSpPr txBox="1">
+                <a:spLocks noRot="1" noChangeAspect="1" noMove="1" noResize="1" noEditPoints="1" noAdjustHandles="1" noChangeArrowheads="1" noChangeShapeType="1" noTextEdit="1"/>
+              </p:cNvSpPr>
+              <p:nvPr/>
+            </p:nvSpPr>
+            <p:spPr>
+              <a:xfrm>
+                <a:off x="3239193" y="3116686"/>
+                <a:ext cx="343940" cy="307777"/>
+              </a:xfrm>
+              <a:prstGeom prst="rect">
+                <a:avLst/>
+              </a:prstGeom>
+              <a:blipFill rotWithShape="1">
+                <a:blip r:embed="rId12"/>
+                <a:stretch>
+                  <a:fillRect/>
+                </a:stretch>
+              </a:blipFill>
+            </p:spPr>
+            <p:txBody>
+              <a:bodyPr/>
+              <a:lstStyle/>
+              <a:p>
+                <a:r>
+                  <a:rPr lang="fr-FR">
+                    <a:noFill/>
+                  </a:rPr>
+                  <a:t> </a:t>
+                </a:r>
+              </a:p>
+            </p:txBody>
+          </p:sp>
+        </mc:Fallback>
+      </mc:AlternateContent>
+      <p:cxnSp>
+        <p:nvCxnSpPr>
+          <p:cNvPr id="93" name="Connecteur droit 92"/>
+          <p:cNvCxnSpPr/>
+          <p:nvPr/>
+        </p:nvCxnSpPr>
+        <p:spPr>
+          <a:xfrm>
+            <a:off x="4418102" y="3481014"/>
+            <a:ext cx="1810082" cy="0"/>
+          </a:xfrm>
+          <a:prstGeom prst="line">
+            <a:avLst/>
+          </a:prstGeom>
+          <a:noFill/>
+          <a:ln>
+            <a:solidFill>
+              <a:srgbClr val="FF0000"/>
+            </a:solidFill>
+          </a:ln>
+        </p:spPr>
+        <p:style>
+          <a:lnRef idx="2">
+            <a:schemeClr val="accent1">
+              <a:shade val="50000"/>
+            </a:schemeClr>
+          </a:lnRef>
+          <a:fillRef idx="1">
+            <a:schemeClr val="accent1"/>
+          </a:fillRef>
+          <a:effectRef idx="0">
+            <a:schemeClr val="accent1"/>
+          </a:effectRef>
+          <a:fontRef idx="minor">
+            <a:schemeClr val="lt1"/>
+          </a:fontRef>
+        </p:style>
+      </p:cxnSp>
+      <p:sp>
+        <p:nvSpPr>
+          <p:cNvPr id="84" name="Rectangle 83"/>
+          <p:cNvSpPr/>
+          <p:nvPr/>
+        </p:nvSpPr>
+        <p:spPr>
+          <a:xfrm rot="5400000">
+            <a:off x="3485352" y="3294376"/>
+            <a:ext cx="180000" cy="360000"/>
+          </a:xfrm>
+          <a:prstGeom prst="rect">
+            <a:avLst/>
+          </a:prstGeom>
+          <a:noFill/>
+          <a:ln w="28575">
+            <a:solidFill>
+              <a:schemeClr val="tx1"/>
+            </a:solidFill>
+          </a:ln>
+        </p:spPr>
+        <p:style>
+          <a:lnRef idx="2">
+            <a:schemeClr val="accent1">
+              <a:shade val="50000"/>
+            </a:schemeClr>
+          </a:lnRef>
+          <a:fillRef idx="1">
+            <a:schemeClr val="accent1"/>
+          </a:fillRef>
+          <a:effectRef idx="0">
+            <a:schemeClr val="accent1"/>
+          </a:effectRef>
+          <a:fontRef idx="minor">
+            <a:schemeClr val="lt1"/>
+          </a:fontRef>
+        </p:style>
+        <p:txBody>
+          <a:bodyPr rtlCol="0" anchor="ctr"/>
+          <a:lstStyle/>
+          <a:p>
+            <a:pPr algn="ctr"/>
+            <a:endParaRPr lang="fr-FR"/>
+          </a:p>
+        </p:txBody>
+      </p:sp>
+      <p:sp>
+        <p:nvSpPr>
+          <p:cNvPr id="92" name="Rectangle 91"/>
+          <p:cNvSpPr/>
+          <p:nvPr/>
+        </p:nvSpPr>
+        <p:spPr>
+          <a:xfrm rot="5400000">
+            <a:off x="4776326" y="3294176"/>
+            <a:ext cx="180000" cy="360000"/>
+          </a:xfrm>
+          <a:prstGeom prst="rect">
+            <a:avLst/>
+          </a:prstGeom>
+          <a:noFill/>
+          <a:ln w="28575">
+            <a:solidFill>
+              <a:schemeClr val="tx1"/>
+            </a:solidFill>
+          </a:ln>
+        </p:spPr>
+        <p:style>
+          <a:lnRef idx="2">
+            <a:schemeClr val="accent1">
+              <a:shade val="50000"/>
+            </a:schemeClr>
+          </a:lnRef>
+          <a:fillRef idx="1">
+            <a:schemeClr val="accent1"/>
+          </a:fillRef>
+          <a:effectRef idx="0">
+            <a:schemeClr val="accent1"/>
+          </a:effectRef>
+          <a:fontRef idx="minor">
+            <a:schemeClr val="lt1"/>
+          </a:fontRef>
+        </p:style>
+        <p:txBody>
+          <a:bodyPr rtlCol="0" anchor="ctr"/>
+          <a:lstStyle/>
+          <a:p>
+            <a:pPr algn="ctr"/>
+            <a:endParaRPr lang="fr-FR"/>
+          </a:p>
+        </p:txBody>
+      </p:sp>
+      <p:cxnSp>
+        <p:nvCxnSpPr>
+          <p:cNvPr id="95" name="Connecteur droit 94"/>
+          <p:cNvCxnSpPr/>
+          <p:nvPr/>
+        </p:nvCxnSpPr>
+        <p:spPr>
+          <a:xfrm flipV="1">
+            <a:off x="4644008" y="3384376"/>
+            <a:ext cx="0" cy="180000"/>
+          </a:xfrm>
+          <a:prstGeom prst="line">
+            <a:avLst/>
+          </a:prstGeom>
+          <a:noFill/>
+          <a:ln>
+            <a:solidFill>
+              <a:srgbClr val="FF0000"/>
+            </a:solidFill>
+          </a:ln>
+        </p:spPr>
+        <p:style>
+          <a:lnRef idx="2">
+            <a:schemeClr val="accent1">
+              <a:shade val="50000"/>
+            </a:schemeClr>
+          </a:lnRef>
+          <a:fillRef idx="1">
+            <a:schemeClr val="accent1"/>
+          </a:fillRef>
+          <a:effectRef idx="0">
+            <a:schemeClr val="accent1"/>
+          </a:effectRef>
+          <a:fontRef idx="minor">
+            <a:schemeClr val="lt1"/>
+          </a:fontRef>
+        </p:style>
+      </p:cxnSp>
+      <p:cxnSp>
+        <p:nvCxnSpPr>
+          <p:cNvPr id="98" name="Connecteur droit 97"/>
+          <p:cNvCxnSpPr/>
+          <p:nvPr/>
+        </p:nvCxnSpPr>
+        <p:spPr>
+          <a:xfrm flipV="1">
+            <a:off x="5094622" y="3382884"/>
+            <a:ext cx="0" cy="180000"/>
+          </a:xfrm>
+          <a:prstGeom prst="line">
+            <a:avLst/>
+          </a:prstGeom>
+          <a:noFill/>
+          <a:ln>
+            <a:solidFill>
+              <a:srgbClr val="FF0000"/>
+            </a:solidFill>
+          </a:ln>
+        </p:spPr>
+        <p:style>
+          <a:lnRef idx="2">
+            <a:schemeClr val="accent1">
+              <a:shade val="50000"/>
+            </a:schemeClr>
+          </a:lnRef>
+          <a:fillRef idx="1">
+            <a:schemeClr val="accent1"/>
+          </a:fillRef>
+          <a:effectRef idx="0">
+            <a:schemeClr val="accent1"/>
+          </a:effectRef>
+          <a:fontRef idx="minor">
+            <a:schemeClr val="lt1"/>
+          </a:fontRef>
+        </p:style>
+      </p:cxnSp>
+      <p:cxnSp>
+        <p:nvCxnSpPr>
+          <p:cNvPr id="99" name="Connecteur droit 98"/>
+          <p:cNvCxnSpPr/>
+          <p:nvPr/>
+        </p:nvCxnSpPr>
+        <p:spPr>
+          <a:xfrm flipH="1" flipV="1">
+            <a:off x="6156175" y="2882300"/>
+            <a:ext cx="144016" cy="269594"/>
+          </a:xfrm>
+          <a:prstGeom prst="line">
+            <a:avLst/>
+          </a:prstGeom>
+          <a:noFill/>
+          <a:ln>
+            <a:solidFill>
+              <a:srgbClr val="FF0000"/>
+            </a:solidFill>
+          </a:ln>
+        </p:spPr>
+        <p:style>
+          <a:lnRef idx="2">
+            <a:schemeClr val="accent1">
+              <a:shade val="50000"/>
+            </a:schemeClr>
+          </a:lnRef>
+          <a:fillRef idx="1">
+            <a:schemeClr val="accent1"/>
+          </a:fillRef>
+          <a:effectRef idx="0">
+            <a:schemeClr val="accent1"/>
+          </a:effectRef>
+          <a:fontRef idx="minor">
+            <a:schemeClr val="lt1"/>
+          </a:fontRef>
+        </p:style>
+      </p:cxnSp>
+      <p:cxnSp>
+        <p:nvCxnSpPr>
+          <p:cNvPr id="104" name="Connecteur droit 103"/>
+          <p:cNvCxnSpPr/>
+          <p:nvPr/>
+        </p:nvCxnSpPr>
+        <p:spPr>
+          <a:xfrm flipH="1">
+            <a:off x="6156175" y="3806435"/>
+            <a:ext cx="144016" cy="269594"/>
+          </a:xfrm>
+          <a:prstGeom prst="line">
+            <a:avLst/>
+          </a:prstGeom>
+          <a:noFill/>
+          <a:ln>
+            <a:solidFill>
+              <a:srgbClr val="FF0000"/>
+            </a:solidFill>
+          </a:ln>
+        </p:spPr>
+        <p:style>
+          <a:lnRef idx="2">
+            <a:schemeClr val="accent1">
+              <a:shade val="50000"/>
+            </a:schemeClr>
+          </a:lnRef>
+          <a:fillRef idx="1">
+            <a:schemeClr val="accent1"/>
+          </a:fillRef>
+          <a:effectRef idx="0">
+            <a:schemeClr val="accent1"/>
+          </a:effectRef>
+          <a:fontRef idx="minor">
+            <a:schemeClr val="lt1"/>
+          </a:fontRef>
+        </p:style>
+      </p:cxnSp>
+      <p:cxnSp>
+        <p:nvCxnSpPr>
+          <p:cNvPr id="105" name="Connecteur droit 104"/>
+          <p:cNvCxnSpPr/>
+          <p:nvPr/>
+        </p:nvCxnSpPr>
+        <p:spPr>
+          <a:xfrm rot="10800000" flipV="1">
+            <a:off x="6228184" y="3025141"/>
+            <a:ext cx="0" cy="911746"/>
+          </a:xfrm>
+          <a:prstGeom prst="line">
+            <a:avLst/>
+          </a:prstGeom>
+          <a:noFill/>
+          <a:ln>
+            <a:solidFill>
+              <a:srgbClr val="FF0000"/>
+            </a:solidFill>
+          </a:ln>
+        </p:spPr>
+        <p:style>
+          <a:lnRef idx="2">
+            <a:schemeClr val="accent1">
+              <a:shade val="50000"/>
+            </a:schemeClr>
+          </a:lnRef>
+          <a:fillRef idx="1">
+            <a:schemeClr val="accent1"/>
+          </a:fillRef>
+          <a:effectRef idx="0">
+            <a:schemeClr val="accent1"/>
+          </a:effectRef>
+          <a:fontRef idx="minor">
+            <a:schemeClr val="lt1"/>
+          </a:fontRef>
+        </p:style>
+      </p:cxnSp>
+      <p:cxnSp>
+        <p:nvCxnSpPr>
+          <p:cNvPr id="112" name="Connecteur droit 111"/>
+          <p:cNvCxnSpPr/>
+          <p:nvPr/>
+        </p:nvCxnSpPr>
+        <p:spPr>
+          <a:xfrm>
+            <a:off x="6732240" y="3802090"/>
+            <a:ext cx="144016" cy="269594"/>
+          </a:xfrm>
+          <a:prstGeom prst="line">
+            <a:avLst/>
+          </a:prstGeom>
+          <a:noFill/>
+          <a:ln>
+            <a:solidFill>
+              <a:srgbClr val="FF33CC"/>
+            </a:solidFill>
+          </a:ln>
+        </p:spPr>
+        <p:style>
+          <a:lnRef idx="2">
+            <a:schemeClr val="accent1">
+              <a:shade val="50000"/>
+            </a:schemeClr>
+          </a:lnRef>
+          <a:fillRef idx="1">
+            <a:schemeClr val="accent1"/>
+          </a:fillRef>
+          <a:effectRef idx="0">
+            <a:schemeClr val="accent1"/>
+          </a:effectRef>
+          <a:fontRef idx="minor">
+            <a:schemeClr val="lt1"/>
+          </a:fontRef>
+        </p:style>
+      </p:cxnSp>
+      <p:cxnSp>
+        <p:nvCxnSpPr>
+          <p:cNvPr id="116" name="Connecteur droit 115"/>
+          <p:cNvCxnSpPr/>
+          <p:nvPr/>
+        </p:nvCxnSpPr>
+        <p:spPr>
+          <a:xfrm flipV="1">
+            <a:off x="6516216" y="3941233"/>
+            <a:ext cx="0" cy="927927"/>
+          </a:xfrm>
+          <a:prstGeom prst="line">
+            <a:avLst/>
+          </a:prstGeom>
+          <a:noFill/>
+          <a:ln>
+            <a:solidFill>
+              <a:srgbClr val="FF33CC"/>
+            </a:solidFill>
+          </a:ln>
+        </p:spPr>
+        <p:style>
+          <a:lnRef idx="2">
+            <a:schemeClr val="accent1">
+              <a:shade val="50000"/>
+            </a:schemeClr>
+          </a:lnRef>
+          <a:fillRef idx="1">
+            <a:schemeClr val="accent1"/>
+          </a:fillRef>
+          <a:effectRef idx="0">
+            <a:schemeClr val="accent1"/>
+          </a:effectRef>
+          <a:fontRef idx="minor">
+            <a:schemeClr val="lt1"/>
+          </a:fontRef>
+        </p:style>
+      </p:cxnSp>
+      <p:cxnSp>
+        <p:nvCxnSpPr>
+          <p:cNvPr id="119" name="Connecteur droit 118"/>
+          <p:cNvCxnSpPr/>
+          <p:nvPr/>
+        </p:nvCxnSpPr>
+        <p:spPr>
+          <a:xfrm>
+            <a:off x="6430828" y="4341245"/>
+            <a:ext cx="180000" cy="0"/>
+          </a:xfrm>
+          <a:prstGeom prst="line">
+            <a:avLst/>
+          </a:prstGeom>
+          <a:noFill/>
+          <a:ln>
+            <a:solidFill>
+              <a:srgbClr val="FF33CC"/>
+            </a:solidFill>
+          </a:ln>
+        </p:spPr>
+        <p:style>
+          <a:lnRef idx="2">
+            <a:schemeClr val="accent1">
+              <a:shade val="50000"/>
+            </a:schemeClr>
+          </a:lnRef>
+          <a:fillRef idx="1">
+            <a:schemeClr val="accent1"/>
+          </a:fillRef>
+          <a:effectRef idx="0">
+            <a:schemeClr val="accent1"/>
+          </a:effectRef>
+          <a:fontRef idx="minor">
+            <a:schemeClr val="lt1"/>
+          </a:fontRef>
+        </p:style>
+      </p:cxnSp>
+      <p:cxnSp>
+        <p:nvCxnSpPr>
+          <p:cNvPr id="120" name="Connecteur droit 119"/>
+          <p:cNvCxnSpPr/>
+          <p:nvPr/>
+        </p:nvCxnSpPr>
+        <p:spPr>
+          <a:xfrm>
+            <a:off x="6430828" y="4802994"/>
+            <a:ext cx="180000" cy="0"/>
+          </a:xfrm>
+          <a:prstGeom prst="line">
+            <a:avLst/>
+          </a:prstGeom>
+          <a:noFill/>
+          <a:ln>
+            <a:solidFill>
+              <a:srgbClr val="FF33CC"/>
+            </a:solidFill>
+          </a:ln>
+        </p:spPr>
+        <p:style>
+          <a:lnRef idx="2">
+            <a:schemeClr val="accent1">
+              <a:shade val="50000"/>
+            </a:schemeClr>
+          </a:lnRef>
+          <a:fillRef idx="1">
+            <a:schemeClr val="accent1"/>
+          </a:fillRef>
+          <a:effectRef idx="0">
+            <a:schemeClr val="accent1"/>
+          </a:effectRef>
+          <a:fontRef idx="minor">
+            <a:schemeClr val="lt1"/>
+          </a:fontRef>
+        </p:style>
+      </p:cxnSp>
+      <p:sp>
+        <p:nvSpPr>
+          <p:cNvPr id="121" name="Rectangle 120"/>
+          <p:cNvSpPr/>
+          <p:nvPr/>
+        </p:nvSpPr>
+        <p:spPr>
+          <a:xfrm>
+            <a:off x="6430828" y="4392119"/>
+            <a:ext cx="180000" cy="360000"/>
+          </a:xfrm>
+          <a:prstGeom prst="rect">
+            <a:avLst/>
+          </a:prstGeom>
+          <a:noFill/>
+          <a:ln w="28575">
+            <a:solidFill>
+              <a:schemeClr val="tx1"/>
+            </a:solidFill>
+          </a:ln>
+        </p:spPr>
+        <p:style>
+          <a:lnRef idx="2">
+            <a:schemeClr val="accent1">
+              <a:shade val="50000"/>
+            </a:schemeClr>
+          </a:lnRef>
+          <a:fillRef idx="1">
+            <a:schemeClr val="accent1"/>
+          </a:fillRef>
+          <a:effectRef idx="0">
+            <a:schemeClr val="accent1"/>
+          </a:effectRef>
+          <a:fontRef idx="minor">
+            <a:schemeClr val="lt1"/>
+          </a:fontRef>
+        </p:style>
+        <p:txBody>
+          <a:bodyPr rtlCol="0" anchor="ctr"/>
+          <a:lstStyle/>
+          <a:p>
+            <a:pPr algn="ctr"/>
+            <a:endParaRPr lang="fr-FR"/>
+          </a:p>
+        </p:txBody>
+      </p:sp>
+      <mc:AlternateContent xmlns:mc="http://schemas.openxmlformats.org/markup-compatibility/2006">
+        <mc:Choice xmlns:a14="http://schemas.microsoft.com/office/drawing/2010/main" Requires="a14">
+          <p:sp>
+            <p:nvSpPr>
+              <p:cNvPr id="122" name="ZoneTexte 121"/>
+              <p:cNvSpPr txBox="1"/>
+              <p:nvPr/>
+            </p:nvSpPr>
+            <p:spPr>
+              <a:xfrm>
+                <a:off x="6582680" y="4418043"/>
+                <a:ext cx="340285" cy="307777"/>
+              </a:xfrm>
+              <a:prstGeom prst="rect">
+                <a:avLst/>
+              </a:prstGeom>
+              <a:noFill/>
+            </p:spPr>
+            <p:txBody>
+              <a:bodyPr wrap="none" rtlCol="0">
+                <a:spAutoFit/>
+              </a:bodyPr>
+              <a:lstStyle/>
+              <a:p>
+                <a14:m>
+                  <m:oMathPara xmlns:m="http://schemas.openxmlformats.org/officeDocument/2006/math">
+                    <m:oMathParaPr>
+                      <m:jc m:val="centerGroup"/>
+                    </m:oMathParaPr>
+                    <m:oMath xmlns:m="http://schemas.openxmlformats.org/officeDocument/2006/math">
+                      <m:r>
+                        <a:rPr lang="fr-FR" sz="1400" b="0" i="1" smtClean="0">
+                          <a:latin typeface="Cambria Math"/>
+                        </a:rPr>
+                        <m:t>𝐴</m:t>
+                      </m:r>
+                    </m:oMath>
+                  </m:oMathPara>
+                </a14:m>
+                <a:endParaRPr lang="fr-FR" sz="1400" dirty="0"/>
+              </a:p>
+            </p:txBody>
+          </p:sp>
+        </mc:Choice>
+        <mc:Fallback>
+          <p:sp>
+            <p:nvSpPr>
+              <p:cNvPr id="122" name="ZoneTexte 121"/>
+              <p:cNvSpPr txBox="1">
+                <a:spLocks noRot="1" noChangeAspect="1" noMove="1" noResize="1" noEditPoints="1" noAdjustHandles="1" noChangeArrowheads="1" noChangeShapeType="1" noTextEdit="1"/>
+              </p:cNvSpPr>
+              <p:nvPr/>
+            </p:nvSpPr>
+            <p:spPr>
+              <a:xfrm>
+                <a:off x="6582680" y="4418043"/>
+                <a:ext cx="340285" cy="307777"/>
+              </a:xfrm>
+              <a:prstGeom prst="rect">
+                <a:avLst/>
+              </a:prstGeom>
+              <a:blipFill rotWithShape="1">
+                <a:blip r:embed="rId11"/>
+                <a:stretch>
+                  <a:fillRect/>
+                </a:stretch>
+              </a:blipFill>
+            </p:spPr>
+            <p:txBody>
+              <a:bodyPr/>
+              <a:lstStyle/>
+              <a:p>
+                <a:r>
+                  <a:rPr lang="fr-FR">
+                    <a:noFill/>
+                  </a:rPr>
+                  <a:t> </a:t>
+                </a:r>
+              </a:p>
+            </p:txBody>
+          </p:sp>
+        </mc:Fallback>
+      </mc:AlternateContent>
+      <p:cxnSp>
+        <p:nvCxnSpPr>
+          <p:cNvPr id="124" name="Connecteur droit 123"/>
+          <p:cNvCxnSpPr>
+            <a:stCxn id="82" idx="3"/>
+            <a:endCxn id="121" idx="1"/>
+          </p:cNvCxnSpPr>
+          <p:nvPr/>
+        </p:nvCxnSpPr>
+        <p:spPr>
+          <a:xfrm flipV="1">
+            <a:off x="3293867" y="4572119"/>
+            <a:ext cx="3136961" cy="0"/>
+          </a:xfrm>
+          <a:prstGeom prst="line">
+            <a:avLst/>
+          </a:prstGeom>
+          <a:ln w="28575">
+            <a:solidFill>
+              <a:schemeClr val="tx1"/>
+            </a:solidFill>
+          </a:ln>
+        </p:spPr>
+        <p:style>
+          <a:lnRef idx="1">
+            <a:schemeClr val="accent1"/>
+          </a:lnRef>
+          <a:fillRef idx="0">
+            <a:schemeClr val="accent1"/>
+          </a:fillRef>
+          <a:effectRef idx="0">
+            <a:schemeClr val="accent1"/>
+          </a:effectRef>
+          <a:fontRef idx="minor">
+            <a:schemeClr val="tx1"/>
+          </a:fontRef>
+        </p:style>
+      </p:cxnSp>
+      <p:cxnSp>
+        <p:nvCxnSpPr>
+          <p:cNvPr id="127" name="Connecteur droit 126"/>
+          <p:cNvCxnSpPr>
+            <a:endCxn id="82" idx="1"/>
+          </p:cNvCxnSpPr>
+          <p:nvPr/>
+        </p:nvCxnSpPr>
+        <p:spPr>
+          <a:xfrm>
+            <a:off x="2627784" y="4571931"/>
+            <a:ext cx="486083" cy="1864"/>
+          </a:xfrm>
+          <a:prstGeom prst="line">
+            <a:avLst/>
+          </a:prstGeom>
+          <a:ln w="28575">
+            <a:solidFill>
+              <a:schemeClr val="tx1"/>
+            </a:solidFill>
+          </a:ln>
+        </p:spPr>
+        <p:style>
+          <a:lnRef idx="1">
+            <a:schemeClr val="accent1"/>
+          </a:lnRef>
+          <a:fillRef idx="0">
+            <a:schemeClr val="accent1"/>
+          </a:fillRef>
+          <a:effectRef idx="0">
+            <a:schemeClr val="accent1"/>
+          </a:effectRef>
+          <a:fontRef idx="minor">
+            <a:schemeClr val="tx1"/>
+          </a:fontRef>
+        </p:style>
+      </p:cxnSp>
+      <p:cxnSp>
+        <p:nvCxnSpPr>
+          <p:cNvPr id="130" name="Connecteur droit 129"/>
+          <p:cNvCxnSpPr/>
+          <p:nvPr/>
+        </p:nvCxnSpPr>
+        <p:spPr>
+          <a:xfrm flipH="1">
+            <a:off x="2627784" y="3034145"/>
+            <a:ext cx="0" cy="1537786"/>
+          </a:xfrm>
+          <a:prstGeom prst="line">
+            <a:avLst/>
+          </a:prstGeom>
+          <a:ln w="28575">
+            <a:solidFill>
+              <a:schemeClr val="tx1"/>
+            </a:solidFill>
+          </a:ln>
+        </p:spPr>
+        <p:style>
+          <a:lnRef idx="1">
+            <a:schemeClr val="accent1"/>
+          </a:lnRef>
+          <a:fillRef idx="0">
+            <a:schemeClr val="accent1"/>
+          </a:fillRef>
+          <a:effectRef idx="0">
+            <a:schemeClr val="accent1"/>
+          </a:effectRef>
+          <a:fontRef idx="minor">
+            <a:schemeClr val="tx1"/>
+          </a:fontRef>
+        </p:style>
+      </p:cxnSp>
+      <p:cxnSp>
+        <p:nvCxnSpPr>
+          <p:cNvPr id="133" name="Connecteur droit 132"/>
+          <p:cNvCxnSpPr/>
+          <p:nvPr/>
+        </p:nvCxnSpPr>
+        <p:spPr>
+          <a:xfrm flipH="1">
+            <a:off x="2635565" y="3042732"/>
+            <a:ext cx="947568" cy="0"/>
+          </a:xfrm>
+          <a:prstGeom prst="line">
+            <a:avLst/>
+          </a:prstGeom>
+          <a:ln w="28575">
+            <a:solidFill>
+              <a:schemeClr val="tx1"/>
+            </a:solidFill>
+          </a:ln>
+        </p:spPr>
+        <p:style>
+          <a:lnRef idx="1">
+            <a:schemeClr val="accent1"/>
+          </a:lnRef>
+          <a:fillRef idx="0">
+            <a:schemeClr val="accent1"/>
+          </a:fillRef>
+          <a:effectRef idx="0">
+            <a:schemeClr val="accent1"/>
+          </a:effectRef>
+          <a:fontRef idx="minor">
+            <a:schemeClr val="tx1"/>
+          </a:fontRef>
+        </p:style>
+      </p:cxnSp>
+      <p:cxnSp>
+        <p:nvCxnSpPr>
+          <p:cNvPr id="136" name="Connecteur droit 135"/>
+          <p:cNvCxnSpPr>
+            <a:stCxn id="84" idx="1"/>
+          </p:cNvCxnSpPr>
+          <p:nvPr/>
+        </p:nvCxnSpPr>
+        <p:spPr>
+          <a:xfrm flipV="1">
+            <a:off x="3575352" y="3042732"/>
+            <a:ext cx="0" cy="341644"/>
+          </a:xfrm>
+          <a:prstGeom prst="line">
+            <a:avLst/>
+          </a:prstGeom>
+          <a:ln w="28575">
+            <a:solidFill>
+              <a:schemeClr val="tx1"/>
+            </a:solidFill>
+          </a:ln>
+        </p:spPr>
+        <p:style>
+          <a:lnRef idx="1">
+            <a:schemeClr val="accent1"/>
+          </a:lnRef>
+          <a:fillRef idx="0">
+            <a:schemeClr val="accent1"/>
+          </a:fillRef>
+          <a:effectRef idx="0">
+            <a:schemeClr val="accent1"/>
+          </a:effectRef>
+          <a:fontRef idx="minor">
+            <a:schemeClr val="tx1"/>
+          </a:fontRef>
+        </p:style>
+      </p:cxnSp>
+      <p:grpSp>
+        <p:nvGrpSpPr>
+          <p:cNvPr id="144" name="Groupe 143"/>
+          <p:cNvGrpSpPr/>
+          <p:nvPr/>
+        </p:nvGrpSpPr>
+        <p:grpSpPr>
+          <a:xfrm>
+            <a:off x="4025740" y="4943051"/>
+            <a:ext cx="1125711" cy="802081"/>
+            <a:chOff x="358815" y="4941168"/>
+            <a:chExt cx="1125711" cy="802081"/>
+          </a:xfrm>
+        </p:grpSpPr>
+        <p:cxnSp>
+          <p:nvCxnSpPr>
+            <p:cNvPr id="145" name="Connecteur droit avec flèche 144"/>
+            <p:cNvCxnSpPr/>
+            <p:nvPr/>
+          </p:nvCxnSpPr>
+          <p:spPr>
+            <a:xfrm flipV="1">
+              <a:off x="1176180" y="5013176"/>
+              <a:ext cx="0" cy="568546"/>
+            </a:xfrm>
+            <a:prstGeom prst="straightConnector1">
+              <a:avLst/>
+            </a:prstGeom>
+            <a:ln w="19050">
+              <a:solidFill>
+                <a:schemeClr val="tx1"/>
+              </a:solidFill>
+              <a:tailEnd type="stealth" w="med" len="lg"/>
+            </a:ln>
+          </p:spPr>
+          <p:style>
+            <a:lnRef idx="1">
+              <a:schemeClr val="accent1"/>
+            </a:lnRef>
+            <a:fillRef idx="0">
+              <a:schemeClr val="accent1"/>
+            </a:fillRef>
+            <a:effectRef idx="0">
+              <a:schemeClr val="accent1"/>
+            </a:effectRef>
+            <a:fontRef idx="minor">
+              <a:schemeClr val="tx1"/>
+            </a:fontRef>
+          </p:style>
+        </p:cxnSp>
+        <p:cxnSp>
+          <p:nvCxnSpPr>
+            <p:cNvPr id="146" name="Connecteur droit avec flèche 145"/>
+            <p:cNvCxnSpPr/>
+            <p:nvPr/>
+          </p:nvCxnSpPr>
+          <p:spPr>
+            <a:xfrm rot="16200000" flipV="1">
+              <a:off x="891304" y="5297449"/>
+              <a:ext cx="0" cy="568546"/>
+            </a:xfrm>
+            <a:prstGeom prst="straightConnector1">
+              <a:avLst/>
+            </a:prstGeom>
+            <a:ln w="19050">
+              <a:solidFill>
+                <a:schemeClr val="tx1"/>
+              </a:solidFill>
+              <a:tailEnd type="stealth" w="med" len="lg"/>
+            </a:ln>
+          </p:spPr>
+          <p:style>
+            <a:lnRef idx="1">
+              <a:schemeClr val="accent1"/>
+            </a:lnRef>
+            <a:fillRef idx="0">
+              <a:schemeClr val="accent1"/>
+            </a:fillRef>
+            <a:effectRef idx="0">
+              <a:schemeClr val="accent1"/>
+            </a:effectRef>
+            <a:fontRef idx="minor">
+              <a:schemeClr val="tx1"/>
+            </a:fontRef>
+          </p:style>
+        </p:cxnSp>
+        <p:sp>
+          <p:nvSpPr>
+            <p:cNvPr id="147" name="Ellipse 146"/>
+            <p:cNvSpPr>
+              <a:spLocks noChangeAspect="1"/>
+            </p:cNvSpPr>
+            <p:nvPr/>
+          </p:nvSpPr>
+          <p:spPr>
+            <a:xfrm>
+              <a:off x="1109051" y="5517232"/>
+              <a:ext cx="128980" cy="128980"/>
+            </a:xfrm>
+            <a:prstGeom prst="ellipse">
+              <a:avLst/>
+            </a:prstGeom>
+            <a:solidFill>
+              <a:schemeClr val="bg1"/>
+            </a:solidFill>
+            <a:ln w="19050">
+              <a:solidFill>
+                <a:schemeClr val="tx1"/>
+              </a:solidFill>
+              <a:tailEnd type="stealth" w="med" len="lg"/>
+            </a:ln>
+          </p:spPr>
+          <p:style>
+            <a:lnRef idx="1">
+              <a:schemeClr val="accent1"/>
+            </a:lnRef>
+            <a:fillRef idx="0">
+              <a:schemeClr val="accent1"/>
+            </a:fillRef>
+            <a:effectRef idx="0">
+              <a:schemeClr val="accent1"/>
+            </a:effectRef>
+            <a:fontRef idx="minor">
+              <a:schemeClr val="tx1"/>
+            </a:fontRef>
+          </p:style>
+          <p:txBody>
+            <a:bodyPr rtlCol="0" anchor="ctr"/>
+            <a:lstStyle/>
+            <a:p>
+              <a:pPr algn="ctr"/>
+              <a:endParaRPr lang="fr-FR" dirty="0"/>
+            </a:p>
+          </p:txBody>
+        </p:sp>
+        <p:sp>
+          <p:nvSpPr>
+            <p:cNvPr id="148" name="Ellipse 147"/>
+            <p:cNvSpPr>
+              <a:spLocks noChangeAspect="1"/>
+            </p:cNvSpPr>
+            <p:nvPr/>
+          </p:nvSpPr>
+          <p:spPr>
+            <a:xfrm>
+              <a:off x="1150681" y="5558862"/>
+              <a:ext cx="45720" cy="45720"/>
+            </a:xfrm>
+            <a:prstGeom prst="ellipse">
+              <a:avLst/>
+            </a:prstGeom>
+            <a:solidFill>
+              <a:schemeClr val="tx1"/>
+            </a:solidFill>
+            <a:ln w="19050">
+              <a:solidFill>
+                <a:schemeClr val="tx1"/>
+              </a:solidFill>
+              <a:tailEnd type="stealth" w="med" len="lg"/>
+            </a:ln>
+          </p:spPr>
+          <p:style>
+            <a:lnRef idx="1">
+              <a:schemeClr val="accent1"/>
+            </a:lnRef>
+            <a:fillRef idx="0">
+              <a:schemeClr val="accent1"/>
+            </a:fillRef>
+            <a:effectRef idx="0">
+              <a:schemeClr val="accent1"/>
+            </a:effectRef>
+            <a:fontRef idx="minor">
+              <a:schemeClr val="tx1"/>
+            </a:fontRef>
+          </p:style>
+          <p:txBody>
+            <a:bodyPr rtlCol="0" anchor="ctr"/>
+            <a:lstStyle/>
+            <a:p>
+              <a:pPr algn="ctr"/>
+              <a:endParaRPr lang="fr-FR" dirty="0"/>
+            </a:p>
+          </p:txBody>
+        </p:sp>
+        <mc:AlternateContent xmlns:mc="http://schemas.openxmlformats.org/markup-compatibility/2006">
+          <mc:Choice xmlns:a14="http://schemas.microsoft.com/office/drawing/2010/main" Requires="a14">
+            <p:sp>
+              <p:nvSpPr>
+                <p:cNvPr id="149" name="ZoneTexte 148"/>
+                <p:cNvSpPr txBox="1"/>
+                <p:nvPr/>
+              </p:nvSpPr>
+              <p:spPr>
+                <a:xfrm>
+                  <a:off x="1153911" y="4941168"/>
+                  <a:ext cx="326371" cy="307777"/>
+                </a:xfrm>
+                <a:prstGeom prst="rect">
+                  <a:avLst/>
+                </a:prstGeom>
+                <a:noFill/>
+              </p:spPr>
+              <p:txBody>
+                <a:bodyPr wrap="none" rtlCol="0">
+                  <a:spAutoFit/>
+                </a:bodyPr>
+                <a:lstStyle/>
+                <a:p>
+                  <a14:m>
+                    <m:oMathPara xmlns:m="http://schemas.openxmlformats.org/officeDocument/2006/math">
+                      <m:oMathParaPr>
+                        <m:jc m:val="centerGroup"/>
+                      </m:oMathParaPr>
+                      <m:oMath xmlns:m="http://schemas.openxmlformats.org/officeDocument/2006/math">
+                        <m:acc>
+                          <m:accPr>
+                            <m:chr m:val="⃗"/>
+                            <m:ctrlPr>
+                              <a:rPr lang="fr-FR" sz="1400" b="0" i="1" smtClean="0">
+                                <a:latin typeface="Cambria Math"/>
+                              </a:rPr>
+                            </m:ctrlPr>
+                          </m:accPr>
+                          <m:e>
+                            <m:r>
+                              <a:rPr lang="fr-FR" sz="1400" b="0" i="1" smtClean="0">
+                                <a:latin typeface="Cambria Math"/>
+                              </a:rPr>
+                              <m:t>𝑥</m:t>
+                            </m:r>
+                          </m:e>
+                        </m:acc>
+                      </m:oMath>
+                    </m:oMathPara>
+                  </a14:m>
+                  <a:endParaRPr lang="fr-FR" sz="1400" dirty="0"/>
+                </a:p>
+              </p:txBody>
+            </p:sp>
+          </mc:Choice>
+          <mc:Fallback>
+            <p:sp>
+              <p:nvSpPr>
+                <p:cNvPr id="149" name="ZoneTexte 148"/>
+                <p:cNvSpPr txBox="1">
+                  <a:spLocks noRot="1" noChangeAspect="1" noMove="1" noResize="1" noEditPoints="1" noAdjustHandles="1" noChangeArrowheads="1" noChangeShapeType="1" noTextEdit="1"/>
+                </p:cNvSpPr>
+                <p:nvPr/>
+              </p:nvSpPr>
+              <p:spPr>
+                <a:xfrm>
+                  <a:off x="1153911" y="4941168"/>
+                  <a:ext cx="326371" cy="307777"/>
+                </a:xfrm>
+                <a:prstGeom prst="rect">
+                  <a:avLst/>
+                </a:prstGeom>
+                <a:blipFill rotWithShape="1">
+                  <a:blip r:embed="rId13"/>
+                  <a:stretch>
+                    <a:fillRect t="-12000" r="-11321"/>
+                  </a:stretch>
+                </a:blipFill>
+              </p:spPr>
+              <p:txBody>
+                <a:bodyPr/>
+                <a:lstStyle/>
+                <a:p>
+                  <a:r>
+                    <a:rPr lang="fr-FR">
+                      <a:noFill/>
+                    </a:rPr>
+                    <a:t> </a:t>
+                  </a:r>
+                </a:p>
+              </p:txBody>
+            </p:sp>
+          </mc:Fallback>
+        </mc:AlternateContent>
+        <mc:AlternateContent xmlns:mc="http://schemas.openxmlformats.org/markup-compatibility/2006">
+          <mc:Choice xmlns:a14="http://schemas.microsoft.com/office/drawing/2010/main" Requires="a14">
+            <p:sp>
+              <p:nvSpPr>
+                <p:cNvPr id="150" name="ZoneTexte 149"/>
+                <p:cNvSpPr txBox="1"/>
+                <p:nvPr/>
+              </p:nvSpPr>
+              <p:spPr>
+                <a:xfrm>
+                  <a:off x="358815" y="5435472"/>
+                  <a:ext cx="328808" cy="307777"/>
+                </a:xfrm>
+                <a:prstGeom prst="rect">
+                  <a:avLst/>
+                </a:prstGeom>
+                <a:noFill/>
+              </p:spPr>
+              <p:txBody>
+                <a:bodyPr wrap="none" rtlCol="0">
+                  <a:spAutoFit/>
+                </a:bodyPr>
+                <a:lstStyle/>
+                <a:p>
+                  <a14:m>
+                    <m:oMathPara xmlns:m="http://schemas.openxmlformats.org/officeDocument/2006/math">
+                      <m:oMathParaPr>
+                        <m:jc m:val="centerGroup"/>
+                      </m:oMathParaPr>
+                      <m:oMath xmlns:m="http://schemas.openxmlformats.org/officeDocument/2006/math">
+                        <m:acc>
+                          <m:accPr>
+                            <m:chr m:val="⃗"/>
+                            <m:ctrlPr>
+                              <a:rPr lang="fr-FR" sz="1400" b="0" i="1" smtClean="0">
+                                <a:latin typeface="Cambria Math"/>
+                              </a:rPr>
+                            </m:ctrlPr>
+                          </m:accPr>
+                          <m:e>
+                            <m:r>
+                              <a:rPr lang="fr-FR" sz="1400" b="0" i="1" smtClean="0">
+                                <a:latin typeface="Cambria Math"/>
+                              </a:rPr>
+                              <m:t>𝑦</m:t>
+                            </m:r>
+                          </m:e>
+                        </m:acc>
+                      </m:oMath>
+                    </m:oMathPara>
+                  </a14:m>
+                  <a:endParaRPr lang="fr-FR" sz="1400" dirty="0"/>
+                </a:p>
+              </p:txBody>
+            </p:sp>
+          </mc:Choice>
+          <mc:Fallback>
+            <p:sp>
+              <p:nvSpPr>
+                <p:cNvPr id="150" name="ZoneTexte 149"/>
+                <p:cNvSpPr txBox="1">
+                  <a:spLocks noRot="1" noChangeAspect="1" noMove="1" noResize="1" noEditPoints="1" noAdjustHandles="1" noChangeArrowheads="1" noChangeShapeType="1" noTextEdit="1"/>
+                </p:cNvSpPr>
+                <p:nvPr/>
+              </p:nvSpPr>
+              <p:spPr>
+                <a:xfrm>
+                  <a:off x="358815" y="5435472"/>
+                  <a:ext cx="328808" cy="307777"/>
+                </a:xfrm>
+                <a:prstGeom prst="rect">
+                  <a:avLst/>
+                </a:prstGeom>
+                <a:blipFill rotWithShape="1">
+                  <a:blip r:embed="rId14"/>
+                  <a:stretch>
+                    <a:fillRect t="-12000" r="-14815" b="-2000"/>
+                  </a:stretch>
+                </a:blipFill>
+              </p:spPr>
+              <p:txBody>
+                <a:bodyPr/>
+                <a:lstStyle/>
+                <a:p>
+                  <a:r>
+                    <a:rPr lang="fr-FR">
+                      <a:noFill/>
+                    </a:rPr>
+                    <a:t> </a:t>
+                  </a:r>
+                </a:p>
+              </p:txBody>
+            </p:sp>
+          </mc:Fallback>
+        </mc:AlternateContent>
+        <mc:AlternateContent xmlns:mc="http://schemas.openxmlformats.org/markup-compatibility/2006">
+          <mc:Choice xmlns:a14="http://schemas.microsoft.com/office/drawing/2010/main" Requires="a14">
+            <p:sp>
+              <p:nvSpPr>
+                <p:cNvPr id="151" name="ZoneTexte 150"/>
+                <p:cNvSpPr txBox="1"/>
+                <p:nvPr/>
+              </p:nvSpPr>
+              <p:spPr>
+                <a:xfrm>
+                  <a:off x="1170145" y="5427833"/>
+                  <a:ext cx="314381" cy="307777"/>
+                </a:xfrm>
+                <a:prstGeom prst="rect">
+                  <a:avLst/>
+                </a:prstGeom>
+                <a:noFill/>
+              </p:spPr>
+              <p:txBody>
+                <a:bodyPr wrap="none" rtlCol="0">
+                  <a:spAutoFit/>
+                </a:bodyPr>
+                <a:lstStyle/>
+                <a:p>
+                  <a14:m>
+                    <m:oMathPara xmlns:m="http://schemas.openxmlformats.org/officeDocument/2006/math">
+                      <m:oMathParaPr>
+                        <m:jc m:val="centerGroup"/>
+                      </m:oMathParaPr>
+                      <m:oMath xmlns:m="http://schemas.openxmlformats.org/officeDocument/2006/math">
+                        <m:acc>
+                          <m:accPr>
+                            <m:chr m:val="⃗"/>
+                            <m:ctrlPr>
+                              <a:rPr lang="fr-FR" sz="1400" b="0" i="1" smtClean="0">
+                                <a:latin typeface="Cambria Math"/>
+                              </a:rPr>
+                            </m:ctrlPr>
+                          </m:accPr>
+                          <m:e>
+                            <m:r>
+                              <a:rPr lang="fr-FR" sz="1400" b="0" i="1" smtClean="0">
+                                <a:latin typeface="Cambria Math"/>
+                              </a:rPr>
+                              <m:t>𝑧</m:t>
+                            </m:r>
+                          </m:e>
+                        </m:acc>
+                      </m:oMath>
+                    </m:oMathPara>
+                  </a14:m>
+                  <a:endParaRPr lang="fr-FR" sz="1400" dirty="0"/>
+                </a:p>
+              </p:txBody>
+            </p:sp>
+          </mc:Choice>
+          <mc:Fallback>
+            <p:sp>
+              <p:nvSpPr>
+                <p:cNvPr id="151" name="ZoneTexte 150"/>
+                <p:cNvSpPr txBox="1">
+                  <a:spLocks noRot="1" noChangeAspect="1" noMove="1" noResize="1" noEditPoints="1" noAdjustHandles="1" noChangeArrowheads="1" noChangeShapeType="1" noTextEdit="1"/>
+                </p:cNvSpPr>
+                <p:nvPr/>
+              </p:nvSpPr>
+              <p:spPr>
+                <a:xfrm>
+                  <a:off x="1170145" y="5427833"/>
+                  <a:ext cx="314381" cy="307777"/>
+                </a:xfrm>
+                <a:prstGeom prst="rect">
+                  <a:avLst/>
+                </a:prstGeom>
+                <a:blipFill rotWithShape="1">
+                  <a:blip r:embed="rId15"/>
+                  <a:stretch>
+                    <a:fillRect t="-12000" r="-11538"/>
+                  </a:stretch>
+                </a:blipFill>
+              </p:spPr>
+              <p:txBody>
+                <a:bodyPr/>
+                <a:lstStyle/>
+                <a:p>
+                  <a:r>
+                    <a:rPr lang="fr-FR">
+                      <a:noFill/>
+                    </a:rPr>
+                    <a:t> </a:t>
+                  </a:r>
+                </a:p>
+              </p:txBody>
+            </p:sp>
+          </mc:Fallback>
+        </mc:AlternateContent>
+      </p:grpSp>
+      <p:cxnSp>
+        <p:nvCxnSpPr>
+          <p:cNvPr id="159" name="Connecteur droit 158"/>
+          <p:cNvCxnSpPr>
+            <a:endCxn id="92" idx="3"/>
+          </p:cNvCxnSpPr>
+          <p:nvPr/>
+        </p:nvCxnSpPr>
+        <p:spPr>
+          <a:xfrm flipV="1">
+            <a:off x="4863326" y="3564176"/>
+            <a:ext cx="3000" cy="1007755"/>
+          </a:xfrm>
+          <a:prstGeom prst="line">
+            <a:avLst/>
+          </a:prstGeom>
+          <a:ln w="28575">
+            <a:solidFill>
+              <a:schemeClr val="tx1"/>
+            </a:solidFill>
+          </a:ln>
+        </p:spPr>
+        <p:style>
+          <a:lnRef idx="1">
+            <a:schemeClr val="accent1"/>
+          </a:lnRef>
+          <a:fillRef idx="0">
+            <a:schemeClr val="accent1"/>
+          </a:fillRef>
+          <a:effectRef idx="0">
+            <a:schemeClr val="accent1"/>
+          </a:effectRef>
+          <a:fontRef idx="minor">
+            <a:schemeClr val="tx1"/>
+          </a:fontRef>
+        </p:style>
+      </p:cxnSp>
+      <p:cxnSp>
+        <p:nvCxnSpPr>
+          <p:cNvPr id="166" name="Connecteur droit 165"/>
+          <p:cNvCxnSpPr/>
+          <p:nvPr/>
+        </p:nvCxnSpPr>
+        <p:spPr>
+          <a:xfrm>
+            <a:off x="7711296" y="3498193"/>
+            <a:ext cx="642035" cy="0"/>
+          </a:xfrm>
+          <a:prstGeom prst="line">
+            <a:avLst/>
+          </a:prstGeom>
+          <a:ln w="28575">
+            <a:solidFill>
+              <a:srgbClr val="00B050"/>
+            </a:solidFill>
+          </a:ln>
+        </p:spPr>
+        <p:style>
+          <a:lnRef idx="1">
+            <a:schemeClr val="accent1"/>
+          </a:lnRef>
+          <a:fillRef idx="0">
+            <a:schemeClr val="accent1"/>
+          </a:fillRef>
+          <a:effectRef idx="0">
+            <a:schemeClr val="accent1"/>
+          </a:effectRef>
+          <a:fontRef idx="minor">
+            <a:schemeClr val="tx1"/>
+          </a:fontRef>
+        </p:style>
+      </p:cxnSp>
+      <p:cxnSp>
+        <p:nvCxnSpPr>
+          <p:cNvPr id="167" name="Connecteur droit 166"/>
+          <p:cNvCxnSpPr/>
+          <p:nvPr/>
+        </p:nvCxnSpPr>
+        <p:spPr>
+          <a:xfrm rot="5400000">
+            <a:off x="8245319" y="3498193"/>
+            <a:ext cx="216024" cy="0"/>
+          </a:xfrm>
+          <a:prstGeom prst="line">
+            <a:avLst/>
+          </a:prstGeom>
+          <a:ln w="28575">
+            <a:solidFill>
+              <a:srgbClr val="00B050"/>
+            </a:solidFill>
+          </a:ln>
+        </p:spPr>
+        <p:style>
+          <a:lnRef idx="1">
+            <a:schemeClr val="accent1"/>
+          </a:lnRef>
+          <a:fillRef idx="0">
+            <a:schemeClr val="accent1"/>
+          </a:fillRef>
+          <a:effectRef idx="0">
+            <a:schemeClr val="accent1"/>
+          </a:effectRef>
+          <a:fontRef idx="minor">
+            <a:schemeClr val="tx1"/>
+          </a:fontRef>
+        </p:style>
+      </p:cxnSp>
+      <p:cxnSp>
+        <p:nvCxnSpPr>
+          <p:cNvPr id="168" name="Connecteur droit 167"/>
+          <p:cNvCxnSpPr/>
+          <p:nvPr/>
+        </p:nvCxnSpPr>
+        <p:spPr>
+          <a:xfrm rot="5400000">
+            <a:off x="7594706" y="3486611"/>
+            <a:ext cx="216024" cy="0"/>
+          </a:xfrm>
+          <a:prstGeom prst="line">
+            <a:avLst/>
+          </a:prstGeom>
+          <a:ln w="28575">
+            <a:solidFill>
+              <a:srgbClr val="00B050"/>
+            </a:solidFill>
+          </a:ln>
+        </p:spPr>
+        <p:style>
+          <a:lnRef idx="1">
+            <a:schemeClr val="accent1"/>
+          </a:lnRef>
+          <a:fillRef idx="0">
+            <a:schemeClr val="accent1"/>
+          </a:fillRef>
+          <a:effectRef idx="0">
+            <a:schemeClr val="accent1"/>
+          </a:effectRef>
+          <a:fontRef idx="minor">
+            <a:schemeClr val="tx1"/>
+          </a:fontRef>
+        </p:style>
+      </p:cxnSp>
+      <p:cxnSp>
+        <p:nvCxnSpPr>
+          <p:cNvPr id="170" name="Connecteur droit 169"/>
+          <p:cNvCxnSpPr/>
+          <p:nvPr/>
+        </p:nvCxnSpPr>
+        <p:spPr>
+          <a:xfrm>
+            <a:off x="8036190" y="2628125"/>
+            <a:ext cx="1" cy="1192850"/>
+          </a:xfrm>
+          <a:prstGeom prst="line">
+            <a:avLst/>
+          </a:prstGeom>
+          <a:ln w="28575">
+            <a:solidFill>
+              <a:srgbClr val="00B050"/>
+            </a:solidFill>
+          </a:ln>
+        </p:spPr>
+        <p:style>
+          <a:lnRef idx="1">
+            <a:schemeClr val="accent1"/>
+          </a:lnRef>
+          <a:fillRef idx="0">
+            <a:schemeClr val="accent1"/>
+          </a:fillRef>
+          <a:effectRef idx="0">
+            <a:schemeClr val="accent1"/>
+          </a:effectRef>
+          <a:fontRef idx="minor">
+            <a:schemeClr val="tx1"/>
+          </a:fontRef>
+        </p:style>
+      </p:cxnSp>
+      <p:cxnSp>
+        <p:nvCxnSpPr>
+          <p:cNvPr id="171" name="Connecteur droit 170"/>
+          <p:cNvCxnSpPr/>
+          <p:nvPr/>
+        </p:nvCxnSpPr>
+        <p:spPr>
+          <a:xfrm>
+            <a:off x="7785794" y="3833221"/>
+            <a:ext cx="516161" cy="0"/>
+          </a:xfrm>
+          <a:prstGeom prst="line">
+            <a:avLst/>
+          </a:prstGeom>
+          <a:ln w="28575">
+            <a:solidFill>
+              <a:srgbClr val="00B050"/>
+            </a:solidFill>
+          </a:ln>
+        </p:spPr>
+        <p:style>
+          <a:lnRef idx="1">
+            <a:schemeClr val="accent1"/>
+          </a:lnRef>
+          <a:fillRef idx="0">
+            <a:schemeClr val="accent1"/>
+          </a:fillRef>
+          <a:effectRef idx="0">
+            <a:schemeClr val="accent1"/>
+          </a:effectRef>
+          <a:fontRef idx="minor">
+            <a:schemeClr val="tx1"/>
+          </a:fontRef>
+        </p:style>
+      </p:cxnSp>
+      <p:cxnSp>
+        <p:nvCxnSpPr>
+          <p:cNvPr id="172" name="Connecteur droit 171"/>
+          <p:cNvCxnSpPr/>
+          <p:nvPr/>
+        </p:nvCxnSpPr>
+        <p:spPr>
+          <a:xfrm rot="5400000">
+            <a:off x="7679991" y="3833221"/>
+            <a:ext cx="216024" cy="0"/>
+          </a:xfrm>
+          <a:prstGeom prst="line">
+            <a:avLst/>
+          </a:prstGeom>
+          <a:ln w="28575">
+            <a:solidFill>
+              <a:srgbClr val="00B050"/>
+            </a:solidFill>
+          </a:ln>
+        </p:spPr>
+        <p:style>
+          <a:lnRef idx="1">
+            <a:schemeClr val="accent1"/>
+          </a:lnRef>
+          <a:fillRef idx="0">
+            <a:schemeClr val="accent1"/>
+          </a:fillRef>
+          <a:effectRef idx="0">
+            <a:schemeClr val="accent1"/>
+          </a:effectRef>
+          <a:fontRef idx="minor">
+            <a:schemeClr val="tx1"/>
+          </a:fontRef>
+        </p:style>
+      </p:cxnSp>
+      <p:cxnSp>
+        <p:nvCxnSpPr>
+          <p:cNvPr id="175" name="Connecteur droit 174"/>
+          <p:cNvCxnSpPr/>
+          <p:nvPr/>
+        </p:nvCxnSpPr>
+        <p:spPr>
+          <a:xfrm rot="5400000">
+            <a:off x="8193943" y="3828875"/>
+            <a:ext cx="216024" cy="0"/>
+          </a:xfrm>
+          <a:prstGeom prst="line">
+            <a:avLst/>
+          </a:prstGeom>
+          <a:ln w="28575">
+            <a:solidFill>
+              <a:srgbClr val="00B050"/>
+            </a:solidFill>
+          </a:ln>
+        </p:spPr>
+        <p:style>
+          <a:lnRef idx="1">
+            <a:schemeClr val="accent1"/>
+          </a:lnRef>
+          <a:fillRef idx="0">
+            <a:schemeClr val="accent1"/>
+          </a:fillRef>
+          <a:effectRef idx="0">
+            <a:schemeClr val="accent1"/>
+          </a:effectRef>
+          <a:fontRef idx="minor">
+            <a:schemeClr val="tx1"/>
+          </a:fontRef>
+        </p:style>
+      </p:cxnSp>
+      <p:sp>
+        <p:nvSpPr>
+          <p:cNvPr id="176" name="Rectangle 175"/>
+          <p:cNvSpPr/>
+          <p:nvPr/>
+        </p:nvSpPr>
+        <p:spPr>
+          <a:xfrm>
+            <a:off x="7941713" y="2740343"/>
+            <a:ext cx="180000" cy="360000"/>
+          </a:xfrm>
+          <a:prstGeom prst="rect">
+            <a:avLst/>
+          </a:prstGeom>
+          <a:noFill/>
+          <a:ln w="28575">
+            <a:solidFill>
+              <a:srgbClr val="FF0000"/>
+            </a:solidFill>
+          </a:ln>
+        </p:spPr>
+        <p:style>
+          <a:lnRef idx="2">
+            <a:schemeClr val="accent1">
+              <a:shade val="50000"/>
+            </a:schemeClr>
+          </a:lnRef>
+          <a:fillRef idx="1">
+            <a:schemeClr val="accent1"/>
+          </a:fillRef>
+          <a:effectRef idx="0">
+            <a:schemeClr val="accent1"/>
+          </a:effectRef>
+          <a:fontRef idx="minor">
+            <a:schemeClr val="lt1"/>
+          </a:fontRef>
+        </p:style>
+        <p:txBody>
+          <a:bodyPr rtlCol="0" anchor="ctr"/>
+          <a:lstStyle/>
+          <a:p>
+            <a:pPr algn="ctr"/>
+            <a:endParaRPr lang="fr-FR">
+              <a:ln>
+                <a:solidFill>
+                  <a:sysClr val="windowText" lastClr="000000"/>
+                </a:solidFill>
+              </a:ln>
+            </a:endParaRPr>
+          </a:p>
+        </p:txBody>
+      </p:sp>
+      <p:cxnSp>
+        <p:nvCxnSpPr>
+          <p:cNvPr id="187" name="Connecteur droit 186"/>
+          <p:cNvCxnSpPr/>
+          <p:nvPr/>
+        </p:nvCxnSpPr>
+        <p:spPr>
+          <a:xfrm flipV="1">
+            <a:off x="7675799" y="3315997"/>
+            <a:ext cx="0" cy="360000"/>
+          </a:xfrm>
+          <a:prstGeom prst="line">
+            <a:avLst/>
+          </a:prstGeom>
+          <a:ln w="9525">
+            <a:solidFill>
+              <a:schemeClr val="tx1"/>
+            </a:solidFill>
+            <a:prstDash val="lgDashDot"/>
+          </a:ln>
+        </p:spPr>
+        <p:style>
+          <a:lnRef idx="1">
+            <a:schemeClr val="accent1"/>
+          </a:lnRef>
+          <a:fillRef idx="0">
+            <a:schemeClr val="accent1"/>
+          </a:fillRef>
+          <a:effectRef idx="0">
+            <a:schemeClr val="accent1"/>
+          </a:effectRef>
+          <a:fontRef idx="minor">
+            <a:schemeClr val="tx1"/>
+          </a:fontRef>
+        </p:style>
+      </p:cxnSp>
+      <p:grpSp>
+        <p:nvGrpSpPr>
+          <p:cNvPr id="204" name="Groupe 203"/>
+          <p:cNvGrpSpPr/>
+          <p:nvPr/>
+        </p:nvGrpSpPr>
+        <p:grpSpPr>
+          <a:xfrm>
+            <a:off x="7330263" y="3339221"/>
+            <a:ext cx="317943" cy="317943"/>
+            <a:chOff x="8443585" y="3285522"/>
+            <a:chExt cx="317943" cy="317943"/>
+          </a:xfrm>
+        </p:grpSpPr>
+        <p:sp>
+          <p:nvSpPr>
+            <p:cNvPr id="185" name="Ellipse 184"/>
+            <p:cNvSpPr/>
+            <p:nvPr/>
+          </p:nvSpPr>
+          <p:spPr>
+            <a:xfrm>
+              <a:off x="8443585" y="3285522"/>
+              <a:ext cx="317943" cy="317943"/>
+            </a:xfrm>
+            <a:prstGeom prst="ellipse">
+              <a:avLst/>
+            </a:prstGeom>
+            <a:noFill/>
+            <a:ln>
+              <a:solidFill>
+                <a:schemeClr val="tx2"/>
+              </a:solidFill>
+            </a:ln>
+          </p:spPr>
+          <p:style>
+            <a:lnRef idx="2">
+              <a:schemeClr val="accent1">
+                <a:shade val="50000"/>
+              </a:schemeClr>
+            </a:lnRef>
+            <a:fillRef idx="1">
+              <a:schemeClr val="accent1"/>
+            </a:fillRef>
+            <a:effectRef idx="0">
+              <a:schemeClr val="accent1"/>
+            </a:effectRef>
+            <a:fontRef idx="minor">
+              <a:schemeClr val="lt1"/>
+            </a:fontRef>
+          </p:style>
+          <p:txBody>
+            <a:bodyPr rtlCol="0" anchor="ctr"/>
+            <a:lstStyle/>
+            <a:p>
+              <a:pPr algn="ctr"/>
+              <a:endParaRPr lang="fr-FR"/>
+            </a:p>
+          </p:txBody>
+        </p:sp>
+        <p:sp>
+          <p:nvSpPr>
+            <p:cNvPr id="186" name="Ellipse 185"/>
+            <p:cNvSpPr>
+              <a:spLocks noChangeAspect="1"/>
+            </p:cNvSpPr>
+            <p:nvPr/>
+          </p:nvSpPr>
+          <p:spPr>
+            <a:xfrm>
+              <a:off x="8512556" y="3354493"/>
+              <a:ext cx="180000" cy="180000"/>
+            </a:xfrm>
+            <a:prstGeom prst="ellipse">
+              <a:avLst/>
+            </a:prstGeom>
+            <a:noFill/>
+            <a:ln>
+              <a:solidFill>
+                <a:schemeClr val="tx1"/>
+              </a:solidFill>
+            </a:ln>
+          </p:spPr>
+          <p:style>
+            <a:lnRef idx="2">
+              <a:schemeClr val="accent1">
+                <a:shade val="50000"/>
+              </a:schemeClr>
+            </a:lnRef>
+            <a:fillRef idx="1">
+              <a:schemeClr val="accent1"/>
+            </a:fillRef>
+            <a:effectRef idx="0">
+              <a:schemeClr val="accent1"/>
+            </a:effectRef>
+            <a:fontRef idx="minor">
+              <a:schemeClr val="lt1"/>
+            </a:fontRef>
+          </p:style>
+          <p:txBody>
+            <a:bodyPr rtlCol="0" anchor="ctr"/>
+            <a:lstStyle/>
+            <a:p>
+              <a:pPr algn="ctr"/>
+              <a:endParaRPr lang="fr-FR" dirty="0"/>
+            </a:p>
+          </p:txBody>
+        </p:sp>
+        <p:cxnSp>
+          <p:nvCxnSpPr>
+            <p:cNvPr id="188" name="Connecteur droit 187"/>
+            <p:cNvCxnSpPr>
+              <a:stCxn id="185" idx="1"/>
+            </p:cNvCxnSpPr>
+            <p:nvPr/>
+          </p:nvCxnSpPr>
+          <p:spPr>
+            <a:xfrm>
+              <a:off x="8490147" y="3332084"/>
+              <a:ext cx="113012" cy="112409"/>
+            </a:xfrm>
+            <a:prstGeom prst="line">
+              <a:avLst/>
+            </a:prstGeom>
+            <a:noFill/>
+            <a:ln>
+              <a:solidFill>
+                <a:schemeClr val="tx2"/>
+              </a:solidFill>
+              <a:tailEnd type="oval"/>
+            </a:ln>
+          </p:spPr>
+          <p:style>
+            <a:lnRef idx="2">
+              <a:schemeClr val="accent1">
+                <a:shade val="50000"/>
+              </a:schemeClr>
+            </a:lnRef>
+            <a:fillRef idx="1">
+              <a:schemeClr val="accent1"/>
+            </a:fillRef>
+            <a:effectRef idx="0">
+              <a:schemeClr val="accent1"/>
+            </a:effectRef>
+            <a:fontRef idx="minor">
+              <a:schemeClr val="lt1"/>
+            </a:fontRef>
+          </p:style>
+        </p:cxnSp>
+      </p:grpSp>
+      <mc:AlternateContent xmlns:mc="http://schemas.openxmlformats.org/markup-compatibility/2006">
+        <mc:Choice xmlns:a14="http://schemas.microsoft.com/office/drawing/2010/main" Requires="a14">
+          <p:sp>
+            <p:nvSpPr>
+              <p:cNvPr id="192" name="ZoneTexte 191"/>
+              <p:cNvSpPr txBox="1"/>
+              <p:nvPr/>
+            </p:nvSpPr>
+            <p:spPr>
+              <a:xfrm>
+                <a:off x="7648206" y="4808582"/>
+                <a:ext cx="348172" cy="307777"/>
+              </a:xfrm>
+              <a:prstGeom prst="rect">
+                <a:avLst/>
+              </a:prstGeom>
+              <a:noFill/>
+            </p:spPr>
+            <p:txBody>
+              <a:bodyPr wrap="none" rtlCol="0">
+                <a:spAutoFit/>
+              </a:bodyPr>
+              <a:lstStyle/>
+              <a:p>
+                <a14:m>
+                  <m:oMathPara xmlns:m="http://schemas.openxmlformats.org/officeDocument/2006/math">
+                    <m:oMathParaPr>
+                      <m:jc m:val="centerGroup"/>
+                    </m:oMathParaPr>
+                    <m:oMath xmlns:m="http://schemas.openxmlformats.org/officeDocument/2006/math">
+                      <m:r>
+                        <a:rPr lang="fr-FR" sz="1400" b="0" i="1" smtClean="0">
+                          <a:latin typeface="Cambria Math"/>
+                        </a:rPr>
+                        <m:t>𝐵</m:t>
+                      </m:r>
+                    </m:oMath>
+                  </m:oMathPara>
+                </a14:m>
+                <a:endParaRPr lang="fr-FR" sz="1400" dirty="0"/>
+              </a:p>
+            </p:txBody>
+          </p:sp>
+        </mc:Choice>
+        <mc:Fallback>
+          <p:sp>
+            <p:nvSpPr>
+              <p:cNvPr id="192" name="ZoneTexte 191"/>
+              <p:cNvSpPr txBox="1">
+                <a:spLocks noRot="1" noChangeAspect="1" noMove="1" noResize="1" noEditPoints="1" noAdjustHandles="1" noChangeArrowheads="1" noChangeShapeType="1" noTextEdit="1"/>
+              </p:cNvSpPr>
+              <p:nvPr/>
+            </p:nvSpPr>
+            <p:spPr>
+              <a:xfrm>
+                <a:off x="7648206" y="4808582"/>
+                <a:ext cx="348172" cy="307777"/>
+              </a:xfrm>
+              <a:prstGeom prst="rect">
+                <a:avLst/>
+              </a:prstGeom>
+              <a:blipFill rotWithShape="1">
+                <a:blip r:embed="rId16"/>
+                <a:stretch>
+                  <a:fillRect/>
+                </a:stretch>
+              </a:blipFill>
+            </p:spPr>
+            <p:txBody>
+              <a:bodyPr/>
+              <a:lstStyle/>
+              <a:p>
+                <a:r>
+                  <a:rPr lang="fr-FR">
+                    <a:noFill/>
+                  </a:rPr>
+                  <a:t> </a:t>
+                </a:r>
+              </a:p>
+            </p:txBody>
+          </p:sp>
+        </mc:Fallback>
+      </mc:AlternateContent>
+      <p:cxnSp>
+        <p:nvCxnSpPr>
+          <p:cNvPr id="209" name="Connecteur droit 208"/>
+          <p:cNvCxnSpPr/>
+          <p:nvPr/>
+        </p:nvCxnSpPr>
+        <p:spPr>
+          <a:xfrm>
+            <a:off x="7788003" y="3209710"/>
+            <a:ext cx="516161" cy="0"/>
+          </a:xfrm>
+          <a:prstGeom prst="line">
+            <a:avLst/>
+          </a:prstGeom>
+          <a:ln w="28575">
+            <a:solidFill>
+              <a:srgbClr val="00B050"/>
+            </a:solidFill>
+          </a:ln>
+        </p:spPr>
+        <p:style>
+          <a:lnRef idx="1">
+            <a:schemeClr val="accent1"/>
+          </a:lnRef>
+          <a:fillRef idx="0">
+            <a:schemeClr val="accent1"/>
+          </a:fillRef>
+          <a:effectRef idx="0">
+            <a:schemeClr val="accent1"/>
+          </a:effectRef>
+          <a:fontRef idx="minor">
+            <a:schemeClr val="tx1"/>
+          </a:fontRef>
+        </p:style>
+      </p:cxnSp>
+      <p:cxnSp>
+        <p:nvCxnSpPr>
+          <p:cNvPr id="210" name="Connecteur droit 209"/>
+          <p:cNvCxnSpPr/>
+          <p:nvPr/>
+        </p:nvCxnSpPr>
+        <p:spPr>
+          <a:xfrm rot="5400000">
+            <a:off x="7682200" y="3209710"/>
+            <a:ext cx="216024" cy="0"/>
+          </a:xfrm>
+          <a:prstGeom prst="line">
+            <a:avLst/>
+          </a:prstGeom>
+          <a:ln w="28575">
+            <a:solidFill>
+              <a:srgbClr val="00B050"/>
+            </a:solidFill>
+          </a:ln>
+        </p:spPr>
+        <p:style>
+          <a:lnRef idx="1">
+            <a:schemeClr val="accent1"/>
+          </a:lnRef>
+          <a:fillRef idx="0">
+            <a:schemeClr val="accent1"/>
+          </a:fillRef>
+          <a:effectRef idx="0">
+            <a:schemeClr val="accent1"/>
+          </a:effectRef>
+          <a:fontRef idx="minor">
+            <a:schemeClr val="tx1"/>
+          </a:fontRef>
+        </p:style>
+      </p:cxnSp>
+      <p:cxnSp>
+        <p:nvCxnSpPr>
+          <p:cNvPr id="211" name="Connecteur droit 210"/>
+          <p:cNvCxnSpPr/>
+          <p:nvPr/>
+        </p:nvCxnSpPr>
+        <p:spPr>
+          <a:xfrm rot="5400000">
+            <a:off x="8196152" y="3205364"/>
+            <a:ext cx="216024" cy="0"/>
+          </a:xfrm>
+          <a:prstGeom prst="line">
+            <a:avLst/>
+          </a:prstGeom>
+          <a:ln w="28575">
+            <a:solidFill>
+              <a:srgbClr val="00B050"/>
+            </a:solidFill>
+          </a:ln>
+        </p:spPr>
+        <p:style>
+          <a:lnRef idx="1">
+            <a:schemeClr val="accent1"/>
+          </a:lnRef>
+          <a:fillRef idx="0">
+            <a:schemeClr val="accent1"/>
+          </a:fillRef>
+          <a:effectRef idx="0">
+            <a:schemeClr val="accent1"/>
+          </a:effectRef>
+          <a:fontRef idx="minor">
+            <a:schemeClr val="tx1"/>
+          </a:fontRef>
+        </p:style>
+      </p:cxnSp>
+      <p:cxnSp>
+        <p:nvCxnSpPr>
+          <p:cNvPr id="212" name="Connecteur droit 211"/>
+          <p:cNvCxnSpPr/>
+          <p:nvPr/>
+        </p:nvCxnSpPr>
+        <p:spPr>
+          <a:xfrm rot="10800000">
+            <a:off x="7935862" y="3151894"/>
+            <a:ext cx="216024" cy="0"/>
+          </a:xfrm>
+          <a:prstGeom prst="line">
+            <a:avLst/>
+          </a:prstGeom>
+          <a:ln w="28575">
+            <a:solidFill>
+              <a:srgbClr val="00B050"/>
+            </a:solidFill>
+          </a:ln>
+        </p:spPr>
+        <p:style>
+          <a:lnRef idx="1">
+            <a:schemeClr val="accent1"/>
+          </a:lnRef>
+          <a:fillRef idx="0">
+            <a:schemeClr val="accent1"/>
+          </a:fillRef>
+          <a:effectRef idx="0">
+            <a:schemeClr val="accent1"/>
+          </a:effectRef>
+          <a:fontRef idx="minor">
+            <a:schemeClr val="tx1"/>
+          </a:fontRef>
+        </p:style>
+      </p:cxnSp>
+      <p:cxnSp>
+        <p:nvCxnSpPr>
+          <p:cNvPr id="213" name="Connecteur droit 212"/>
+          <p:cNvCxnSpPr/>
+          <p:nvPr/>
+        </p:nvCxnSpPr>
+        <p:spPr>
+          <a:xfrm rot="10800000">
+            <a:off x="7928179" y="2688454"/>
+            <a:ext cx="216024" cy="0"/>
+          </a:xfrm>
+          <a:prstGeom prst="line">
+            <a:avLst/>
+          </a:prstGeom>
+          <a:ln w="28575">
+            <a:solidFill>
+              <a:srgbClr val="00B050"/>
+            </a:solidFill>
+          </a:ln>
+        </p:spPr>
+        <p:style>
+          <a:lnRef idx="1">
+            <a:schemeClr val="accent1"/>
+          </a:lnRef>
+          <a:fillRef idx="0">
+            <a:schemeClr val="accent1"/>
+          </a:fillRef>
+          <a:effectRef idx="0">
+            <a:schemeClr val="accent1"/>
+          </a:effectRef>
+          <a:fontRef idx="minor">
+            <a:schemeClr val="tx1"/>
+          </a:fontRef>
+        </p:style>
+      </p:cxnSp>
+      <p:grpSp>
+        <p:nvGrpSpPr>
+          <p:cNvPr id="214" name="Groupe 213"/>
+          <p:cNvGrpSpPr/>
+          <p:nvPr/>
+        </p:nvGrpSpPr>
+        <p:grpSpPr>
+          <a:xfrm>
+            <a:off x="7103892" y="4941168"/>
+            <a:ext cx="1178085" cy="799032"/>
+            <a:chOff x="776058" y="4941168"/>
+            <a:chExt cx="1178085" cy="799032"/>
+          </a:xfrm>
+        </p:grpSpPr>
+        <p:cxnSp>
+          <p:nvCxnSpPr>
+            <p:cNvPr id="215" name="Connecteur droit avec flèche 214"/>
+            <p:cNvCxnSpPr/>
+            <p:nvPr/>
+          </p:nvCxnSpPr>
+          <p:spPr>
+            <a:xfrm flipV="1">
+              <a:off x="1176180" y="5013176"/>
+              <a:ext cx="0" cy="568546"/>
+            </a:xfrm>
+            <a:prstGeom prst="straightConnector1">
+              <a:avLst/>
+            </a:prstGeom>
+            <a:ln w="19050">
+              <a:solidFill>
+                <a:schemeClr val="tx1"/>
+              </a:solidFill>
+              <a:tailEnd type="stealth" w="med" len="lg"/>
+            </a:ln>
+          </p:spPr>
+          <p:style>
+            <a:lnRef idx="1">
+              <a:schemeClr val="accent1"/>
+            </a:lnRef>
+            <a:fillRef idx="0">
+              <a:schemeClr val="accent1"/>
+            </a:fillRef>
+            <a:effectRef idx="0">
+              <a:schemeClr val="accent1"/>
+            </a:effectRef>
+            <a:fontRef idx="minor">
+              <a:schemeClr val="tx1"/>
+            </a:fontRef>
+          </p:style>
+        </p:cxnSp>
+        <p:cxnSp>
+          <p:nvCxnSpPr>
+            <p:cNvPr id="216" name="Connecteur droit avec flèche 215"/>
+            <p:cNvCxnSpPr/>
+            <p:nvPr/>
+          </p:nvCxnSpPr>
+          <p:spPr>
+            <a:xfrm rot="5400000" flipH="1" flipV="1">
+              <a:off x="1462378" y="5297449"/>
+              <a:ext cx="0" cy="568546"/>
+            </a:xfrm>
+            <a:prstGeom prst="straightConnector1">
+              <a:avLst/>
+            </a:prstGeom>
+            <a:ln w="19050">
+              <a:solidFill>
+                <a:schemeClr val="tx1"/>
+              </a:solidFill>
+              <a:tailEnd type="stealth" w="med" len="lg"/>
+            </a:ln>
+          </p:spPr>
+          <p:style>
+            <a:lnRef idx="1">
+              <a:schemeClr val="accent1"/>
+            </a:lnRef>
+            <a:fillRef idx="0">
+              <a:schemeClr val="accent1"/>
+            </a:fillRef>
+            <a:effectRef idx="0">
+              <a:schemeClr val="accent1"/>
+            </a:effectRef>
+            <a:fontRef idx="minor">
+              <a:schemeClr val="tx1"/>
+            </a:fontRef>
+          </p:style>
+        </p:cxnSp>
+        <p:sp>
+          <p:nvSpPr>
+            <p:cNvPr id="217" name="Ellipse 216"/>
+            <p:cNvSpPr>
+              <a:spLocks noChangeAspect="1"/>
+            </p:cNvSpPr>
+            <p:nvPr/>
+          </p:nvSpPr>
+          <p:spPr>
+            <a:xfrm>
+              <a:off x="1109051" y="5517232"/>
+              <a:ext cx="128980" cy="128980"/>
+            </a:xfrm>
+            <a:prstGeom prst="ellipse">
+              <a:avLst/>
+            </a:prstGeom>
+            <a:solidFill>
+              <a:schemeClr val="bg1"/>
+            </a:solidFill>
+            <a:ln w="19050">
+              <a:solidFill>
+                <a:schemeClr val="tx1"/>
+              </a:solidFill>
+              <a:tailEnd type="stealth" w="med" len="lg"/>
+            </a:ln>
+          </p:spPr>
+          <p:style>
+            <a:lnRef idx="1">
+              <a:schemeClr val="accent1"/>
+            </a:lnRef>
+            <a:fillRef idx="0">
+              <a:schemeClr val="accent1"/>
+            </a:fillRef>
+            <a:effectRef idx="0">
+              <a:schemeClr val="accent1"/>
+            </a:effectRef>
+            <a:fontRef idx="minor">
+              <a:schemeClr val="tx1"/>
+            </a:fontRef>
+          </p:style>
+          <p:txBody>
+            <a:bodyPr rtlCol="0" anchor="ctr"/>
+            <a:lstStyle/>
+            <a:p>
+              <a:pPr algn="ctr"/>
+              <a:endParaRPr lang="fr-FR" dirty="0"/>
+            </a:p>
+          </p:txBody>
+        </p:sp>
+        <p:sp>
+          <p:nvSpPr>
+            <p:cNvPr id="218" name="Ellipse 217"/>
+            <p:cNvSpPr>
+              <a:spLocks noChangeAspect="1"/>
+            </p:cNvSpPr>
+            <p:nvPr/>
+          </p:nvSpPr>
+          <p:spPr>
+            <a:xfrm>
+              <a:off x="1150681" y="5558862"/>
+              <a:ext cx="45720" cy="45720"/>
+            </a:xfrm>
+            <a:prstGeom prst="ellipse">
+              <a:avLst/>
+            </a:prstGeom>
+            <a:solidFill>
+              <a:schemeClr val="tx1"/>
+            </a:solidFill>
+            <a:ln w="19050">
+              <a:solidFill>
+                <a:schemeClr val="tx1"/>
+              </a:solidFill>
+              <a:tailEnd type="stealth" w="med" len="lg"/>
+            </a:ln>
+          </p:spPr>
+          <p:style>
+            <a:lnRef idx="1">
+              <a:schemeClr val="accent1"/>
+            </a:lnRef>
+            <a:fillRef idx="0">
+              <a:schemeClr val="accent1"/>
+            </a:fillRef>
+            <a:effectRef idx="0">
+              <a:schemeClr val="accent1"/>
+            </a:effectRef>
+            <a:fontRef idx="minor">
+              <a:schemeClr val="tx1"/>
+            </a:fontRef>
+          </p:style>
+          <p:txBody>
+            <a:bodyPr rtlCol="0" anchor="ctr"/>
+            <a:lstStyle/>
+            <a:p>
+              <a:pPr algn="ctr"/>
+              <a:endParaRPr lang="fr-FR" dirty="0"/>
+            </a:p>
+          </p:txBody>
+        </p:sp>
+        <mc:AlternateContent xmlns:mc="http://schemas.openxmlformats.org/markup-compatibility/2006">
+          <mc:Choice xmlns:a14="http://schemas.microsoft.com/office/drawing/2010/main" Requires="a14">
+            <p:sp>
+              <p:nvSpPr>
+                <p:cNvPr id="219" name="ZoneTexte 218"/>
+                <p:cNvSpPr txBox="1"/>
+                <p:nvPr/>
+              </p:nvSpPr>
+              <p:spPr>
+                <a:xfrm>
+                  <a:off x="1153911" y="4941168"/>
+                  <a:ext cx="326371" cy="307777"/>
+                </a:xfrm>
+                <a:prstGeom prst="rect">
+                  <a:avLst/>
+                </a:prstGeom>
+                <a:noFill/>
+              </p:spPr>
+              <p:txBody>
+                <a:bodyPr wrap="none" rtlCol="0">
+                  <a:spAutoFit/>
+                </a:bodyPr>
+                <a:lstStyle/>
+                <a:p>
+                  <a14:m>
+                    <m:oMathPara xmlns:m="http://schemas.openxmlformats.org/officeDocument/2006/math">
+                      <m:oMathParaPr>
+                        <m:jc m:val="centerGroup"/>
+                      </m:oMathParaPr>
+                      <m:oMath xmlns:m="http://schemas.openxmlformats.org/officeDocument/2006/math">
+                        <m:acc>
+                          <m:accPr>
+                            <m:chr m:val="⃗"/>
+                            <m:ctrlPr>
+                              <a:rPr lang="fr-FR" sz="1400" b="0" i="1" smtClean="0">
+                                <a:latin typeface="Cambria Math"/>
+                              </a:rPr>
+                            </m:ctrlPr>
+                          </m:accPr>
+                          <m:e>
+                            <m:r>
+                              <a:rPr lang="fr-FR" sz="1400" b="0" i="1" smtClean="0">
+                                <a:latin typeface="Cambria Math"/>
+                              </a:rPr>
+                              <m:t>𝑥</m:t>
+                            </m:r>
+                          </m:e>
+                        </m:acc>
+                      </m:oMath>
+                    </m:oMathPara>
+                  </a14:m>
+                  <a:endParaRPr lang="fr-FR" sz="1400" dirty="0"/>
+                </a:p>
+              </p:txBody>
+            </p:sp>
+          </mc:Choice>
+          <mc:Fallback>
+            <p:sp>
+              <p:nvSpPr>
+                <p:cNvPr id="219" name="ZoneTexte 218"/>
+                <p:cNvSpPr txBox="1">
+                  <a:spLocks noRot="1" noChangeAspect="1" noMove="1" noResize="1" noEditPoints="1" noAdjustHandles="1" noChangeArrowheads="1" noChangeShapeType="1" noTextEdit="1"/>
+                </p:cNvSpPr>
+                <p:nvPr/>
+              </p:nvSpPr>
+              <p:spPr>
+                <a:xfrm>
+                  <a:off x="1153911" y="4941168"/>
+                  <a:ext cx="326371" cy="307777"/>
+                </a:xfrm>
+                <a:prstGeom prst="rect">
+                  <a:avLst/>
+                </a:prstGeom>
+                <a:blipFill rotWithShape="1">
+                  <a:blip r:embed="rId4"/>
+                  <a:stretch>
+                    <a:fillRect t="-12000" r="-11111"/>
+                  </a:stretch>
+                </a:blipFill>
+              </p:spPr>
+              <p:txBody>
+                <a:bodyPr/>
+                <a:lstStyle/>
+                <a:p>
+                  <a:r>
+                    <a:rPr lang="fr-FR">
+                      <a:noFill/>
+                    </a:rPr>
+                    <a:t> </a:t>
+                  </a:r>
+                </a:p>
+              </p:txBody>
+            </p:sp>
+          </mc:Fallback>
+        </mc:AlternateContent>
+        <mc:AlternateContent xmlns:mc="http://schemas.openxmlformats.org/markup-compatibility/2006">
+          <mc:Choice xmlns:a14="http://schemas.microsoft.com/office/drawing/2010/main" Requires="a14">
+            <p:sp>
+              <p:nvSpPr>
+                <p:cNvPr id="220" name="ZoneTexte 219"/>
+                <p:cNvSpPr txBox="1"/>
+                <p:nvPr/>
+              </p:nvSpPr>
+              <p:spPr>
+                <a:xfrm>
+                  <a:off x="1639762" y="5425479"/>
+                  <a:ext cx="314381" cy="307777"/>
+                </a:xfrm>
+                <a:prstGeom prst="rect">
+                  <a:avLst/>
+                </a:prstGeom>
+                <a:noFill/>
+              </p:spPr>
+              <p:txBody>
+                <a:bodyPr wrap="none" rtlCol="0">
+                  <a:spAutoFit/>
+                </a:bodyPr>
+                <a:lstStyle/>
+                <a:p>
+                  <a14:m>
+                    <m:oMathPara xmlns:m="http://schemas.openxmlformats.org/officeDocument/2006/math">
+                      <m:oMathParaPr>
+                        <m:jc m:val="centerGroup"/>
+                      </m:oMathParaPr>
+                      <m:oMath xmlns:m="http://schemas.openxmlformats.org/officeDocument/2006/math">
+                        <m:acc>
+                          <m:accPr>
+                            <m:chr m:val="⃗"/>
+                            <m:ctrlPr>
+                              <a:rPr lang="fr-FR" sz="1400" b="0" i="1" smtClean="0">
+                                <a:latin typeface="Cambria Math"/>
+                              </a:rPr>
+                            </m:ctrlPr>
+                          </m:accPr>
+                          <m:e>
+                            <m:r>
+                              <a:rPr lang="fr-FR" sz="1400" b="0" i="1" smtClean="0">
+                                <a:latin typeface="Cambria Math"/>
+                              </a:rPr>
+                              <m:t>𝑧</m:t>
+                            </m:r>
+                          </m:e>
+                        </m:acc>
+                      </m:oMath>
+                    </m:oMathPara>
+                  </a14:m>
+                  <a:endParaRPr lang="fr-FR" sz="1400" dirty="0"/>
+                </a:p>
+              </p:txBody>
+            </p:sp>
+          </mc:Choice>
+          <mc:Fallback>
+            <p:sp>
+              <p:nvSpPr>
+                <p:cNvPr id="220" name="ZoneTexte 219"/>
+                <p:cNvSpPr txBox="1">
+                  <a:spLocks noRot="1" noChangeAspect="1" noMove="1" noResize="1" noEditPoints="1" noAdjustHandles="1" noChangeArrowheads="1" noChangeShapeType="1" noTextEdit="1"/>
+                </p:cNvSpPr>
+                <p:nvPr/>
+              </p:nvSpPr>
+              <p:spPr>
+                <a:xfrm>
+                  <a:off x="1639762" y="5425479"/>
+                  <a:ext cx="314381" cy="307777"/>
+                </a:xfrm>
+                <a:prstGeom prst="rect">
+                  <a:avLst/>
+                </a:prstGeom>
+                <a:blipFill rotWithShape="1">
+                  <a:blip r:embed="rId17"/>
+                  <a:stretch>
+                    <a:fillRect t="-12000" r="-11538"/>
+                  </a:stretch>
+                </a:blipFill>
+              </p:spPr>
+              <p:txBody>
+                <a:bodyPr/>
+                <a:lstStyle/>
+                <a:p>
+                  <a:r>
+                    <a:rPr lang="fr-FR">
+                      <a:noFill/>
+                    </a:rPr>
+                    <a:t> </a:t>
+                  </a:r>
+                </a:p>
+              </p:txBody>
+            </p:sp>
+          </mc:Fallback>
+        </mc:AlternateContent>
+        <mc:AlternateContent xmlns:mc="http://schemas.openxmlformats.org/markup-compatibility/2006">
+          <mc:Choice xmlns:a14="http://schemas.microsoft.com/office/drawing/2010/main" Requires="a14">
+            <p:sp>
+              <p:nvSpPr>
+                <p:cNvPr id="221" name="ZoneTexte 220"/>
+                <p:cNvSpPr txBox="1"/>
+                <p:nvPr/>
+              </p:nvSpPr>
+              <p:spPr>
+                <a:xfrm>
+                  <a:off x="776058" y="5432423"/>
+                  <a:ext cx="328808" cy="307777"/>
+                </a:xfrm>
+                <a:prstGeom prst="rect">
+                  <a:avLst/>
+                </a:prstGeom>
+                <a:noFill/>
+              </p:spPr>
+              <p:txBody>
+                <a:bodyPr wrap="none" rtlCol="0">
+                  <a:spAutoFit/>
+                </a:bodyPr>
+                <a:lstStyle/>
+                <a:p>
+                  <a14:m>
+                    <m:oMathPara xmlns:m="http://schemas.openxmlformats.org/officeDocument/2006/math">
+                      <m:oMathParaPr>
+                        <m:jc m:val="centerGroup"/>
+                      </m:oMathParaPr>
+                      <m:oMath xmlns:m="http://schemas.openxmlformats.org/officeDocument/2006/math">
+                        <m:acc>
+                          <m:accPr>
+                            <m:chr m:val="⃗"/>
+                            <m:ctrlPr>
+                              <a:rPr lang="fr-FR" sz="1400" b="0" i="1" smtClean="0">
+                                <a:latin typeface="Cambria Math"/>
+                              </a:rPr>
+                            </m:ctrlPr>
+                          </m:accPr>
+                          <m:e>
+                            <m:r>
+                              <a:rPr lang="fr-FR" sz="1400" b="0" i="1" smtClean="0">
+                                <a:latin typeface="Cambria Math"/>
+                              </a:rPr>
+                              <m:t>𝑦</m:t>
+                            </m:r>
+                          </m:e>
+                        </m:acc>
+                      </m:oMath>
+                    </m:oMathPara>
+                  </a14:m>
+                  <a:endParaRPr lang="fr-FR" sz="1400" dirty="0"/>
+                </a:p>
+              </p:txBody>
+            </p:sp>
+          </mc:Choice>
+          <mc:Fallback>
+            <p:sp>
+              <p:nvSpPr>
+                <p:cNvPr id="221" name="ZoneTexte 220"/>
+                <p:cNvSpPr txBox="1">
+                  <a:spLocks noRot="1" noChangeAspect="1" noMove="1" noResize="1" noEditPoints="1" noAdjustHandles="1" noChangeArrowheads="1" noChangeShapeType="1" noTextEdit="1"/>
+                </p:cNvSpPr>
+                <p:nvPr/>
+              </p:nvSpPr>
+              <p:spPr>
+                <a:xfrm>
+                  <a:off x="776058" y="5432423"/>
+                  <a:ext cx="328808" cy="307777"/>
+                </a:xfrm>
+                <a:prstGeom prst="rect">
+                  <a:avLst/>
+                </a:prstGeom>
+                <a:blipFill rotWithShape="1">
+                  <a:blip r:embed="rId18"/>
+                  <a:stretch>
+                    <a:fillRect t="-11765" r="-14815"/>
+                  </a:stretch>
+                </a:blipFill>
+              </p:spPr>
+              <p:txBody>
+                <a:bodyPr/>
+                <a:lstStyle/>
+                <a:p>
+                  <a:r>
+                    <a:rPr lang="fr-FR">
+                      <a:noFill/>
+                    </a:rPr>
+                    <a:t> </a:t>
+                  </a:r>
+                </a:p>
+              </p:txBody>
+            </p:sp>
+          </mc:Fallback>
+        </mc:AlternateContent>
+      </p:grpSp>
+    </p:spTree>
+    <p:extLst>
+      <p:ext uri="{BB962C8B-B14F-4D97-AF65-F5344CB8AC3E}">
+        <p14:creationId xmlns:p14="http://schemas.microsoft.com/office/powerpoint/2010/main" val="3984884540"/>
+      </p:ext>
+    </p:extLst>
+  </p:cSld>
+  <p:clrMapOvr>
+    <a:masterClrMapping/>
+  </p:clrMapOvr>
+</p:sld>
+</file>
+
 <file path=ppt/theme/theme1.xml><?xml version="1.0" encoding="utf-8"?>
 <a:theme xmlns:a="http://schemas.openxmlformats.org/drawingml/2006/main" name="Thème Office">
   <a:themeElements>

--- a/2014_2015/DS_10_ConcoursBlanc_Robot/Figures.pptx
+++ b/2014_2015/DS_10_ConcoursBlanc_Robot/Figures.pptx
@@ -290,7 +290,7 @@
           <a:p>
             <a:fld id="{AA309A6D-C09C-4548-B29A-6CF363A7E532}" type="datetimeFigureOut">
               <a:rPr lang="fr-FR" smtClean="0"/>
-              <a:t>15/02/2015</a:t>
+              <a:t>16/02/2015</a:t>
             </a:fld>
             <a:endParaRPr lang="fr-BE"/>
           </a:p>
@@ -538,7 +538,7 @@
           <a:p>
             <a:fld id="{AA309A6D-C09C-4548-B29A-6CF363A7E532}" type="datetimeFigureOut">
               <a:rPr lang="fr-FR" smtClean="0"/>
-              <a:t>15/02/2015</a:t>
+              <a:t>16/02/2015</a:t>
             </a:fld>
             <a:endParaRPr lang="fr-BE"/>
           </a:p>
@@ -703,7 +703,7 @@
           <a:p>
             <a:fld id="{AA309A6D-C09C-4548-B29A-6CF363A7E532}" type="datetimeFigureOut">
               <a:rPr lang="fr-FR" smtClean="0"/>
-              <a:t>15/02/2015</a:t>
+              <a:t>16/02/2015</a:t>
             </a:fld>
             <a:endParaRPr lang="fr-BE"/>
           </a:p>
@@ -878,7 +878,7 @@
           <a:p>
             <a:fld id="{AA309A6D-C09C-4548-B29A-6CF363A7E532}" type="datetimeFigureOut">
               <a:rPr lang="fr-FR" smtClean="0"/>
-              <a:t>15/02/2015</a:t>
+              <a:t>16/02/2015</a:t>
             </a:fld>
             <a:endParaRPr lang="fr-BE"/>
           </a:p>
@@ -1157,7 +1157,7 @@
           <a:p>
             <a:fld id="{AA309A6D-C09C-4548-B29A-6CF363A7E532}" type="datetimeFigureOut">
               <a:rPr lang="fr-FR" smtClean="0"/>
-              <a:t>15/02/2015</a:t>
+              <a:t>16/02/2015</a:t>
             </a:fld>
             <a:endParaRPr lang="fr-BE"/>
           </a:p>
@@ -1403,7 +1403,7 @@
           <a:p>
             <a:fld id="{AA309A6D-C09C-4548-B29A-6CF363A7E532}" type="datetimeFigureOut">
               <a:rPr lang="fr-FR" smtClean="0"/>
-              <a:t>15/02/2015</a:t>
+              <a:t>16/02/2015</a:t>
             </a:fld>
             <a:endParaRPr lang="fr-BE"/>
           </a:p>
@@ -1686,7 +1686,7 @@
           <a:p>
             <a:fld id="{AA309A6D-C09C-4548-B29A-6CF363A7E532}" type="datetimeFigureOut">
               <a:rPr lang="fr-FR" smtClean="0"/>
-              <a:t>15/02/2015</a:t>
+              <a:t>16/02/2015</a:t>
             </a:fld>
             <a:endParaRPr lang="fr-BE"/>
           </a:p>
@@ -2103,7 +2103,7 @@
           <a:p>
             <a:fld id="{AA309A6D-C09C-4548-B29A-6CF363A7E532}" type="datetimeFigureOut">
               <a:rPr lang="fr-FR" smtClean="0"/>
-              <a:t>15/02/2015</a:t>
+              <a:t>16/02/2015</a:t>
             </a:fld>
             <a:endParaRPr lang="fr-BE"/>
           </a:p>
@@ -2216,7 +2216,7 @@
           <a:p>
             <a:fld id="{AA309A6D-C09C-4548-B29A-6CF363A7E532}" type="datetimeFigureOut">
               <a:rPr lang="fr-FR" smtClean="0"/>
-              <a:t>15/02/2015</a:t>
+              <a:t>16/02/2015</a:t>
             </a:fld>
             <a:endParaRPr lang="fr-BE"/>
           </a:p>
@@ -2306,7 +2306,7 @@
           <a:p>
             <a:fld id="{AA309A6D-C09C-4548-B29A-6CF363A7E532}" type="datetimeFigureOut">
               <a:rPr lang="fr-FR" smtClean="0"/>
-              <a:t>15/02/2015</a:t>
+              <a:t>16/02/2015</a:t>
             </a:fld>
             <a:endParaRPr lang="fr-BE"/>
           </a:p>
@@ -2578,7 +2578,7 @@
           <a:p>
             <a:fld id="{AA309A6D-C09C-4548-B29A-6CF363A7E532}" type="datetimeFigureOut">
               <a:rPr lang="fr-FR" smtClean="0"/>
-              <a:t>15/02/2015</a:t>
+              <a:t>16/02/2015</a:t>
             </a:fld>
             <a:endParaRPr lang="fr-BE"/>
           </a:p>
@@ -2786,7 +2786,7 @@
           <a:p>
             <a:fld id="{AA309A6D-C09C-4548-B29A-6CF363A7E532}" type="datetimeFigureOut">
               <a:rPr lang="fr-FR" smtClean="0"/>
-              <a:t>15/02/2015</a:t>
+              <a:t>16/02/2015</a:t>
             </a:fld>
             <a:endParaRPr lang="fr-BE"/>
           </a:p>
@@ -4184,8 +4184,8 @@
           </a:fontRef>
         </p:style>
       </p:cxnSp>
-      <mc:AlternateContent xmlns:mc="http://schemas.openxmlformats.org/markup-compatibility/2006">
-        <mc:Choice xmlns:a14="http://schemas.microsoft.com/office/drawing/2010/main" Requires="a14">
+      <mc:AlternateContent xmlns:mc="http://schemas.openxmlformats.org/markup-compatibility/2006" xmlns:a14="http://schemas.microsoft.com/office/drawing/2010/main">
+        <mc:Choice Requires="a14">
           <p:sp>
             <p:nvSpPr>
               <p:cNvPr id="58" name="ZoneTexte 57"/>
@@ -4251,7 +4251,7 @@
             </p:txBody>
           </p:sp>
         </mc:Choice>
-        <mc:Fallback>
+        <mc:Fallback xmlns="">
           <p:sp>
             <p:nvSpPr>
               <p:cNvPr id="58" name="ZoneTexte 57"/>
@@ -4396,8 +4396,8 @@
           </p:sp>
         </mc:Fallback>
       </mc:AlternateContent>
-      <mc:AlternateContent xmlns:mc="http://schemas.openxmlformats.org/markup-compatibility/2006">
-        <mc:Choice xmlns:a14="http://schemas.microsoft.com/office/drawing/2010/main" Requires="a14">
+      <mc:AlternateContent xmlns:mc="http://schemas.openxmlformats.org/markup-compatibility/2006" xmlns:a14="http://schemas.microsoft.com/office/drawing/2010/main">
+        <mc:Choice Requires="a14">
           <p:sp>
             <p:nvSpPr>
               <p:cNvPr id="60" name="ZoneTexte 59"/>
@@ -4463,7 +4463,7 @@
             </p:txBody>
           </p:sp>
         </mc:Choice>
-        <mc:Fallback>
+        <mc:Fallback xmlns="">
           <p:sp>
             <p:nvSpPr>
               <p:cNvPr id="60" name="ZoneTexte 59"/>
@@ -4502,8 +4502,8 @@
           </p:sp>
         </mc:Fallback>
       </mc:AlternateContent>
-      <mc:AlternateContent xmlns:mc="http://schemas.openxmlformats.org/markup-compatibility/2006">
-        <mc:Choice xmlns:a14="http://schemas.microsoft.com/office/drawing/2010/main" Requires="a14">
+      <mc:AlternateContent xmlns:mc="http://schemas.openxmlformats.org/markup-compatibility/2006" xmlns:a14="http://schemas.microsoft.com/office/drawing/2010/main">
+        <mc:Choice Requires="a14">
           <p:sp>
             <p:nvSpPr>
               <p:cNvPr id="61" name="ZoneTexte 60"/>
@@ -4569,7 +4569,7 @@
             </p:txBody>
           </p:sp>
         </mc:Choice>
-        <mc:Fallback>
+        <mc:Fallback xmlns="">
           <p:sp>
             <p:nvSpPr>
               <p:cNvPr id="61" name="ZoneTexte 60"/>
@@ -4820,8 +4820,8 @@
           </p:sp>
         </mc:Fallback>
       </mc:AlternateContent>
-      <mc:AlternateContent xmlns:mc="http://schemas.openxmlformats.org/markup-compatibility/2006">
-        <mc:Choice xmlns:a14="http://schemas.microsoft.com/office/drawing/2010/main" Requires="a14">
+      <mc:AlternateContent xmlns:mc="http://schemas.openxmlformats.org/markup-compatibility/2006" xmlns:a14="http://schemas.microsoft.com/office/drawing/2010/main">
+        <mc:Choice Requires="a14">
           <p:sp>
             <p:nvSpPr>
               <p:cNvPr id="64" name="ZoneTexte 63"/>
@@ -4887,7 +4887,7 @@
             </p:txBody>
           </p:sp>
         </mc:Choice>
-        <mc:Fallback>
+        <mc:Fallback xmlns="">
           <p:sp>
             <p:nvSpPr>
               <p:cNvPr id="64" name="ZoneTexte 63"/>
@@ -4926,8 +4926,8 @@
           </p:sp>
         </mc:Fallback>
       </mc:AlternateContent>
-      <mc:AlternateContent xmlns:mc="http://schemas.openxmlformats.org/markup-compatibility/2006">
-        <mc:Choice xmlns:a14="http://schemas.microsoft.com/office/drawing/2010/main" Requires="a14">
+      <mc:AlternateContent xmlns:mc="http://schemas.openxmlformats.org/markup-compatibility/2006" xmlns:a14="http://schemas.microsoft.com/office/drawing/2010/main">
+        <mc:Choice Requires="a14">
           <p:sp>
             <p:nvSpPr>
               <p:cNvPr id="65" name="ZoneTexte 64"/>
@@ -4993,7 +4993,7 @@
             </p:txBody>
           </p:sp>
         </mc:Choice>
-        <mc:Fallback>
+        <mc:Fallback xmlns="">
           <p:sp>
             <p:nvSpPr>
               <p:cNvPr id="65" name="ZoneTexte 64"/>
@@ -5032,8 +5032,8 @@
           </p:sp>
         </mc:Fallback>
       </mc:AlternateContent>
-      <mc:AlternateContent xmlns:mc="http://schemas.openxmlformats.org/markup-compatibility/2006">
-        <mc:Choice xmlns:a14="http://schemas.microsoft.com/office/drawing/2010/main" Requires="a14">
+      <mc:AlternateContent xmlns:mc="http://schemas.openxmlformats.org/markup-compatibility/2006" xmlns:a14="http://schemas.microsoft.com/office/drawing/2010/main">
+        <mc:Choice Requires="a14">
           <p:sp>
             <p:nvSpPr>
               <p:cNvPr id="66" name="ZoneTexte 65"/>
@@ -5099,7 +5099,7 @@
             </p:txBody>
           </p:sp>
         </mc:Choice>
-        <mc:Fallback>
+        <mc:Fallback xmlns="">
           <p:sp>
             <p:nvSpPr>
               <p:cNvPr id="66" name="ZoneTexte 65"/>
@@ -5138,8 +5138,8 @@
           </p:sp>
         </mc:Fallback>
       </mc:AlternateContent>
-      <mc:AlternateContent xmlns:mc="http://schemas.openxmlformats.org/markup-compatibility/2006">
-        <mc:Choice xmlns:a14="http://schemas.microsoft.com/office/drawing/2010/main" Requires="a14">
+      <mc:AlternateContent xmlns:mc="http://schemas.openxmlformats.org/markup-compatibility/2006" xmlns:a14="http://schemas.microsoft.com/office/drawing/2010/main">
+        <mc:Choice Requires="a14">
           <p:sp>
             <p:nvSpPr>
               <p:cNvPr id="67" name="ZoneTexte 66"/>
@@ -5205,7 +5205,7 @@
             </p:txBody>
           </p:sp>
         </mc:Choice>
-        <mc:Fallback>
+        <mc:Fallback xmlns="">
           <p:sp>
             <p:nvSpPr>
               <p:cNvPr id="67" name="ZoneTexte 66"/>
@@ -5244,8 +5244,8 @@
           </p:sp>
         </mc:Fallback>
       </mc:AlternateContent>
-      <mc:AlternateContent xmlns:mc="http://schemas.openxmlformats.org/markup-compatibility/2006">
-        <mc:Choice xmlns:a14="http://schemas.microsoft.com/office/drawing/2010/main" Requires="a14">
+      <mc:AlternateContent xmlns:mc="http://schemas.openxmlformats.org/markup-compatibility/2006" xmlns:a14="http://schemas.microsoft.com/office/drawing/2010/main">
+        <mc:Choice Requires="a14">
           <p:sp>
             <p:nvSpPr>
               <p:cNvPr id="68" name="ZoneTexte 67"/>
@@ -5311,7 +5311,7 @@
             </p:txBody>
           </p:sp>
         </mc:Choice>
-        <mc:Fallback>
+        <mc:Fallback xmlns="">
           <p:sp>
             <p:nvSpPr>
               <p:cNvPr id="68" name="ZoneTexte 67"/>
@@ -5456,8 +5456,8 @@
           </p:sp>
         </mc:Fallback>
       </mc:AlternateContent>
-      <mc:AlternateContent xmlns:mc="http://schemas.openxmlformats.org/markup-compatibility/2006">
-        <mc:Choice xmlns:a14="http://schemas.microsoft.com/office/drawing/2010/main" Requires="a14">
+      <mc:AlternateContent xmlns:mc="http://schemas.openxmlformats.org/markup-compatibility/2006" xmlns:a14="http://schemas.microsoft.com/office/drawing/2010/main">
+        <mc:Choice Requires="a14">
           <p:sp>
             <p:nvSpPr>
               <p:cNvPr id="2" name="ZoneTexte 1"/>
@@ -5480,6 +5480,7 @@
               </a:bodyPr>
               <a:lstStyle/>
               <a:p>
+                <a:pPr/>
                 <a14:m>
                   <m:oMathPara xmlns:m="http://schemas.openxmlformats.org/officeDocument/2006/math">
                     <m:oMathParaPr>
@@ -5500,7 +5501,7 @@
             </p:txBody>
           </p:sp>
         </mc:Choice>
-        <mc:Fallback>
+        <mc:Fallback xmlns="">
           <p:sp>
             <p:nvSpPr>
               <p:cNvPr id="2" name="ZoneTexte 1"/>
@@ -5539,8 +5540,8 @@
           </p:sp>
         </mc:Fallback>
       </mc:AlternateContent>
-      <mc:AlternateContent xmlns:mc="http://schemas.openxmlformats.org/markup-compatibility/2006">
-        <mc:Choice xmlns:a14="http://schemas.microsoft.com/office/drawing/2010/main" Requires="a14">
+      <mc:AlternateContent xmlns:mc="http://schemas.openxmlformats.org/markup-compatibility/2006" xmlns:a14="http://schemas.microsoft.com/office/drawing/2010/main">
+        <mc:Choice Requires="a14">
           <p:sp>
             <p:nvSpPr>
               <p:cNvPr id="37" name="ZoneTexte 36"/>
@@ -5563,6 +5564,7 @@
               </a:bodyPr>
               <a:lstStyle/>
               <a:p>
+                <a:pPr/>
                 <a14:m>
                   <m:oMathPara xmlns:m="http://schemas.openxmlformats.org/officeDocument/2006/math">
                     <m:oMathParaPr>
@@ -5583,7 +5585,7 @@
             </p:txBody>
           </p:sp>
         </mc:Choice>
-        <mc:Fallback>
+        <mc:Fallback xmlns="">
           <p:sp>
             <p:nvSpPr>
               <p:cNvPr id="37" name="ZoneTexte 36"/>
@@ -5622,8 +5624,8 @@
           </p:sp>
         </mc:Fallback>
       </mc:AlternateContent>
-      <mc:AlternateContent xmlns:mc="http://schemas.openxmlformats.org/markup-compatibility/2006">
-        <mc:Choice xmlns:a14="http://schemas.microsoft.com/office/drawing/2010/main" Requires="a14">
+      <mc:AlternateContent xmlns:mc="http://schemas.openxmlformats.org/markup-compatibility/2006" xmlns:a14="http://schemas.microsoft.com/office/drawing/2010/main">
+        <mc:Choice Requires="a14">
           <p:sp>
             <p:nvSpPr>
               <p:cNvPr id="42" name="ZoneTexte 41"/>
@@ -5646,6 +5648,7 @@
               </a:bodyPr>
               <a:lstStyle/>
               <a:p>
+                <a:pPr/>
                 <a14:m>
                   <m:oMathPara xmlns:m="http://schemas.openxmlformats.org/officeDocument/2006/math">
                     <m:oMathParaPr>
@@ -5666,7 +5669,7 @@
             </p:txBody>
           </p:sp>
         </mc:Choice>
-        <mc:Fallback>
+        <mc:Fallback xmlns="">
           <p:sp>
             <p:nvSpPr>
               <p:cNvPr id="42" name="ZoneTexte 41"/>
@@ -5705,8 +5708,8 @@
           </p:sp>
         </mc:Fallback>
       </mc:AlternateContent>
-      <mc:AlternateContent xmlns:mc="http://schemas.openxmlformats.org/markup-compatibility/2006">
-        <mc:Choice xmlns:a14="http://schemas.microsoft.com/office/drawing/2010/main" Requires="a14">
+      <mc:AlternateContent xmlns:mc="http://schemas.openxmlformats.org/markup-compatibility/2006" xmlns:a14="http://schemas.microsoft.com/office/drawing/2010/main">
+        <mc:Choice Requires="a14">
           <p:sp>
             <p:nvSpPr>
               <p:cNvPr id="44" name="ZoneTexte 43"/>
@@ -5729,6 +5732,7 @@
               </a:bodyPr>
               <a:lstStyle/>
               <a:p>
+                <a:pPr/>
                 <a14:m>
                   <m:oMathPara xmlns:m="http://schemas.openxmlformats.org/officeDocument/2006/math">
                     <m:oMathParaPr>
@@ -5749,7 +5753,7 @@
             </p:txBody>
           </p:sp>
         </mc:Choice>
-        <mc:Fallback>
+        <mc:Fallback xmlns="">
           <p:sp>
             <p:nvSpPr>
               <p:cNvPr id="44" name="ZoneTexte 43"/>
@@ -5788,8 +5792,8 @@
           </p:sp>
         </mc:Fallback>
       </mc:AlternateContent>
-      <mc:AlternateContent xmlns:mc="http://schemas.openxmlformats.org/markup-compatibility/2006">
-        <mc:Choice xmlns:a14="http://schemas.microsoft.com/office/drawing/2010/main" Requires="a14">
+      <mc:AlternateContent xmlns:mc="http://schemas.openxmlformats.org/markup-compatibility/2006" xmlns:a14="http://schemas.microsoft.com/office/drawing/2010/main">
+        <mc:Choice Requires="a14">
           <p:sp>
             <p:nvSpPr>
               <p:cNvPr id="45" name="ZoneTexte 44"/>
@@ -5812,6 +5816,7 @@
               </a:bodyPr>
               <a:lstStyle/>
               <a:p>
+                <a:pPr/>
                 <a14:m>
                   <m:oMathPara xmlns:m="http://schemas.openxmlformats.org/officeDocument/2006/math">
                     <m:oMathParaPr>
@@ -5832,7 +5837,7 @@
             </p:txBody>
           </p:sp>
         </mc:Choice>
-        <mc:Fallback>
+        <mc:Fallback xmlns="">
           <p:sp>
             <p:nvSpPr>
               <p:cNvPr id="45" name="ZoneTexte 44"/>
@@ -5881,6 +5886,13 @@
   <p:clrMapOvr>
     <a:masterClrMapping/>
   </p:clrMapOvr>
+  <p:timing>
+    <p:tnLst>
+      <p:par>
+        <p:cTn id="1" dur="indefinite" restart="never" nodeType="tmRoot"/>
+      </p:par>
+    </p:tnLst>
+  </p:timing>
 </p:sld>
 </file>
 
@@ -6020,15 +6032,7 @@
                   <a:schemeClr val="tx1"/>
                 </a:solidFill>
               </a:rPr>
-              <a:t>Roue double </a:t>
-            </a:r>
-            <a:r>
-              <a:rPr lang="fr-FR" sz="1400" dirty="0" smtClean="0">
-                <a:solidFill>
-                  <a:schemeClr val="tx1"/>
-                </a:solidFill>
-              </a:rPr>
-              <a:t>4</a:t>
+              <a:t>Roue double 4</a:t>
             </a:r>
             <a:endParaRPr lang="fr-FR" sz="1400" dirty="0">
               <a:solidFill>
@@ -6908,8 +6912,8 @@
           </a:fontRef>
         </p:style>
       </p:cxnSp>
-      <mc:AlternateContent xmlns:mc="http://schemas.openxmlformats.org/markup-compatibility/2006">
-        <mc:Choice xmlns:a14="http://schemas.microsoft.com/office/drawing/2010/main" Requires="a14">
+      <mc:AlternateContent xmlns:mc="http://schemas.openxmlformats.org/markup-compatibility/2006" xmlns:a14="http://schemas.microsoft.com/office/drawing/2010/main">
+        <mc:Choice Requires="a14">
           <p:sp>
             <p:nvSpPr>
               <p:cNvPr id="58" name="ZoneTexte 57"/>
@@ -6975,7 +6979,7 @@
             </p:txBody>
           </p:sp>
         </mc:Choice>
-        <mc:Fallback>
+        <mc:Fallback xmlns="">
           <p:sp>
             <p:nvSpPr>
               <p:cNvPr id="58" name="ZoneTexte 57"/>
@@ -7120,8 +7124,8 @@
           </p:sp>
         </mc:Fallback>
       </mc:AlternateContent>
-      <mc:AlternateContent xmlns:mc="http://schemas.openxmlformats.org/markup-compatibility/2006">
-        <mc:Choice xmlns:a14="http://schemas.microsoft.com/office/drawing/2010/main" Requires="a14">
+      <mc:AlternateContent xmlns:mc="http://schemas.openxmlformats.org/markup-compatibility/2006" xmlns:a14="http://schemas.microsoft.com/office/drawing/2010/main">
+        <mc:Choice Requires="a14">
           <p:sp>
             <p:nvSpPr>
               <p:cNvPr id="60" name="ZoneTexte 59"/>
@@ -7187,7 +7191,7 @@
             </p:txBody>
           </p:sp>
         </mc:Choice>
-        <mc:Fallback>
+        <mc:Fallback xmlns="">
           <p:sp>
             <p:nvSpPr>
               <p:cNvPr id="60" name="ZoneTexte 59"/>
@@ -7226,8 +7230,8 @@
           </p:sp>
         </mc:Fallback>
       </mc:AlternateContent>
-      <mc:AlternateContent xmlns:mc="http://schemas.openxmlformats.org/markup-compatibility/2006">
-        <mc:Choice xmlns:a14="http://schemas.microsoft.com/office/drawing/2010/main" Requires="a14">
+      <mc:AlternateContent xmlns:mc="http://schemas.openxmlformats.org/markup-compatibility/2006" xmlns:a14="http://schemas.microsoft.com/office/drawing/2010/main">
+        <mc:Choice Requires="a14">
           <p:sp>
             <p:nvSpPr>
               <p:cNvPr id="61" name="ZoneTexte 60"/>
@@ -7293,7 +7297,7 @@
             </p:txBody>
           </p:sp>
         </mc:Choice>
-        <mc:Fallback>
+        <mc:Fallback xmlns="">
           <p:sp>
             <p:nvSpPr>
               <p:cNvPr id="61" name="ZoneTexte 60"/>
@@ -7544,8 +7548,8 @@
           </p:sp>
         </mc:Fallback>
       </mc:AlternateContent>
-      <mc:AlternateContent xmlns:mc="http://schemas.openxmlformats.org/markup-compatibility/2006">
-        <mc:Choice xmlns:a14="http://schemas.microsoft.com/office/drawing/2010/main" Requires="a14">
+      <mc:AlternateContent xmlns:mc="http://schemas.openxmlformats.org/markup-compatibility/2006" xmlns:a14="http://schemas.microsoft.com/office/drawing/2010/main">
+        <mc:Choice Requires="a14">
           <p:sp>
             <p:nvSpPr>
               <p:cNvPr id="64" name="ZoneTexte 63"/>
@@ -7611,7 +7615,7 @@
             </p:txBody>
           </p:sp>
         </mc:Choice>
-        <mc:Fallback>
+        <mc:Fallback xmlns="">
           <p:sp>
             <p:nvSpPr>
               <p:cNvPr id="64" name="ZoneTexte 63"/>
@@ -7650,8 +7654,8 @@
           </p:sp>
         </mc:Fallback>
       </mc:AlternateContent>
-      <mc:AlternateContent xmlns:mc="http://schemas.openxmlformats.org/markup-compatibility/2006">
-        <mc:Choice xmlns:a14="http://schemas.microsoft.com/office/drawing/2010/main" Requires="a14">
+      <mc:AlternateContent xmlns:mc="http://schemas.openxmlformats.org/markup-compatibility/2006" xmlns:a14="http://schemas.microsoft.com/office/drawing/2010/main">
+        <mc:Choice Requires="a14">
           <p:sp>
             <p:nvSpPr>
               <p:cNvPr id="65" name="ZoneTexte 64"/>
@@ -7717,7 +7721,7 @@
             </p:txBody>
           </p:sp>
         </mc:Choice>
-        <mc:Fallback>
+        <mc:Fallback xmlns="">
           <p:sp>
             <p:nvSpPr>
               <p:cNvPr id="65" name="ZoneTexte 64"/>
@@ -7756,8 +7760,8 @@
           </p:sp>
         </mc:Fallback>
       </mc:AlternateContent>
-      <mc:AlternateContent xmlns:mc="http://schemas.openxmlformats.org/markup-compatibility/2006">
-        <mc:Choice xmlns:a14="http://schemas.microsoft.com/office/drawing/2010/main" Requires="a14">
+      <mc:AlternateContent xmlns:mc="http://schemas.openxmlformats.org/markup-compatibility/2006" xmlns:a14="http://schemas.microsoft.com/office/drawing/2010/main">
+        <mc:Choice Requires="a14">
           <p:sp>
             <p:nvSpPr>
               <p:cNvPr id="66" name="ZoneTexte 65"/>
@@ -7823,7 +7827,7 @@
             </p:txBody>
           </p:sp>
         </mc:Choice>
-        <mc:Fallback>
+        <mc:Fallback xmlns="">
           <p:sp>
             <p:nvSpPr>
               <p:cNvPr id="66" name="ZoneTexte 65"/>
@@ -7862,8 +7866,8 @@
           </p:sp>
         </mc:Fallback>
       </mc:AlternateContent>
-      <mc:AlternateContent xmlns:mc="http://schemas.openxmlformats.org/markup-compatibility/2006">
-        <mc:Choice xmlns:a14="http://schemas.microsoft.com/office/drawing/2010/main" Requires="a14">
+      <mc:AlternateContent xmlns:mc="http://schemas.openxmlformats.org/markup-compatibility/2006" xmlns:a14="http://schemas.microsoft.com/office/drawing/2010/main">
+        <mc:Choice Requires="a14">
           <p:sp>
             <p:nvSpPr>
               <p:cNvPr id="67" name="ZoneTexte 66"/>
@@ -7929,7 +7933,7 @@
             </p:txBody>
           </p:sp>
         </mc:Choice>
-        <mc:Fallback>
+        <mc:Fallback xmlns="">
           <p:sp>
             <p:nvSpPr>
               <p:cNvPr id="67" name="ZoneTexte 66"/>
@@ -7968,8 +7972,8 @@
           </p:sp>
         </mc:Fallback>
       </mc:AlternateContent>
-      <mc:AlternateContent xmlns:mc="http://schemas.openxmlformats.org/markup-compatibility/2006">
-        <mc:Choice xmlns:a14="http://schemas.microsoft.com/office/drawing/2010/main" Requires="a14">
+      <mc:AlternateContent xmlns:mc="http://schemas.openxmlformats.org/markup-compatibility/2006" xmlns:a14="http://schemas.microsoft.com/office/drawing/2010/main">
+        <mc:Choice Requires="a14">
           <p:sp>
             <p:nvSpPr>
               <p:cNvPr id="68" name="ZoneTexte 67"/>
@@ -8035,7 +8039,7 @@
             </p:txBody>
           </p:sp>
         </mc:Choice>
-        <mc:Fallback>
+        <mc:Fallback xmlns="">
           <p:sp>
             <p:nvSpPr>
               <p:cNvPr id="68" name="ZoneTexte 67"/>
@@ -8180,8 +8184,8 @@
           </p:sp>
         </mc:Fallback>
       </mc:AlternateContent>
-      <mc:AlternateContent xmlns:mc="http://schemas.openxmlformats.org/markup-compatibility/2006">
-        <mc:Choice xmlns:a14="http://schemas.microsoft.com/office/drawing/2010/main" Requires="a14">
+      <mc:AlternateContent xmlns:mc="http://schemas.openxmlformats.org/markup-compatibility/2006" xmlns:a14="http://schemas.microsoft.com/office/drawing/2010/main">
+        <mc:Choice Requires="a14">
           <p:sp>
             <p:nvSpPr>
               <p:cNvPr id="2" name="ZoneTexte 1"/>
@@ -8204,6 +8208,7 @@
               </a:bodyPr>
               <a:lstStyle/>
               <a:p>
+                <a:pPr/>
                 <a14:m>
                   <m:oMathPara xmlns:m="http://schemas.openxmlformats.org/officeDocument/2006/math">
                     <m:oMathParaPr>
@@ -8224,7 +8229,7 @@
             </p:txBody>
           </p:sp>
         </mc:Choice>
-        <mc:Fallback>
+        <mc:Fallback xmlns="">
           <p:sp>
             <p:nvSpPr>
               <p:cNvPr id="2" name="ZoneTexte 1"/>
@@ -8263,8 +8268,8 @@
           </p:sp>
         </mc:Fallback>
       </mc:AlternateContent>
-      <mc:AlternateContent xmlns:mc="http://schemas.openxmlformats.org/markup-compatibility/2006">
-        <mc:Choice xmlns:a14="http://schemas.microsoft.com/office/drawing/2010/main" Requires="a14">
+      <mc:AlternateContent xmlns:mc="http://schemas.openxmlformats.org/markup-compatibility/2006" xmlns:a14="http://schemas.microsoft.com/office/drawing/2010/main">
+        <mc:Choice Requires="a14">
           <p:sp>
             <p:nvSpPr>
               <p:cNvPr id="37" name="ZoneTexte 36"/>
@@ -8287,6 +8292,7 @@
               </a:bodyPr>
               <a:lstStyle/>
               <a:p>
+                <a:pPr/>
                 <a14:m>
                   <m:oMathPara xmlns:m="http://schemas.openxmlformats.org/officeDocument/2006/math">
                     <m:oMathParaPr>
@@ -8307,7 +8313,7 @@
             </p:txBody>
           </p:sp>
         </mc:Choice>
-        <mc:Fallback>
+        <mc:Fallback xmlns="">
           <p:sp>
             <p:nvSpPr>
               <p:cNvPr id="37" name="ZoneTexte 36"/>
@@ -8346,8 +8352,8 @@
           </p:sp>
         </mc:Fallback>
       </mc:AlternateContent>
-      <mc:AlternateContent xmlns:mc="http://schemas.openxmlformats.org/markup-compatibility/2006">
-        <mc:Choice xmlns:a14="http://schemas.microsoft.com/office/drawing/2010/main" Requires="a14">
+      <mc:AlternateContent xmlns:mc="http://schemas.openxmlformats.org/markup-compatibility/2006" xmlns:a14="http://schemas.microsoft.com/office/drawing/2010/main">
+        <mc:Choice Requires="a14">
           <p:sp>
             <p:nvSpPr>
               <p:cNvPr id="42" name="ZoneTexte 41"/>
@@ -8370,6 +8376,7 @@
               </a:bodyPr>
               <a:lstStyle/>
               <a:p>
+                <a:pPr/>
                 <a14:m>
                   <m:oMathPara xmlns:m="http://schemas.openxmlformats.org/officeDocument/2006/math">
                     <m:oMathParaPr>
@@ -8390,7 +8397,7 @@
             </p:txBody>
           </p:sp>
         </mc:Choice>
-        <mc:Fallback>
+        <mc:Fallback xmlns="">
           <p:sp>
             <p:nvSpPr>
               <p:cNvPr id="42" name="ZoneTexte 41"/>
@@ -8429,8 +8436,8 @@
           </p:sp>
         </mc:Fallback>
       </mc:AlternateContent>
-      <mc:AlternateContent xmlns:mc="http://schemas.openxmlformats.org/markup-compatibility/2006">
-        <mc:Choice xmlns:a14="http://schemas.microsoft.com/office/drawing/2010/main" Requires="a14">
+      <mc:AlternateContent xmlns:mc="http://schemas.openxmlformats.org/markup-compatibility/2006" xmlns:a14="http://schemas.microsoft.com/office/drawing/2010/main">
+        <mc:Choice Requires="a14">
           <p:sp>
             <p:nvSpPr>
               <p:cNvPr id="44" name="ZoneTexte 43"/>
@@ -8453,6 +8460,7 @@
               </a:bodyPr>
               <a:lstStyle/>
               <a:p>
+                <a:pPr/>
                 <a14:m>
                   <m:oMathPara xmlns:m="http://schemas.openxmlformats.org/officeDocument/2006/math">
                     <m:oMathParaPr>
@@ -8473,7 +8481,7 @@
             </p:txBody>
           </p:sp>
         </mc:Choice>
-        <mc:Fallback>
+        <mc:Fallback xmlns="">
           <p:sp>
             <p:nvSpPr>
               <p:cNvPr id="44" name="ZoneTexte 43"/>
@@ -8512,8 +8520,8 @@
           </p:sp>
         </mc:Fallback>
       </mc:AlternateContent>
-      <mc:AlternateContent xmlns:mc="http://schemas.openxmlformats.org/markup-compatibility/2006">
-        <mc:Choice xmlns:a14="http://schemas.microsoft.com/office/drawing/2010/main" Requires="a14">
+      <mc:AlternateContent xmlns:mc="http://schemas.openxmlformats.org/markup-compatibility/2006" xmlns:a14="http://schemas.microsoft.com/office/drawing/2010/main">
+        <mc:Choice Requires="a14">
           <p:sp>
             <p:nvSpPr>
               <p:cNvPr id="45" name="ZoneTexte 44"/>
@@ -8536,6 +8544,7 @@
               </a:bodyPr>
               <a:lstStyle/>
               <a:p>
+                <a:pPr/>
                 <a14:m>
                   <m:oMathPara xmlns:m="http://schemas.openxmlformats.org/officeDocument/2006/math">
                     <m:oMathParaPr>
@@ -8556,7 +8565,7 @@
             </p:txBody>
           </p:sp>
         </mc:Choice>
-        <mc:Fallback>
+        <mc:Fallback xmlns="">
           <p:sp>
             <p:nvSpPr>
               <p:cNvPr id="45" name="ZoneTexte 44"/>
@@ -8605,6 +8614,13 @@
   <p:clrMapOvr>
     <a:masterClrMapping/>
   </p:clrMapOvr>
+  <p:timing>
+    <p:tnLst>
+      <p:par>
+        <p:cTn id="1" dur="indefinite" restart="never" nodeType="tmRoot"/>
+      </p:par>
+    </p:tnLst>
+  </p:timing>
 </p:sld>
 </file>
 
@@ -9925,89 +9941,6 @@
           </a:fontRef>
         </p:style>
       </p:cxnSp>
-      <mc:AlternateContent xmlns:mc="http://schemas.openxmlformats.org/markup-compatibility/2006">
-        <mc:Choice xmlns:a14="http://schemas.microsoft.com/office/drawing/2010/main" Requires="a14">
-          <p:sp>
-            <p:nvSpPr>
-              <p:cNvPr id="59" name="ZoneTexte 58"/>
-              <p:cNvSpPr txBox="1"/>
-              <p:nvPr/>
-            </p:nvSpPr>
-            <p:spPr>
-              <a:xfrm>
-                <a:off x="865544" y="2060848"/>
-                <a:ext cx="338554" cy="369332"/>
-              </a:xfrm>
-              <a:prstGeom prst="rect">
-                <a:avLst/>
-              </a:prstGeom>
-              <a:noFill/>
-            </p:spPr>
-            <p:txBody>
-              <a:bodyPr wrap="none" rtlCol="0">
-                <a:spAutoFit/>
-              </a:bodyPr>
-              <a:lstStyle/>
-              <a:p>
-                <a14:m>
-                  <m:oMathPara xmlns:m="http://schemas.openxmlformats.org/officeDocument/2006/math">
-                    <m:oMathParaPr>
-                      <m:jc m:val="centerGroup"/>
-                    </m:oMathParaPr>
-                    <m:oMath xmlns:m="http://schemas.openxmlformats.org/officeDocument/2006/math">
-                      <m:r>
-                        <a:rPr lang="fr-FR" b="1" i="1" smtClean="0">
-                          <a:latin typeface="Cambria Math"/>
-                        </a:rPr>
-                        <m:t>𝑰</m:t>
-                      </m:r>
-                    </m:oMath>
-                  </m:oMathPara>
-                </a14:m>
-                <a:endParaRPr lang="fr-FR" b="1" dirty="0"/>
-              </a:p>
-            </p:txBody>
-          </p:sp>
-        </mc:Choice>
-        <mc:Fallback>
-          <p:sp>
-            <p:nvSpPr>
-              <p:cNvPr id="59" name="ZoneTexte 58"/>
-              <p:cNvSpPr txBox="1">
-                <a:spLocks noRot="1" noChangeAspect="1" noMove="1" noResize="1" noEditPoints="1" noAdjustHandles="1" noChangeArrowheads="1" noChangeShapeType="1" noTextEdit="1"/>
-              </p:cNvSpPr>
-              <p:nvPr/>
-            </p:nvSpPr>
-            <p:spPr>
-              <a:xfrm>
-                <a:off x="865544" y="2060848"/>
-                <a:ext cx="338554" cy="369332"/>
-              </a:xfrm>
-              <a:prstGeom prst="rect">
-                <a:avLst/>
-              </a:prstGeom>
-              <a:blipFill rotWithShape="1">
-                <a:blip r:embed="rId2"/>
-                <a:stretch>
-                  <a:fillRect/>
-                </a:stretch>
-              </a:blipFill>
-            </p:spPr>
-            <p:txBody>
-              <a:bodyPr/>
-              <a:lstStyle/>
-              <a:p>
-                <a:r>
-                  <a:rPr lang="fr-FR">
-                    <a:noFill/>
-                  </a:rPr>
-                  <a:t> </a:t>
-                </a:r>
-              </a:p>
-            </p:txBody>
-          </p:sp>
-        </mc:Fallback>
-      </mc:AlternateContent>
       <p:grpSp>
         <p:nvGrpSpPr>
           <p:cNvPr id="143" name="Groupe 142"/>
@@ -10022,8 +9955,8 @@
             <a:chExt cx="1140138" cy="802081"/>
           </a:xfrm>
         </p:grpSpPr>
-        <mc:AlternateContent xmlns:mc="http://schemas.openxmlformats.org/markup-compatibility/2006">
-          <mc:Choice xmlns:a14="http://schemas.microsoft.com/office/drawing/2010/main" Requires="a14">
+        <mc:AlternateContent xmlns:mc="http://schemas.openxmlformats.org/markup-compatibility/2006" xmlns:a14="http://schemas.microsoft.com/office/drawing/2010/main">
+          <mc:Choice Requires="a14">
             <p:sp>
               <p:nvSpPr>
                 <p:cNvPr id="68" name="ZoneTexte 67"/>
@@ -10046,6 +9979,7 @@
                 </a:bodyPr>
                 <a:lstStyle/>
                 <a:p>
+                  <a:pPr/>
                   <a14:m>
                     <m:oMathPara xmlns:m="http://schemas.openxmlformats.org/officeDocument/2006/math">
                       <m:oMathParaPr>
@@ -10078,7 +10012,7 @@
               </p:txBody>
             </p:sp>
           </mc:Choice>
-          <mc:Fallback>
+          <mc:Fallback xmlns="">
             <p:sp>
               <p:nvSpPr>
                 <p:cNvPr id="68" name="ZoneTexte 67"/>
@@ -10238,8 +10172,8 @@
             </a:p>
           </p:txBody>
         </p:sp>
-        <mc:AlternateContent xmlns:mc="http://schemas.openxmlformats.org/markup-compatibility/2006">
-          <mc:Choice xmlns:a14="http://schemas.microsoft.com/office/drawing/2010/main" Requires="a14">
+        <mc:AlternateContent xmlns:mc="http://schemas.openxmlformats.org/markup-compatibility/2006" xmlns:a14="http://schemas.microsoft.com/office/drawing/2010/main">
+          <mc:Choice Requires="a14">
             <p:sp>
               <p:nvSpPr>
                 <p:cNvPr id="66" name="ZoneTexte 65"/>
@@ -10262,6 +10196,7 @@
                 </a:bodyPr>
                 <a:lstStyle/>
                 <a:p>
+                  <a:pPr/>
                   <a14:m>
                     <m:oMathPara xmlns:m="http://schemas.openxmlformats.org/officeDocument/2006/math">
                       <m:oMathParaPr>
@@ -10294,7 +10229,7 @@
               </p:txBody>
             </p:sp>
           </mc:Choice>
-          <mc:Fallback>
+          <mc:Fallback xmlns="">
             <p:sp>
               <p:nvSpPr>
                 <p:cNvPr id="66" name="ZoneTexte 65"/>
@@ -10333,8 +10268,8 @@
             </p:sp>
           </mc:Fallback>
         </mc:AlternateContent>
-        <mc:AlternateContent xmlns:mc="http://schemas.openxmlformats.org/markup-compatibility/2006">
-          <mc:Choice xmlns:a14="http://schemas.microsoft.com/office/drawing/2010/main" Requires="a14">
+        <mc:AlternateContent xmlns:mc="http://schemas.openxmlformats.org/markup-compatibility/2006" xmlns:a14="http://schemas.microsoft.com/office/drawing/2010/main">
+          <mc:Choice Requires="a14">
             <p:sp>
               <p:nvSpPr>
                 <p:cNvPr id="67" name="ZoneTexte 66"/>
@@ -10357,6 +10292,7 @@
                 </a:bodyPr>
                 <a:lstStyle/>
                 <a:p>
+                  <a:pPr/>
                   <a14:m>
                     <m:oMathPara xmlns:m="http://schemas.openxmlformats.org/officeDocument/2006/math">
                       <m:oMathParaPr>
@@ -10389,7 +10325,7 @@
               </p:txBody>
             </p:sp>
           </mc:Choice>
-          <mc:Fallback>
+          <mc:Fallback xmlns="">
             <p:sp>
               <p:nvSpPr>
                 <p:cNvPr id="67" name="ZoneTexte 66"/>
@@ -10509,8 +10445,8 @@
           </p:style>
         </p:cxnSp>
       </p:grpSp>
-      <mc:AlternateContent xmlns:mc="http://schemas.openxmlformats.org/markup-compatibility/2006">
-        <mc:Choice xmlns:a14="http://schemas.microsoft.com/office/drawing/2010/main" Requires="a14">
+      <mc:AlternateContent xmlns:mc="http://schemas.openxmlformats.org/markup-compatibility/2006" xmlns:a14="http://schemas.microsoft.com/office/drawing/2010/main">
+        <mc:Choice Requires="a14">
           <p:sp>
             <p:nvSpPr>
               <p:cNvPr id="71" name="ZoneTexte 70"/>
@@ -10533,6 +10469,7 @@
               </a:bodyPr>
               <a:lstStyle/>
               <a:p>
+                <a:pPr/>
                 <a14:m>
                   <m:oMathPara xmlns:m="http://schemas.openxmlformats.org/officeDocument/2006/math">
                     <m:oMathParaPr>
@@ -10553,7 +10490,7 @@
             </p:txBody>
           </p:sp>
         </mc:Choice>
-        <mc:Fallback>
+        <mc:Fallback xmlns="">
           <p:sp>
             <p:nvSpPr>
               <p:cNvPr id="71" name="ZoneTexte 70"/>
@@ -10592,8 +10529,8 @@
           </p:sp>
         </mc:Fallback>
       </mc:AlternateContent>
-      <mc:AlternateContent xmlns:mc="http://schemas.openxmlformats.org/markup-compatibility/2006">
-        <mc:Choice xmlns:a14="http://schemas.microsoft.com/office/drawing/2010/main" Requires="a14">
+      <mc:AlternateContent xmlns:mc="http://schemas.openxmlformats.org/markup-compatibility/2006" xmlns:a14="http://schemas.microsoft.com/office/drawing/2010/main">
+        <mc:Choice Requires="a14">
           <p:sp>
             <p:nvSpPr>
               <p:cNvPr id="72" name="ZoneTexte 71"/>
@@ -10616,6 +10553,7 @@
               </a:bodyPr>
               <a:lstStyle/>
               <a:p>
+                <a:pPr/>
                 <a14:m>
                   <m:oMathPara xmlns:m="http://schemas.openxmlformats.org/officeDocument/2006/math">
                     <m:oMathParaPr>
@@ -10636,7 +10574,7 @@
             </p:txBody>
           </p:sp>
         </mc:Choice>
-        <mc:Fallback>
+        <mc:Fallback xmlns="">
           <p:sp>
             <p:nvSpPr>
               <p:cNvPr id="72" name="ZoneTexte 71"/>
@@ -10685,7 +10623,7 @@
             </p:nvSpPr>
             <p:spPr>
               <a:xfrm>
-                <a:off x="669129" y="2709320"/>
+                <a:off x="708469" y="2494717"/>
                 <a:ext cx="340028" cy="307777"/>
               </a:xfrm>
               <a:prstGeom prst="rect">
@@ -10699,6 +10637,7 @@
               </a:bodyPr>
               <a:lstStyle/>
               <a:p>
+                <a:pPr/>
                 <a14:m>
                   <m:oMathPara xmlns:m="http://schemas.openxmlformats.org/officeDocument/2006/math">
                     <m:oMathParaPr>
@@ -10730,7 +10669,7 @@
             </p:nvSpPr>
             <p:spPr>
               <a:xfrm>
-                <a:off x="669129" y="2709320"/>
+                <a:off x="708469" y="2494717"/>
                 <a:ext cx="340028" cy="307777"/>
               </a:xfrm>
               <a:prstGeom prst="rect">
@@ -10758,8 +10697,8 @@
           </p:sp>
         </mc:Fallback>
       </mc:AlternateContent>
-      <mc:AlternateContent xmlns:mc="http://schemas.openxmlformats.org/markup-compatibility/2006">
-        <mc:Choice xmlns:a14="http://schemas.microsoft.com/office/drawing/2010/main" Requires="a14">
+      <mc:AlternateContent xmlns:mc="http://schemas.openxmlformats.org/markup-compatibility/2006" xmlns:a14="http://schemas.microsoft.com/office/drawing/2010/main">
+        <mc:Choice Requires="a14">
           <p:sp>
             <p:nvSpPr>
               <p:cNvPr id="74" name="ZoneTexte 73"/>
@@ -10782,6 +10721,7 @@
               </a:bodyPr>
               <a:lstStyle/>
               <a:p>
+                <a:pPr/>
                 <a14:m>
                   <m:oMathPara xmlns:m="http://schemas.openxmlformats.org/officeDocument/2006/math">
                     <m:oMathParaPr>
@@ -10802,7 +10742,7 @@
             </p:txBody>
           </p:sp>
         </mc:Choice>
-        <mc:Fallback>
+        <mc:Fallback xmlns="">
           <p:sp>
             <p:nvSpPr>
               <p:cNvPr id="74" name="ZoneTexte 73"/>
@@ -10841,8 +10781,8 @@
           </p:sp>
         </mc:Fallback>
       </mc:AlternateContent>
-      <mc:AlternateContent xmlns:mc="http://schemas.openxmlformats.org/markup-compatibility/2006">
-        <mc:Choice xmlns:a14="http://schemas.microsoft.com/office/drawing/2010/main" Requires="a14">
+      <mc:AlternateContent xmlns:mc="http://schemas.openxmlformats.org/markup-compatibility/2006" xmlns:a14="http://schemas.microsoft.com/office/drawing/2010/main">
+        <mc:Choice Requires="a14">
           <p:sp>
             <p:nvSpPr>
               <p:cNvPr id="75" name="ZoneTexte 74"/>
@@ -10865,6 +10805,7 @@
               </a:bodyPr>
               <a:lstStyle/>
               <a:p>
+                <a:pPr/>
                 <a14:m>
                   <m:oMathPara xmlns:m="http://schemas.openxmlformats.org/officeDocument/2006/math">
                     <m:oMathParaPr>
@@ -10885,7 +10826,7 @@
             </p:txBody>
           </p:sp>
         </mc:Choice>
-        <mc:Fallback>
+        <mc:Fallback xmlns="">
           <p:sp>
             <p:nvSpPr>
               <p:cNvPr id="75" name="ZoneTexte 74"/>
@@ -11192,8 +11133,8 @@
           </a:p>
         </p:txBody>
       </p:sp>
-      <mc:AlternateContent xmlns:mc="http://schemas.openxmlformats.org/markup-compatibility/2006">
-        <mc:Choice xmlns:a14="http://schemas.microsoft.com/office/drawing/2010/main" Requires="a14">
+      <mc:AlternateContent xmlns:mc="http://schemas.openxmlformats.org/markup-compatibility/2006" xmlns:a14="http://schemas.microsoft.com/office/drawing/2010/main">
+        <mc:Choice Requires="a14">
           <p:sp>
             <p:nvSpPr>
               <p:cNvPr id="83" name="ZoneTexte 82"/>
@@ -11216,6 +11157,7 @@
               </a:bodyPr>
               <a:lstStyle/>
               <a:p>
+                <a:pPr/>
                 <a14:m>
                   <m:oMathPara xmlns:m="http://schemas.openxmlformats.org/officeDocument/2006/math">
                     <m:oMathParaPr>
@@ -11236,7 +11178,7 @@
             </p:txBody>
           </p:sp>
         </mc:Choice>
-        <mc:Fallback>
+        <mc:Fallback xmlns="">
           <p:sp>
             <p:nvSpPr>
               <p:cNvPr id="83" name="ZoneTexte 82"/>
@@ -11313,8 +11255,8 @@
           </a:fontRef>
         </p:style>
       </p:cxnSp>
-      <mc:AlternateContent xmlns:mc="http://schemas.openxmlformats.org/markup-compatibility/2006">
-        <mc:Choice xmlns:a14="http://schemas.microsoft.com/office/drawing/2010/main" Requires="a14">
+      <mc:AlternateContent xmlns:mc="http://schemas.openxmlformats.org/markup-compatibility/2006" xmlns:a14="http://schemas.microsoft.com/office/drawing/2010/main">
+        <mc:Choice Requires="a14">
           <p:sp>
             <p:nvSpPr>
               <p:cNvPr id="88" name="ZoneTexte 87"/>
@@ -11337,6 +11279,7 @@
               </a:bodyPr>
               <a:lstStyle/>
               <a:p>
+                <a:pPr/>
                 <a14:m>
                   <m:oMathPara xmlns:m="http://schemas.openxmlformats.org/officeDocument/2006/math">
                     <m:oMathParaPr>
@@ -11357,7 +11300,7 @@
             </p:txBody>
           </p:sp>
         </mc:Choice>
-        <mc:Fallback>
+        <mc:Fallback xmlns="">
           <p:sp>
             <p:nvSpPr>
               <p:cNvPr id="88" name="ZoneTexte 87"/>
@@ -11914,8 +11857,8 @@
           </a:p>
         </p:txBody>
       </p:sp>
-      <mc:AlternateContent xmlns:mc="http://schemas.openxmlformats.org/markup-compatibility/2006">
-        <mc:Choice xmlns:a14="http://schemas.microsoft.com/office/drawing/2010/main" Requires="a14">
+      <mc:AlternateContent xmlns:mc="http://schemas.openxmlformats.org/markup-compatibility/2006" xmlns:a14="http://schemas.microsoft.com/office/drawing/2010/main">
+        <mc:Choice Requires="a14">
           <p:sp>
             <p:nvSpPr>
               <p:cNvPr id="122" name="ZoneTexte 121"/>
@@ -11938,6 +11881,7 @@
               </a:bodyPr>
               <a:lstStyle/>
               <a:p>
+                <a:pPr/>
                 <a14:m>
                   <m:oMathPara xmlns:m="http://schemas.openxmlformats.org/officeDocument/2006/math">
                     <m:oMathParaPr>
@@ -11958,7 +11902,7 @@
             </p:txBody>
           </p:sp>
         </mc:Choice>
-        <mc:Fallback>
+        <mc:Fallback xmlns="">
           <p:sp>
             <p:nvSpPr>
               <p:cNvPr id="122" name="ZoneTexte 121"/>
@@ -12363,8 +12307,8 @@
             </a:p>
           </p:txBody>
         </p:sp>
-        <mc:AlternateContent xmlns:mc="http://schemas.openxmlformats.org/markup-compatibility/2006">
-          <mc:Choice xmlns:a14="http://schemas.microsoft.com/office/drawing/2010/main" Requires="a14">
+        <mc:AlternateContent xmlns:mc="http://schemas.openxmlformats.org/markup-compatibility/2006" xmlns:a14="http://schemas.microsoft.com/office/drawing/2010/main">
+          <mc:Choice Requires="a14">
             <p:sp>
               <p:nvSpPr>
                 <p:cNvPr id="149" name="ZoneTexte 148"/>
@@ -12387,6 +12331,7 @@
                 </a:bodyPr>
                 <a:lstStyle/>
                 <a:p>
+                  <a:pPr/>
                   <a14:m>
                     <m:oMathPara xmlns:m="http://schemas.openxmlformats.org/officeDocument/2006/math">
                       <m:oMathParaPr>
@@ -12419,7 +12364,7 @@
               </p:txBody>
             </p:sp>
           </mc:Choice>
-          <mc:Fallback>
+          <mc:Fallback xmlns="">
             <p:sp>
               <p:nvSpPr>
                 <p:cNvPr id="149" name="ZoneTexte 148"/>
@@ -12458,8 +12403,8 @@
             </p:sp>
           </mc:Fallback>
         </mc:AlternateContent>
-        <mc:AlternateContent xmlns:mc="http://schemas.openxmlformats.org/markup-compatibility/2006">
-          <mc:Choice xmlns:a14="http://schemas.microsoft.com/office/drawing/2010/main" Requires="a14">
+        <mc:AlternateContent xmlns:mc="http://schemas.openxmlformats.org/markup-compatibility/2006" xmlns:a14="http://schemas.microsoft.com/office/drawing/2010/main">
+          <mc:Choice Requires="a14">
             <p:sp>
               <p:nvSpPr>
                 <p:cNvPr id="150" name="ZoneTexte 149"/>
@@ -12482,6 +12427,7 @@
                 </a:bodyPr>
                 <a:lstStyle/>
                 <a:p>
+                  <a:pPr/>
                   <a14:m>
                     <m:oMathPara xmlns:m="http://schemas.openxmlformats.org/officeDocument/2006/math">
                       <m:oMathParaPr>
@@ -12514,7 +12460,7 @@
               </p:txBody>
             </p:sp>
           </mc:Choice>
-          <mc:Fallback>
+          <mc:Fallback xmlns="">
             <p:sp>
               <p:nvSpPr>
                 <p:cNvPr id="150" name="ZoneTexte 149"/>
@@ -12553,8 +12499,8 @@
             </p:sp>
           </mc:Fallback>
         </mc:AlternateContent>
-        <mc:AlternateContent xmlns:mc="http://schemas.openxmlformats.org/markup-compatibility/2006">
-          <mc:Choice xmlns:a14="http://schemas.microsoft.com/office/drawing/2010/main" Requires="a14">
+        <mc:AlternateContent xmlns:mc="http://schemas.openxmlformats.org/markup-compatibility/2006" xmlns:a14="http://schemas.microsoft.com/office/drawing/2010/main">
+          <mc:Choice Requires="a14">
             <p:sp>
               <p:nvSpPr>
                 <p:cNvPr id="151" name="ZoneTexte 150"/>
@@ -12577,6 +12523,7 @@
                 </a:bodyPr>
                 <a:lstStyle/>
                 <a:p>
+                  <a:pPr/>
                   <a14:m>
                     <m:oMathPara xmlns:m="http://schemas.openxmlformats.org/officeDocument/2006/math">
                       <m:oMathParaPr>
@@ -12609,7 +12556,7 @@
               </p:txBody>
             </p:sp>
           </mc:Choice>
-          <mc:Fallback>
+          <mc:Fallback xmlns="">
             <p:sp>
               <p:nvSpPr>
                 <p:cNvPr id="151" name="ZoneTexte 150"/>
@@ -13169,8 +13116,8 @@
           </p:style>
         </p:cxnSp>
       </p:grpSp>
-      <mc:AlternateContent xmlns:mc="http://schemas.openxmlformats.org/markup-compatibility/2006">
-        <mc:Choice xmlns:a14="http://schemas.microsoft.com/office/drawing/2010/main" Requires="a14">
+      <mc:AlternateContent xmlns:mc="http://schemas.openxmlformats.org/markup-compatibility/2006" xmlns:a14="http://schemas.microsoft.com/office/drawing/2010/main">
+        <mc:Choice Requires="a14">
           <p:sp>
             <p:nvSpPr>
               <p:cNvPr id="192" name="ZoneTexte 191"/>
@@ -13193,6 +13140,7 @@
               </a:bodyPr>
               <a:lstStyle/>
               <a:p>
+                <a:pPr/>
                 <a14:m>
                   <m:oMathPara xmlns:m="http://schemas.openxmlformats.org/officeDocument/2006/math">
                     <m:oMathParaPr>
@@ -13213,7 +13161,7 @@
             </p:txBody>
           </p:sp>
         </mc:Choice>
-        <mc:Fallback>
+        <mc:Fallback xmlns="">
           <p:sp>
             <p:nvSpPr>
               <p:cNvPr id="192" name="ZoneTexte 191"/>
@@ -13611,8 +13559,8 @@
             </a:p>
           </p:txBody>
         </p:sp>
-        <mc:AlternateContent xmlns:mc="http://schemas.openxmlformats.org/markup-compatibility/2006">
-          <mc:Choice xmlns:a14="http://schemas.microsoft.com/office/drawing/2010/main" Requires="a14">
+        <mc:AlternateContent xmlns:mc="http://schemas.openxmlformats.org/markup-compatibility/2006" xmlns:a14="http://schemas.microsoft.com/office/drawing/2010/main">
+          <mc:Choice Requires="a14">
             <p:sp>
               <p:nvSpPr>
                 <p:cNvPr id="219" name="ZoneTexte 218"/>
@@ -13635,6 +13583,7 @@
                 </a:bodyPr>
                 <a:lstStyle/>
                 <a:p>
+                  <a:pPr/>
                   <a14:m>
                     <m:oMathPara xmlns:m="http://schemas.openxmlformats.org/officeDocument/2006/math">
                       <m:oMathParaPr>
@@ -13667,7 +13616,7 @@
               </p:txBody>
             </p:sp>
           </mc:Choice>
-          <mc:Fallback>
+          <mc:Fallback xmlns="">
             <p:sp>
               <p:nvSpPr>
                 <p:cNvPr id="219" name="ZoneTexte 218"/>
@@ -13706,8 +13655,8 @@
             </p:sp>
           </mc:Fallback>
         </mc:AlternateContent>
-        <mc:AlternateContent xmlns:mc="http://schemas.openxmlformats.org/markup-compatibility/2006">
-          <mc:Choice xmlns:a14="http://schemas.microsoft.com/office/drawing/2010/main" Requires="a14">
+        <mc:AlternateContent xmlns:mc="http://schemas.openxmlformats.org/markup-compatibility/2006" xmlns:a14="http://schemas.microsoft.com/office/drawing/2010/main">
+          <mc:Choice Requires="a14">
             <p:sp>
               <p:nvSpPr>
                 <p:cNvPr id="220" name="ZoneTexte 219"/>
@@ -13730,6 +13679,7 @@
                 </a:bodyPr>
                 <a:lstStyle/>
                 <a:p>
+                  <a:pPr/>
                   <a14:m>
                     <m:oMathPara xmlns:m="http://schemas.openxmlformats.org/officeDocument/2006/math">
                       <m:oMathParaPr>
@@ -13762,7 +13712,7 @@
               </p:txBody>
             </p:sp>
           </mc:Choice>
-          <mc:Fallback>
+          <mc:Fallback xmlns="">
             <p:sp>
               <p:nvSpPr>
                 <p:cNvPr id="220" name="ZoneTexte 219"/>
@@ -13801,8 +13751,8 @@
             </p:sp>
           </mc:Fallback>
         </mc:AlternateContent>
-        <mc:AlternateContent xmlns:mc="http://schemas.openxmlformats.org/markup-compatibility/2006">
-          <mc:Choice xmlns:a14="http://schemas.microsoft.com/office/drawing/2010/main" Requires="a14">
+        <mc:AlternateContent xmlns:mc="http://schemas.openxmlformats.org/markup-compatibility/2006" xmlns:a14="http://schemas.microsoft.com/office/drawing/2010/main">
+          <mc:Choice Requires="a14">
             <p:sp>
               <p:nvSpPr>
                 <p:cNvPr id="221" name="ZoneTexte 220"/>
@@ -13825,6 +13775,7 @@
                 </a:bodyPr>
                 <a:lstStyle/>
                 <a:p>
+                  <a:pPr/>
                   <a14:m>
                     <m:oMathPara xmlns:m="http://schemas.openxmlformats.org/officeDocument/2006/math">
                       <m:oMathParaPr>
@@ -13857,7 +13808,7 @@
               </p:txBody>
             </p:sp>
           </mc:Choice>
-          <mc:Fallback>
+          <mc:Fallback xmlns="">
             <p:sp>
               <p:nvSpPr>
                 <p:cNvPr id="221" name="ZoneTexte 220"/>
@@ -13897,6 +13848,813 @@
           </mc:Fallback>
         </mc:AlternateContent>
       </p:grpSp>
+      <p:cxnSp>
+        <p:nvCxnSpPr>
+          <p:cNvPr id="108" name="Connecteur droit 107"/>
+          <p:cNvCxnSpPr/>
+          <p:nvPr/>
+        </p:nvCxnSpPr>
+        <p:spPr>
+          <a:xfrm>
+            <a:off x="4617989" y="3189690"/>
+            <a:ext cx="476633" cy="0"/>
+          </a:xfrm>
+          <a:prstGeom prst="line">
+            <a:avLst/>
+          </a:prstGeom>
+          <a:ln w="28575">
+            <a:solidFill>
+              <a:srgbClr val="7030A0"/>
+            </a:solidFill>
+          </a:ln>
+        </p:spPr>
+        <p:style>
+          <a:lnRef idx="1">
+            <a:schemeClr val="accent1"/>
+          </a:lnRef>
+          <a:fillRef idx="0">
+            <a:schemeClr val="accent1"/>
+          </a:fillRef>
+          <a:effectRef idx="0">
+            <a:schemeClr val="accent1"/>
+          </a:effectRef>
+          <a:fontRef idx="minor">
+            <a:schemeClr val="tx1"/>
+          </a:fontRef>
+        </p:style>
+      </p:cxnSp>
+      <p:cxnSp>
+        <p:nvCxnSpPr>
+          <p:cNvPr id="110" name="Connecteur droit 109"/>
+          <p:cNvCxnSpPr/>
+          <p:nvPr/>
+        </p:nvCxnSpPr>
+        <p:spPr>
+          <a:xfrm flipV="1">
+            <a:off x="5094622" y="3100344"/>
+            <a:ext cx="0" cy="170230"/>
+          </a:xfrm>
+          <a:prstGeom prst="line">
+            <a:avLst/>
+          </a:prstGeom>
+          <a:ln w="28575">
+            <a:solidFill>
+              <a:srgbClr val="7030A0"/>
+            </a:solidFill>
+          </a:ln>
+        </p:spPr>
+        <p:style>
+          <a:lnRef idx="1">
+            <a:schemeClr val="accent1"/>
+          </a:lnRef>
+          <a:fillRef idx="0">
+            <a:schemeClr val="accent1"/>
+          </a:fillRef>
+          <a:effectRef idx="0">
+            <a:schemeClr val="accent1"/>
+          </a:effectRef>
+          <a:fontRef idx="minor">
+            <a:schemeClr val="tx1"/>
+          </a:fontRef>
+        </p:style>
+      </p:cxnSp>
+      <p:cxnSp>
+        <p:nvCxnSpPr>
+          <p:cNvPr id="114" name="Connecteur droit 113"/>
+          <p:cNvCxnSpPr/>
+          <p:nvPr/>
+        </p:nvCxnSpPr>
+        <p:spPr>
+          <a:xfrm flipV="1">
+            <a:off x="4617989" y="3104575"/>
+            <a:ext cx="0" cy="170230"/>
+          </a:xfrm>
+          <a:prstGeom prst="line">
+            <a:avLst/>
+          </a:prstGeom>
+          <a:ln w="28575">
+            <a:solidFill>
+              <a:srgbClr val="7030A0"/>
+            </a:solidFill>
+          </a:ln>
+        </p:spPr>
+        <p:style>
+          <a:lnRef idx="1">
+            <a:schemeClr val="accent1"/>
+          </a:lnRef>
+          <a:fillRef idx="0">
+            <a:schemeClr val="accent1"/>
+          </a:fillRef>
+          <a:effectRef idx="0">
+            <a:schemeClr val="accent1"/>
+          </a:effectRef>
+          <a:fontRef idx="minor">
+            <a:schemeClr val="tx1"/>
+          </a:fontRef>
+        </p:style>
+      </p:cxnSp>
+      <p:cxnSp>
+        <p:nvCxnSpPr>
+          <p:cNvPr id="115" name="Connecteur droit 114"/>
+          <p:cNvCxnSpPr/>
+          <p:nvPr/>
+        </p:nvCxnSpPr>
+        <p:spPr>
+          <a:xfrm>
+            <a:off x="4866326" y="2060848"/>
+            <a:ext cx="0" cy="1124612"/>
+          </a:xfrm>
+          <a:prstGeom prst="line">
+            <a:avLst/>
+          </a:prstGeom>
+          <a:ln w="28575">
+            <a:solidFill>
+              <a:srgbClr val="7030A0"/>
+            </a:solidFill>
+          </a:ln>
+        </p:spPr>
+        <p:style>
+          <a:lnRef idx="1">
+            <a:schemeClr val="accent1"/>
+          </a:lnRef>
+          <a:fillRef idx="0">
+            <a:schemeClr val="accent1"/>
+          </a:fillRef>
+          <a:effectRef idx="0">
+            <a:schemeClr val="accent1"/>
+          </a:effectRef>
+          <a:fontRef idx="minor">
+            <a:schemeClr val="tx1"/>
+          </a:fontRef>
+        </p:style>
+      </p:cxnSp>
+      <p:sp>
+        <p:nvSpPr>
+          <p:cNvPr id="117" name="Rectangle 116"/>
+          <p:cNvSpPr/>
+          <p:nvPr/>
+        </p:nvSpPr>
+        <p:spPr>
+          <a:xfrm>
+            <a:off x="4776769" y="2245514"/>
+            <a:ext cx="180000" cy="360000"/>
+          </a:xfrm>
+          <a:prstGeom prst="rect">
+            <a:avLst/>
+          </a:prstGeom>
+          <a:noFill/>
+          <a:ln w="28575">
+            <a:solidFill>
+              <a:srgbClr val="FF0000"/>
+            </a:solidFill>
+          </a:ln>
+        </p:spPr>
+        <p:style>
+          <a:lnRef idx="2">
+            <a:schemeClr val="accent1">
+              <a:shade val="50000"/>
+            </a:schemeClr>
+          </a:lnRef>
+          <a:fillRef idx="1">
+            <a:schemeClr val="accent1"/>
+          </a:fillRef>
+          <a:effectRef idx="0">
+            <a:schemeClr val="accent1"/>
+          </a:effectRef>
+          <a:fontRef idx="minor">
+            <a:schemeClr val="lt1"/>
+          </a:fontRef>
+        </p:style>
+        <p:txBody>
+          <a:bodyPr rtlCol="0" anchor="ctr"/>
+          <a:lstStyle/>
+          <a:p>
+            <a:pPr algn="ctr"/>
+            <a:endParaRPr lang="fr-FR">
+              <a:ln>
+                <a:solidFill>
+                  <a:sysClr val="windowText" lastClr="000000"/>
+                </a:solidFill>
+              </a:ln>
+            </a:endParaRPr>
+          </a:p>
+        </p:txBody>
+      </p:sp>
+      <p:cxnSp>
+        <p:nvCxnSpPr>
+          <p:cNvPr id="118" name="Connecteur droit 117"/>
+          <p:cNvCxnSpPr/>
+          <p:nvPr/>
+        </p:nvCxnSpPr>
+        <p:spPr>
+          <a:xfrm rot="5400000" flipV="1">
+            <a:off x="4864826" y="2119749"/>
+            <a:ext cx="0" cy="170230"/>
+          </a:xfrm>
+          <a:prstGeom prst="line">
+            <a:avLst/>
+          </a:prstGeom>
+          <a:ln w="28575">
+            <a:solidFill>
+              <a:srgbClr val="7030A0"/>
+            </a:solidFill>
+          </a:ln>
+        </p:spPr>
+        <p:style>
+          <a:lnRef idx="1">
+            <a:schemeClr val="accent1"/>
+          </a:lnRef>
+          <a:fillRef idx="0">
+            <a:schemeClr val="accent1"/>
+          </a:fillRef>
+          <a:effectRef idx="0">
+            <a:schemeClr val="accent1"/>
+          </a:effectRef>
+          <a:fontRef idx="minor">
+            <a:schemeClr val="tx1"/>
+          </a:fontRef>
+        </p:style>
+      </p:cxnSp>
+      <p:cxnSp>
+        <p:nvCxnSpPr>
+          <p:cNvPr id="123" name="Connecteur droit 122"/>
+          <p:cNvCxnSpPr/>
+          <p:nvPr/>
+        </p:nvCxnSpPr>
+        <p:spPr>
+          <a:xfrm rot="5400000" flipV="1">
+            <a:off x="4865746" y="2571302"/>
+            <a:ext cx="0" cy="170230"/>
+          </a:xfrm>
+          <a:prstGeom prst="line">
+            <a:avLst/>
+          </a:prstGeom>
+          <a:ln w="28575">
+            <a:solidFill>
+              <a:srgbClr val="7030A0"/>
+            </a:solidFill>
+          </a:ln>
+        </p:spPr>
+        <p:style>
+          <a:lnRef idx="1">
+            <a:schemeClr val="accent1"/>
+          </a:lnRef>
+          <a:fillRef idx="0">
+            <a:schemeClr val="accent1"/>
+          </a:fillRef>
+          <a:effectRef idx="0">
+            <a:schemeClr val="accent1"/>
+          </a:effectRef>
+          <a:fontRef idx="minor">
+            <a:schemeClr val="tx1"/>
+          </a:fontRef>
+        </p:style>
+      </p:cxnSp>
+      <p:cxnSp>
+        <p:nvCxnSpPr>
+          <p:cNvPr id="125" name="Connecteur droit 124"/>
+          <p:cNvCxnSpPr>
+            <a:stCxn id="117" idx="3"/>
+          </p:cNvCxnSpPr>
+          <p:nvPr/>
+        </p:nvCxnSpPr>
+        <p:spPr>
+          <a:xfrm>
+            <a:off x="4956769" y="2425514"/>
+            <a:ext cx="479327" cy="0"/>
+          </a:xfrm>
+          <a:prstGeom prst="line">
+            <a:avLst/>
+          </a:prstGeom>
+          <a:noFill/>
+          <a:ln>
+            <a:solidFill>
+              <a:srgbClr val="FF0000"/>
+            </a:solidFill>
+          </a:ln>
+        </p:spPr>
+        <p:style>
+          <a:lnRef idx="2">
+            <a:schemeClr val="accent1">
+              <a:shade val="50000"/>
+            </a:schemeClr>
+          </a:lnRef>
+          <a:fillRef idx="1">
+            <a:schemeClr val="accent1"/>
+          </a:fillRef>
+          <a:effectRef idx="0">
+            <a:schemeClr val="accent1"/>
+          </a:effectRef>
+          <a:fontRef idx="minor">
+            <a:schemeClr val="lt1"/>
+          </a:fontRef>
+        </p:style>
+      </p:cxnSp>
+      <p:cxnSp>
+        <p:nvCxnSpPr>
+          <p:cNvPr id="126" name="Connecteur droit 125"/>
+          <p:cNvCxnSpPr/>
+          <p:nvPr/>
+        </p:nvCxnSpPr>
+        <p:spPr>
+          <a:xfrm>
+            <a:off x="5436096" y="2430180"/>
+            <a:ext cx="0" cy="1050834"/>
+          </a:xfrm>
+          <a:prstGeom prst="line">
+            <a:avLst/>
+          </a:prstGeom>
+          <a:noFill/>
+          <a:ln>
+            <a:solidFill>
+              <a:srgbClr val="FF0000"/>
+            </a:solidFill>
+          </a:ln>
+        </p:spPr>
+        <p:style>
+          <a:lnRef idx="2">
+            <a:schemeClr val="accent1">
+              <a:shade val="50000"/>
+            </a:schemeClr>
+          </a:lnRef>
+          <a:fillRef idx="1">
+            <a:schemeClr val="accent1"/>
+          </a:fillRef>
+          <a:effectRef idx="0">
+            <a:schemeClr val="accent1"/>
+          </a:effectRef>
+          <a:fontRef idx="minor">
+            <a:schemeClr val="lt1"/>
+          </a:fontRef>
+        </p:style>
+      </p:cxnSp>
+      <p:sp>
+        <p:nvSpPr>
+          <p:cNvPr id="128" name="Rectangle 127"/>
+          <p:cNvSpPr/>
+          <p:nvPr/>
+        </p:nvSpPr>
+        <p:spPr>
+          <a:xfrm>
+            <a:off x="7436418" y="2245514"/>
+            <a:ext cx="180000" cy="360000"/>
+          </a:xfrm>
+          <a:prstGeom prst="rect">
+            <a:avLst/>
+          </a:prstGeom>
+          <a:noFill/>
+          <a:ln w="28575">
+            <a:solidFill>
+              <a:srgbClr val="FF0000"/>
+            </a:solidFill>
+          </a:ln>
+        </p:spPr>
+        <p:style>
+          <a:lnRef idx="2">
+            <a:schemeClr val="accent1">
+              <a:shade val="50000"/>
+            </a:schemeClr>
+          </a:lnRef>
+          <a:fillRef idx="1">
+            <a:schemeClr val="accent1"/>
+          </a:fillRef>
+          <a:effectRef idx="0">
+            <a:schemeClr val="accent1"/>
+          </a:effectRef>
+          <a:fontRef idx="minor">
+            <a:schemeClr val="lt1"/>
+          </a:fontRef>
+        </p:style>
+        <p:txBody>
+          <a:bodyPr rtlCol="0" anchor="ctr"/>
+          <a:lstStyle/>
+          <a:p>
+            <a:pPr algn="ctr"/>
+            <a:endParaRPr lang="fr-FR">
+              <a:ln>
+                <a:solidFill>
+                  <a:sysClr val="windowText" lastClr="000000"/>
+                </a:solidFill>
+              </a:ln>
+            </a:endParaRPr>
+          </a:p>
+        </p:txBody>
+      </p:sp>
+      <p:cxnSp>
+        <p:nvCxnSpPr>
+          <p:cNvPr id="129" name="Connecteur droit 128"/>
+          <p:cNvCxnSpPr/>
+          <p:nvPr/>
+        </p:nvCxnSpPr>
+        <p:spPr>
+          <a:xfrm>
+            <a:off x="7611764" y="2430180"/>
+            <a:ext cx="99532" cy="0"/>
+          </a:xfrm>
+          <a:prstGeom prst="line">
+            <a:avLst/>
+          </a:prstGeom>
+          <a:noFill/>
+          <a:ln>
+            <a:solidFill>
+              <a:srgbClr val="FF0000"/>
+            </a:solidFill>
+          </a:ln>
+        </p:spPr>
+        <p:style>
+          <a:lnRef idx="2">
+            <a:schemeClr val="accent1">
+              <a:shade val="50000"/>
+            </a:schemeClr>
+          </a:lnRef>
+          <a:fillRef idx="1">
+            <a:schemeClr val="accent1"/>
+          </a:fillRef>
+          <a:effectRef idx="0">
+            <a:schemeClr val="accent1"/>
+          </a:effectRef>
+          <a:fontRef idx="minor">
+            <a:schemeClr val="lt1"/>
+          </a:fontRef>
+        </p:style>
+      </p:cxnSp>
+      <p:cxnSp>
+        <p:nvCxnSpPr>
+          <p:cNvPr id="131" name="Connecteur droit 130"/>
+          <p:cNvCxnSpPr>
+            <a:endCxn id="176" idx="1"/>
+          </p:cNvCxnSpPr>
+          <p:nvPr/>
+        </p:nvCxnSpPr>
+        <p:spPr>
+          <a:xfrm>
+            <a:off x="7711296" y="2920343"/>
+            <a:ext cx="230417" cy="0"/>
+          </a:xfrm>
+          <a:prstGeom prst="line">
+            <a:avLst/>
+          </a:prstGeom>
+          <a:noFill/>
+          <a:ln>
+            <a:solidFill>
+              <a:srgbClr val="FF0000"/>
+            </a:solidFill>
+          </a:ln>
+        </p:spPr>
+        <p:style>
+          <a:lnRef idx="2">
+            <a:schemeClr val="accent1">
+              <a:shade val="50000"/>
+            </a:schemeClr>
+          </a:lnRef>
+          <a:fillRef idx="1">
+            <a:schemeClr val="accent1"/>
+          </a:fillRef>
+          <a:effectRef idx="0">
+            <a:schemeClr val="accent1"/>
+          </a:effectRef>
+          <a:fontRef idx="minor">
+            <a:schemeClr val="lt1"/>
+          </a:fontRef>
+        </p:style>
+      </p:cxnSp>
+      <p:cxnSp>
+        <p:nvCxnSpPr>
+          <p:cNvPr id="132" name="Connecteur droit 131"/>
+          <p:cNvCxnSpPr/>
+          <p:nvPr/>
+        </p:nvCxnSpPr>
+        <p:spPr>
+          <a:xfrm>
+            <a:off x="7702719" y="2430180"/>
+            <a:ext cx="0" cy="490163"/>
+          </a:xfrm>
+          <a:prstGeom prst="line">
+            <a:avLst/>
+          </a:prstGeom>
+          <a:noFill/>
+          <a:ln>
+            <a:solidFill>
+              <a:srgbClr val="FF0000"/>
+            </a:solidFill>
+          </a:ln>
+        </p:spPr>
+        <p:style>
+          <a:lnRef idx="2">
+            <a:schemeClr val="accent1">
+              <a:shade val="50000"/>
+            </a:schemeClr>
+          </a:lnRef>
+          <a:fillRef idx="1">
+            <a:schemeClr val="accent1"/>
+          </a:fillRef>
+          <a:effectRef idx="0">
+            <a:schemeClr val="accent1"/>
+          </a:effectRef>
+          <a:fontRef idx="minor">
+            <a:schemeClr val="lt1"/>
+          </a:fontRef>
+        </p:style>
+      </p:cxnSp>
+      <p:cxnSp>
+        <p:nvCxnSpPr>
+          <p:cNvPr id="139" name="Connecteur droit 138"/>
+          <p:cNvCxnSpPr/>
+          <p:nvPr/>
+        </p:nvCxnSpPr>
+        <p:spPr>
+          <a:xfrm>
+            <a:off x="7309161" y="3215857"/>
+            <a:ext cx="476633" cy="0"/>
+          </a:xfrm>
+          <a:prstGeom prst="line">
+            <a:avLst/>
+          </a:prstGeom>
+          <a:ln w="28575">
+            <a:solidFill>
+              <a:srgbClr val="7030A0"/>
+            </a:solidFill>
+          </a:ln>
+        </p:spPr>
+        <p:style>
+          <a:lnRef idx="1">
+            <a:schemeClr val="accent1"/>
+          </a:lnRef>
+          <a:fillRef idx="0">
+            <a:schemeClr val="accent1"/>
+          </a:fillRef>
+          <a:effectRef idx="0">
+            <a:schemeClr val="accent1"/>
+          </a:effectRef>
+          <a:fontRef idx="minor">
+            <a:schemeClr val="tx1"/>
+          </a:fontRef>
+        </p:style>
+      </p:cxnSp>
+      <p:cxnSp>
+        <p:nvCxnSpPr>
+          <p:cNvPr id="140" name="Connecteur droit 139"/>
+          <p:cNvCxnSpPr/>
+          <p:nvPr/>
+        </p:nvCxnSpPr>
+        <p:spPr>
+          <a:xfrm flipV="1">
+            <a:off x="7785794" y="3126511"/>
+            <a:ext cx="0" cy="170230"/>
+          </a:xfrm>
+          <a:prstGeom prst="line">
+            <a:avLst/>
+          </a:prstGeom>
+          <a:ln w="28575">
+            <a:solidFill>
+              <a:srgbClr val="7030A0"/>
+            </a:solidFill>
+          </a:ln>
+        </p:spPr>
+        <p:style>
+          <a:lnRef idx="1">
+            <a:schemeClr val="accent1"/>
+          </a:lnRef>
+          <a:fillRef idx="0">
+            <a:schemeClr val="accent1"/>
+          </a:fillRef>
+          <a:effectRef idx="0">
+            <a:schemeClr val="accent1"/>
+          </a:effectRef>
+          <a:fontRef idx="minor">
+            <a:schemeClr val="tx1"/>
+          </a:fontRef>
+        </p:style>
+      </p:cxnSp>
+      <p:cxnSp>
+        <p:nvCxnSpPr>
+          <p:cNvPr id="141" name="Connecteur droit 140"/>
+          <p:cNvCxnSpPr/>
+          <p:nvPr/>
+        </p:nvCxnSpPr>
+        <p:spPr>
+          <a:xfrm flipV="1">
+            <a:off x="7309161" y="3130742"/>
+            <a:ext cx="0" cy="170230"/>
+          </a:xfrm>
+          <a:prstGeom prst="line">
+            <a:avLst/>
+          </a:prstGeom>
+          <a:ln w="28575">
+            <a:solidFill>
+              <a:srgbClr val="7030A0"/>
+            </a:solidFill>
+          </a:ln>
+        </p:spPr>
+        <p:style>
+          <a:lnRef idx="1">
+            <a:schemeClr val="accent1"/>
+          </a:lnRef>
+          <a:fillRef idx="0">
+            <a:schemeClr val="accent1"/>
+          </a:fillRef>
+          <a:effectRef idx="0">
+            <a:schemeClr val="accent1"/>
+          </a:effectRef>
+          <a:fontRef idx="minor">
+            <a:schemeClr val="tx1"/>
+          </a:fontRef>
+        </p:style>
+      </p:cxnSp>
+      <p:grpSp>
+        <p:nvGrpSpPr>
+          <p:cNvPr id="32" name="Groupe 31"/>
+          <p:cNvGrpSpPr/>
+          <p:nvPr/>
+        </p:nvGrpSpPr>
+        <p:grpSpPr>
+          <a:xfrm>
+            <a:off x="7441282" y="2053037"/>
+            <a:ext cx="171150" cy="1159939"/>
+            <a:chOff x="6496065" y="1738120"/>
+            <a:chExt cx="171150" cy="1159939"/>
+          </a:xfrm>
+        </p:grpSpPr>
+        <p:cxnSp>
+          <p:nvCxnSpPr>
+            <p:cNvPr id="142" name="Connecteur droit 141"/>
+            <p:cNvCxnSpPr/>
+            <p:nvPr/>
+          </p:nvCxnSpPr>
+          <p:spPr>
+            <a:xfrm>
+              <a:off x="6582680" y="1738120"/>
+              <a:ext cx="0" cy="1159939"/>
+            </a:xfrm>
+            <a:prstGeom prst="line">
+              <a:avLst/>
+            </a:prstGeom>
+            <a:ln w="28575">
+              <a:solidFill>
+                <a:srgbClr val="7030A0"/>
+              </a:solidFill>
+            </a:ln>
+          </p:spPr>
+          <p:style>
+            <a:lnRef idx="1">
+              <a:schemeClr val="accent1"/>
+            </a:lnRef>
+            <a:fillRef idx="0">
+              <a:schemeClr val="accent1"/>
+            </a:fillRef>
+            <a:effectRef idx="0">
+              <a:schemeClr val="accent1"/>
+            </a:effectRef>
+            <a:fontRef idx="minor">
+              <a:schemeClr val="tx1"/>
+            </a:fontRef>
+          </p:style>
+        </p:cxnSp>
+        <p:cxnSp>
+          <p:nvCxnSpPr>
+            <p:cNvPr id="154" name="Connecteur droit 153"/>
+            <p:cNvCxnSpPr/>
+            <p:nvPr/>
+          </p:nvCxnSpPr>
+          <p:spPr>
+            <a:xfrm rot="5400000" flipV="1">
+              <a:off x="6581180" y="1797021"/>
+              <a:ext cx="0" cy="170230"/>
+            </a:xfrm>
+            <a:prstGeom prst="line">
+              <a:avLst/>
+            </a:prstGeom>
+            <a:ln w="28575">
+              <a:solidFill>
+                <a:srgbClr val="7030A0"/>
+              </a:solidFill>
+            </a:ln>
+          </p:spPr>
+          <p:style>
+            <a:lnRef idx="1">
+              <a:schemeClr val="accent1"/>
+            </a:lnRef>
+            <a:fillRef idx="0">
+              <a:schemeClr val="accent1"/>
+            </a:fillRef>
+            <a:effectRef idx="0">
+              <a:schemeClr val="accent1"/>
+            </a:effectRef>
+            <a:fontRef idx="minor">
+              <a:schemeClr val="tx1"/>
+            </a:fontRef>
+          </p:style>
+        </p:cxnSp>
+        <p:cxnSp>
+          <p:nvCxnSpPr>
+            <p:cNvPr id="156" name="Connecteur droit 155"/>
+            <p:cNvCxnSpPr/>
+            <p:nvPr/>
+          </p:nvCxnSpPr>
+          <p:spPr>
+            <a:xfrm rot="5400000" flipV="1">
+              <a:off x="6582100" y="2248574"/>
+              <a:ext cx="0" cy="170230"/>
+            </a:xfrm>
+            <a:prstGeom prst="line">
+              <a:avLst/>
+            </a:prstGeom>
+            <a:ln w="28575">
+              <a:solidFill>
+                <a:srgbClr val="7030A0"/>
+              </a:solidFill>
+            </a:ln>
+          </p:spPr>
+          <p:style>
+            <a:lnRef idx="1">
+              <a:schemeClr val="accent1"/>
+            </a:lnRef>
+            <a:fillRef idx="0">
+              <a:schemeClr val="accent1"/>
+            </a:fillRef>
+            <a:effectRef idx="0">
+              <a:schemeClr val="accent1"/>
+            </a:effectRef>
+            <a:fontRef idx="minor">
+              <a:schemeClr val="tx1"/>
+            </a:fontRef>
+          </p:style>
+        </p:cxnSp>
+      </p:grpSp>
+      <p:cxnSp>
+        <p:nvCxnSpPr>
+          <p:cNvPr id="157" name="Connecteur droit 156"/>
+          <p:cNvCxnSpPr>
+            <a:endCxn id="6" idx="3"/>
+          </p:cNvCxnSpPr>
+          <p:nvPr/>
+        </p:nvCxnSpPr>
+        <p:spPr>
+          <a:xfrm flipH="1">
+            <a:off x="739982" y="2862732"/>
+            <a:ext cx="436198" cy="0"/>
+          </a:xfrm>
+          <a:prstGeom prst="line">
+            <a:avLst/>
+          </a:prstGeom>
+          <a:ln w="28575">
+            <a:solidFill>
+              <a:schemeClr val="tx1"/>
+            </a:solidFill>
+          </a:ln>
+        </p:spPr>
+        <p:style>
+          <a:lnRef idx="1">
+            <a:schemeClr val="accent1"/>
+          </a:lnRef>
+          <a:fillRef idx="0">
+            <a:schemeClr val="accent1"/>
+          </a:fillRef>
+          <a:effectRef idx="0">
+            <a:schemeClr val="accent1"/>
+          </a:effectRef>
+          <a:fontRef idx="minor">
+            <a:schemeClr val="tx1"/>
+          </a:fontRef>
+        </p:style>
+      </p:cxnSp>
+      <p:cxnSp>
+        <p:nvCxnSpPr>
+          <p:cNvPr id="160" name="Connecteur droit 159"/>
+          <p:cNvCxnSpPr>
+            <a:stCxn id="53" idx="0"/>
+          </p:cNvCxnSpPr>
+          <p:nvPr/>
+        </p:nvCxnSpPr>
+        <p:spPr>
+          <a:xfrm flipV="1">
+            <a:off x="1175577" y="2862732"/>
+            <a:ext cx="603" cy="487849"/>
+          </a:xfrm>
+          <a:prstGeom prst="line">
+            <a:avLst/>
+          </a:prstGeom>
+          <a:ln w="28575">
+            <a:solidFill>
+              <a:schemeClr val="tx1"/>
+            </a:solidFill>
+          </a:ln>
+        </p:spPr>
+        <p:style>
+          <a:lnRef idx="1">
+            <a:schemeClr val="accent1"/>
+          </a:lnRef>
+          <a:fillRef idx="0">
+            <a:schemeClr val="accent1"/>
+          </a:fillRef>
+          <a:effectRef idx="0">
+            <a:schemeClr val="accent1"/>
+          </a:effectRef>
+          <a:fontRef idx="minor">
+            <a:schemeClr val="tx1"/>
+          </a:fontRef>
+        </p:style>
+      </p:cxnSp>
     </p:spTree>
     <p:extLst>
       <p:ext uri="{BB962C8B-B14F-4D97-AF65-F5344CB8AC3E}">
@@ -13907,6 +14665,13 @@
   <p:clrMapOvr>
     <a:masterClrMapping/>
   </p:clrMapOvr>
+  <p:timing>
+    <p:tnLst>
+      <p:par>
+        <p:cTn id="1" dur="indefinite" restart="never" nodeType="tmRoot"/>
+      </p:par>
+    </p:tnLst>
+  </p:timing>
 </p:sld>
 </file>
 
